--- a/szakmaivalamiigen.pptx
+++ b/szakmaivalamiigen.pptx
@@ -113,6 +113,11 @@
       </a:defRPr>
     </a:lvl9pPr>
   </p:defaultTextStyle>
+  <p:extLst>
+    <p:ext uri="{EFAFB233-063F-42B5-8137-9DF3F51BA10A}">
+      <p15:sldGuideLst xmlns:p15="http://schemas.microsoft.com/office/powerpoint/2012/main"/>
+    </p:ext>
+  </p:extLst>
 </p:presentation>
 </file>
 
@@ -247,7 +252,7 @@
           <a:p>
             <a:fld id="{B556A831-036A-4D84-A9CC-31420D3BD400}" type="datetimeFigureOut">
               <a:rPr lang="hu-HU" smtClean="0"/>
-              <a:t>2022.09.12.</a:t>
+              <a:t>2022.09.14.</a:t>
             </a:fld>
             <a:endParaRPr lang="hu-HU"/>
           </a:p>
@@ -305,6 +310,9 @@
   <p:clrMapOvr>
     <a:masterClrMapping/>
   </p:clrMapOvr>
+  <p:transition spd="slow">
+    <p:push dir="u"/>
+  </p:transition>
 </p:sldLayout>
 </file>
 
@@ -417,7 +425,7 @@
           <a:p>
             <a:fld id="{B556A831-036A-4D84-A9CC-31420D3BD400}" type="datetimeFigureOut">
               <a:rPr lang="hu-HU" smtClean="0"/>
-              <a:t>2022.09.12.</a:t>
+              <a:t>2022.09.14.</a:t>
             </a:fld>
             <a:endParaRPr lang="hu-HU"/>
           </a:p>
@@ -475,6 +483,9 @@
   <p:clrMapOvr>
     <a:masterClrMapping/>
   </p:clrMapOvr>
+  <p:transition spd="slow">
+    <p:push dir="u"/>
+  </p:transition>
 </p:sldLayout>
 </file>
 
@@ -597,7 +608,7 @@
           <a:p>
             <a:fld id="{B556A831-036A-4D84-A9CC-31420D3BD400}" type="datetimeFigureOut">
               <a:rPr lang="hu-HU" smtClean="0"/>
-              <a:t>2022.09.12.</a:t>
+              <a:t>2022.09.14.</a:t>
             </a:fld>
             <a:endParaRPr lang="hu-HU"/>
           </a:p>
@@ -655,6 +666,9 @@
   <p:clrMapOvr>
     <a:masterClrMapping/>
   </p:clrMapOvr>
+  <p:transition spd="slow">
+    <p:push dir="u"/>
+  </p:transition>
 </p:sldLayout>
 </file>
 
@@ -767,7 +781,7 @@
           <a:p>
             <a:fld id="{B556A831-036A-4D84-A9CC-31420D3BD400}" type="datetimeFigureOut">
               <a:rPr lang="hu-HU" smtClean="0"/>
-              <a:t>2022.09.12.</a:t>
+              <a:t>2022.09.14.</a:t>
             </a:fld>
             <a:endParaRPr lang="hu-HU"/>
           </a:p>
@@ -825,6 +839,9 @@
   <p:clrMapOvr>
     <a:masterClrMapping/>
   </p:clrMapOvr>
+  <p:transition spd="slow">
+    <p:push dir="u"/>
+  </p:transition>
 </p:sldLayout>
 </file>
 
@@ -1013,7 +1030,7 @@
           <a:p>
             <a:fld id="{B556A831-036A-4D84-A9CC-31420D3BD400}" type="datetimeFigureOut">
               <a:rPr lang="hu-HU" smtClean="0"/>
-              <a:t>2022.09.12.</a:t>
+              <a:t>2022.09.14.</a:t>
             </a:fld>
             <a:endParaRPr lang="hu-HU"/>
           </a:p>
@@ -1071,6 +1088,9 @@
   <p:clrMapOvr>
     <a:masterClrMapping/>
   </p:clrMapOvr>
+  <p:transition spd="slow">
+    <p:push dir="u"/>
+  </p:transition>
 </p:sldLayout>
 </file>
 
@@ -1245,7 +1265,7 @@
           <a:p>
             <a:fld id="{B556A831-036A-4D84-A9CC-31420D3BD400}" type="datetimeFigureOut">
               <a:rPr lang="hu-HU" smtClean="0"/>
-              <a:t>2022.09.12.</a:t>
+              <a:t>2022.09.14.</a:t>
             </a:fld>
             <a:endParaRPr lang="hu-HU"/>
           </a:p>
@@ -1303,6 +1323,9 @@
   <p:clrMapOvr>
     <a:masterClrMapping/>
   </p:clrMapOvr>
+  <p:transition spd="slow">
+    <p:push dir="u"/>
+  </p:transition>
 </p:sldLayout>
 </file>
 
@@ -1612,7 +1635,7 @@
           <a:p>
             <a:fld id="{B556A831-036A-4D84-A9CC-31420D3BD400}" type="datetimeFigureOut">
               <a:rPr lang="hu-HU" smtClean="0"/>
-              <a:t>2022.09.12.</a:t>
+              <a:t>2022.09.14.</a:t>
             </a:fld>
             <a:endParaRPr lang="hu-HU"/>
           </a:p>
@@ -1670,6 +1693,9 @@
   <p:clrMapOvr>
     <a:masterClrMapping/>
   </p:clrMapOvr>
+  <p:transition spd="slow">
+    <p:push dir="u"/>
+  </p:transition>
 </p:sldLayout>
 </file>
 
@@ -1730,7 +1756,7 @@
           <a:p>
             <a:fld id="{B556A831-036A-4D84-A9CC-31420D3BD400}" type="datetimeFigureOut">
               <a:rPr lang="hu-HU" smtClean="0"/>
-              <a:t>2022.09.12.</a:t>
+              <a:t>2022.09.14.</a:t>
             </a:fld>
             <a:endParaRPr lang="hu-HU"/>
           </a:p>
@@ -1788,6 +1814,9 @@
   <p:clrMapOvr>
     <a:masterClrMapping/>
   </p:clrMapOvr>
+  <p:transition spd="slow">
+    <p:push dir="u"/>
+  </p:transition>
 </p:sldLayout>
 </file>
 
@@ -1825,7 +1854,7 @@
           <a:p>
             <a:fld id="{B556A831-036A-4D84-A9CC-31420D3BD400}" type="datetimeFigureOut">
               <a:rPr lang="hu-HU" smtClean="0"/>
-              <a:t>2022.09.12.</a:t>
+              <a:t>2022.09.14.</a:t>
             </a:fld>
             <a:endParaRPr lang="hu-HU"/>
           </a:p>
@@ -1883,6 +1912,9 @@
   <p:clrMapOvr>
     <a:masterClrMapping/>
   </p:clrMapOvr>
+  <p:transition spd="slow">
+    <p:push dir="u"/>
+  </p:transition>
 </p:sldLayout>
 </file>
 
@@ -2102,7 +2134,7 @@
           <a:p>
             <a:fld id="{B556A831-036A-4D84-A9CC-31420D3BD400}" type="datetimeFigureOut">
               <a:rPr lang="hu-HU" smtClean="0"/>
-              <a:t>2022.09.12.</a:t>
+              <a:t>2022.09.14.</a:t>
             </a:fld>
             <a:endParaRPr lang="hu-HU"/>
           </a:p>
@@ -2160,6 +2192,9 @@
   <p:clrMapOvr>
     <a:masterClrMapping/>
   </p:clrMapOvr>
+  <p:transition spd="slow">
+    <p:push dir="u"/>
+  </p:transition>
 </p:sldLayout>
 </file>
 
@@ -2355,7 +2390,7 @@
           <a:p>
             <a:fld id="{B556A831-036A-4D84-A9CC-31420D3BD400}" type="datetimeFigureOut">
               <a:rPr lang="hu-HU" smtClean="0"/>
-              <a:t>2022.09.12.</a:t>
+              <a:t>2022.09.14.</a:t>
             </a:fld>
             <a:endParaRPr lang="hu-HU"/>
           </a:p>
@@ -2413,6 +2448,9 @@
   <p:clrMapOvr>
     <a:masterClrMapping/>
   </p:clrMapOvr>
+  <p:transition spd="slow">
+    <p:push dir="u"/>
+  </p:transition>
 </p:sldLayout>
 </file>
 
@@ -2420,9 +2458,14 @@
 <p:sldMaster xmlns:a="http://schemas.openxmlformats.org/drawingml/2006/main" xmlns:r="http://schemas.openxmlformats.org/officeDocument/2006/relationships" xmlns:p="http://schemas.openxmlformats.org/presentationml/2006/main">
   <p:cSld>
     <p:bg>
-      <p:bgRef idx="1001">
-        <a:schemeClr val="bg1"/>
-      </p:bgRef>
+      <p:bgPr>
+        <a:solidFill>
+          <a:schemeClr val="bg2">
+            <a:lumMod val="10000"/>
+          </a:schemeClr>
+        </a:solidFill>
+        <a:effectLst/>
+      </p:bgPr>
     </p:bg>
     <p:spTree>
       <p:nvGrpSpPr>
@@ -2568,7 +2611,7 @@
           <a:p>
             <a:fld id="{B556A831-036A-4D84-A9CC-31420D3BD400}" type="datetimeFigureOut">
               <a:rPr lang="hu-HU" smtClean="0"/>
-              <a:t>2022.09.12.</a:t>
+              <a:t>2022.09.14.</a:t>
             </a:fld>
             <a:endParaRPr lang="hu-HU"/>
           </a:p>
@@ -2673,6 +2716,9 @@
     <p:sldLayoutId id="2147483658" r:id="rId10"/>
     <p:sldLayoutId id="2147483659" r:id="rId11"/>
   </p:sldLayoutIdLst>
+  <p:transition spd="slow">
+    <p:push dir="u"/>
+  </p:transition>
   <p:txStyles>
     <p:titleStyle>
       <a:lvl1pPr algn="l" defTabSz="914400" rtl="0" eaLnBrk="1" latinLnBrk="0" hangingPunct="1">
@@ -2983,16 +3029,42 @@
             <p:ph type="ctrTitle"/>
           </p:nvPr>
         </p:nvSpPr>
-        <p:spPr/>
-        <p:txBody>
-          <a:bodyPr/>
-          <a:lstStyle/>
-          <a:p>
-            <a:r>
-              <a:rPr lang="hu-HU" dirty="0" smtClean="0"/>
-              <a:t>Programozási nyelvek</a:t>
-            </a:r>
-            <a:endParaRPr lang="hu-HU" dirty="0"/>
+        <p:spPr>
+          <a:xfrm>
+            <a:off x="1524000" y="1522413"/>
+            <a:ext cx="9144000" cy="2387600"/>
+          </a:xfrm>
+        </p:spPr>
+        <p:txBody>
+          <a:bodyPr>
+            <a:normAutofit/>
+          </a:bodyPr>
+          <a:lstStyle/>
+          <a:p>
+            <a:r>
+              <a:rPr lang="hu-HU" sz="8000" dirty="0" smtClean="0">
+                <a:solidFill>
+                  <a:schemeClr val="bg2"/>
+                </a:solidFill>
+                <a:latin typeface="Arial Black" panose="020B0A04020102020204" pitchFamily="34" charset="0"/>
+              </a:rPr>
+              <a:t>Programozási </a:t>
+            </a:r>
+            <a:r>
+              <a:rPr lang="hu-HU" sz="8000" dirty="0" smtClean="0">
+                <a:solidFill>
+                  <a:schemeClr val="bg2"/>
+                </a:solidFill>
+                <a:latin typeface="Arial Black" panose="020B0A04020102020204" pitchFamily="34" charset="0"/>
+              </a:rPr>
+              <a:t>nyelvek</a:t>
+            </a:r>
+            <a:endParaRPr lang="hu-HU" sz="8000" dirty="0">
+              <a:solidFill>
+                <a:schemeClr val="bg2"/>
+              </a:solidFill>
+              <a:latin typeface="Arial Black" panose="020B0A04020102020204" pitchFamily="34" charset="0"/>
+            </a:endParaRPr>
           </a:p>
         </p:txBody>
       </p:sp>
@@ -3006,16 +3078,35 @@
             <p:ph type="subTitle" idx="1"/>
           </p:nvPr>
         </p:nvSpPr>
-        <p:spPr/>
-        <p:txBody>
-          <a:bodyPr/>
-          <a:lstStyle/>
-          <a:p>
-            <a:r>
-              <a:rPr lang="hu-HU" dirty="0" smtClean="0"/>
+        <p:spPr>
+          <a:xfrm>
+            <a:off x="1524000" y="4659313"/>
+            <a:ext cx="9144000" cy="1655762"/>
+          </a:xfrm>
+        </p:spPr>
+        <p:txBody>
+          <a:bodyPr/>
+          <a:lstStyle/>
+          <a:p>
+            <a:r>
+              <a:rPr lang="hu-HU" dirty="0" smtClean="0">
+                <a:solidFill>
+                  <a:schemeClr val="bg1">
+                    <a:lumMod val="95000"/>
+                  </a:schemeClr>
+                </a:solidFill>
+                <a:latin typeface="Bahnschrift SemiBold Condensed" panose="020B0502040204020203" pitchFamily="34" charset="0"/>
+              </a:rPr>
               <a:t>Készítette: Rék Dávid 10.A</a:t>
             </a:r>
-            <a:endParaRPr lang="hu-HU" dirty="0"/>
+            <a:endParaRPr lang="hu-HU" dirty="0">
+              <a:solidFill>
+                <a:schemeClr val="bg1">
+                  <a:lumMod val="95000"/>
+                </a:schemeClr>
+              </a:solidFill>
+              <a:latin typeface="Bahnschrift SemiBold Condensed" panose="020B0502040204020203" pitchFamily="34" charset="0"/>
+            </a:endParaRPr>
           </a:p>
         </p:txBody>
       </p:sp>
@@ -3029,6 +3120,154 @@
   <p:clrMapOvr>
     <a:masterClrMapping/>
   </p:clrMapOvr>
+  <p:transition spd="slow">
+    <p:cover/>
+  </p:transition>
+  <p:timing>
+    <p:tnLst>
+      <p:par>
+        <p:cTn id="1" dur="indefinite" restart="never" nodeType="tmRoot">
+          <p:childTnLst>
+            <p:seq concurrent="1" nextAc="seek">
+              <p:cTn id="2" dur="indefinite" nodeType="mainSeq">
+                <p:childTnLst>
+                  <p:par>
+                    <p:cTn id="3" fill="hold">
+                      <p:stCondLst>
+                        <p:cond delay="indefinite"/>
+                      </p:stCondLst>
+                      <p:childTnLst>
+                        <p:par>
+                          <p:cTn id="4" fill="hold">
+                            <p:stCondLst>
+                              <p:cond delay="0"/>
+                            </p:stCondLst>
+                            <p:childTnLst>
+                              <p:par>
+                                <p:cTn id="5" presetID="53" presetClass="entr" presetSubtype="16" fill="hold" nodeType="clickEffect">
+                                  <p:stCondLst>
+                                    <p:cond delay="0"/>
+                                  </p:stCondLst>
+                                  <p:childTnLst>
+                                    <p:set>
+                                      <p:cBhvr>
+                                        <p:cTn id="6" dur="1" fill="hold">
+                                          <p:stCondLst>
+                                            <p:cond delay="0"/>
+                                          </p:stCondLst>
+                                        </p:cTn>
+                                        <p:tgtEl>
+                                          <p:spTgt spid="3">
+                                            <p:txEl>
+                                              <p:pRg st="0" end="0"/>
+                                            </p:txEl>
+                                          </p:spTgt>
+                                        </p:tgtEl>
+                                        <p:attrNameLst>
+                                          <p:attrName>style.visibility</p:attrName>
+                                        </p:attrNameLst>
+                                      </p:cBhvr>
+                                      <p:to>
+                                        <p:strVal val="visible"/>
+                                      </p:to>
+                                    </p:set>
+                                    <p:anim calcmode="lin" valueType="num">
+                                      <p:cBhvr>
+                                        <p:cTn id="7" dur="500" fill="hold"/>
+                                        <p:tgtEl>
+                                          <p:spTgt spid="3">
+                                            <p:txEl>
+                                              <p:pRg st="0" end="0"/>
+                                            </p:txEl>
+                                          </p:spTgt>
+                                        </p:tgtEl>
+                                        <p:attrNameLst>
+                                          <p:attrName>ppt_w</p:attrName>
+                                        </p:attrNameLst>
+                                      </p:cBhvr>
+                                      <p:tavLst>
+                                        <p:tav tm="0">
+                                          <p:val>
+                                            <p:fltVal val="0"/>
+                                          </p:val>
+                                        </p:tav>
+                                        <p:tav tm="100000">
+                                          <p:val>
+                                            <p:strVal val="#ppt_w"/>
+                                          </p:val>
+                                        </p:tav>
+                                      </p:tavLst>
+                                    </p:anim>
+                                    <p:anim calcmode="lin" valueType="num">
+                                      <p:cBhvr>
+                                        <p:cTn id="8" dur="500" fill="hold"/>
+                                        <p:tgtEl>
+                                          <p:spTgt spid="3">
+                                            <p:txEl>
+                                              <p:pRg st="0" end="0"/>
+                                            </p:txEl>
+                                          </p:spTgt>
+                                        </p:tgtEl>
+                                        <p:attrNameLst>
+                                          <p:attrName>ppt_h</p:attrName>
+                                        </p:attrNameLst>
+                                      </p:cBhvr>
+                                      <p:tavLst>
+                                        <p:tav tm="0">
+                                          <p:val>
+                                            <p:fltVal val="0"/>
+                                          </p:val>
+                                        </p:tav>
+                                        <p:tav tm="100000">
+                                          <p:val>
+                                            <p:strVal val="#ppt_h"/>
+                                          </p:val>
+                                        </p:tav>
+                                      </p:tavLst>
+                                    </p:anim>
+                                    <p:animEffect transition="in" filter="fade">
+                                      <p:cBhvr>
+                                        <p:cTn id="9" dur="500"/>
+                                        <p:tgtEl>
+                                          <p:spTgt spid="3">
+                                            <p:txEl>
+                                              <p:pRg st="0" end="0"/>
+                                            </p:txEl>
+                                          </p:spTgt>
+                                        </p:tgtEl>
+                                      </p:cBhvr>
+                                    </p:animEffect>
+                                  </p:childTnLst>
+                                </p:cTn>
+                              </p:par>
+                            </p:childTnLst>
+                          </p:cTn>
+                        </p:par>
+                      </p:childTnLst>
+                    </p:cTn>
+                  </p:par>
+                </p:childTnLst>
+              </p:cTn>
+              <p:prevCondLst>
+                <p:cond evt="onPrev" delay="0">
+                  <p:tgtEl>
+                    <p:sldTgt/>
+                  </p:tgtEl>
+                </p:cond>
+              </p:prevCondLst>
+              <p:nextCondLst>
+                <p:cond evt="onNext" delay="0">
+                  <p:tgtEl>
+                    <p:sldTgt/>
+                  </p:tgtEl>
+                </p:cond>
+              </p:nextCondLst>
+            </p:seq>
+          </p:childTnLst>
+        </p:cTn>
+      </p:par>
+    </p:tnLst>
+  </p:timing>
 </p:sld>
 </file>
 
@@ -3061,10 +3300,26 @@
         </p:nvSpPr>
         <p:spPr/>
         <p:txBody>
-          <a:bodyPr/>
-          <a:lstStyle/>
-          <a:p>
-            <a:endParaRPr lang="hu-HU"/>
+          <a:bodyPr>
+            <a:normAutofit/>
+          </a:bodyPr>
+          <a:lstStyle/>
+          <a:p>
+            <a:r>
+              <a:rPr lang="hu-HU" sz="6600" dirty="0">
+                <a:solidFill>
+                  <a:schemeClr val="bg2"/>
+                </a:solidFill>
+                <a:latin typeface="Arial Black" panose="020B0A04020102020204" pitchFamily="34" charset="0"/>
+              </a:rPr>
+              <a:t>Források:</a:t>
+            </a:r>
+            <a:endParaRPr lang="hu-HU" sz="6600" dirty="0">
+              <a:solidFill>
+                <a:schemeClr val="bg2"/>
+              </a:solidFill>
+              <a:latin typeface="Arial Black" panose="020B0A04020102020204" pitchFamily="34" charset="0"/>
+            </a:endParaRPr>
           </a:p>
         </p:txBody>
       </p:sp>
@@ -3083,7 +3338,106 @@
           <a:bodyPr/>
           <a:lstStyle/>
           <a:p>
-            <a:endParaRPr lang="hu-HU"/>
+            <a:r>
+              <a:rPr lang="hu-HU" dirty="0" smtClean="0">
+                <a:solidFill>
+                  <a:schemeClr val="bg1">
+                    <a:lumMod val="95000"/>
+                  </a:schemeClr>
+                </a:solidFill>
+                <a:hlinkClick r:id="rId2"/>
+              </a:rPr>
+              <a:t>https://</a:t>
+            </a:r>
+            <a:r>
+              <a:rPr lang="hu-HU" dirty="0" smtClean="0">
+                <a:solidFill>
+                  <a:schemeClr val="bg1">
+                    <a:lumMod val="95000"/>
+                  </a:schemeClr>
+                </a:solidFill>
+                <a:hlinkClick r:id="rId2"/>
+              </a:rPr>
+              <a:t>www.hp.com/us-en/shop/tech-takes/computer-history-programming-languages</a:t>
+            </a:r>
+            <a:endParaRPr lang="hu-HU" dirty="0">
+              <a:solidFill>
+                <a:schemeClr val="bg1">
+                  <a:lumMod val="95000"/>
+                </a:schemeClr>
+              </a:solidFill>
+            </a:endParaRPr>
+          </a:p>
+          <a:p>
+            <a:r>
+              <a:rPr lang="hu-HU" dirty="0">
+                <a:solidFill>
+                  <a:schemeClr val="bg1">
+                    <a:lumMod val="95000"/>
+                  </a:schemeClr>
+                </a:solidFill>
+                <a:hlinkClick r:id="rId3"/>
+              </a:rPr>
+              <a:t>https://quotepark.com/authors/john-backus</a:t>
+            </a:r>
+            <a:r>
+              <a:rPr lang="hu-HU" dirty="0" smtClean="0">
+                <a:solidFill>
+                  <a:schemeClr val="bg1">
+                    <a:lumMod val="95000"/>
+                  </a:schemeClr>
+                </a:solidFill>
+                <a:hlinkClick r:id="rId3"/>
+              </a:rPr>
+              <a:t>/</a:t>
+            </a:r>
+            <a:endParaRPr lang="hu-HU" dirty="0" smtClean="0">
+              <a:solidFill>
+                <a:schemeClr val="bg1">
+                  <a:lumMod val="95000"/>
+                </a:schemeClr>
+              </a:solidFill>
+            </a:endParaRPr>
+          </a:p>
+          <a:p>
+            <a:r>
+              <a:rPr lang="hu-HU" dirty="0">
+                <a:solidFill>
+                  <a:schemeClr val="bg1">
+                    <a:lumMod val="95000"/>
+                  </a:schemeClr>
+                </a:solidFill>
+                <a:hlinkClick r:id="rId4"/>
+              </a:rPr>
+              <a:t>https://bootcamp.berkeley.edu/blog/most-in-demand-programming-languages</a:t>
+            </a:r>
+            <a:r>
+              <a:rPr lang="hu-HU" dirty="0" smtClean="0">
+                <a:solidFill>
+                  <a:schemeClr val="bg1">
+                    <a:lumMod val="95000"/>
+                  </a:schemeClr>
+                </a:solidFill>
+                <a:hlinkClick r:id="rId4"/>
+              </a:rPr>
+              <a:t>/</a:t>
+            </a:r>
+            <a:endParaRPr lang="hu-HU" dirty="0" smtClean="0">
+              <a:solidFill>
+                <a:schemeClr val="bg1">
+                  <a:lumMod val="95000"/>
+                </a:schemeClr>
+              </a:solidFill>
+            </a:endParaRPr>
+          </a:p>
+          <a:p>
+            <a:endParaRPr lang="hu-HU" dirty="0">
+              <a:solidFill>
+                <a:schemeClr val="bg1">
+                  <a:lumMod val="95000"/>
+                </a:schemeClr>
+              </a:solidFill>
+            </a:endParaRPr>
           </a:p>
         </p:txBody>
       </p:sp>
@@ -3097,6 +3451,16 @@
   <p:clrMapOvr>
     <a:masterClrMapping/>
   </p:clrMapOvr>
+  <p:transition spd="slow">
+    <p:push dir="u"/>
+  </p:transition>
+  <p:timing>
+    <p:tnLst>
+      <p:par>
+        <p:cTn id="1" dur="indefinite" restart="never" nodeType="tmRoot"/>
+      </p:par>
+    </p:tnLst>
+  </p:timing>
 </p:sld>
 </file>
 
@@ -3127,16 +3491,34 @@
             <p:ph type="title"/>
           </p:nvPr>
         </p:nvSpPr>
-        <p:spPr/>
-        <p:txBody>
-          <a:bodyPr/>
-          <a:lstStyle/>
-          <a:p>
-            <a:r>
-              <a:rPr lang="hu-HU" dirty="0" smtClean="0"/>
+        <p:spPr>
+          <a:xfrm>
+            <a:off x="838200" y="350838"/>
+            <a:ext cx="10515600" cy="1325563"/>
+          </a:xfrm>
+        </p:spPr>
+        <p:txBody>
+          <a:bodyPr>
+            <a:normAutofit/>
+          </a:bodyPr>
+          <a:lstStyle/>
+          <a:p>
+            <a:pPr algn="ctr"/>
+            <a:r>
+              <a:rPr lang="hu-HU" sz="6600" dirty="0">
+                <a:solidFill>
+                  <a:schemeClr val="bg2"/>
+                </a:solidFill>
+                <a:latin typeface="Arial Black" panose="020B0A04020102020204" pitchFamily="34" charset="0"/>
+              </a:rPr>
               <a:t>Az első</a:t>
             </a:r>
-            <a:endParaRPr lang="hu-HU" dirty="0"/>
+            <a:endParaRPr lang="hu-HU" sz="6600" dirty="0">
+              <a:solidFill>
+                <a:schemeClr val="bg2"/>
+              </a:solidFill>
+              <a:latin typeface="Arial Black" panose="020B0A04020102020204" pitchFamily="34" charset="0"/>
+            </a:endParaRPr>
           </a:p>
         </p:txBody>
       </p:sp>
@@ -3150,41 +3532,125 @@
             <p:ph idx="1"/>
           </p:nvPr>
         </p:nvSpPr>
-        <p:spPr/>
-        <p:txBody>
-          <a:bodyPr/>
-          <a:lstStyle/>
-          <a:p>
-            <a:r>
-              <a:rPr lang="hu-HU" dirty="0" smtClean="0"/>
-              <a:t>FORTRAN</a:t>
-            </a:r>
-          </a:p>
-          <a:p>
-            <a:r>
-              <a:rPr lang="hu-HU" dirty="0" smtClean="0"/>
-              <a:t>1957	</a:t>
-            </a:r>
-          </a:p>
-          <a:p>
-            <a:r>
-              <a:rPr lang="hu-HU" dirty="0" smtClean="0"/>
-              <a:t>John </a:t>
-            </a:r>
-            <a:r>
-              <a:rPr lang="hu-HU" dirty="0" err="1" smtClean="0"/>
+        <p:spPr>
+          <a:xfrm>
+            <a:off x="838200" y="1839912"/>
+            <a:ext cx="10515600" cy="546100"/>
+          </a:xfrm>
+        </p:spPr>
+        <p:txBody>
+          <a:bodyPr>
+            <a:normAutofit/>
+          </a:bodyPr>
+          <a:lstStyle/>
+          <a:p>
+            <a:pPr marL="0" indent="0" algn="ctr">
+              <a:buNone/>
+            </a:pPr>
+            <a:r>
+              <a:rPr lang="hu-HU" sz="3200" dirty="0" smtClean="0">
+                <a:solidFill>
+                  <a:schemeClr val="bg1">
+                    <a:lumMod val="95000"/>
+                  </a:schemeClr>
+                </a:solidFill>
+                <a:latin typeface="Bahnschrift SemiBold Condensed" panose="020B0502040204020203" pitchFamily="34" charset="0"/>
+              </a:rPr>
+              <a:t>FORTRAN -1957</a:t>
+            </a:r>
+            <a:r>
+              <a:rPr lang="hu-HU" sz="3200" dirty="0">
+                <a:solidFill>
+                  <a:schemeClr val="bg1">
+                    <a:lumMod val="95000"/>
+                  </a:schemeClr>
+                </a:solidFill>
+                <a:latin typeface="Bahnschrift SemiBold Condensed" panose="020B0502040204020203" pitchFamily="34" charset="0"/>
+              </a:rPr>
+              <a:t> </a:t>
+            </a:r>
+            <a:r>
+              <a:rPr lang="hu-HU" sz="3200" dirty="0" smtClean="0">
+                <a:solidFill>
+                  <a:schemeClr val="bg1">
+                    <a:lumMod val="95000"/>
+                  </a:schemeClr>
+                </a:solidFill>
+                <a:latin typeface="Bahnschrift SemiBold Condensed" panose="020B0502040204020203" pitchFamily="34" charset="0"/>
+              </a:rPr>
+              <a:t>(John </a:t>
+            </a:r>
+            <a:r>
+              <a:rPr lang="hu-HU" sz="3200" dirty="0" err="1" smtClean="0">
+                <a:solidFill>
+                  <a:schemeClr val="bg1">
+                    <a:lumMod val="95000"/>
+                  </a:schemeClr>
+                </a:solidFill>
+                <a:latin typeface="Bahnschrift SemiBold Condensed" panose="020B0502040204020203" pitchFamily="34" charset="0"/>
+              </a:rPr>
               <a:t>Backus</a:t>
             </a:r>
-            <a:endParaRPr lang="hu-HU" dirty="0" smtClean="0"/>
-          </a:p>
-          <a:p>
-            <a:pPr marL="0" indent="0">
+            <a:r>
+              <a:rPr lang="hu-HU" sz="3200" dirty="0" smtClean="0">
+                <a:solidFill>
+                  <a:schemeClr val="bg1">
+                    <a:lumMod val="95000"/>
+                  </a:schemeClr>
+                </a:solidFill>
+                <a:latin typeface="Bahnschrift SemiBold Condensed" panose="020B0502040204020203" pitchFamily="34" charset="0"/>
+              </a:rPr>
+              <a:t>)</a:t>
+            </a:r>
+            <a:endParaRPr lang="hu-HU" sz="3200" dirty="0" smtClean="0">
+              <a:solidFill>
+                <a:schemeClr val="bg1">
+                  <a:lumMod val="95000"/>
+                </a:schemeClr>
+              </a:solidFill>
+              <a:latin typeface="Bahnschrift SemiBold Condensed" panose="020B0502040204020203" pitchFamily="34" charset="0"/>
+            </a:endParaRPr>
+          </a:p>
+          <a:p>
+            <a:pPr marL="0" indent="0" algn="ctr">
               <a:buNone/>
             </a:pPr>
-            <a:endParaRPr lang="hu-HU" dirty="0"/>
-          </a:p>
-        </p:txBody>
-      </p:sp>
+            <a:endParaRPr lang="hu-HU" dirty="0">
+              <a:latin typeface="Bahnschrift SemiBold Condensed" panose="020B0502040204020203" pitchFamily="34" charset="0"/>
+            </a:endParaRPr>
+          </a:p>
+        </p:txBody>
+      </p:sp>
+      <p:pic>
+        <p:nvPicPr>
+          <p:cNvPr id="5" name="Kép 4"/>
+          <p:cNvPicPr>
+            <a:picLocks noChangeAspect="1"/>
+          </p:cNvPicPr>
+          <p:nvPr/>
+        </p:nvPicPr>
+        <p:blipFill>
+          <a:blip r:embed="rId2">
+            <a:extLst>
+              <a:ext uri="{28A0092B-C50C-407E-A947-70E740481C1C}">
+                <a14:useLocalDpi xmlns:a14="http://schemas.microsoft.com/office/drawing/2010/main" val="0"/>
+              </a:ext>
+            </a:extLst>
+          </a:blip>
+          <a:stretch>
+            <a:fillRect/>
+          </a:stretch>
+        </p:blipFill>
+        <p:spPr>
+          <a:xfrm>
+            <a:off x="4962525" y="2549523"/>
+            <a:ext cx="2266950" cy="3390900"/>
+          </a:xfrm>
+          <a:prstGeom prst="rect">
+            <a:avLst/>
+          </a:prstGeom>
+        </p:spPr>
+      </p:pic>
     </p:spTree>
     <p:extLst>
       <p:ext uri="{BB962C8B-B14F-4D97-AF65-F5344CB8AC3E}">
@@ -3195,6 +3661,138 @@
   <p:clrMapOvr>
     <a:masterClrMapping/>
   </p:clrMapOvr>
+  <p:transition spd="slow">
+    <p:push dir="u"/>
+  </p:transition>
+  <p:timing>
+    <p:tnLst>
+      <p:par>
+        <p:cTn id="1" dur="indefinite" restart="never" nodeType="tmRoot">
+          <p:childTnLst>
+            <p:seq concurrent="1" nextAc="seek">
+              <p:cTn id="2" dur="indefinite" nodeType="mainSeq">
+                <p:childTnLst>
+                  <p:par>
+                    <p:cTn id="3" fill="hold">
+                      <p:stCondLst>
+                        <p:cond delay="indefinite"/>
+                      </p:stCondLst>
+                      <p:childTnLst>
+                        <p:par>
+                          <p:cTn id="4" fill="hold">
+                            <p:stCondLst>
+                              <p:cond delay="0"/>
+                            </p:stCondLst>
+                            <p:childTnLst>
+                              <p:par>
+                                <p:cTn id="5" presetID="42" presetClass="entr" presetSubtype="0" fill="hold" nodeType="clickEffect">
+                                  <p:stCondLst>
+                                    <p:cond delay="0"/>
+                                  </p:stCondLst>
+                                  <p:childTnLst>
+                                    <p:set>
+                                      <p:cBhvr>
+                                        <p:cTn id="6" dur="1" fill="hold">
+                                          <p:stCondLst>
+                                            <p:cond delay="0"/>
+                                          </p:stCondLst>
+                                        </p:cTn>
+                                        <p:tgtEl>
+                                          <p:spTgt spid="5"/>
+                                        </p:tgtEl>
+                                        <p:attrNameLst>
+                                          <p:attrName>style.visibility</p:attrName>
+                                        </p:attrNameLst>
+                                      </p:cBhvr>
+                                      <p:to>
+                                        <p:strVal val="visible"/>
+                                      </p:to>
+                                    </p:set>
+                                    <p:animEffect transition="in" filter="fade">
+                                      <p:cBhvr>
+                                        <p:cTn id="7" dur="1000"/>
+                                        <p:tgtEl>
+                                          <p:spTgt spid="5"/>
+                                        </p:tgtEl>
+                                      </p:cBhvr>
+                                    </p:animEffect>
+                                    <p:anim calcmode="lin" valueType="num">
+                                      <p:cBhvr>
+                                        <p:cTn id="8" dur="1000" fill="hold"/>
+                                        <p:tgtEl>
+                                          <p:spTgt spid="5"/>
+                                        </p:tgtEl>
+                                        <p:attrNameLst>
+                                          <p:attrName>ppt_x</p:attrName>
+                                        </p:attrNameLst>
+                                      </p:cBhvr>
+                                      <p:tavLst>
+                                        <p:tav tm="0">
+                                          <p:val>
+                                            <p:strVal val="#ppt_x"/>
+                                          </p:val>
+                                        </p:tav>
+                                        <p:tav tm="100000">
+                                          <p:val>
+                                            <p:strVal val="#ppt_x"/>
+                                          </p:val>
+                                        </p:tav>
+                                      </p:tavLst>
+                                    </p:anim>
+                                    <p:anim calcmode="lin" valueType="num">
+                                      <p:cBhvr>
+                                        <p:cTn id="9" dur="1000" fill="hold"/>
+                                        <p:tgtEl>
+                                          <p:spTgt spid="5"/>
+                                        </p:tgtEl>
+                                        <p:attrNameLst>
+                                          <p:attrName>ppt_y</p:attrName>
+                                        </p:attrNameLst>
+                                      </p:cBhvr>
+                                      <p:tavLst>
+                                        <p:tav tm="0">
+                                          <p:val>
+                                            <p:strVal val="#ppt_y+.1"/>
+                                          </p:val>
+                                        </p:tav>
+                                        <p:tav tm="100000">
+                                          <p:val>
+                                            <p:strVal val="#ppt_y"/>
+                                          </p:val>
+                                        </p:tav>
+                                      </p:tavLst>
+                                    </p:anim>
+                                  </p:childTnLst>
+                                </p:cTn>
+                              </p:par>
+                            </p:childTnLst>
+                          </p:cTn>
+                        </p:par>
+                      </p:childTnLst>
+                    </p:cTn>
+                  </p:par>
+                </p:childTnLst>
+              </p:cTn>
+              <p:prevCondLst>
+                <p:cond evt="onPrev" delay="0">
+                  <p:tgtEl>
+                    <p:sldTgt/>
+                  </p:tgtEl>
+                </p:cond>
+              </p:prevCondLst>
+              <p:nextCondLst>
+                <p:cond evt="onNext" delay="0">
+                  <p:tgtEl>
+                    <p:sldTgt/>
+                  </p:tgtEl>
+                </p:cond>
+              </p:nextCondLst>
+            </p:seq>
+          </p:childTnLst>
+        </p:cTn>
+      </p:par>
+    </p:tnLst>
+  </p:timing>
 </p:sld>
 </file>
 
@@ -3227,14 +3825,26 @@
         </p:nvSpPr>
         <p:spPr/>
         <p:txBody>
-          <a:bodyPr/>
-          <a:lstStyle/>
-          <a:p>
-            <a:r>
-              <a:rPr lang="hu-HU" dirty="0" smtClean="0"/>
+          <a:bodyPr>
+            <a:normAutofit/>
+          </a:bodyPr>
+          <a:lstStyle/>
+          <a:p>
+            <a:r>
+              <a:rPr lang="hu-HU" sz="6600" dirty="0">
+                <a:solidFill>
+                  <a:schemeClr val="bg2"/>
+                </a:solidFill>
+                <a:latin typeface="Arial Black" panose="020B0A04020102020204" pitchFamily="34" charset="0"/>
+              </a:rPr>
               <a:t>20. század</a:t>
             </a:r>
-            <a:endParaRPr lang="hu-HU" dirty="0"/>
+            <a:endParaRPr lang="hu-HU" sz="6600" dirty="0">
+              <a:solidFill>
+                <a:schemeClr val="bg2"/>
+              </a:solidFill>
+              <a:latin typeface="Arial Black" panose="020B0A04020102020204" pitchFamily="34" charset="0"/>
+            </a:endParaRPr>
           </a:p>
         </p:txBody>
       </p:sp>
@@ -3248,122 +3858,287 @@
             <p:ph idx="1"/>
           </p:nvPr>
         </p:nvSpPr>
-        <p:spPr/>
-        <p:txBody>
-          <a:bodyPr/>
-          <a:lstStyle/>
-          <a:p>
-            <a:r>
-              <a:rPr lang="hu-HU" dirty="0" smtClean="0"/>
+        <p:spPr>
+          <a:xfrm>
+            <a:off x="838200" y="1825624"/>
+            <a:ext cx="10515600" cy="4703763"/>
+          </a:xfrm>
+        </p:spPr>
+        <p:txBody>
+          <a:bodyPr>
+            <a:noAutofit/>
+          </a:bodyPr>
+          <a:lstStyle/>
+          <a:p>
+            <a:r>
+              <a:rPr lang="hu-HU" sz="4400" dirty="0">
+                <a:solidFill>
+                  <a:schemeClr val="bg1">
+                    <a:lumMod val="95000"/>
+                  </a:schemeClr>
+                </a:solidFill>
+                <a:latin typeface="Bahnschrift SemiBold Condensed" panose="020B0502040204020203" pitchFamily="34" charset="0"/>
+              </a:rPr>
               <a:t>1987 – </a:t>
             </a:r>
             <a:r>
-              <a:rPr lang="hu-HU" dirty="0" err="1" smtClean="0"/>
+              <a:rPr lang="hu-HU" sz="4400" dirty="0" err="1">
+                <a:solidFill>
+                  <a:schemeClr val="bg1">
+                    <a:lumMod val="95000"/>
+                  </a:schemeClr>
+                </a:solidFill>
+                <a:latin typeface="Bahnschrift SemiBold Condensed" panose="020B0502040204020203" pitchFamily="34" charset="0"/>
+              </a:rPr>
               <a:t>Perl</a:t>
             </a:r>
             <a:r>
-              <a:rPr lang="hu-HU" dirty="0" smtClean="0"/>
+              <a:rPr lang="hu-HU" sz="4400" dirty="0">
+                <a:solidFill>
+                  <a:schemeClr val="bg1">
+                    <a:lumMod val="95000"/>
+                  </a:schemeClr>
+                </a:solidFill>
+                <a:latin typeface="Bahnschrift SemiBold Condensed" panose="020B0502040204020203" pitchFamily="34" charset="0"/>
+              </a:rPr>
               <a:t> (</a:t>
             </a:r>
             <a:r>
-              <a:rPr lang="hu-HU" dirty="0" err="1" smtClean="0"/>
+              <a:rPr lang="hu-HU" sz="4400" dirty="0" err="1">
+                <a:solidFill>
+                  <a:schemeClr val="bg1">
+                    <a:lumMod val="95000"/>
+                  </a:schemeClr>
+                </a:solidFill>
+                <a:latin typeface="Bahnschrift SemiBold Condensed" panose="020B0502040204020203" pitchFamily="34" charset="0"/>
+              </a:rPr>
               <a:t>Larry</a:t>
             </a:r>
             <a:r>
-              <a:rPr lang="hu-HU" dirty="0" smtClean="0"/>
+              <a:rPr lang="hu-HU" sz="4400" dirty="0">
+                <a:solidFill>
+                  <a:schemeClr val="bg1">
+                    <a:lumMod val="95000"/>
+                  </a:schemeClr>
+                </a:solidFill>
+                <a:latin typeface="Bahnschrift SemiBold Condensed" panose="020B0502040204020203" pitchFamily="34" charset="0"/>
+              </a:rPr>
               <a:t> Wall) </a:t>
             </a:r>
           </a:p>
           <a:p>
             <a:pPr marL="0" indent="0">
+              <a:buFont typeface="Arial" panose="020B0604020202020204" pitchFamily="34" charset="0"/>
               <a:buNone/>
             </a:pPr>
             <a:r>
-              <a:rPr lang="hu-HU" dirty="0" smtClean="0"/>
+              <a:rPr lang="hu-HU" sz="1800" dirty="0">
+                <a:solidFill>
+                  <a:schemeClr val="bg1">
+                    <a:lumMod val="95000"/>
+                  </a:schemeClr>
+                </a:solidFill>
+                <a:latin typeface="Bahnschrift SemiBold Condensed" panose="020B0502040204020203" pitchFamily="34" charset="0"/>
+              </a:rPr>
               <a:t> Szövegszerkesztésre</a:t>
             </a:r>
           </a:p>
           <a:p>
             <a:r>
-              <a:rPr lang="hu-HU" dirty="0" smtClean="0"/>
+              <a:rPr lang="hu-HU" sz="4400" dirty="0">
+                <a:solidFill>
+                  <a:schemeClr val="bg1">
+                    <a:lumMod val="95000"/>
+                  </a:schemeClr>
+                </a:solidFill>
+                <a:latin typeface="Bahnschrift SemiBold Condensed" panose="020B0502040204020203" pitchFamily="34" charset="0"/>
+              </a:rPr>
               <a:t>1991 – Python (Guido Van </a:t>
             </a:r>
             <a:r>
-              <a:rPr lang="hu-HU" dirty="0" err="1" smtClean="0"/>
+              <a:rPr lang="hu-HU" sz="4400" dirty="0" err="1">
+                <a:solidFill>
+                  <a:schemeClr val="bg1">
+                    <a:lumMod val="95000"/>
+                  </a:schemeClr>
+                </a:solidFill>
+                <a:latin typeface="Bahnschrift SemiBold Condensed" panose="020B0502040204020203" pitchFamily="34" charset="0"/>
+              </a:rPr>
               <a:t>Rossum</a:t>
             </a:r>
             <a:r>
-              <a:rPr lang="hu-HU" dirty="0" smtClean="0"/>
+              <a:rPr lang="hu-HU" sz="4400" dirty="0">
+                <a:solidFill>
+                  <a:schemeClr val="bg1">
+                    <a:lumMod val="95000"/>
+                  </a:schemeClr>
+                </a:solidFill>
+                <a:latin typeface="Bahnschrift SemiBold Condensed" panose="020B0502040204020203" pitchFamily="34" charset="0"/>
+              </a:rPr>
               <a:t>) </a:t>
             </a:r>
           </a:p>
           <a:p>
             <a:pPr marL="0" indent="0">
+              <a:buFont typeface="Arial" panose="020B0604020202020204" pitchFamily="34" charset="0"/>
               <a:buNone/>
             </a:pPr>
             <a:r>
-              <a:rPr lang="hu-HU" dirty="0"/>
+              <a:rPr lang="hu-HU" sz="1800" dirty="0">
+                <a:solidFill>
+                  <a:schemeClr val="bg1">
+                    <a:lumMod val="95000"/>
+                  </a:schemeClr>
+                </a:solidFill>
+                <a:latin typeface="Bahnschrift SemiBold Condensed" panose="020B0502040204020203" pitchFamily="34" charset="0"/>
+              </a:rPr>
               <a:t> </a:t>
             </a:r>
             <a:r>
-              <a:rPr lang="hu-HU" dirty="0" smtClean="0"/>
+              <a:rPr lang="hu-HU" sz="1800" dirty="0">
+                <a:solidFill>
+                  <a:schemeClr val="bg1">
+                    <a:lumMod val="95000"/>
+                  </a:schemeClr>
+                </a:solidFill>
+                <a:latin typeface="Bahnschrift SemiBold Condensed" panose="020B0502040204020203" pitchFamily="34" charset="0"/>
+              </a:rPr>
               <a:t>Értelmezhető</a:t>
             </a:r>
           </a:p>
           <a:p>
             <a:r>
-              <a:rPr lang="hu-HU" dirty="0" smtClean="0"/>
+              <a:rPr lang="hu-HU" sz="4400" dirty="0">
+                <a:solidFill>
+                  <a:schemeClr val="bg1">
+                    <a:lumMod val="95000"/>
+                  </a:schemeClr>
+                </a:solidFill>
+                <a:latin typeface="Bahnschrift SemiBold Condensed" panose="020B0502040204020203" pitchFamily="34" charset="0"/>
+              </a:rPr>
               <a:t>1995 – Java (Sun Microsystems)</a:t>
             </a:r>
           </a:p>
           <a:p>
             <a:pPr marL="0" indent="0">
+              <a:buFont typeface="Arial" panose="020B0604020202020204" pitchFamily="34" charset="0"/>
               <a:buNone/>
             </a:pPr>
             <a:r>
-              <a:rPr lang="hu-HU" dirty="0" smtClean="0"/>
+              <a:rPr lang="hu-HU" sz="1800" dirty="0">
+                <a:solidFill>
+                  <a:schemeClr val="bg1">
+                    <a:lumMod val="95000"/>
+                  </a:schemeClr>
+                </a:solidFill>
+                <a:latin typeface="Bahnschrift SemiBold Condensed" panose="020B0502040204020203" pitchFamily="34" charset="0"/>
+              </a:rPr>
               <a:t>  Kis eszközök</a:t>
             </a:r>
           </a:p>
           <a:p>
             <a:r>
-              <a:rPr lang="hu-HU" dirty="0" smtClean="0"/>
+              <a:rPr lang="hu-HU" sz="4400" dirty="0">
+                <a:solidFill>
+                  <a:schemeClr val="bg1">
+                    <a:lumMod val="95000"/>
+                  </a:schemeClr>
+                </a:solidFill>
+                <a:latin typeface="Bahnschrift SemiBold Condensed" panose="020B0502040204020203" pitchFamily="34" charset="0"/>
+              </a:rPr>
               <a:t>1995 – </a:t>
             </a:r>
             <a:r>
-              <a:rPr lang="hu-HU" dirty="0" err="1" smtClean="0"/>
+              <a:rPr lang="hu-HU" sz="4400" dirty="0" err="1">
+                <a:solidFill>
+                  <a:schemeClr val="bg1">
+                    <a:lumMod val="95000"/>
+                  </a:schemeClr>
+                </a:solidFill>
+                <a:latin typeface="Bahnschrift SemiBold Condensed" panose="020B0502040204020203" pitchFamily="34" charset="0"/>
+              </a:rPr>
               <a:t>Ruby</a:t>
             </a:r>
             <a:r>
-              <a:rPr lang="hu-HU" dirty="0" smtClean="0"/>
+              <a:rPr lang="hu-HU" sz="4400" dirty="0">
+                <a:solidFill>
+                  <a:schemeClr val="bg1">
+                    <a:lumMod val="95000"/>
+                  </a:schemeClr>
+                </a:solidFill>
+                <a:latin typeface="Bahnschrift SemiBold Condensed" panose="020B0502040204020203" pitchFamily="34" charset="0"/>
+              </a:rPr>
               <a:t> (</a:t>
             </a:r>
             <a:r>
-              <a:rPr lang="hu-HU" dirty="0" err="1" smtClean="0"/>
+              <a:rPr lang="hu-HU" sz="4400" dirty="0" err="1">
+                <a:solidFill>
+                  <a:schemeClr val="bg1">
+                    <a:lumMod val="95000"/>
+                  </a:schemeClr>
+                </a:solidFill>
+                <a:latin typeface="Bahnschrift SemiBold Condensed" panose="020B0502040204020203" pitchFamily="34" charset="0"/>
+              </a:rPr>
               <a:t>Yukihiro</a:t>
             </a:r>
             <a:r>
-              <a:rPr lang="hu-HU" dirty="0" smtClean="0"/>
+              <a:rPr lang="hu-HU" sz="4400" dirty="0">
+                <a:solidFill>
+                  <a:schemeClr val="bg1">
+                    <a:lumMod val="95000"/>
+                  </a:schemeClr>
+                </a:solidFill>
+                <a:latin typeface="Bahnschrift SemiBold Condensed" panose="020B0502040204020203" pitchFamily="34" charset="0"/>
+              </a:rPr>
               <a:t> </a:t>
             </a:r>
             <a:r>
-              <a:rPr lang="hu-HU" dirty="0" err="1" smtClean="0"/>
+              <a:rPr lang="hu-HU" sz="4400" dirty="0" err="1">
+                <a:solidFill>
+                  <a:schemeClr val="bg1">
+                    <a:lumMod val="95000"/>
+                  </a:schemeClr>
+                </a:solidFill>
+                <a:latin typeface="Bahnschrift SemiBold Condensed" panose="020B0502040204020203" pitchFamily="34" charset="0"/>
+              </a:rPr>
               <a:t>Matsumoto</a:t>
             </a:r>
             <a:r>
-              <a:rPr lang="hu-HU" dirty="0" smtClean="0"/>
+              <a:rPr lang="hu-HU" sz="4400" dirty="0">
+                <a:solidFill>
+                  <a:schemeClr val="bg1">
+                    <a:lumMod val="95000"/>
+                  </a:schemeClr>
+                </a:solidFill>
+                <a:latin typeface="Bahnschrift SemiBold Condensed" panose="020B0502040204020203" pitchFamily="34" charset="0"/>
+              </a:rPr>
               <a:t>)</a:t>
             </a:r>
           </a:p>
           <a:p>
             <a:pPr marL="0" indent="0">
+              <a:buFont typeface="Arial" panose="020B0604020202020204" pitchFamily="34" charset="0"/>
               <a:buNone/>
             </a:pPr>
             <a:r>
-              <a:rPr lang="hu-HU" dirty="0" smtClean="0"/>
+              <a:rPr lang="hu-HU" sz="1800" dirty="0">
+                <a:solidFill>
+                  <a:schemeClr val="bg1">
+                    <a:lumMod val="95000"/>
+                  </a:schemeClr>
+                </a:solidFill>
+                <a:latin typeface="Bahnschrift SemiBold Condensed" panose="020B0502040204020203" pitchFamily="34" charset="0"/>
+              </a:rPr>
               <a:t>  Ideális mindenre, oldalak</a:t>
             </a:r>
-            <a:endParaRPr lang="hu-HU" dirty="0"/>
+            <a:endParaRPr lang="hu-HU" sz="1800" dirty="0">
+              <a:solidFill>
+                <a:schemeClr val="bg1">
+                  <a:lumMod val="95000"/>
+                </a:schemeClr>
+              </a:solidFill>
+              <a:latin typeface="Bahnschrift SemiBold Condensed" panose="020B0502040204020203" pitchFamily="34" charset="0"/>
+            </a:endParaRPr>
           </a:p>
         </p:txBody>
       </p:sp>
@@ -3377,6 +4152,16 @@
   <p:clrMapOvr>
     <a:masterClrMapping/>
   </p:clrMapOvr>
+  <p:transition spd="slow">
+    <p:push dir="u"/>
+  </p:transition>
+  <p:timing>
+    <p:tnLst>
+      <p:par>
+        <p:cTn id="1" dur="indefinite" restart="never" nodeType="tmRoot"/>
+      </p:par>
+    </p:tnLst>
+  </p:timing>
 </p:sld>
 </file>
 
@@ -3409,33 +4194,318 @@
         </p:nvSpPr>
         <p:spPr/>
         <p:txBody>
-          <a:bodyPr/>
-          <a:lstStyle/>
-          <a:p>
-            <a:r>
-              <a:rPr lang="hu-HU" dirty="0" smtClean="0"/>
-              <a:t>Legjelentősebbek</a:t>
-            </a:r>
+          <a:bodyPr>
+            <a:normAutofit/>
+          </a:bodyPr>
+          <a:lstStyle/>
+          <a:p>
+            <a:r>
+              <a:rPr lang="hu-HU" sz="6600" dirty="0">
+                <a:solidFill>
+                  <a:schemeClr val="bg2"/>
+                </a:solidFill>
+                <a:latin typeface="Arial Black" panose="020B0A04020102020204" pitchFamily="34" charset="0"/>
+              </a:rPr>
+              <a:t>Fontosabbak</a:t>
+            </a:r>
+            <a:endParaRPr lang="hu-HU" sz="6600" dirty="0">
+              <a:solidFill>
+                <a:schemeClr val="bg2"/>
+              </a:solidFill>
+              <a:latin typeface="Arial Black" panose="020B0A04020102020204" pitchFamily="34" charset="0"/>
+            </a:endParaRPr>
+          </a:p>
+        </p:txBody>
+      </p:sp>
+      <p:sp>
+        <p:nvSpPr>
+          <p:cNvPr id="3" name="Tartalom helye 2"/>
+          <p:cNvSpPr>
+            <a:spLocks noGrp="1"/>
+          </p:cNvSpPr>
+          <p:nvPr>
+            <p:ph idx="1"/>
+          </p:nvPr>
+        </p:nvSpPr>
+        <p:spPr>
+          <a:xfrm>
+            <a:off x="838200" y="1690688"/>
+            <a:ext cx="2814639" cy="2805113"/>
+          </a:xfrm>
+        </p:spPr>
+        <p:txBody>
+          <a:bodyPr>
+            <a:noAutofit/>
+          </a:bodyPr>
+          <a:lstStyle/>
+          <a:p>
+            <a:pPr>
+              <a:lnSpc>
+                <a:spcPct val="100000"/>
+              </a:lnSpc>
+            </a:pPr>
+            <a:r>
+              <a:rPr lang="hu-HU" sz="3200" dirty="0">
+                <a:solidFill>
+                  <a:schemeClr val="bg1">
+                    <a:lumMod val="95000"/>
+                  </a:schemeClr>
+                </a:solidFill>
+                <a:latin typeface="Bahnschrift SemiBold Condensed" panose="020B0502040204020203" pitchFamily="34" charset="0"/>
+              </a:rPr>
+              <a:t>JavaScript</a:t>
+            </a:r>
+            <a:r>
+              <a:rPr lang="hu-HU" sz="2400" dirty="0">
+                <a:solidFill>
+                  <a:schemeClr val="bg1">
+                    <a:lumMod val="95000"/>
+                  </a:schemeClr>
+                </a:solidFill>
+                <a:latin typeface="Bahnschrift SemiBold Condensed" panose="020B0502040204020203" pitchFamily="34" charset="0"/>
+              </a:rPr>
+              <a:t> </a:t>
+            </a:r>
+            <a:br>
+              <a:rPr lang="hu-HU" sz="2400" dirty="0">
+                <a:solidFill>
+                  <a:schemeClr val="bg1">
+                    <a:lumMod val="95000"/>
+                  </a:schemeClr>
+                </a:solidFill>
+                <a:latin typeface="Bahnschrift SemiBold Condensed" panose="020B0502040204020203" pitchFamily="34" charset="0"/>
+              </a:rPr>
+            </a:br>
+            <a:r>
+              <a:rPr lang="hu-HU" sz="1800" dirty="0">
+                <a:solidFill>
+                  <a:schemeClr val="bg1">
+                    <a:lumMod val="95000"/>
+                  </a:schemeClr>
+                </a:solidFill>
+                <a:latin typeface="Bahnschrift SemiBold Condensed" panose="020B0502040204020203" pitchFamily="34" charset="0"/>
+              </a:rPr>
+              <a:t> oldal, játék, telefon,</a:t>
+            </a:r>
+            <a:endParaRPr lang="hu-HU" sz="2400" dirty="0">
+              <a:solidFill>
+                <a:schemeClr val="bg1">
+                  <a:lumMod val="95000"/>
+                </a:schemeClr>
+              </a:solidFill>
+              <a:latin typeface="Bahnschrift SemiBold Condensed" panose="020B0502040204020203" pitchFamily="34" charset="0"/>
+            </a:endParaRPr>
+          </a:p>
+          <a:p>
+            <a:pPr>
+              <a:lnSpc>
+                <a:spcPct val="100000"/>
+              </a:lnSpc>
+            </a:pPr>
+            <a:r>
+              <a:rPr lang="hu-HU" sz="3200" dirty="0">
+                <a:solidFill>
+                  <a:schemeClr val="bg1">
+                    <a:lumMod val="95000"/>
+                  </a:schemeClr>
+                </a:solidFill>
+                <a:latin typeface="Bahnschrift SemiBold Condensed" panose="020B0502040204020203" pitchFamily="34" charset="0"/>
+              </a:rPr>
+              <a:t>Python</a:t>
+            </a:r>
+          </a:p>
+          <a:p>
+            <a:pPr marL="0" indent="0">
+              <a:lnSpc>
+                <a:spcPct val="100000"/>
+              </a:lnSpc>
+              <a:buFont typeface="Arial" panose="020B0604020202020204" pitchFamily="34" charset="0"/>
+              <a:buNone/>
+            </a:pPr>
+            <a:r>
+              <a:rPr lang="hu-HU" sz="1800" dirty="0">
+                <a:solidFill>
+                  <a:schemeClr val="bg1">
+                    <a:lumMod val="95000"/>
+                  </a:schemeClr>
+                </a:solidFill>
+                <a:latin typeface="Bahnschrift SemiBold Condensed" panose="020B0502040204020203" pitchFamily="34" charset="0"/>
+              </a:rPr>
+              <a:t>    Back end, Data, telefon</a:t>
+            </a:r>
+          </a:p>
+          <a:p>
+            <a:pPr>
+              <a:lnSpc>
+                <a:spcPct val="100000"/>
+              </a:lnSpc>
+            </a:pPr>
+            <a:r>
+              <a:rPr lang="hu-HU" sz="3200" dirty="0" smtClean="0">
+                <a:solidFill>
+                  <a:schemeClr val="bg1">
+                    <a:lumMod val="95000"/>
+                  </a:schemeClr>
+                </a:solidFill>
+                <a:latin typeface="Bahnschrift SemiBold Condensed" panose="020B0502040204020203" pitchFamily="34" charset="0"/>
+              </a:rPr>
+              <a:t>HTML</a:t>
+            </a:r>
+            <a:endParaRPr lang="hu-HU" sz="3200" dirty="0">
+              <a:solidFill>
+                <a:schemeClr val="bg1">
+                  <a:lumMod val="95000"/>
+                </a:schemeClr>
+              </a:solidFill>
+              <a:latin typeface="Bahnschrift SemiBold Condensed" panose="020B0502040204020203" pitchFamily="34" charset="0"/>
+            </a:endParaRPr>
+          </a:p>
+        </p:txBody>
+      </p:sp>
+      <p:sp>
+        <p:nvSpPr>
+          <p:cNvPr id="4" name="Szövegdoboz 3"/>
+          <p:cNvSpPr txBox="1"/>
+          <p:nvPr/>
+        </p:nvSpPr>
+        <p:spPr>
+          <a:xfrm>
+            <a:off x="3652839" y="1690688"/>
+            <a:ext cx="4171950" cy="2492990"/>
+          </a:xfrm>
+          <a:prstGeom prst="rect">
+            <a:avLst/>
+          </a:prstGeom>
+          <a:noFill/>
+        </p:spPr>
+        <p:txBody>
+          <a:bodyPr wrap="square" rtlCol="0">
+            <a:spAutoFit/>
+          </a:bodyPr>
+          <a:lstStyle/>
+          <a:p>
+            <a:pPr marL="457200" indent="-457200">
+              <a:lnSpc>
+                <a:spcPct val="100000"/>
+              </a:lnSpc>
+              <a:buFont typeface="Arial" panose="020B0604020202020204" pitchFamily="34" charset="0"/>
+              <a:buChar char="•"/>
+            </a:pPr>
+            <a:r>
+              <a:rPr lang="hu-HU" sz="3200" dirty="0">
+                <a:solidFill>
+                  <a:schemeClr val="bg1">
+                    <a:lumMod val="95000"/>
+                  </a:schemeClr>
+                </a:solidFill>
+                <a:latin typeface="Bahnschrift SemiBold Condensed" panose="020B0502040204020203" pitchFamily="34" charset="0"/>
+              </a:rPr>
+              <a:t>CSS</a:t>
+            </a:r>
+          </a:p>
+          <a:p>
+            <a:pPr marL="457200" indent="-457200">
+              <a:lnSpc>
+                <a:spcPct val="100000"/>
+              </a:lnSpc>
+              <a:buFont typeface="Arial" panose="020B0604020202020204" pitchFamily="34" charset="0"/>
+              <a:buChar char="•"/>
+            </a:pPr>
+            <a:r>
+              <a:rPr lang="hu-HU" sz="3200" dirty="0" err="1">
+                <a:solidFill>
+                  <a:schemeClr val="bg1">
+                    <a:lumMod val="95000"/>
+                  </a:schemeClr>
+                </a:solidFill>
+                <a:latin typeface="Bahnschrift SemiBold Condensed" panose="020B0502040204020203" pitchFamily="34" charset="0"/>
+              </a:rPr>
+              <a:t>Rust</a:t>
+            </a:r>
+            <a:endParaRPr lang="hu-HU" sz="3200" dirty="0">
+              <a:solidFill>
+                <a:schemeClr val="bg1">
+                  <a:lumMod val="95000"/>
+                </a:schemeClr>
+              </a:solidFill>
+              <a:latin typeface="Bahnschrift SemiBold Condensed" panose="020B0502040204020203" pitchFamily="34" charset="0"/>
+            </a:endParaRPr>
+          </a:p>
+          <a:p>
+            <a:r>
+              <a:rPr lang="hu-HU" dirty="0">
+                <a:solidFill>
+                  <a:schemeClr val="bg1">
+                    <a:lumMod val="95000"/>
+                  </a:schemeClr>
+                </a:solidFill>
+                <a:latin typeface="Bahnschrift SemiBold Condensed" panose="020B0502040204020203" pitchFamily="34" charset="0"/>
+              </a:rPr>
+              <a:t>     VR, OS, böngészők</a:t>
+            </a:r>
+          </a:p>
+          <a:p>
+            <a:pPr marL="457200" indent="-457200">
+              <a:lnSpc>
+                <a:spcPct val="100000"/>
+              </a:lnSpc>
+              <a:buFont typeface="Arial" panose="020B0604020202020204" pitchFamily="34" charset="0"/>
+              <a:buChar char="•"/>
+            </a:pPr>
+            <a:r>
+              <a:rPr lang="hu-HU" sz="3200" dirty="0" err="1">
+                <a:solidFill>
+                  <a:schemeClr val="bg1">
+                    <a:lumMod val="95000"/>
+                  </a:schemeClr>
+                </a:solidFill>
+                <a:latin typeface="Bahnschrift SemiBold Condensed" panose="020B0502040204020203" pitchFamily="34" charset="0"/>
+              </a:rPr>
+              <a:t>Perl</a:t>
+            </a:r>
+            <a:endParaRPr lang="hu-HU" sz="3200" dirty="0">
+              <a:solidFill>
+                <a:schemeClr val="bg1">
+                  <a:lumMod val="95000"/>
+                </a:schemeClr>
+              </a:solidFill>
+              <a:latin typeface="Bahnschrift SemiBold Condensed" panose="020B0502040204020203" pitchFamily="34" charset="0"/>
+            </a:endParaRPr>
+          </a:p>
+          <a:p>
+            <a:r>
+              <a:rPr lang="hu-HU" sz="2400" dirty="0">
+                <a:solidFill>
+                  <a:schemeClr val="bg1">
+                    <a:lumMod val="95000"/>
+                  </a:schemeClr>
+                </a:solidFill>
+                <a:latin typeface="Bahnschrift SemiBold Condensed" panose="020B0502040204020203" pitchFamily="34" charset="0"/>
+              </a:rPr>
+              <a:t>      </a:t>
+            </a:r>
+            <a:r>
+              <a:rPr lang="hu-HU" dirty="0">
+                <a:solidFill>
+                  <a:schemeClr val="bg1">
+                    <a:lumMod val="95000"/>
+                  </a:schemeClr>
+                </a:solidFill>
+                <a:latin typeface="Bahnschrift SemiBold Condensed" panose="020B0502040204020203" pitchFamily="34" charset="0"/>
+              </a:rPr>
+              <a:t>Rendszer, GUI, hálózat</a:t>
+            </a:r>
+            <a:endParaRPr lang="hu-HU" sz="2400" dirty="0">
+              <a:solidFill>
+                <a:schemeClr val="bg1">
+                  <a:lumMod val="95000"/>
+                </a:schemeClr>
+              </a:solidFill>
+              <a:latin typeface="Bahnschrift SemiBold Condensed" panose="020B0502040204020203" pitchFamily="34" charset="0"/>
+            </a:endParaRPr>
+          </a:p>
+          <a:p>
             <a:endParaRPr lang="hu-HU" dirty="0"/>
-          </a:p>
-        </p:txBody>
-      </p:sp>
-      <p:sp>
-        <p:nvSpPr>
-          <p:cNvPr id="3" name="Tartalom helye 2"/>
-          <p:cNvSpPr>
-            <a:spLocks noGrp="1"/>
-          </p:cNvSpPr>
-          <p:nvPr>
-            <p:ph idx="1"/>
-          </p:nvPr>
-        </p:nvSpPr>
-        <p:spPr/>
-        <p:txBody>
-          <a:bodyPr/>
-          <a:lstStyle/>
-          <a:p>
-            <a:endParaRPr lang="hu-HU"/>
           </a:p>
         </p:txBody>
       </p:sp>
@@ -3449,6 +4519,16 @@
   <p:clrMapOvr>
     <a:masterClrMapping/>
   </p:clrMapOvr>
+  <p:transition spd="slow">
+    <p:push dir="u"/>
+  </p:transition>
+  <p:timing>
+    <p:tnLst>
+      <p:par>
+        <p:cTn id="1" dur="indefinite" restart="never" nodeType="tmRoot"/>
+      </p:par>
+    </p:tnLst>
+  </p:timing>
 </p:sld>
 </file>
 
@@ -3481,10 +4561,26 @@
         </p:nvSpPr>
         <p:spPr/>
         <p:txBody>
-          <a:bodyPr/>
-          <a:lstStyle/>
-          <a:p>
-            <a:endParaRPr lang="hu-HU"/>
+          <a:bodyPr>
+            <a:normAutofit/>
+          </a:bodyPr>
+          <a:lstStyle/>
+          <a:p>
+            <a:r>
+              <a:rPr lang="hu-HU" sz="6600" dirty="0">
+                <a:solidFill>
+                  <a:schemeClr val="bg2"/>
+                </a:solidFill>
+                <a:latin typeface="Arial Black" panose="020B0A04020102020204" pitchFamily="34" charset="0"/>
+              </a:rPr>
+              <a:t>Játékokhoz</a:t>
+            </a:r>
+            <a:endParaRPr lang="hu-HU" sz="6600" dirty="0">
+              <a:solidFill>
+                <a:schemeClr val="bg2"/>
+              </a:solidFill>
+              <a:latin typeface="Arial Black" panose="020B0A04020102020204" pitchFamily="34" charset="0"/>
+            </a:endParaRPr>
           </a:p>
         </p:txBody>
       </p:sp>
@@ -3503,7 +4599,194 @@
           <a:bodyPr/>
           <a:lstStyle/>
           <a:p>
-            <a:endParaRPr lang="hu-HU"/>
+            <a:pPr>
+              <a:lnSpc>
+                <a:spcPct val="100000"/>
+              </a:lnSpc>
+            </a:pPr>
+            <a:r>
+              <a:rPr lang="hu-HU" sz="4800" dirty="0">
+                <a:solidFill>
+                  <a:schemeClr val="bg1">
+                    <a:lumMod val="95000"/>
+                  </a:schemeClr>
+                </a:solidFill>
+                <a:latin typeface="Bahnschrift SemiBold Condensed" panose="020B0502040204020203" pitchFamily="34" charset="0"/>
+              </a:rPr>
+              <a:t>C#</a:t>
+            </a:r>
+          </a:p>
+          <a:p>
+            <a:pPr marL="0" indent="0">
+              <a:lnSpc>
+                <a:spcPct val="100000"/>
+              </a:lnSpc>
+              <a:buFont typeface="Arial" panose="020B0604020202020204" pitchFamily="34" charset="0"/>
+              <a:buNone/>
+            </a:pPr>
+            <a:r>
+              <a:rPr lang="hu-HU" sz="1800" dirty="0">
+                <a:solidFill>
+                  <a:schemeClr val="bg1">
+                    <a:lumMod val="95000"/>
+                  </a:schemeClr>
+                </a:solidFill>
+                <a:latin typeface="Bahnschrift SemiBold Condensed" panose="020B0502040204020203" pitchFamily="34" charset="0"/>
+              </a:rPr>
+              <a:t>     Játék, VR, </a:t>
+            </a:r>
+            <a:r>
+              <a:rPr lang="hu-HU" sz="1800" dirty="0" err="1">
+                <a:solidFill>
+                  <a:schemeClr val="bg1">
+                    <a:lumMod val="95000"/>
+                  </a:schemeClr>
+                </a:solidFill>
+                <a:latin typeface="Bahnschrift SemiBold Condensed" panose="020B0502040204020203" pitchFamily="34" charset="0"/>
+              </a:rPr>
+              <a:t>app</a:t>
+            </a:r>
+            <a:r>
+              <a:rPr lang="hu-HU" sz="1800" dirty="0">
+                <a:solidFill>
+                  <a:schemeClr val="bg1">
+                    <a:lumMod val="95000"/>
+                  </a:schemeClr>
+                </a:solidFill>
+                <a:latin typeface="Bahnschrift SemiBold Condensed" panose="020B0502040204020203" pitchFamily="34" charset="0"/>
+              </a:rPr>
+              <a:t>.</a:t>
+            </a:r>
+          </a:p>
+          <a:p>
+            <a:pPr>
+              <a:lnSpc>
+                <a:spcPct val="100000"/>
+              </a:lnSpc>
+            </a:pPr>
+            <a:r>
+              <a:rPr lang="hu-HU" sz="4800" dirty="0">
+                <a:solidFill>
+                  <a:schemeClr val="bg1">
+                    <a:lumMod val="95000"/>
+                  </a:schemeClr>
+                </a:solidFill>
+                <a:latin typeface="Bahnschrift SemiBold Condensed" panose="020B0502040204020203" pitchFamily="34" charset="0"/>
+              </a:rPr>
+              <a:t>JavaScript </a:t>
+            </a:r>
+            <a:r>
+              <a:rPr lang="hu-HU" sz="3200" dirty="0">
+                <a:solidFill>
+                  <a:schemeClr val="bg1">
+                    <a:lumMod val="95000"/>
+                  </a:schemeClr>
+                </a:solidFill>
+                <a:latin typeface="Bahnschrift SemiBold Condensed" panose="020B0502040204020203" pitchFamily="34" charset="0"/>
+              </a:rPr>
+              <a:t/>
+            </a:r>
+            <a:br>
+              <a:rPr lang="hu-HU" sz="3200" dirty="0">
+                <a:solidFill>
+                  <a:schemeClr val="bg1">
+                    <a:lumMod val="95000"/>
+                  </a:schemeClr>
+                </a:solidFill>
+                <a:latin typeface="Bahnschrift SemiBold Condensed" panose="020B0502040204020203" pitchFamily="34" charset="0"/>
+              </a:rPr>
+            </a:br>
+            <a:r>
+              <a:rPr lang="hu-HU" sz="1800" dirty="0">
+                <a:solidFill>
+                  <a:schemeClr val="bg1">
+                    <a:lumMod val="95000"/>
+                  </a:schemeClr>
+                </a:solidFill>
+                <a:latin typeface="Bahnschrift SemiBold Condensed" panose="020B0502040204020203" pitchFamily="34" charset="0"/>
+              </a:rPr>
+              <a:t> oldal, játék, telefon</a:t>
+            </a:r>
+            <a:r>
+              <a:rPr lang="hu-HU" sz="1800" dirty="0">
+                <a:solidFill>
+                  <a:schemeClr val="bg1">
+                    <a:lumMod val="95000"/>
+                  </a:schemeClr>
+                </a:solidFill>
+                <a:latin typeface="Bahnschrift SemiBold Condensed" panose="020B0502040204020203" pitchFamily="34" charset="0"/>
+              </a:rPr>
+              <a:t>,</a:t>
+            </a:r>
+            <a:endParaRPr lang="hu-HU" sz="3200" dirty="0">
+              <a:solidFill>
+                <a:schemeClr val="bg1">
+                  <a:lumMod val="95000"/>
+                </a:schemeClr>
+              </a:solidFill>
+              <a:latin typeface="Bahnschrift SemiBold Condensed" panose="020B0502040204020203" pitchFamily="34" charset="0"/>
+            </a:endParaRPr>
+          </a:p>
+          <a:p>
+            <a:pPr>
+              <a:lnSpc>
+                <a:spcPct val="100000"/>
+              </a:lnSpc>
+            </a:pPr>
+            <a:r>
+              <a:rPr lang="hu-HU" sz="4800" dirty="0" err="1">
+                <a:solidFill>
+                  <a:schemeClr val="bg1">
+                    <a:lumMod val="95000"/>
+                  </a:schemeClr>
+                </a:solidFill>
+                <a:latin typeface="Bahnschrift SemiBold Condensed" panose="020B0502040204020203" pitchFamily="34" charset="0"/>
+              </a:rPr>
+              <a:t>Rust</a:t>
+            </a:r>
+            <a:endParaRPr lang="hu-HU" sz="4800" dirty="0">
+              <a:solidFill>
+                <a:schemeClr val="bg1">
+                  <a:lumMod val="95000"/>
+                </a:schemeClr>
+              </a:solidFill>
+              <a:latin typeface="Bahnschrift SemiBold Condensed" panose="020B0502040204020203" pitchFamily="34" charset="0"/>
+            </a:endParaRPr>
+          </a:p>
+          <a:p>
+            <a:pPr marL="0" indent="0">
+              <a:lnSpc>
+                <a:spcPct val="100000"/>
+              </a:lnSpc>
+              <a:buFont typeface="Arial" panose="020B0604020202020204" pitchFamily="34" charset="0"/>
+              <a:buNone/>
+            </a:pPr>
+            <a:r>
+              <a:rPr lang="hu-HU" sz="1800" dirty="0">
+                <a:solidFill>
+                  <a:schemeClr val="bg1">
+                    <a:lumMod val="95000"/>
+                  </a:schemeClr>
+                </a:solidFill>
+                <a:latin typeface="Bahnschrift SemiBold Condensed" panose="020B0502040204020203" pitchFamily="34" charset="0"/>
+              </a:rPr>
+              <a:t>     VR, OS, böngészők</a:t>
+            </a:r>
+          </a:p>
+          <a:p>
+            <a:pPr marL="0" indent="0">
+              <a:buNone/>
+            </a:pPr>
+            <a:endParaRPr lang="hu-HU" dirty="0"/>
+          </a:p>
+          <a:p>
+            <a:pPr marL="0" indent="0">
+              <a:buNone/>
+            </a:pPr>
+            <a:endParaRPr lang="hu-HU" dirty="0"/>
+          </a:p>
+          <a:p>
+            <a:endParaRPr lang="hu-HU" dirty="0"/>
           </a:p>
         </p:txBody>
       </p:sp>
@@ -3517,6 +4800,16 @@
   <p:clrMapOvr>
     <a:masterClrMapping/>
   </p:clrMapOvr>
+  <p:transition spd="slow">
+    <p:push dir="u"/>
+  </p:transition>
+  <p:timing>
+    <p:tnLst>
+      <p:par>
+        <p:cTn id="1" dur="indefinite" restart="never" nodeType="tmRoot"/>
+      </p:par>
+    </p:tnLst>
+  </p:timing>
 </p:sld>
 </file>
 
@@ -3585,6 +4878,16 @@
   <p:clrMapOvr>
     <a:masterClrMapping/>
   </p:clrMapOvr>
+  <p:transition spd="slow">
+    <p:push dir="u"/>
+  </p:transition>
+  <p:timing>
+    <p:tnLst>
+      <p:par>
+        <p:cTn id="1" dur="indefinite" restart="never" nodeType="tmRoot"/>
+      </p:par>
+    </p:tnLst>
+  </p:timing>
 </p:sld>
 </file>
 
@@ -3653,6 +4956,16 @@
   <p:clrMapOvr>
     <a:masterClrMapping/>
   </p:clrMapOvr>
+  <p:transition spd="slow">
+    <p:push dir="u"/>
+  </p:transition>
+  <p:timing>
+    <p:tnLst>
+      <p:par>
+        <p:cTn id="1" dur="indefinite" restart="never" nodeType="tmRoot"/>
+      </p:par>
+    </p:tnLst>
+  </p:timing>
 </p:sld>
 </file>
 
@@ -3721,6 +5034,16 @@
   <p:clrMapOvr>
     <a:masterClrMapping/>
   </p:clrMapOvr>
+  <p:transition spd="slow">
+    <p:push dir="u"/>
+  </p:transition>
+  <p:timing>
+    <p:tnLst>
+      <p:par>
+        <p:cTn id="1" dur="indefinite" restart="never" nodeType="tmRoot"/>
+      </p:par>
+    </p:tnLst>
+  </p:timing>
 </p:sld>
 </file>
 
@@ -3751,31 +5074,34 @@
             <p:ph type="title"/>
           </p:nvPr>
         </p:nvSpPr>
-        <p:spPr/>
-        <p:txBody>
-          <a:bodyPr/>
-          <a:lstStyle/>
-          <a:p>
-            <a:endParaRPr lang="hu-HU"/>
-          </a:p>
-        </p:txBody>
-      </p:sp>
-      <p:sp>
-        <p:nvSpPr>
-          <p:cNvPr id="3" name="Tartalom helye 2"/>
-          <p:cNvSpPr>
-            <a:spLocks noGrp="1"/>
-          </p:cNvSpPr>
-          <p:nvPr>
-            <p:ph idx="1"/>
-          </p:nvPr>
-        </p:nvSpPr>
-        <p:spPr/>
-        <p:txBody>
-          <a:bodyPr/>
-          <a:lstStyle/>
-          <a:p>
-            <a:endParaRPr lang="hu-HU"/>
+        <p:spPr>
+          <a:xfrm>
+            <a:off x="994317" y="2784939"/>
+            <a:ext cx="10515600" cy="1325563"/>
+          </a:xfrm>
+        </p:spPr>
+        <p:txBody>
+          <a:bodyPr>
+            <a:noAutofit/>
+          </a:bodyPr>
+          <a:lstStyle/>
+          <a:p>
+            <a:pPr algn="ctr"/>
+            <a:r>
+              <a:rPr lang="hu-HU" sz="6600" dirty="0">
+                <a:solidFill>
+                  <a:schemeClr val="bg2"/>
+                </a:solidFill>
+                <a:latin typeface="Arial Black" panose="020B0A04020102020204" pitchFamily="34" charset="0"/>
+              </a:rPr>
+              <a:t>Köszönöm a figyelmet!</a:t>
+            </a:r>
+            <a:endParaRPr lang="hu-HU" sz="6600" dirty="0">
+              <a:solidFill>
+                <a:schemeClr val="bg2"/>
+              </a:solidFill>
+              <a:latin typeface="Arial Black" panose="020B0A04020102020204" pitchFamily="34" charset="0"/>
+            </a:endParaRPr>
           </a:p>
         </p:txBody>
       </p:sp>
@@ -3789,6 +5115,16 @@
   <p:clrMapOvr>
     <a:masterClrMapping/>
   </p:clrMapOvr>
+  <p:transition spd="slow">
+    <p:push dir="u"/>
+  </p:transition>
+  <p:timing>
+    <p:tnLst>
+      <p:par>
+        <p:cTn id="1" dur="indefinite" restart="never" nodeType="tmRoot"/>
+      </p:par>
+    </p:tnLst>
+  </p:timing>
 </p:sld>
 </file>
 

--- a/szakmaivalamiigen.pptx
+++ b/szakmaivalamiigen.pptx
@@ -10,11 +10,9 @@
     <p:sldId id="258" r:id="rId4"/>
     <p:sldId id="259" r:id="rId5"/>
     <p:sldId id="260" r:id="rId6"/>
-    <p:sldId id="261" r:id="rId7"/>
-    <p:sldId id="262" r:id="rId8"/>
-    <p:sldId id="263" r:id="rId9"/>
-    <p:sldId id="264" r:id="rId10"/>
-    <p:sldId id="265" r:id="rId11"/>
+    <p:sldId id="262" r:id="rId7"/>
+    <p:sldId id="264" r:id="rId8"/>
+    <p:sldId id="265" r:id="rId9"/>
   </p:sldIdLst>
   <p:sldSz cx="12192000" cy="6858000"/>
   <p:notesSz cx="6858000" cy="9144000"/>
@@ -252,7 +250,7 @@
           <a:p>
             <a:fld id="{B556A831-036A-4D84-A9CC-31420D3BD400}" type="datetimeFigureOut">
               <a:rPr lang="hu-HU" smtClean="0"/>
-              <a:t>2022.09.14.</a:t>
+              <a:t>2022.09.15.</a:t>
             </a:fld>
             <a:endParaRPr lang="hu-HU"/>
           </a:p>
@@ -425,7 +423,7 @@
           <a:p>
             <a:fld id="{B556A831-036A-4D84-A9CC-31420D3BD400}" type="datetimeFigureOut">
               <a:rPr lang="hu-HU" smtClean="0"/>
-              <a:t>2022.09.14.</a:t>
+              <a:t>2022.09.15.</a:t>
             </a:fld>
             <a:endParaRPr lang="hu-HU"/>
           </a:p>
@@ -608,7 +606,7 @@
           <a:p>
             <a:fld id="{B556A831-036A-4D84-A9CC-31420D3BD400}" type="datetimeFigureOut">
               <a:rPr lang="hu-HU" smtClean="0"/>
-              <a:t>2022.09.14.</a:t>
+              <a:t>2022.09.15.</a:t>
             </a:fld>
             <a:endParaRPr lang="hu-HU"/>
           </a:p>
@@ -781,7 +779,7 @@
           <a:p>
             <a:fld id="{B556A831-036A-4D84-A9CC-31420D3BD400}" type="datetimeFigureOut">
               <a:rPr lang="hu-HU" smtClean="0"/>
-              <a:t>2022.09.14.</a:t>
+              <a:t>2022.09.15.</a:t>
             </a:fld>
             <a:endParaRPr lang="hu-HU"/>
           </a:p>
@@ -1030,7 +1028,7 @@
           <a:p>
             <a:fld id="{B556A831-036A-4D84-A9CC-31420D3BD400}" type="datetimeFigureOut">
               <a:rPr lang="hu-HU" smtClean="0"/>
-              <a:t>2022.09.14.</a:t>
+              <a:t>2022.09.15.</a:t>
             </a:fld>
             <a:endParaRPr lang="hu-HU"/>
           </a:p>
@@ -1265,7 +1263,7 @@
           <a:p>
             <a:fld id="{B556A831-036A-4D84-A9CC-31420D3BD400}" type="datetimeFigureOut">
               <a:rPr lang="hu-HU" smtClean="0"/>
-              <a:t>2022.09.14.</a:t>
+              <a:t>2022.09.15.</a:t>
             </a:fld>
             <a:endParaRPr lang="hu-HU"/>
           </a:p>
@@ -1635,7 +1633,7 @@
           <a:p>
             <a:fld id="{B556A831-036A-4D84-A9CC-31420D3BD400}" type="datetimeFigureOut">
               <a:rPr lang="hu-HU" smtClean="0"/>
-              <a:t>2022.09.14.</a:t>
+              <a:t>2022.09.15.</a:t>
             </a:fld>
             <a:endParaRPr lang="hu-HU"/>
           </a:p>
@@ -1756,7 +1754,7 @@
           <a:p>
             <a:fld id="{B556A831-036A-4D84-A9CC-31420D3BD400}" type="datetimeFigureOut">
               <a:rPr lang="hu-HU" smtClean="0"/>
-              <a:t>2022.09.14.</a:t>
+              <a:t>2022.09.15.</a:t>
             </a:fld>
             <a:endParaRPr lang="hu-HU"/>
           </a:p>
@@ -1854,7 +1852,7 @@
           <a:p>
             <a:fld id="{B556A831-036A-4D84-A9CC-31420D3BD400}" type="datetimeFigureOut">
               <a:rPr lang="hu-HU" smtClean="0"/>
-              <a:t>2022.09.14.</a:t>
+              <a:t>2022.09.15.</a:t>
             </a:fld>
             <a:endParaRPr lang="hu-HU"/>
           </a:p>
@@ -2134,7 +2132,7 @@
           <a:p>
             <a:fld id="{B556A831-036A-4D84-A9CC-31420D3BD400}" type="datetimeFigureOut">
               <a:rPr lang="hu-HU" smtClean="0"/>
-              <a:t>2022.09.14.</a:t>
+              <a:t>2022.09.15.</a:t>
             </a:fld>
             <a:endParaRPr lang="hu-HU"/>
           </a:p>
@@ -2390,7 +2388,7 @@
           <a:p>
             <a:fld id="{B556A831-036A-4D84-A9CC-31420D3BD400}" type="datetimeFigureOut">
               <a:rPr lang="hu-HU" smtClean="0"/>
-              <a:t>2022.09.14.</a:t>
+              <a:t>2022.09.15.</a:t>
             </a:fld>
             <a:endParaRPr lang="hu-HU"/>
           </a:p>
@@ -2611,7 +2609,7 @@
           <a:p>
             <a:fld id="{B556A831-036A-4D84-A9CC-31420D3BD400}" type="datetimeFigureOut">
               <a:rPr lang="hu-HU" smtClean="0"/>
-              <a:t>2022.09.14.</a:t>
+              <a:t>2022.09.15.</a:t>
             </a:fld>
             <a:endParaRPr lang="hu-HU"/>
           </a:p>
@@ -3048,16 +3046,7 @@
                 </a:solidFill>
                 <a:latin typeface="Arial Black" panose="020B0A04020102020204" pitchFamily="34" charset="0"/>
               </a:rPr>
-              <a:t>Programozási </a:t>
-            </a:r>
-            <a:r>
-              <a:rPr lang="hu-HU" sz="8000" dirty="0" smtClean="0">
-                <a:solidFill>
-                  <a:schemeClr val="bg2"/>
-                </a:solidFill>
-                <a:latin typeface="Arial Black" panose="020B0A04020102020204" pitchFamily="34" charset="0"/>
-              </a:rPr>
-              <a:t>nyelvek</a:t>
+              <a:t>Programozási nyelvek</a:t>
             </a:r>
             <a:endParaRPr lang="hu-HU" sz="8000" dirty="0">
               <a:solidFill>
@@ -3271,199 +3260,6 @@
 </p:sld>
 </file>
 
-<file path=ppt/slides/slide10.xml><?xml version="1.0" encoding="utf-8"?>
-<p:sld xmlns:a="http://schemas.openxmlformats.org/drawingml/2006/main" xmlns:r="http://schemas.openxmlformats.org/officeDocument/2006/relationships" xmlns:p="http://schemas.openxmlformats.org/presentationml/2006/main">
-  <p:cSld>
-    <p:spTree>
-      <p:nvGrpSpPr>
-        <p:cNvPr id="1" name=""/>
-        <p:cNvGrpSpPr/>
-        <p:nvPr/>
-      </p:nvGrpSpPr>
-      <p:grpSpPr>
-        <a:xfrm>
-          <a:off x="0" y="0"/>
-          <a:ext cx="0" cy="0"/>
-          <a:chOff x="0" y="0"/>
-          <a:chExt cx="0" cy="0"/>
-        </a:xfrm>
-      </p:grpSpPr>
-      <p:sp>
-        <p:nvSpPr>
-          <p:cNvPr id="2" name="Cím 1"/>
-          <p:cNvSpPr>
-            <a:spLocks noGrp="1"/>
-          </p:cNvSpPr>
-          <p:nvPr>
-            <p:ph type="title"/>
-          </p:nvPr>
-        </p:nvSpPr>
-        <p:spPr/>
-        <p:txBody>
-          <a:bodyPr>
-            <a:normAutofit/>
-          </a:bodyPr>
-          <a:lstStyle/>
-          <a:p>
-            <a:r>
-              <a:rPr lang="hu-HU" sz="6600" dirty="0">
-                <a:solidFill>
-                  <a:schemeClr val="bg2"/>
-                </a:solidFill>
-                <a:latin typeface="Arial Black" panose="020B0A04020102020204" pitchFamily="34" charset="0"/>
-              </a:rPr>
-              <a:t>Források:</a:t>
-            </a:r>
-            <a:endParaRPr lang="hu-HU" sz="6600" dirty="0">
-              <a:solidFill>
-                <a:schemeClr val="bg2"/>
-              </a:solidFill>
-              <a:latin typeface="Arial Black" panose="020B0A04020102020204" pitchFamily="34" charset="0"/>
-            </a:endParaRPr>
-          </a:p>
-        </p:txBody>
-      </p:sp>
-      <p:sp>
-        <p:nvSpPr>
-          <p:cNvPr id="3" name="Tartalom helye 2"/>
-          <p:cNvSpPr>
-            <a:spLocks noGrp="1"/>
-          </p:cNvSpPr>
-          <p:nvPr>
-            <p:ph idx="1"/>
-          </p:nvPr>
-        </p:nvSpPr>
-        <p:spPr/>
-        <p:txBody>
-          <a:bodyPr/>
-          <a:lstStyle/>
-          <a:p>
-            <a:r>
-              <a:rPr lang="hu-HU" dirty="0" smtClean="0">
-                <a:solidFill>
-                  <a:schemeClr val="bg1">
-                    <a:lumMod val="95000"/>
-                  </a:schemeClr>
-                </a:solidFill>
-                <a:hlinkClick r:id="rId2"/>
-              </a:rPr>
-              <a:t>https://</a:t>
-            </a:r>
-            <a:r>
-              <a:rPr lang="hu-HU" dirty="0" smtClean="0">
-                <a:solidFill>
-                  <a:schemeClr val="bg1">
-                    <a:lumMod val="95000"/>
-                  </a:schemeClr>
-                </a:solidFill>
-                <a:hlinkClick r:id="rId2"/>
-              </a:rPr>
-              <a:t>www.hp.com/us-en/shop/tech-takes/computer-history-programming-languages</a:t>
-            </a:r>
-            <a:endParaRPr lang="hu-HU" dirty="0">
-              <a:solidFill>
-                <a:schemeClr val="bg1">
-                  <a:lumMod val="95000"/>
-                </a:schemeClr>
-              </a:solidFill>
-            </a:endParaRPr>
-          </a:p>
-          <a:p>
-            <a:r>
-              <a:rPr lang="hu-HU" dirty="0">
-                <a:solidFill>
-                  <a:schemeClr val="bg1">
-                    <a:lumMod val="95000"/>
-                  </a:schemeClr>
-                </a:solidFill>
-                <a:hlinkClick r:id="rId3"/>
-              </a:rPr>
-              <a:t>https://quotepark.com/authors/john-backus</a:t>
-            </a:r>
-            <a:r>
-              <a:rPr lang="hu-HU" dirty="0" smtClean="0">
-                <a:solidFill>
-                  <a:schemeClr val="bg1">
-                    <a:lumMod val="95000"/>
-                  </a:schemeClr>
-                </a:solidFill>
-                <a:hlinkClick r:id="rId3"/>
-              </a:rPr>
-              <a:t>/</a:t>
-            </a:r>
-            <a:endParaRPr lang="hu-HU" dirty="0" smtClean="0">
-              <a:solidFill>
-                <a:schemeClr val="bg1">
-                  <a:lumMod val="95000"/>
-                </a:schemeClr>
-              </a:solidFill>
-            </a:endParaRPr>
-          </a:p>
-          <a:p>
-            <a:r>
-              <a:rPr lang="hu-HU" dirty="0">
-                <a:solidFill>
-                  <a:schemeClr val="bg1">
-                    <a:lumMod val="95000"/>
-                  </a:schemeClr>
-                </a:solidFill>
-                <a:hlinkClick r:id="rId4"/>
-              </a:rPr>
-              <a:t>https://bootcamp.berkeley.edu/blog/most-in-demand-programming-languages</a:t>
-            </a:r>
-            <a:r>
-              <a:rPr lang="hu-HU" dirty="0" smtClean="0">
-                <a:solidFill>
-                  <a:schemeClr val="bg1">
-                    <a:lumMod val="95000"/>
-                  </a:schemeClr>
-                </a:solidFill>
-                <a:hlinkClick r:id="rId4"/>
-              </a:rPr>
-              <a:t>/</a:t>
-            </a:r>
-            <a:endParaRPr lang="hu-HU" dirty="0" smtClean="0">
-              <a:solidFill>
-                <a:schemeClr val="bg1">
-                  <a:lumMod val="95000"/>
-                </a:schemeClr>
-              </a:solidFill>
-            </a:endParaRPr>
-          </a:p>
-          <a:p>
-            <a:endParaRPr lang="hu-HU" dirty="0">
-              <a:solidFill>
-                <a:schemeClr val="bg1">
-                  <a:lumMod val="95000"/>
-                </a:schemeClr>
-              </a:solidFill>
-            </a:endParaRPr>
-          </a:p>
-        </p:txBody>
-      </p:sp>
-    </p:spTree>
-    <p:extLst>
-      <p:ext uri="{BB962C8B-B14F-4D97-AF65-F5344CB8AC3E}">
-        <p14:creationId xmlns:p14="http://schemas.microsoft.com/office/powerpoint/2010/main" val="456807822"/>
-      </p:ext>
-    </p:extLst>
-  </p:cSld>
-  <p:clrMapOvr>
-    <a:masterClrMapping/>
-  </p:clrMapOvr>
-  <p:transition spd="slow">
-    <p:push dir="u"/>
-  </p:transition>
-  <p:timing>
-    <p:tnLst>
-      <p:par>
-        <p:cTn id="1" dur="indefinite" restart="never" nodeType="tmRoot"/>
-      </p:par>
-    </p:tnLst>
-  </p:timing>
-</p:sld>
-</file>
-
 <file path=ppt/slides/slide2.xml><?xml version="1.0" encoding="utf-8"?>
 <p:sld xmlns:a="http://schemas.openxmlformats.org/drawingml/2006/main" xmlns:r="http://schemas.openxmlformats.org/officeDocument/2006/relationships" xmlns:p="http://schemas.openxmlformats.org/presentationml/2006/main">
   <p:cSld>
@@ -3513,12 +3309,6 @@
               </a:rPr>
               <a:t>Az első</a:t>
             </a:r>
-            <a:endParaRPr lang="hu-HU" sz="6600" dirty="0">
-              <a:solidFill>
-                <a:schemeClr val="bg2"/>
-              </a:solidFill>
-              <a:latin typeface="Arial Black" panose="020B0A04020102020204" pitchFamily="34" charset="0"/>
-            </a:endParaRPr>
           </a:p>
         </p:txBody>
       </p:sp>
@@ -3602,14 +3392,6 @@
               </a:rPr>
               <a:t>)</a:t>
             </a:r>
-            <a:endParaRPr lang="hu-HU" sz="3200" dirty="0" smtClean="0">
-              <a:solidFill>
-                <a:schemeClr val="bg1">
-                  <a:lumMod val="95000"/>
-                </a:schemeClr>
-              </a:solidFill>
-              <a:latin typeface="Bahnschrift SemiBold Condensed" panose="020B0502040204020203" pitchFamily="34" charset="0"/>
-            </a:endParaRPr>
           </a:p>
           <a:p>
             <a:pPr marL="0" indent="0" algn="ctr">
@@ -3839,12 +3621,6 @@
               </a:rPr>
               <a:t>20. század</a:t>
             </a:r>
-            <a:endParaRPr lang="hu-HU" sz="6600" dirty="0">
-              <a:solidFill>
-                <a:schemeClr val="bg2"/>
-              </a:solidFill>
-              <a:latin typeface="Arial Black" panose="020B0A04020102020204" pitchFamily="34" charset="0"/>
-            </a:endParaRPr>
           </a:p>
         </p:txBody>
       </p:sp>
@@ -3992,18 +3768,7 @@
                 </a:solidFill>
                 <a:latin typeface="Bahnschrift SemiBold Condensed" panose="020B0502040204020203" pitchFamily="34" charset="0"/>
               </a:rPr>
-              <a:t> </a:t>
-            </a:r>
-            <a:r>
-              <a:rPr lang="hu-HU" sz="1800" dirty="0">
-                <a:solidFill>
-                  <a:schemeClr val="bg1">
-                    <a:lumMod val="95000"/>
-                  </a:schemeClr>
-                </a:solidFill>
-                <a:latin typeface="Bahnschrift SemiBold Condensed" panose="020B0502040204020203" pitchFamily="34" charset="0"/>
-              </a:rPr>
-              <a:t>Értelmezhető</a:t>
+              <a:t> Értelmezhető</a:t>
             </a:r>
           </a:p>
           <a:p>
@@ -4131,14 +3896,6 @@
               </a:rPr>
               <a:t>  Ideális mindenre, oldalak</a:t>
             </a:r>
-            <a:endParaRPr lang="hu-HU" sz="1800" dirty="0">
-              <a:solidFill>
-                <a:schemeClr val="bg1">
-                  <a:lumMod val="95000"/>
-                </a:schemeClr>
-              </a:solidFill>
-              <a:latin typeface="Bahnschrift SemiBold Condensed" panose="020B0502040204020203" pitchFamily="34" charset="0"/>
-            </a:endParaRPr>
           </a:p>
         </p:txBody>
       </p:sp>
@@ -4158,7 +3915,782 @@
   <p:timing>
     <p:tnLst>
       <p:par>
-        <p:cTn id="1" dur="indefinite" restart="never" nodeType="tmRoot"/>
+        <p:cTn id="1" dur="indefinite" restart="never" nodeType="tmRoot">
+          <p:childTnLst>
+            <p:seq concurrent="1" nextAc="seek">
+              <p:cTn id="2" dur="indefinite" nodeType="mainSeq">
+                <p:childTnLst>
+                  <p:par>
+                    <p:cTn id="3" fill="hold">
+                      <p:stCondLst>
+                        <p:cond delay="indefinite"/>
+                      </p:stCondLst>
+                      <p:childTnLst>
+                        <p:par>
+                          <p:cTn id="4" fill="hold">
+                            <p:stCondLst>
+                              <p:cond delay="0"/>
+                            </p:stCondLst>
+                            <p:childTnLst>
+                              <p:par>
+                                <p:cTn id="5" presetID="2" presetClass="entr" presetSubtype="8" fill="hold" nodeType="clickEffect">
+                                  <p:stCondLst>
+                                    <p:cond delay="0"/>
+                                  </p:stCondLst>
+                                  <p:childTnLst>
+                                    <p:set>
+                                      <p:cBhvr>
+                                        <p:cTn id="6" dur="1" fill="hold">
+                                          <p:stCondLst>
+                                            <p:cond delay="0"/>
+                                          </p:stCondLst>
+                                        </p:cTn>
+                                        <p:tgtEl>
+                                          <p:spTgt spid="3">
+                                            <p:txEl>
+                                              <p:pRg st="0" end="0"/>
+                                            </p:txEl>
+                                          </p:spTgt>
+                                        </p:tgtEl>
+                                        <p:attrNameLst>
+                                          <p:attrName>style.visibility</p:attrName>
+                                        </p:attrNameLst>
+                                      </p:cBhvr>
+                                      <p:to>
+                                        <p:strVal val="visible"/>
+                                      </p:to>
+                                    </p:set>
+                                    <p:anim calcmode="lin" valueType="num">
+                                      <p:cBhvr additive="base">
+                                        <p:cTn id="7" dur="500" fill="hold"/>
+                                        <p:tgtEl>
+                                          <p:spTgt spid="3">
+                                            <p:txEl>
+                                              <p:pRg st="0" end="0"/>
+                                            </p:txEl>
+                                          </p:spTgt>
+                                        </p:tgtEl>
+                                        <p:attrNameLst>
+                                          <p:attrName>ppt_x</p:attrName>
+                                        </p:attrNameLst>
+                                      </p:cBhvr>
+                                      <p:tavLst>
+                                        <p:tav tm="0">
+                                          <p:val>
+                                            <p:strVal val="0-#ppt_w/2"/>
+                                          </p:val>
+                                        </p:tav>
+                                        <p:tav tm="100000">
+                                          <p:val>
+                                            <p:strVal val="#ppt_x"/>
+                                          </p:val>
+                                        </p:tav>
+                                      </p:tavLst>
+                                    </p:anim>
+                                    <p:anim calcmode="lin" valueType="num">
+                                      <p:cBhvr additive="base">
+                                        <p:cTn id="8" dur="500" fill="hold"/>
+                                        <p:tgtEl>
+                                          <p:spTgt spid="3">
+                                            <p:txEl>
+                                              <p:pRg st="0" end="0"/>
+                                            </p:txEl>
+                                          </p:spTgt>
+                                        </p:tgtEl>
+                                        <p:attrNameLst>
+                                          <p:attrName>ppt_y</p:attrName>
+                                        </p:attrNameLst>
+                                      </p:cBhvr>
+                                      <p:tavLst>
+                                        <p:tav tm="0">
+                                          <p:val>
+                                            <p:strVal val="#ppt_y"/>
+                                          </p:val>
+                                        </p:tav>
+                                        <p:tav tm="100000">
+                                          <p:val>
+                                            <p:strVal val="#ppt_y"/>
+                                          </p:val>
+                                        </p:tav>
+                                      </p:tavLst>
+                                    </p:anim>
+                                  </p:childTnLst>
+                                </p:cTn>
+                              </p:par>
+                              <p:par>
+                                <p:cTn id="9" presetID="2" presetClass="entr" presetSubtype="8" fill="hold" nodeType="withEffect">
+                                  <p:stCondLst>
+                                    <p:cond delay="0"/>
+                                  </p:stCondLst>
+                                  <p:childTnLst>
+                                    <p:set>
+                                      <p:cBhvr>
+                                        <p:cTn id="10" dur="1" fill="hold">
+                                          <p:stCondLst>
+                                            <p:cond delay="0"/>
+                                          </p:stCondLst>
+                                        </p:cTn>
+                                        <p:tgtEl>
+                                          <p:spTgt spid="3">
+                                            <p:txEl>
+                                              <p:pRg st="1" end="1"/>
+                                            </p:txEl>
+                                          </p:spTgt>
+                                        </p:tgtEl>
+                                        <p:attrNameLst>
+                                          <p:attrName>style.visibility</p:attrName>
+                                        </p:attrNameLst>
+                                      </p:cBhvr>
+                                      <p:to>
+                                        <p:strVal val="visible"/>
+                                      </p:to>
+                                    </p:set>
+                                    <p:anim calcmode="lin" valueType="num">
+                                      <p:cBhvr additive="base">
+                                        <p:cTn id="11" dur="500" fill="hold"/>
+                                        <p:tgtEl>
+                                          <p:spTgt spid="3">
+                                            <p:txEl>
+                                              <p:pRg st="1" end="1"/>
+                                            </p:txEl>
+                                          </p:spTgt>
+                                        </p:tgtEl>
+                                        <p:attrNameLst>
+                                          <p:attrName>ppt_x</p:attrName>
+                                        </p:attrNameLst>
+                                      </p:cBhvr>
+                                      <p:tavLst>
+                                        <p:tav tm="0">
+                                          <p:val>
+                                            <p:strVal val="0-#ppt_w/2"/>
+                                          </p:val>
+                                        </p:tav>
+                                        <p:tav tm="100000">
+                                          <p:val>
+                                            <p:strVal val="#ppt_x"/>
+                                          </p:val>
+                                        </p:tav>
+                                      </p:tavLst>
+                                    </p:anim>
+                                    <p:anim calcmode="lin" valueType="num">
+                                      <p:cBhvr additive="base">
+                                        <p:cTn id="12" dur="500" fill="hold"/>
+                                        <p:tgtEl>
+                                          <p:spTgt spid="3">
+                                            <p:txEl>
+                                              <p:pRg st="1" end="1"/>
+                                            </p:txEl>
+                                          </p:spTgt>
+                                        </p:tgtEl>
+                                        <p:attrNameLst>
+                                          <p:attrName>ppt_y</p:attrName>
+                                        </p:attrNameLst>
+                                      </p:cBhvr>
+                                      <p:tavLst>
+                                        <p:tav tm="0">
+                                          <p:val>
+                                            <p:strVal val="#ppt_y"/>
+                                          </p:val>
+                                        </p:tav>
+                                        <p:tav tm="100000">
+                                          <p:val>
+                                            <p:strVal val="#ppt_y"/>
+                                          </p:val>
+                                        </p:tav>
+                                      </p:tavLst>
+                                    </p:anim>
+                                  </p:childTnLst>
+                                </p:cTn>
+                              </p:par>
+                            </p:childTnLst>
+                          </p:cTn>
+                        </p:par>
+                      </p:childTnLst>
+                    </p:cTn>
+                  </p:par>
+                  <p:par>
+                    <p:cTn id="13" fill="hold">
+                      <p:stCondLst>
+                        <p:cond delay="indefinite"/>
+                      </p:stCondLst>
+                      <p:childTnLst>
+                        <p:par>
+                          <p:cTn id="14" fill="hold">
+                            <p:stCondLst>
+                              <p:cond delay="0"/>
+                            </p:stCondLst>
+                            <p:childTnLst>
+                              <p:par>
+                                <p:cTn id="15" presetID="2" presetClass="entr" presetSubtype="8" fill="hold" nodeType="clickEffect">
+                                  <p:stCondLst>
+                                    <p:cond delay="0"/>
+                                  </p:stCondLst>
+                                  <p:childTnLst>
+                                    <p:set>
+                                      <p:cBhvr>
+                                        <p:cTn id="16" dur="1" fill="hold">
+                                          <p:stCondLst>
+                                            <p:cond delay="0"/>
+                                          </p:stCondLst>
+                                        </p:cTn>
+                                        <p:tgtEl>
+                                          <p:spTgt spid="3">
+                                            <p:txEl>
+                                              <p:pRg st="2" end="2"/>
+                                            </p:txEl>
+                                          </p:spTgt>
+                                        </p:tgtEl>
+                                        <p:attrNameLst>
+                                          <p:attrName>style.visibility</p:attrName>
+                                        </p:attrNameLst>
+                                      </p:cBhvr>
+                                      <p:to>
+                                        <p:strVal val="visible"/>
+                                      </p:to>
+                                    </p:set>
+                                    <p:anim calcmode="lin" valueType="num">
+                                      <p:cBhvr additive="base">
+                                        <p:cTn id="17" dur="500" fill="hold"/>
+                                        <p:tgtEl>
+                                          <p:spTgt spid="3">
+                                            <p:txEl>
+                                              <p:pRg st="2" end="2"/>
+                                            </p:txEl>
+                                          </p:spTgt>
+                                        </p:tgtEl>
+                                        <p:attrNameLst>
+                                          <p:attrName>ppt_x</p:attrName>
+                                        </p:attrNameLst>
+                                      </p:cBhvr>
+                                      <p:tavLst>
+                                        <p:tav tm="0">
+                                          <p:val>
+                                            <p:strVal val="0-#ppt_w/2"/>
+                                          </p:val>
+                                        </p:tav>
+                                        <p:tav tm="100000">
+                                          <p:val>
+                                            <p:strVal val="#ppt_x"/>
+                                          </p:val>
+                                        </p:tav>
+                                      </p:tavLst>
+                                    </p:anim>
+                                    <p:anim calcmode="lin" valueType="num">
+                                      <p:cBhvr additive="base">
+                                        <p:cTn id="18" dur="500" fill="hold"/>
+                                        <p:tgtEl>
+                                          <p:spTgt spid="3">
+                                            <p:txEl>
+                                              <p:pRg st="2" end="2"/>
+                                            </p:txEl>
+                                          </p:spTgt>
+                                        </p:tgtEl>
+                                        <p:attrNameLst>
+                                          <p:attrName>ppt_y</p:attrName>
+                                        </p:attrNameLst>
+                                      </p:cBhvr>
+                                      <p:tavLst>
+                                        <p:tav tm="0">
+                                          <p:val>
+                                            <p:strVal val="#ppt_y"/>
+                                          </p:val>
+                                        </p:tav>
+                                        <p:tav tm="100000">
+                                          <p:val>
+                                            <p:strVal val="#ppt_y"/>
+                                          </p:val>
+                                        </p:tav>
+                                      </p:tavLst>
+                                    </p:anim>
+                                  </p:childTnLst>
+                                </p:cTn>
+                              </p:par>
+                              <p:par>
+                                <p:cTn id="19" presetID="2" presetClass="entr" presetSubtype="8" fill="hold" nodeType="withEffect">
+                                  <p:stCondLst>
+                                    <p:cond delay="0"/>
+                                  </p:stCondLst>
+                                  <p:childTnLst>
+                                    <p:set>
+                                      <p:cBhvr>
+                                        <p:cTn id="20" dur="1" fill="hold">
+                                          <p:stCondLst>
+                                            <p:cond delay="0"/>
+                                          </p:stCondLst>
+                                        </p:cTn>
+                                        <p:tgtEl>
+                                          <p:spTgt spid="3">
+                                            <p:txEl>
+                                              <p:pRg st="3" end="3"/>
+                                            </p:txEl>
+                                          </p:spTgt>
+                                        </p:tgtEl>
+                                        <p:attrNameLst>
+                                          <p:attrName>style.visibility</p:attrName>
+                                        </p:attrNameLst>
+                                      </p:cBhvr>
+                                      <p:to>
+                                        <p:strVal val="visible"/>
+                                      </p:to>
+                                    </p:set>
+                                    <p:anim calcmode="lin" valueType="num">
+                                      <p:cBhvr additive="base">
+                                        <p:cTn id="21" dur="500" fill="hold"/>
+                                        <p:tgtEl>
+                                          <p:spTgt spid="3">
+                                            <p:txEl>
+                                              <p:pRg st="3" end="3"/>
+                                            </p:txEl>
+                                          </p:spTgt>
+                                        </p:tgtEl>
+                                        <p:attrNameLst>
+                                          <p:attrName>ppt_x</p:attrName>
+                                        </p:attrNameLst>
+                                      </p:cBhvr>
+                                      <p:tavLst>
+                                        <p:tav tm="0">
+                                          <p:val>
+                                            <p:strVal val="0-#ppt_w/2"/>
+                                          </p:val>
+                                        </p:tav>
+                                        <p:tav tm="100000">
+                                          <p:val>
+                                            <p:strVal val="#ppt_x"/>
+                                          </p:val>
+                                        </p:tav>
+                                      </p:tavLst>
+                                    </p:anim>
+                                    <p:anim calcmode="lin" valueType="num">
+                                      <p:cBhvr additive="base">
+                                        <p:cTn id="22" dur="500" fill="hold"/>
+                                        <p:tgtEl>
+                                          <p:spTgt spid="3">
+                                            <p:txEl>
+                                              <p:pRg st="3" end="3"/>
+                                            </p:txEl>
+                                          </p:spTgt>
+                                        </p:tgtEl>
+                                        <p:attrNameLst>
+                                          <p:attrName>ppt_y</p:attrName>
+                                        </p:attrNameLst>
+                                      </p:cBhvr>
+                                      <p:tavLst>
+                                        <p:tav tm="0">
+                                          <p:val>
+                                            <p:strVal val="#ppt_y"/>
+                                          </p:val>
+                                        </p:tav>
+                                        <p:tav tm="100000">
+                                          <p:val>
+                                            <p:strVal val="#ppt_y"/>
+                                          </p:val>
+                                        </p:tav>
+                                      </p:tavLst>
+                                    </p:anim>
+                                  </p:childTnLst>
+                                </p:cTn>
+                              </p:par>
+                            </p:childTnLst>
+                          </p:cTn>
+                        </p:par>
+                      </p:childTnLst>
+                    </p:cTn>
+                  </p:par>
+                  <p:par>
+                    <p:cTn id="23" fill="hold">
+                      <p:stCondLst>
+                        <p:cond delay="indefinite"/>
+                      </p:stCondLst>
+                      <p:childTnLst>
+                        <p:par>
+                          <p:cTn id="24" fill="hold">
+                            <p:stCondLst>
+                              <p:cond delay="0"/>
+                            </p:stCondLst>
+                            <p:childTnLst>
+                              <p:par>
+                                <p:cTn id="25" presetID="2" presetClass="entr" presetSubtype="8" fill="hold" nodeType="clickEffect">
+                                  <p:stCondLst>
+                                    <p:cond delay="0"/>
+                                  </p:stCondLst>
+                                  <p:childTnLst>
+                                    <p:set>
+                                      <p:cBhvr>
+                                        <p:cTn id="26" dur="1" fill="hold">
+                                          <p:stCondLst>
+                                            <p:cond delay="0"/>
+                                          </p:stCondLst>
+                                        </p:cTn>
+                                        <p:tgtEl>
+                                          <p:spTgt spid="3">
+                                            <p:txEl>
+                                              <p:pRg st="4" end="4"/>
+                                            </p:txEl>
+                                          </p:spTgt>
+                                        </p:tgtEl>
+                                        <p:attrNameLst>
+                                          <p:attrName>style.visibility</p:attrName>
+                                        </p:attrNameLst>
+                                      </p:cBhvr>
+                                      <p:to>
+                                        <p:strVal val="visible"/>
+                                      </p:to>
+                                    </p:set>
+                                    <p:anim calcmode="lin" valueType="num">
+                                      <p:cBhvr additive="base">
+                                        <p:cTn id="27" dur="500" fill="hold"/>
+                                        <p:tgtEl>
+                                          <p:spTgt spid="3">
+                                            <p:txEl>
+                                              <p:pRg st="4" end="4"/>
+                                            </p:txEl>
+                                          </p:spTgt>
+                                        </p:tgtEl>
+                                        <p:attrNameLst>
+                                          <p:attrName>ppt_x</p:attrName>
+                                        </p:attrNameLst>
+                                      </p:cBhvr>
+                                      <p:tavLst>
+                                        <p:tav tm="0">
+                                          <p:val>
+                                            <p:strVal val="0-#ppt_w/2"/>
+                                          </p:val>
+                                        </p:tav>
+                                        <p:tav tm="100000">
+                                          <p:val>
+                                            <p:strVal val="#ppt_x"/>
+                                          </p:val>
+                                        </p:tav>
+                                      </p:tavLst>
+                                    </p:anim>
+                                    <p:anim calcmode="lin" valueType="num">
+                                      <p:cBhvr additive="base">
+                                        <p:cTn id="28" dur="500" fill="hold"/>
+                                        <p:tgtEl>
+                                          <p:spTgt spid="3">
+                                            <p:txEl>
+                                              <p:pRg st="4" end="4"/>
+                                            </p:txEl>
+                                          </p:spTgt>
+                                        </p:tgtEl>
+                                        <p:attrNameLst>
+                                          <p:attrName>ppt_y</p:attrName>
+                                        </p:attrNameLst>
+                                      </p:cBhvr>
+                                      <p:tavLst>
+                                        <p:tav tm="0">
+                                          <p:val>
+                                            <p:strVal val="#ppt_y"/>
+                                          </p:val>
+                                        </p:tav>
+                                        <p:tav tm="100000">
+                                          <p:val>
+                                            <p:strVal val="#ppt_y"/>
+                                          </p:val>
+                                        </p:tav>
+                                      </p:tavLst>
+                                    </p:anim>
+                                  </p:childTnLst>
+                                </p:cTn>
+                              </p:par>
+                              <p:par>
+                                <p:cTn id="29" presetID="2" presetClass="entr" presetSubtype="8" fill="hold" nodeType="withEffect">
+                                  <p:stCondLst>
+                                    <p:cond delay="0"/>
+                                  </p:stCondLst>
+                                  <p:childTnLst>
+                                    <p:set>
+                                      <p:cBhvr>
+                                        <p:cTn id="30" dur="1" fill="hold">
+                                          <p:stCondLst>
+                                            <p:cond delay="0"/>
+                                          </p:stCondLst>
+                                        </p:cTn>
+                                        <p:tgtEl>
+                                          <p:spTgt spid="3">
+                                            <p:txEl>
+                                              <p:pRg st="5" end="5"/>
+                                            </p:txEl>
+                                          </p:spTgt>
+                                        </p:tgtEl>
+                                        <p:attrNameLst>
+                                          <p:attrName>style.visibility</p:attrName>
+                                        </p:attrNameLst>
+                                      </p:cBhvr>
+                                      <p:to>
+                                        <p:strVal val="visible"/>
+                                      </p:to>
+                                    </p:set>
+                                    <p:anim calcmode="lin" valueType="num">
+                                      <p:cBhvr additive="base">
+                                        <p:cTn id="31" dur="500" fill="hold"/>
+                                        <p:tgtEl>
+                                          <p:spTgt spid="3">
+                                            <p:txEl>
+                                              <p:pRg st="5" end="5"/>
+                                            </p:txEl>
+                                          </p:spTgt>
+                                        </p:tgtEl>
+                                        <p:attrNameLst>
+                                          <p:attrName>ppt_x</p:attrName>
+                                        </p:attrNameLst>
+                                      </p:cBhvr>
+                                      <p:tavLst>
+                                        <p:tav tm="0">
+                                          <p:val>
+                                            <p:strVal val="0-#ppt_w/2"/>
+                                          </p:val>
+                                        </p:tav>
+                                        <p:tav tm="100000">
+                                          <p:val>
+                                            <p:strVal val="#ppt_x"/>
+                                          </p:val>
+                                        </p:tav>
+                                      </p:tavLst>
+                                    </p:anim>
+                                    <p:anim calcmode="lin" valueType="num">
+                                      <p:cBhvr additive="base">
+                                        <p:cTn id="32" dur="500" fill="hold"/>
+                                        <p:tgtEl>
+                                          <p:spTgt spid="3">
+                                            <p:txEl>
+                                              <p:pRg st="5" end="5"/>
+                                            </p:txEl>
+                                          </p:spTgt>
+                                        </p:tgtEl>
+                                        <p:attrNameLst>
+                                          <p:attrName>ppt_y</p:attrName>
+                                        </p:attrNameLst>
+                                      </p:cBhvr>
+                                      <p:tavLst>
+                                        <p:tav tm="0">
+                                          <p:val>
+                                            <p:strVal val="#ppt_y"/>
+                                          </p:val>
+                                        </p:tav>
+                                        <p:tav tm="100000">
+                                          <p:val>
+                                            <p:strVal val="#ppt_y"/>
+                                          </p:val>
+                                        </p:tav>
+                                      </p:tavLst>
+                                    </p:anim>
+                                  </p:childTnLst>
+                                </p:cTn>
+                              </p:par>
+                            </p:childTnLst>
+                          </p:cTn>
+                        </p:par>
+                      </p:childTnLst>
+                    </p:cTn>
+                  </p:par>
+                  <p:par>
+                    <p:cTn id="33" fill="hold">
+                      <p:stCondLst>
+                        <p:cond delay="indefinite"/>
+                      </p:stCondLst>
+                      <p:childTnLst>
+                        <p:par>
+                          <p:cTn id="34" fill="hold">
+                            <p:stCondLst>
+                              <p:cond delay="0"/>
+                            </p:stCondLst>
+                            <p:childTnLst>
+                              <p:par>
+                                <p:cTn id="35" presetID="2" presetClass="entr" presetSubtype="8" fill="hold" nodeType="clickEffect">
+                                  <p:stCondLst>
+                                    <p:cond delay="0"/>
+                                  </p:stCondLst>
+                                  <p:childTnLst>
+                                    <p:set>
+                                      <p:cBhvr>
+                                        <p:cTn id="36" dur="1" fill="hold">
+                                          <p:stCondLst>
+                                            <p:cond delay="0"/>
+                                          </p:stCondLst>
+                                        </p:cTn>
+                                        <p:tgtEl>
+                                          <p:spTgt spid="3">
+                                            <p:txEl>
+                                              <p:pRg st="6" end="6"/>
+                                            </p:txEl>
+                                          </p:spTgt>
+                                        </p:tgtEl>
+                                        <p:attrNameLst>
+                                          <p:attrName>style.visibility</p:attrName>
+                                        </p:attrNameLst>
+                                      </p:cBhvr>
+                                      <p:to>
+                                        <p:strVal val="visible"/>
+                                      </p:to>
+                                    </p:set>
+                                    <p:anim calcmode="lin" valueType="num">
+                                      <p:cBhvr additive="base">
+                                        <p:cTn id="37" dur="500" fill="hold"/>
+                                        <p:tgtEl>
+                                          <p:spTgt spid="3">
+                                            <p:txEl>
+                                              <p:pRg st="6" end="6"/>
+                                            </p:txEl>
+                                          </p:spTgt>
+                                        </p:tgtEl>
+                                        <p:attrNameLst>
+                                          <p:attrName>ppt_x</p:attrName>
+                                        </p:attrNameLst>
+                                      </p:cBhvr>
+                                      <p:tavLst>
+                                        <p:tav tm="0">
+                                          <p:val>
+                                            <p:strVal val="0-#ppt_w/2"/>
+                                          </p:val>
+                                        </p:tav>
+                                        <p:tav tm="100000">
+                                          <p:val>
+                                            <p:strVal val="#ppt_x"/>
+                                          </p:val>
+                                        </p:tav>
+                                      </p:tavLst>
+                                    </p:anim>
+                                    <p:anim calcmode="lin" valueType="num">
+                                      <p:cBhvr additive="base">
+                                        <p:cTn id="38" dur="500" fill="hold"/>
+                                        <p:tgtEl>
+                                          <p:spTgt spid="3">
+                                            <p:txEl>
+                                              <p:pRg st="6" end="6"/>
+                                            </p:txEl>
+                                          </p:spTgt>
+                                        </p:tgtEl>
+                                        <p:attrNameLst>
+                                          <p:attrName>ppt_y</p:attrName>
+                                        </p:attrNameLst>
+                                      </p:cBhvr>
+                                      <p:tavLst>
+                                        <p:tav tm="0">
+                                          <p:val>
+                                            <p:strVal val="#ppt_y"/>
+                                          </p:val>
+                                        </p:tav>
+                                        <p:tav tm="100000">
+                                          <p:val>
+                                            <p:strVal val="#ppt_y"/>
+                                          </p:val>
+                                        </p:tav>
+                                      </p:tavLst>
+                                    </p:anim>
+                                  </p:childTnLst>
+                                </p:cTn>
+                              </p:par>
+                              <p:par>
+                                <p:cTn id="39" presetID="2" presetClass="entr" presetSubtype="8" fill="hold" nodeType="withEffect">
+                                  <p:stCondLst>
+                                    <p:cond delay="0"/>
+                                  </p:stCondLst>
+                                  <p:childTnLst>
+                                    <p:set>
+                                      <p:cBhvr>
+                                        <p:cTn id="40" dur="1" fill="hold">
+                                          <p:stCondLst>
+                                            <p:cond delay="0"/>
+                                          </p:stCondLst>
+                                        </p:cTn>
+                                        <p:tgtEl>
+                                          <p:spTgt spid="3">
+                                            <p:txEl>
+                                              <p:pRg st="7" end="7"/>
+                                            </p:txEl>
+                                          </p:spTgt>
+                                        </p:tgtEl>
+                                        <p:attrNameLst>
+                                          <p:attrName>style.visibility</p:attrName>
+                                        </p:attrNameLst>
+                                      </p:cBhvr>
+                                      <p:to>
+                                        <p:strVal val="visible"/>
+                                      </p:to>
+                                    </p:set>
+                                    <p:anim calcmode="lin" valueType="num">
+                                      <p:cBhvr additive="base">
+                                        <p:cTn id="41" dur="500" fill="hold"/>
+                                        <p:tgtEl>
+                                          <p:spTgt spid="3">
+                                            <p:txEl>
+                                              <p:pRg st="7" end="7"/>
+                                            </p:txEl>
+                                          </p:spTgt>
+                                        </p:tgtEl>
+                                        <p:attrNameLst>
+                                          <p:attrName>ppt_x</p:attrName>
+                                        </p:attrNameLst>
+                                      </p:cBhvr>
+                                      <p:tavLst>
+                                        <p:tav tm="0">
+                                          <p:val>
+                                            <p:strVal val="0-#ppt_w/2"/>
+                                          </p:val>
+                                        </p:tav>
+                                        <p:tav tm="100000">
+                                          <p:val>
+                                            <p:strVal val="#ppt_x"/>
+                                          </p:val>
+                                        </p:tav>
+                                      </p:tavLst>
+                                    </p:anim>
+                                    <p:anim calcmode="lin" valueType="num">
+                                      <p:cBhvr additive="base">
+                                        <p:cTn id="42" dur="500" fill="hold"/>
+                                        <p:tgtEl>
+                                          <p:spTgt spid="3">
+                                            <p:txEl>
+                                              <p:pRg st="7" end="7"/>
+                                            </p:txEl>
+                                          </p:spTgt>
+                                        </p:tgtEl>
+                                        <p:attrNameLst>
+                                          <p:attrName>ppt_y</p:attrName>
+                                        </p:attrNameLst>
+                                      </p:cBhvr>
+                                      <p:tavLst>
+                                        <p:tav tm="0">
+                                          <p:val>
+                                            <p:strVal val="#ppt_y"/>
+                                          </p:val>
+                                        </p:tav>
+                                        <p:tav tm="100000">
+                                          <p:val>
+                                            <p:strVal val="#ppt_y"/>
+                                          </p:val>
+                                        </p:tav>
+                                      </p:tavLst>
+                                    </p:anim>
+                                  </p:childTnLst>
+                                </p:cTn>
+                              </p:par>
+                            </p:childTnLst>
+                          </p:cTn>
+                        </p:par>
+                      </p:childTnLst>
+                    </p:cTn>
+                  </p:par>
+                </p:childTnLst>
+              </p:cTn>
+              <p:prevCondLst>
+                <p:cond evt="onPrev" delay="0">
+                  <p:tgtEl>
+                    <p:sldTgt/>
+                  </p:tgtEl>
+                </p:cond>
+              </p:prevCondLst>
+              <p:nextCondLst>
+                <p:cond evt="onNext" delay="0">
+                  <p:tgtEl>
+                    <p:sldTgt/>
+                  </p:tgtEl>
+                </p:cond>
+              </p:nextCondLst>
+            </p:seq>
+          </p:childTnLst>
+        </p:cTn>
       </p:par>
     </p:tnLst>
   </p:timing>
@@ -4168,6 +4700,16 @@
 <file path=ppt/slides/slide4.xml><?xml version="1.0" encoding="utf-8"?>
 <p:sld xmlns:a="http://schemas.openxmlformats.org/drawingml/2006/main" xmlns:r="http://schemas.openxmlformats.org/officeDocument/2006/relationships" xmlns:p="http://schemas.openxmlformats.org/presentationml/2006/main">
   <p:cSld>
+    <p:bg>
+      <p:bgPr>
+        <a:solidFill>
+          <a:schemeClr val="bg2">
+            <a:lumMod val="10000"/>
+          </a:schemeClr>
+        </a:solidFill>
+        <a:effectLst/>
+      </p:bgPr>
+    </p:bg>
     <p:spTree>
       <p:nvGrpSpPr>
         <p:cNvPr id="1" name=""/>
@@ -4208,12 +4750,6 @@
               </a:rPr>
               <a:t>Fontosabbak</a:t>
             </a:r>
-            <a:endParaRPr lang="hu-HU" sz="6600" dirty="0">
-              <a:solidFill>
-                <a:schemeClr val="bg2"/>
-              </a:solidFill>
-              <a:latin typeface="Arial Black" panose="020B0A04020102020204" pitchFamily="34" charset="0"/>
-            </a:endParaRPr>
           </a:p>
         </p:txBody>
       </p:sp>
@@ -4525,7 +5061,903 @@
   <p:timing>
     <p:tnLst>
       <p:par>
-        <p:cTn id="1" dur="indefinite" restart="never" nodeType="tmRoot"/>
+        <p:cTn id="1" dur="indefinite" restart="never" nodeType="tmRoot">
+          <p:childTnLst>
+            <p:seq concurrent="1" nextAc="seek">
+              <p:cTn id="2" dur="indefinite" nodeType="mainSeq">
+                <p:childTnLst>
+                  <p:par>
+                    <p:cTn id="3" fill="hold">
+                      <p:stCondLst>
+                        <p:cond delay="indefinite"/>
+                      </p:stCondLst>
+                      <p:childTnLst>
+                        <p:par>
+                          <p:cTn id="4" fill="hold">
+                            <p:stCondLst>
+                              <p:cond delay="0"/>
+                            </p:stCondLst>
+                            <p:childTnLst>
+                              <p:par>
+                                <p:cTn id="5" presetID="2" presetClass="entr" presetSubtype="8" fill="hold" nodeType="clickEffect">
+                                  <p:stCondLst>
+                                    <p:cond delay="0"/>
+                                  </p:stCondLst>
+                                  <p:childTnLst>
+                                    <p:set>
+                                      <p:cBhvr>
+                                        <p:cTn id="6" dur="1" fill="hold">
+                                          <p:stCondLst>
+                                            <p:cond delay="0"/>
+                                          </p:stCondLst>
+                                        </p:cTn>
+                                        <p:tgtEl>
+                                          <p:spTgt spid="3">
+                                            <p:txEl>
+                                              <p:pRg st="0" end="0"/>
+                                            </p:txEl>
+                                          </p:spTgt>
+                                        </p:tgtEl>
+                                        <p:attrNameLst>
+                                          <p:attrName>style.visibility</p:attrName>
+                                        </p:attrNameLst>
+                                      </p:cBhvr>
+                                      <p:to>
+                                        <p:strVal val="visible"/>
+                                      </p:to>
+                                    </p:set>
+                                    <p:anim calcmode="lin" valueType="num">
+                                      <p:cBhvr additive="base">
+                                        <p:cTn id="7" dur="500" fill="hold"/>
+                                        <p:tgtEl>
+                                          <p:spTgt spid="3">
+                                            <p:txEl>
+                                              <p:pRg st="0" end="0"/>
+                                            </p:txEl>
+                                          </p:spTgt>
+                                        </p:tgtEl>
+                                        <p:attrNameLst>
+                                          <p:attrName>ppt_x</p:attrName>
+                                        </p:attrNameLst>
+                                      </p:cBhvr>
+                                      <p:tavLst>
+                                        <p:tav tm="0">
+                                          <p:val>
+                                            <p:strVal val="0-#ppt_w/2"/>
+                                          </p:val>
+                                        </p:tav>
+                                        <p:tav tm="100000">
+                                          <p:val>
+                                            <p:strVal val="#ppt_x"/>
+                                          </p:val>
+                                        </p:tav>
+                                      </p:tavLst>
+                                    </p:anim>
+                                    <p:anim calcmode="lin" valueType="num">
+                                      <p:cBhvr additive="base">
+                                        <p:cTn id="8" dur="500" fill="hold"/>
+                                        <p:tgtEl>
+                                          <p:spTgt spid="3">
+                                            <p:txEl>
+                                              <p:pRg st="0" end="0"/>
+                                            </p:txEl>
+                                          </p:spTgt>
+                                        </p:tgtEl>
+                                        <p:attrNameLst>
+                                          <p:attrName>ppt_y</p:attrName>
+                                        </p:attrNameLst>
+                                      </p:cBhvr>
+                                      <p:tavLst>
+                                        <p:tav tm="0">
+                                          <p:val>
+                                            <p:strVal val="#ppt_y"/>
+                                          </p:val>
+                                        </p:tav>
+                                        <p:tav tm="100000">
+                                          <p:val>
+                                            <p:strVal val="#ppt_y"/>
+                                          </p:val>
+                                        </p:tav>
+                                      </p:tavLst>
+                                    </p:anim>
+                                  </p:childTnLst>
+                                </p:cTn>
+                              </p:par>
+                            </p:childTnLst>
+                          </p:cTn>
+                        </p:par>
+                      </p:childTnLst>
+                    </p:cTn>
+                  </p:par>
+                  <p:par>
+                    <p:cTn id="9" fill="hold">
+                      <p:stCondLst>
+                        <p:cond delay="indefinite"/>
+                      </p:stCondLst>
+                      <p:childTnLst>
+                        <p:par>
+                          <p:cTn id="10" fill="hold">
+                            <p:stCondLst>
+                              <p:cond delay="0"/>
+                            </p:stCondLst>
+                            <p:childTnLst>
+                              <p:par>
+                                <p:cTn id="11" presetID="2" presetClass="entr" presetSubtype="8" fill="hold" nodeType="clickEffect">
+                                  <p:stCondLst>
+                                    <p:cond delay="0"/>
+                                  </p:stCondLst>
+                                  <p:childTnLst>
+                                    <p:set>
+                                      <p:cBhvr>
+                                        <p:cTn id="12" dur="1" fill="hold">
+                                          <p:stCondLst>
+                                            <p:cond delay="0"/>
+                                          </p:stCondLst>
+                                        </p:cTn>
+                                        <p:tgtEl>
+                                          <p:spTgt spid="3">
+                                            <p:txEl>
+                                              <p:pRg st="1" end="1"/>
+                                            </p:txEl>
+                                          </p:spTgt>
+                                        </p:tgtEl>
+                                        <p:attrNameLst>
+                                          <p:attrName>style.visibility</p:attrName>
+                                        </p:attrNameLst>
+                                      </p:cBhvr>
+                                      <p:to>
+                                        <p:strVal val="visible"/>
+                                      </p:to>
+                                    </p:set>
+                                    <p:anim calcmode="lin" valueType="num">
+                                      <p:cBhvr additive="base">
+                                        <p:cTn id="13" dur="500" fill="hold"/>
+                                        <p:tgtEl>
+                                          <p:spTgt spid="3">
+                                            <p:txEl>
+                                              <p:pRg st="1" end="1"/>
+                                            </p:txEl>
+                                          </p:spTgt>
+                                        </p:tgtEl>
+                                        <p:attrNameLst>
+                                          <p:attrName>ppt_x</p:attrName>
+                                        </p:attrNameLst>
+                                      </p:cBhvr>
+                                      <p:tavLst>
+                                        <p:tav tm="0">
+                                          <p:val>
+                                            <p:strVal val="0-#ppt_w/2"/>
+                                          </p:val>
+                                        </p:tav>
+                                        <p:tav tm="100000">
+                                          <p:val>
+                                            <p:strVal val="#ppt_x"/>
+                                          </p:val>
+                                        </p:tav>
+                                      </p:tavLst>
+                                    </p:anim>
+                                    <p:anim calcmode="lin" valueType="num">
+                                      <p:cBhvr additive="base">
+                                        <p:cTn id="14" dur="500" fill="hold"/>
+                                        <p:tgtEl>
+                                          <p:spTgt spid="3">
+                                            <p:txEl>
+                                              <p:pRg st="1" end="1"/>
+                                            </p:txEl>
+                                          </p:spTgt>
+                                        </p:tgtEl>
+                                        <p:attrNameLst>
+                                          <p:attrName>ppt_y</p:attrName>
+                                        </p:attrNameLst>
+                                      </p:cBhvr>
+                                      <p:tavLst>
+                                        <p:tav tm="0">
+                                          <p:val>
+                                            <p:strVal val="#ppt_y"/>
+                                          </p:val>
+                                        </p:tav>
+                                        <p:tav tm="100000">
+                                          <p:val>
+                                            <p:strVal val="#ppt_y"/>
+                                          </p:val>
+                                        </p:tav>
+                                      </p:tavLst>
+                                    </p:anim>
+                                  </p:childTnLst>
+                                </p:cTn>
+                              </p:par>
+                              <p:par>
+                                <p:cTn id="15" presetID="2" presetClass="entr" presetSubtype="8" fill="hold" nodeType="withEffect">
+                                  <p:stCondLst>
+                                    <p:cond delay="0"/>
+                                  </p:stCondLst>
+                                  <p:childTnLst>
+                                    <p:set>
+                                      <p:cBhvr>
+                                        <p:cTn id="16" dur="1" fill="hold">
+                                          <p:stCondLst>
+                                            <p:cond delay="0"/>
+                                          </p:stCondLst>
+                                        </p:cTn>
+                                        <p:tgtEl>
+                                          <p:spTgt spid="3">
+                                            <p:txEl>
+                                              <p:pRg st="2" end="2"/>
+                                            </p:txEl>
+                                          </p:spTgt>
+                                        </p:tgtEl>
+                                        <p:attrNameLst>
+                                          <p:attrName>style.visibility</p:attrName>
+                                        </p:attrNameLst>
+                                      </p:cBhvr>
+                                      <p:to>
+                                        <p:strVal val="visible"/>
+                                      </p:to>
+                                    </p:set>
+                                    <p:anim calcmode="lin" valueType="num">
+                                      <p:cBhvr additive="base">
+                                        <p:cTn id="17" dur="500" fill="hold"/>
+                                        <p:tgtEl>
+                                          <p:spTgt spid="3">
+                                            <p:txEl>
+                                              <p:pRg st="2" end="2"/>
+                                            </p:txEl>
+                                          </p:spTgt>
+                                        </p:tgtEl>
+                                        <p:attrNameLst>
+                                          <p:attrName>ppt_x</p:attrName>
+                                        </p:attrNameLst>
+                                      </p:cBhvr>
+                                      <p:tavLst>
+                                        <p:tav tm="0">
+                                          <p:val>
+                                            <p:strVal val="0-#ppt_w/2"/>
+                                          </p:val>
+                                        </p:tav>
+                                        <p:tav tm="100000">
+                                          <p:val>
+                                            <p:strVal val="#ppt_x"/>
+                                          </p:val>
+                                        </p:tav>
+                                      </p:tavLst>
+                                    </p:anim>
+                                    <p:anim calcmode="lin" valueType="num">
+                                      <p:cBhvr additive="base">
+                                        <p:cTn id="18" dur="500" fill="hold"/>
+                                        <p:tgtEl>
+                                          <p:spTgt spid="3">
+                                            <p:txEl>
+                                              <p:pRg st="2" end="2"/>
+                                            </p:txEl>
+                                          </p:spTgt>
+                                        </p:tgtEl>
+                                        <p:attrNameLst>
+                                          <p:attrName>ppt_y</p:attrName>
+                                        </p:attrNameLst>
+                                      </p:cBhvr>
+                                      <p:tavLst>
+                                        <p:tav tm="0">
+                                          <p:val>
+                                            <p:strVal val="#ppt_y"/>
+                                          </p:val>
+                                        </p:tav>
+                                        <p:tav tm="100000">
+                                          <p:val>
+                                            <p:strVal val="#ppt_y"/>
+                                          </p:val>
+                                        </p:tav>
+                                      </p:tavLst>
+                                    </p:anim>
+                                  </p:childTnLst>
+                                </p:cTn>
+                              </p:par>
+                            </p:childTnLst>
+                          </p:cTn>
+                        </p:par>
+                      </p:childTnLst>
+                    </p:cTn>
+                  </p:par>
+                  <p:par>
+                    <p:cTn id="19" fill="hold">
+                      <p:stCondLst>
+                        <p:cond delay="indefinite"/>
+                      </p:stCondLst>
+                      <p:childTnLst>
+                        <p:par>
+                          <p:cTn id="20" fill="hold">
+                            <p:stCondLst>
+                              <p:cond delay="0"/>
+                            </p:stCondLst>
+                            <p:childTnLst>
+                              <p:par>
+                                <p:cTn id="21" presetID="2" presetClass="entr" presetSubtype="8" fill="hold" nodeType="clickEffect">
+                                  <p:stCondLst>
+                                    <p:cond delay="0"/>
+                                  </p:stCondLst>
+                                  <p:childTnLst>
+                                    <p:set>
+                                      <p:cBhvr>
+                                        <p:cTn id="22" dur="1" fill="hold">
+                                          <p:stCondLst>
+                                            <p:cond delay="0"/>
+                                          </p:stCondLst>
+                                        </p:cTn>
+                                        <p:tgtEl>
+                                          <p:spTgt spid="3">
+                                            <p:txEl>
+                                              <p:pRg st="3" end="3"/>
+                                            </p:txEl>
+                                          </p:spTgt>
+                                        </p:tgtEl>
+                                        <p:attrNameLst>
+                                          <p:attrName>style.visibility</p:attrName>
+                                        </p:attrNameLst>
+                                      </p:cBhvr>
+                                      <p:to>
+                                        <p:strVal val="visible"/>
+                                      </p:to>
+                                    </p:set>
+                                    <p:anim calcmode="lin" valueType="num">
+                                      <p:cBhvr additive="base">
+                                        <p:cTn id="23" dur="500" fill="hold"/>
+                                        <p:tgtEl>
+                                          <p:spTgt spid="3">
+                                            <p:txEl>
+                                              <p:pRg st="3" end="3"/>
+                                            </p:txEl>
+                                          </p:spTgt>
+                                        </p:tgtEl>
+                                        <p:attrNameLst>
+                                          <p:attrName>ppt_x</p:attrName>
+                                        </p:attrNameLst>
+                                      </p:cBhvr>
+                                      <p:tavLst>
+                                        <p:tav tm="0">
+                                          <p:val>
+                                            <p:strVal val="0-#ppt_w/2"/>
+                                          </p:val>
+                                        </p:tav>
+                                        <p:tav tm="100000">
+                                          <p:val>
+                                            <p:strVal val="#ppt_x"/>
+                                          </p:val>
+                                        </p:tav>
+                                      </p:tavLst>
+                                    </p:anim>
+                                    <p:anim calcmode="lin" valueType="num">
+                                      <p:cBhvr additive="base">
+                                        <p:cTn id="24" dur="500" fill="hold"/>
+                                        <p:tgtEl>
+                                          <p:spTgt spid="3">
+                                            <p:txEl>
+                                              <p:pRg st="3" end="3"/>
+                                            </p:txEl>
+                                          </p:spTgt>
+                                        </p:tgtEl>
+                                        <p:attrNameLst>
+                                          <p:attrName>ppt_y</p:attrName>
+                                        </p:attrNameLst>
+                                      </p:cBhvr>
+                                      <p:tavLst>
+                                        <p:tav tm="0">
+                                          <p:val>
+                                            <p:strVal val="#ppt_y"/>
+                                          </p:val>
+                                        </p:tav>
+                                        <p:tav tm="100000">
+                                          <p:val>
+                                            <p:strVal val="#ppt_y"/>
+                                          </p:val>
+                                        </p:tav>
+                                      </p:tavLst>
+                                    </p:anim>
+                                  </p:childTnLst>
+                                </p:cTn>
+                              </p:par>
+                            </p:childTnLst>
+                          </p:cTn>
+                        </p:par>
+                      </p:childTnLst>
+                    </p:cTn>
+                  </p:par>
+                  <p:par>
+                    <p:cTn id="25" fill="hold">
+                      <p:stCondLst>
+                        <p:cond delay="indefinite"/>
+                      </p:stCondLst>
+                      <p:childTnLst>
+                        <p:par>
+                          <p:cTn id="26" fill="hold">
+                            <p:stCondLst>
+                              <p:cond delay="0"/>
+                            </p:stCondLst>
+                            <p:childTnLst>
+                              <p:par>
+                                <p:cTn id="27" presetID="2" presetClass="entr" presetSubtype="8" fill="hold" nodeType="clickEffect">
+                                  <p:stCondLst>
+                                    <p:cond delay="0"/>
+                                  </p:stCondLst>
+                                  <p:childTnLst>
+                                    <p:set>
+                                      <p:cBhvr>
+                                        <p:cTn id="28" dur="1" fill="hold">
+                                          <p:stCondLst>
+                                            <p:cond delay="0"/>
+                                          </p:stCondLst>
+                                        </p:cTn>
+                                        <p:tgtEl>
+                                          <p:spTgt spid="4">
+                                            <p:txEl>
+                                              <p:pRg st="0" end="0"/>
+                                            </p:txEl>
+                                          </p:spTgt>
+                                        </p:tgtEl>
+                                        <p:attrNameLst>
+                                          <p:attrName>style.visibility</p:attrName>
+                                        </p:attrNameLst>
+                                      </p:cBhvr>
+                                      <p:to>
+                                        <p:strVal val="visible"/>
+                                      </p:to>
+                                    </p:set>
+                                    <p:anim calcmode="lin" valueType="num">
+                                      <p:cBhvr additive="base">
+                                        <p:cTn id="29" dur="500" fill="hold"/>
+                                        <p:tgtEl>
+                                          <p:spTgt spid="4">
+                                            <p:txEl>
+                                              <p:pRg st="0" end="0"/>
+                                            </p:txEl>
+                                          </p:spTgt>
+                                        </p:tgtEl>
+                                        <p:attrNameLst>
+                                          <p:attrName>ppt_x</p:attrName>
+                                        </p:attrNameLst>
+                                      </p:cBhvr>
+                                      <p:tavLst>
+                                        <p:tav tm="0">
+                                          <p:val>
+                                            <p:strVal val="0-#ppt_w/2"/>
+                                          </p:val>
+                                        </p:tav>
+                                        <p:tav tm="100000">
+                                          <p:val>
+                                            <p:strVal val="#ppt_x"/>
+                                          </p:val>
+                                        </p:tav>
+                                      </p:tavLst>
+                                    </p:anim>
+                                    <p:anim calcmode="lin" valueType="num">
+                                      <p:cBhvr additive="base">
+                                        <p:cTn id="30" dur="500" fill="hold"/>
+                                        <p:tgtEl>
+                                          <p:spTgt spid="4">
+                                            <p:txEl>
+                                              <p:pRg st="0" end="0"/>
+                                            </p:txEl>
+                                          </p:spTgt>
+                                        </p:tgtEl>
+                                        <p:attrNameLst>
+                                          <p:attrName>ppt_y</p:attrName>
+                                        </p:attrNameLst>
+                                      </p:cBhvr>
+                                      <p:tavLst>
+                                        <p:tav tm="0">
+                                          <p:val>
+                                            <p:strVal val="#ppt_y"/>
+                                          </p:val>
+                                        </p:tav>
+                                        <p:tav tm="100000">
+                                          <p:val>
+                                            <p:strVal val="#ppt_y"/>
+                                          </p:val>
+                                        </p:tav>
+                                      </p:tavLst>
+                                    </p:anim>
+                                  </p:childTnLst>
+                                </p:cTn>
+                              </p:par>
+                            </p:childTnLst>
+                          </p:cTn>
+                        </p:par>
+                      </p:childTnLst>
+                    </p:cTn>
+                  </p:par>
+                  <p:par>
+                    <p:cTn id="31" fill="hold">
+                      <p:stCondLst>
+                        <p:cond delay="indefinite"/>
+                      </p:stCondLst>
+                      <p:childTnLst>
+                        <p:par>
+                          <p:cTn id="32" fill="hold">
+                            <p:stCondLst>
+                              <p:cond delay="0"/>
+                            </p:stCondLst>
+                            <p:childTnLst>
+                              <p:par>
+                                <p:cTn id="33" presetID="2" presetClass="entr" presetSubtype="8" fill="hold" nodeType="clickEffect">
+                                  <p:stCondLst>
+                                    <p:cond delay="0"/>
+                                  </p:stCondLst>
+                                  <p:childTnLst>
+                                    <p:set>
+                                      <p:cBhvr>
+                                        <p:cTn id="34" dur="1" fill="hold">
+                                          <p:stCondLst>
+                                            <p:cond delay="0"/>
+                                          </p:stCondLst>
+                                        </p:cTn>
+                                        <p:tgtEl>
+                                          <p:spTgt spid="4">
+                                            <p:txEl>
+                                              <p:pRg st="1" end="1"/>
+                                            </p:txEl>
+                                          </p:spTgt>
+                                        </p:tgtEl>
+                                        <p:attrNameLst>
+                                          <p:attrName>style.visibility</p:attrName>
+                                        </p:attrNameLst>
+                                      </p:cBhvr>
+                                      <p:to>
+                                        <p:strVal val="visible"/>
+                                      </p:to>
+                                    </p:set>
+                                    <p:anim calcmode="lin" valueType="num">
+                                      <p:cBhvr additive="base">
+                                        <p:cTn id="35" dur="500" fill="hold"/>
+                                        <p:tgtEl>
+                                          <p:spTgt spid="4">
+                                            <p:txEl>
+                                              <p:pRg st="1" end="1"/>
+                                            </p:txEl>
+                                          </p:spTgt>
+                                        </p:tgtEl>
+                                        <p:attrNameLst>
+                                          <p:attrName>ppt_x</p:attrName>
+                                        </p:attrNameLst>
+                                      </p:cBhvr>
+                                      <p:tavLst>
+                                        <p:tav tm="0">
+                                          <p:val>
+                                            <p:strVal val="0-#ppt_w/2"/>
+                                          </p:val>
+                                        </p:tav>
+                                        <p:tav tm="100000">
+                                          <p:val>
+                                            <p:strVal val="#ppt_x"/>
+                                          </p:val>
+                                        </p:tav>
+                                      </p:tavLst>
+                                    </p:anim>
+                                    <p:anim calcmode="lin" valueType="num">
+                                      <p:cBhvr additive="base">
+                                        <p:cTn id="36" dur="500" fill="hold"/>
+                                        <p:tgtEl>
+                                          <p:spTgt spid="4">
+                                            <p:txEl>
+                                              <p:pRg st="1" end="1"/>
+                                            </p:txEl>
+                                          </p:spTgt>
+                                        </p:tgtEl>
+                                        <p:attrNameLst>
+                                          <p:attrName>ppt_y</p:attrName>
+                                        </p:attrNameLst>
+                                      </p:cBhvr>
+                                      <p:tavLst>
+                                        <p:tav tm="0">
+                                          <p:val>
+                                            <p:strVal val="#ppt_y"/>
+                                          </p:val>
+                                        </p:tav>
+                                        <p:tav tm="100000">
+                                          <p:val>
+                                            <p:strVal val="#ppt_y"/>
+                                          </p:val>
+                                        </p:tav>
+                                      </p:tavLst>
+                                    </p:anim>
+                                  </p:childTnLst>
+                                </p:cTn>
+                              </p:par>
+                              <p:par>
+                                <p:cTn id="37" presetID="2" presetClass="entr" presetSubtype="8" fill="hold" nodeType="withEffect">
+                                  <p:stCondLst>
+                                    <p:cond delay="0"/>
+                                  </p:stCondLst>
+                                  <p:childTnLst>
+                                    <p:set>
+                                      <p:cBhvr>
+                                        <p:cTn id="38" dur="1" fill="hold">
+                                          <p:stCondLst>
+                                            <p:cond delay="0"/>
+                                          </p:stCondLst>
+                                        </p:cTn>
+                                        <p:tgtEl>
+                                          <p:spTgt spid="4">
+                                            <p:txEl>
+                                              <p:pRg st="2" end="2"/>
+                                            </p:txEl>
+                                          </p:spTgt>
+                                        </p:tgtEl>
+                                        <p:attrNameLst>
+                                          <p:attrName>style.visibility</p:attrName>
+                                        </p:attrNameLst>
+                                      </p:cBhvr>
+                                      <p:to>
+                                        <p:strVal val="visible"/>
+                                      </p:to>
+                                    </p:set>
+                                    <p:anim calcmode="lin" valueType="num">
+                                      <p:cBhvr additive="base">
+                                        <p:cTn id="39" dur="500" fill="hold"/>
+                                        <p:tgtEl>
+                                          <p:spTgt spid="4">
+                                            <p:txEl>
+                                              <p:pRg st="2" end="2"/>
+                                            </p:txEl>
+                                          </p:spTgt>
+                                        </p:tgtEl>
+                                        <p:attrNameLst>
+                                          <p:attrName>ppt_x</p:attrName>
+                                        </p:attrNameLst>
+                                      </p:cBhvr>
+                                      <p:tavLst>
+                                        <p:tav tm="0">
+                                          <p:val>
+                                            <p:strVal val="0-#ppt_w/2"/>
+                                          </p:val>
+                                        </p:tav>
+                                        <p:tav tm="100000">
+                                          <p:val>
+                                            <p:strVal val="#ppt_x"/>
+                                          </p:val>
+                                        </p:tav>
+                                      </p:tavLst>
+                                    </p:anim>
+                                    <p:anim calcmode="lin" valueType="num">
+                                      <p:cBhvr additive="base">
+                                        <p:cTn id="40" dur="500" fill="hold"/>
+                                        <p:tgtEl>
+                                          <p:spTgt spid="4">
+                                            <p:txEl>
+                                              <p:pRg st="2" end="2"/>
+                                            </p:txEl>
+                                          </p:spTgt>
+                                        </p:tgtEl>
+                                        <p:attrNameLst>
+                                          <p:attrName>ppt_y</p:attrName>
+                                        </p:attrNameLst>
+                                      </p:cBhvr>
+                                      <p:tavLst>
+                                        <p:tav tm="0">
+                                          <p:val>
+                                            <p:strVal val="#ppt_y"/>
+                                          </p:val>
+                                        </p:tav>
+                                        <p:tav tm="100000">
+                                          <p:val>
+                                            <p:strVal val="#ppt_y"/>
+                                          </p:val>
+                                        </p:tav>
+                                      </p:tavLst>
+                                    </p:anim>
+                                  </p:childTnLst>
+                                </p:cTn>
+                              </p:par>
+                            </p:childTnLst>
+                          </p:cTn>
+                        </p:par>
+                      </p:childTnLst>
+                    </p:cTn>
+                  </p:par>
+                  <p:par>
+                    <p:cTn id="41" fill="hold">
+                      <p:stCondLst>
+                        <p:cond delay="indefinite"/>
+                      </p:stCondLst>
+                      <p:childTnLst>
+                        <p:par>
+                          <p:cTn id="42" fill="hold">
+                            <p:stCondLst>
+                              <p:cond delay="0"/>
+                            </p:stCondLst>
+                            <p:childTnLst>
+                              <p:par>
+                                <p:cTn id="43" presetID="2" presetClass="entr" presetSubtype="8" fill="hold" nodeType="clickEffect">
+                                  <p:stCondLst>
+                                    <p:cond delay="0"/>
+                                  </p:stCondLst>
+                                  <p:childTnLst>
+                                    <p:set>
+                                      <p:cBhvr>
+                                        <p:cTn id="44" dur="1" fill="hold">
+                                          <p:stCondLst>
+                                            <p:cond delay="0"/>
+                                          </p:stCondLst>
+                                        </p:cTn>
+                                        <p:tgtEl>
+                                          <p:spTgt spid="4">
+                                            <p:txEl>
+                                              <p:pRg st="3" end="3"/>
+                                            </p:txEl>
+                                          </p:spTgt>
+                                        </p:tgtEl>
+                                        <p:attrNameLst>
+                                          <p:attrName>style.visibility</p:attrName>
+                                        </p:attrNameLst>
+                                      </p:cBhvr>
+                                      <p:to>
+                                        <p:strVal val="visible"/>
+                                      </p:to>
+                                    </p:set>
+                                    <p:anim calcmode="lin" valueType="num">
+                                      <p:cBhvr additive="base">
+                                        <p:cTn id="45" dur="500" fill="hold"/>
+                                        <p:tgtEl>
+                                          <p:spTgt spid="4">
+                                            <p:txEl>
+                                              <p:pRg st="3" end="3"/>
+                                            </p:txEl>
+                                          </p:spTgt>
+                                        </p:tgtEl>
+                                        <p:attrNameLst>
+                                          <p:attrName>ppt_x</p:attrName>
+                                        </p:attrNameLst>
+                                      </p:cBhvr>
+                                      <p:tavLst>
+                                        <p:tav tm="0">
+                                          <p:val>
+                                            <p:strVal val="0-#ppt_w/2"/>
+                                          </p:val>
+                                        </p:tav>
+                                        <p:tav tm="100000">
+                                          <p:val>
+                                            <p:strVal val="#ppt_x"/>
+                                          </p:val>
+                                        </p:tav>
+                                      </p:tavLst>
+                                    </p:anim>
+                                    <p:anim calcmode="lin" valueType="num">
+                                      <p:cBhvr additive="base">
+                                        <p:cTn id="46" dur="500" fill="hold"/>
+                                        <p:tgtEl>
+                                          <p:spTgt spid="4">
+                                            <p:txEl>
+                                              <p:pRg st="3" end="3"/>
+                                            </p:txEl>
+                                          </p:spTgt>
+                                        </p:tgtEl>
+                                        <p:attrNameLst>
+                                          <p:attrName>ppt_y</p:attrName>
+                                        </p:attrNameLst>
+                                      </p:cBhvr>
+                                      <p:tavLst>
+                                        <p:tav tm="0">
+                                          <p:val>
+                                            <p:strVal val="#ppt_y"/>
+                                          </p:val>
+                                        </p:tav>
+                                        <p:tav tm="100000">
+                                          <p:val>
+                                            <p:strVal val="#ppt_y"/>
+                                          </p:val>
+                                        </p:tav>
+                                      </p:tavLst>
+                                    </p:anim>
+                                  </p:childTnLst>
+                                </p:cTn>
+                              </p:par>
+                              <p:par>
+                                <p:cTn id="47" presetID="2" presetClass="entr" presetSubtype="8" fill="hold" nodeType="withEffect">
+                                  <p:stCondLst>
+                                    <p:cond delay="0"/>
+                                  </p:stCondLst>
+                                  <p:childTnLst>
+                                    <p:set>
+                                      <p:cBhvr>
+                                        <p:cTn id="48" dur="1" fill="hold">
+                                          <p:stCondLst>
+                                            <p:cond delay="0"/>
+                                          </p:stCondLst>
+                                        </p:cTn>
+                                        <p:tgtEl>
+                                          <p:spTgt spid="4">
+                                            <p:txEl>
+                                              <p:pRg st="4" end="4"/>
+                                            </p:txEl>
+                                          </p:spTgt>
+                                        </p:tgtEl>
+                                        <p:attrNameLst>
+                                          <p:attrName>style.visibility</p:attrName>
+                                        </p:attrNameLst>
+                                      </p:cBhvr>
+                                      <p:to>
+                                        <p:strVal val="visible"/>
+                                      </p:to>
+                                    </p:set>
+                                    <p:anim calcmode="lin" valueType="num">
+                                      <p:cBhvr additive="base">
+                                        <p:cTn id="49" dur="500" fill="hold"/>
+                                        <p:tgtEl>
+                                          <p:spTgt spid="4">
+                                            <p:txEl>
+                                              <p:pRg st="4" end="4"/>
+                                            </p:txEl>
+                                          </p:spTgt>
+                                        </p:tgtEl>
+                                        <p:attrNameLst>
+                                          <p:attrName>ppt_x</p:attrName>
+                                        </p:attrNameLst>
+                                      </p:cBhvr>
+                                      <p:tavLst>
+                                        <p:tav tm="0">
+                                          <p:val>
+                                            <p:strVal val="0-#ppt_w/2"/>
+                                          </p:val>
+                                        </p:tav>
+                                        <p:tav tm="100000">
+                                          <p:val>
+                                            <p:strVal val="#ppt_x"/>
+                                          </p:val>
+                                        </p:tav>
+                                      </p:tavLst>
+                                    </p:anim>
+                                    <p:anim calcmode="lin" valueType="num">
+                                      <p:cBhvr additive="base">
+                                        <p:cTn id="50" dur="500" fill="hold"/>
+                                        <p:tgtEl>
+                                          <p:spTgt spid="4">
+                                            <p:txEl>
+                                              <p:pRg st="4" end="4"/>
+                                            </p:txEl>
+                                          </p:spTgt>
+                                        </p:tgtEl>
+                                        <p:attrNameLst>
+                                          <p:attrName>ppt_y</p:attrName>
+                                        </p:attrNameLst>
+                                      </p:cBhvr>
+                                      <p:tavLst>
+                                        <p:tav tm="0">
+                                          <p:val>
+                                            <p:strVal val="#ppt_y"/>
+                                          </p:val>
+                                        </p:tav>
+                                        <p:tav tm="100000">
+                                          <p:val>
+                                            <p:strVal val="#ppt_y"/>
+                                          </p:val>
+                                        </p:tav>
+                                      </p:tavLst>
+                                    </p:anim>
+                                  </p:childTnLst>
+                                </p:cTn>
+                              </p:par>
+                            </p:childTnLst>
+                          </p:cTn>
+                        </p:par>
+                      </p:childTnLst>
+                    </p:cTn>
+                  </p:par>
+                </p:childTnLst>
+              </p:cTn>
+              <p:prevCondLst>
+                <p:cond evt="onPrev" delay="0">
+                  <p:tgtEl>
+                    <p:sldTgt/>
+                  </p:tgtEl>
+                </p:cond>
+              </p:prevCondLst>
+              <p:nextCondLst>
+                <p:cond evt="onNext" delay="0">
+                  <p:tgtEl>
+                    <p:sldTgt/>
+                  </p:tgtEl>
+                </p:cond>
+              </p:nextCondLst>
+            </p:seq>
+          </p:childTnLst>
+        </p:cTn>
       </p:par>
     </p:tnLst>
   </p:timing>
@@ -4575,12 +6007,6 @@
               </a:rPr>
               <a:t>Játékokhoz</a:t>
             </a:r>
-            <a:endParaRPr lang="hu-HU" sz="6600" dirty="0">
-              <a:solidFill>
-                <a:schemeClr val="bg2"/>
-              </a:solidFill>
-              <a:latin typeface="Arial Black" panose="020B0A04020102020204" pitchFamily="34" charset="0"/>
-            </a:endParaRPr>
           </a:p>
         </p:txBody>
       </p:sp>
@@ -4705,18 +6131,7 @@
                 </a:solidFill>
                 <a:latin typeface="Bahnschrift SemiBold Condensed" panose="020B0502040204020203" pitchFamily="34" charset="0"/>
               </a:rPr>
-              <a:t> oldal, játék, telefon</a:t>
-            </a:r>
-            <a:r>
-              <a:rPr lang="hu-HU" sz="1800" dirty="0">
-                <a:solidFill>
-                  <a:schemeClr val="bg1">
-                    <a:lumMod val="95000"/>
-                  </a:schemeClr>
-                </a:solidFill>
-                <a:latin typeface="Bahnschrift SemiBold Condensed" panose="020B0502040204020203" pitchFamily="34" charset="0"/>
-              </a:rPr>
-              <a:t>,</a:t>
+              <a:t> oldal, játék, telefon,</a:t>
             </a:r>
             <a:endParaRPr lang="hu-HU" sz="3200" dirty="0">
               <a:solidFill>
@@ -4806,7 +6221,509 @@
   <p:timing>
     <p:tnLst>
       <p:par>
-        <p:cTn id="1" dur="indefinite" restart="never" nodeType="tmRoot"/>
+        <p:cTn id="1" dur="indefinite" restart="never" nodeType="tmRoot">
+          <p:childTnLst>
+            <p:seq concurrent="1" nextAc="seek">
+              <p:cTn id="2" dur="indefinite" nodeType="mainSeq">
+                <p:childTnLst>
+                  <p:par>
+                    <p:cTn id="3" fill="hold">
+                      <p:stCondLst>
+                        <p:cond delay="indefinite"/>
+                      </p:stCondLst>
+                      <p:childTnLst>
+                        <p:par>
+                          <p:cTn id="4" fill="hold">
+                            <p:stCondLst>
+                              <p:cond delay="0"/>
+                            </p:stCondLst>
+                            <p:childTnLst>
+                              <p:par>
+                                <p:cTn id="5" presetID="2" presetClass="entr" presetSubtype="8" fill="hold" nodeType="clickEffect">
+                                  <p:stCondLst>
+                                    <p:cond delay="0"/>
+                                  </p:stCondLst>
+                                  <p:childTnLst>
+                                    <p:set>
+                                      <p:cBhvr>
+                                        <p:cTn id="6" dur="1" fill="hold">
+                                          <p:stCondLst>
+                                            <p:cond delay="0"/>
+                                          </p:stCondLst>
+                                        </p:cTn>
+                                        <p:tgtEl>
+                                          <p:spTgt spid="3">
+                                            <p:txEl>
+                                              <p:pRg st="0" end="0"/>
+                                            </p:txEl>
+                                          </p:spTgt>
+                                        </p:tgtEl>
+                                        <p:attrNameLst>
+                                          <p:attrName>style.visibility</p:attrName>
+                                        </p:attrNameLst>
+                                      </p:cBhvr>
+                                      <p:to>
+                                        <p:strVal val="visible"/>
+                                      </p:to>
+                                    </p:set>
+                                    <p:anim calcmode="lin" valueType="num">
+                                      <p:cBhvr additive="base">
+                                        <p:cTn id="7" dur="500" fill="hold"/>
+                                        <p:tgtEl>
+                                          <p:spTgt spid="3">
+                                            <p:txEl>
+                                              <p:pRg st="0" end="0"/>
+                                            </p:txEl>
+                                          </p:spTgt>
+                                        </p:tgtEl>
+                                        <p:attrNameLst>
+                                          <p:attrName>ppt_x</p:attrName>
+                                        </p:attrNameLst>
+                                      </p:cBhvr>
+                                      <p:tavLst>
+                                        <p:tav tm="0">
+                                          <p:val>
+                                            <p:strVal val="0-#ppt_w/2"/>
+                                          </p:val>
+                                        </p:tav>
+                                        <p:tav tm="100000">
+                                          <p:val>
+                                            <p:strVal val="#ppt_x"/>
+                                          </p:val>
+                                        </p:tav>
+                                      </p:tavLst>
+                                    </p:anim>
+                                    <p:anim calcmode="lin" valueType="num">
+                                      <p:cBhvr additive="base">
+                                        <p:cTn id="8" dur="500" fill="hold"/>
+                                        <p:tgtEl>
+                                          <p:spTgt spid="3">
+                                            <p:txEl>
+                                              <p:pRg st="0" end="0"/>
+                                            </p:txEl>
+                                          </p:spTgt>
+                                        </p:tgtEl>
+                                        <p:attrNameLst>
+                                          <p:attrName>ppt_y</p:attrName>
+                                        </p:attrNameLst>
+                                      </p:cBhvr>
+                                      <p:tavLst>
+                                        <p:tav tm="0">
+                                          <p:val>
+                                            <p:strVal val="#ppt_y"/>
+                                          </p:val>
+                                        </p:tav>
+                                        <p:tav tm="100000">
+                                          <p:val>
+                                            <p:strVal val="#ppt_y"/>
+                                          </p:val>
+                                        </p:tav>
+                                      </p:tavLst>
+                                    </p:anim>
+                                  </p:childTnLst>
+                                </p:cTn>
+                              </p:par>
+                              <p:par>
+                                <p:cTn id="9" presetID="2" presetClass="entr" presetSubtype="8" fill="hold" nodeType="withEffect">
+                                  <p:stCondLst>
+                                    <p:cond delay="0"/>
+                                  </p:stCondLst>
+                                  <p:childTnLst>
+                                    <p:set>
+                                      <p:cBhvr>
+                                        <p:cTn id="10" dur="1" fill="hold">
+                                          <p:stCondLst>
+                                            <p:cond delay="0"/>
+                                          </p:stCondLst>
+                                        </p:cTn>
+                                        <p:tgtEl>
+                                          <p:spTgt spid="3">
+                                            <p:txEl>
+                                              <p:pRg st="1" end="1"/>
+                                            </p:txEl>
+                                          </p:spTgt>
+                                        </p:tgtEl>
+                                        <p:attrNameLst>
+                                          <p:attrName>style.visibility</p:attrName>
+                                        </p:attrNameLst>
+                                      </p:cBhvr>
+                                      <p:to>
+                                        <p:strVal val="visible"/>
+                                      </p:to>
+                                    </p:set>
+                                    <p:anim calcmode="lin" valueType="num">
+                                      <p:cBhvr additive="base">
+                                        <p:cTn id="11" dur="500" fill="hold"/>
+                                        <p:tgtEl>
+                                          <p:spTgt spid="3">
+                                            <p:txEl>
+                                              <p:pRg st="1" end="1"/>
+                                            </p:txEl>
+                                          </p:spTgt>
+                                        </p:tgtEl>
+                                        <p:attrNameLst>
+                                          <p:attrName>ppt_x</p:attrName>
+                                        </p:attrNameLst>
+                                      </p:cBhvr>
+                                      <p:tavLst>
+                                        <p:tav tm="0">
+                                          <p:val>
+                                            <p:strVal val="0-#ppt_w/2"/>
+                                          </p:val>
+                                        </p:tav>
+                                        <p:tav tm="100000">
+                                          <p:val>
+                                            <p:strVal val="#ppt_x"/>
+                                          </p:val>
+                                        </p:tav>
+                                      </p:tavLst>
+                                    </p:anim>
+                                    <p:anim calcmode="lin" valueType="num">
+                                      <p:cBhvr additive="base">
+                                        <p:cTn id="12" dur="500" fill="hold"/>
+                                        <p:tgtEl>
+                                          <p:spTgt spid="3">
+                                            <p:txEl>
+                                              <p:pRg st="1" end="1"/>
+                                            </p:txEl>
+                                          </p:spTgt>
+                                        </p:tgtEl>
+                                        <p:attrNameLst>
+                                          <p:attrName>ppt_y</p:attrName>
+                                        </p:attrNameLst>
+                                      </p:cBhvr>
+                                      <p:tavLst>
+                                        <p:tav tm="0">
+                                          <p:val>
+                                            <p:strVal val="#ppt_y"/>
+                                          </p:val>
+                                        </p:tav>
+                                        <p:tav tm="100000">
+                                          <p:val>
+                                            <p:strVal val="#ppt_y"/>
+                                          </p:val>
+                                        </p:tav>
+                                      </p:tavLst>
+                                    </p:anim>
+                                  </p:childTnLst>
+                                </p:cTn>
+                              </p:par>
+                            </p:childTnLst>
+                          </p:cTn>
+                        </p:par>
+                      </p:childTnLst>
+                    </p:cTn>
+                  </p:par>
+                  <p:par>
+                    <p:cTn id="13" fill="hold">
+                      <p:stCondLst>
+                        <p:cond delay="indefinite"/>
+                      </p:stCondLst>
+                      <p:childTnLst>
+                        <p:par>
+                          <p:cTn id="14" fill="hold">
+                            <p:stCondLst>
+                              <p:cond delay="0"/>
+                            </p:stCondLst>
+                            <p:childTnLst>
+                              <p:par>
+                                <p:cTn id="15" presetID="2" presetClass="entr" presetSubtype="8" fill="hold" nodeType="clickEffect">
+                                  <p:stCondLst>
+                                    <p:cond delay="0"/>
+                                  </p:stCondLst>
+                                  <p:childTnLst>
+                                    <p:set>
+                                      <p:cBhvr>
+                                        <p:cTn id="16" dur="1" fill="hold">
+                                          <p:stCondLst>
+                                            <p:cond delay="0"/>
+                                          </p:stCondLst>
+                                        </p:cTn>
+                                        <p:tgtEl>
+                                          <p:spTgt spid="3">
+                                            <p:txEl>
+                                              <p:pRg st="2" end="2"/>
+                                            </p:txEl>
+                                          </p:spTgt>
+                                        </p:tgtEl>
+                                        <p:attrNameLst>
+                                          <p:attrName>style.visibility</p:attrName>
+                                        </p:attrNameLst>
+                                      </p:cBhvr>
+                                      <p:to>
+                                        <p:strVal val="visible"/>
+                                      </p:to>
+                                    </p:set>
+                                    <p:anim calcmode="lin" valueType="num">
+                                      <p:cBhvr additive="base">
+                                        <p:cTn id="17" dur="500" fill="hold"/>
+                                        <p:tgtEl>
+                                          <p:spTgt spid="3">
+                                            <p:txEl>
+                                              <p:pRg st="2" end="2"/>
+                                            </p:txEl>
+                                          </p:spTgt>
+                                        </p:tgtEl>
+                                        <p:attrNameLst>
+                                          <p:attrName>ppt_x</p:attrName>
+                                        </p:attrNameLst>
+                                      </p:cBhvr>
+                                      <p:tavLst>
+                                        <p:tav tm="0">
+                                          <p:val>
+                                            <p:strVal val="0-#ppt_w/2"/>
+                                          </p:val>
+                                        </p:tav>
+                                        <p:tav tm="100000">
+                                          <p:val>
+                                            <p:strVal val="#ppt_x"/>
+                                          </p:val>
+                                        </p:tav>
+                                      </p:tavLst>
+                                    </p:anim>
+                                    <p:anim calcmode="lin" valueType="num">
+                                      <p:cBhvr additive="base">
+                                        <p:cTn id="18" dur="500" fill="hold"/>
+                                        <p:tgtEl>
+                                          <p:spTgt spid="3">
+                                            <p:txEl>
+                                              <p:pRg st="2" end="2"/>
+                                            </p:txEl>
+                                          </p:spTgt>
+                                        </p:tgtEl>
+                                        <p:attrNameLst>
+                                          <p:attrName>ppt_y</p:attrName>
+                                        </p:attrNameLst>
+                                      </p:cBhvr>
+                                      <p:tavLst>
+                                        <p:tav tm="0">
+                                          <p:val>
+                                            <p:strVal val="#ppt_y"/>
+                                          </p:val>
+                                        </p:tav>
+                                        <p:tav tm="100000">
+                                          <p:val>
+                                            <p:strVal val="#ppt_y"/>
+                                          </p:val>
+                                        </p:tav>
+                                      </p:tavLst>
+                                    </p:anim>
+                                  </p:childTnLst>
+                                </p:cTn>
+                              </p:par>
+                            </p:childTnLst>
+                          </p:cTn>
+                        </p:par>
+                      </p:childTnLst>
+                    </p:cTn>
+                  </p:par>
+                  <p:par>
+                    <p:cTn id="19" fill="hold">
+                      <p:stCondLst>
+                        <p:cond delay="indefinite"/>
+                      </p:stCondLst>
+                      <p:childTnLst>
+                        <p:par>
+                          <p:cTn id="20" fill="hold">
+                            <p:stCondLst>
+                              <p:cond delay="0"/>
+                            </p:stCondLst>
+                            <p:childTnLst>
+                              <p:par>
+                                <p:cTn id="21" presetID="2" presetClass="entr" presetSubtype="8" fill="hold" nodeType="clickEffect">
+                                  <p:stCondLst>
+                                    <p:cond delay="0"/>
+                                  </p:stCondLst>
+                                  <p:childTnLst>
+                                    <p:set>
+                                      <p:cBhvr>
+                                        <p:cTn id="22" dur="1" fill="hold">
+                                          <p:stCondLst>
+                                            <p:cond delay="0"/>
+                                          </p:stCondLst>
+                                        </p:cTn>
+                                        <p:tgtEl>
+                                          <p:spTgt spid="3">
+                                            <p:txEl>
+                                              <p:pRg st="3" end="3"/>
+                                            </p:txEl>
+                                          </p:spTgt>
+                                        </p:tgtEl>
+                                        <p:attrNameLst>
+                                          <p:attrName>style.visibility</p:attrName>
+                                        </p:attrNameLst>
+                                      </p:cBhvr>
+                                      <p:to>
+                                        <p:strVal val="visible"/>
+                                      </p:to>
+                                    </p:set>
+                                    <p:anim calcmode="lin" valueType="num">
+                                      <p:cBhvr additive="base">
+                                        <p:cTn id="23" dur="500" fill="hold"/>
+                                        <p:tgtEl>
+                                          <p:spTgt spid="3">
+                                            <p:txEl>
+                                              <p:pRg st="3" end="3"/>
+                                            </p:txEl>
+                                          </p:spTgt>
+                                        </p:tgtEl>
+                                        <p:attrNameLst>
+                                          <p:attrName>ppt_x</p:attrName>
+                                        </p:attrNameLst>
+                                      </p:cBhvr>
+                                      <p:tavLst>
+                                        <p:tav tm="0">
+                                          <p:val>
+                                            <p:strVal val="0-#ppt_w/2"/>
+                                          </p:val>
+                                        </p:tav>
+                                        <p:tav tm="100000">
+                                          <p:val>
+                                            <p:strVal val="#ppt_x"/>
+                                          </p:val>
+                                        </p:tav>
+                                      </p:tavLst>
+                                    </p:anim>
+                                    <p:anim calcmode="lin" valueType="num">
+                                      <p:cBhvr additive="base">
+                                        <p:cTn id="24" dur="500" fill="hold"/>
+                                        <p:tgtEl>
+                                          <p:spTgt spid="3">
+                                            <p:txEl>
+                                              <p:pRg st="3" end="3"/>
+                                            </p:txEl>
+                                          </p:spTgt>
+                                        </p:tgtEl>
+                                        <p:attrNameLst>
+                                          <p:attrName>ppt_y</p:attrName>
+                                        </p:attrNameLst>
+                                      </p:cBhvr>
+                                      <p:tavLst>
+                                        <p:tav tm="0">
+                                          <p:val>
+                                            <p:strVal val="#ppt_y"/>
+                                          </p:val>
+                                        </p:tav>
+                                        <p:tav tm="100000">
+                                          <p:val>
+                                            <p:strVal val="#ppt_y"/>
+                                          </p:val>
+                                        </p:tav>
+                                      </p:tavLst>
+                                    </p:anim>
+                                  </p:childTnLst>
+                                </p:cTn>
+                              </p:par>
+                              <p:par>
+                                <p:cTn id="25" presetID="2" presetClass="entr" presetSubtype="8" fill="hold" nodeType="withEffect">
+                                  <p:stCondLst>
+                                    <p:cond delay="0"/>
+                                  </p:stCondLst>
+                                  <p:childTnLst>
+                                    <p:set>
+                                      <p:cBhvr>
+                                        <p:cTn id="26" dur="1" fill="hold">
+                                          <p:stCondLst>
+                                            <p:cond delay="0"/>
+                                          </p:stCondLst>
+                                        </p:cTn>
+                                        <p:tgtEl>
+                                          <p:spTgt spid="3">
+                                            <p:txEl>
+                                              <p:pRg st="4" end="4"/>
+                                            </p:txEl>
+                                          </p:spTgt>
+                                        </p:tgtEl>
+                                        <p:attrNameLst>
+                                          <p:attrName>style.visibility</p:attrName>
+                                        </p:attrNameLst>
+                                      </p:cBhvr>
+                                      <p:to>
+                                        <p:strVal val="visible"/>
+                                      </p:to>
+                                    </p:set>
+                                    <p:anim calcmode="lin" valueType="num">
+                                      <p:cBhvr additive="base">
+                                        <p:cTn id="27" dur="500" fill="hold"/>
+                                        <p:tgtEl>
+                                          <p:spTgt spid="3">
+                                            <p:txEl>
+                                              <p:pRg st="4" end="4"/>
+                                            </p:txEl>
+                                          </p:spTgt>
+                                        </p:tgtEl>
+                                        <p:attrNameLst>
+                                          <p:attrName>ppt_x</p:attrName>
+                                        </p:attrNameLst>
+                                      </p:cBhvr>
+                                      <p:tavLst>
+                                        <p:tav tm="0">
+                                          <p:val>
+                                            <p:strVal val="0-#ppt_w/2"/>
+                                          </p:val>
+                                        </p:tav>
+                                        <p:tav tm="100000">
+                                          <p:val>
+                                            <p:strVal val="#ppt_x"/>
+                                          </p:val>
+                                        </p:tav>
+                                      </p:tavLst>
+                                    </p:anim>
+                                    <p:anim calcmode="lin" valueType="num">
+                                      <p:cBhvr additive="base">
+                                        <p:cTn id="28" dur="500" fill="hold"/>
+                                        <p:tgtEl>
+                                          <p:spTgt spid="3">
+                                            <p:txEl>
+                                              <p:pRg st="4" end="4"/>
+                                            </p:txEl>
+                                          </p:spTgt>
+                                        </p:tgtEl>
+                                        <p:attrNameLst>
+                                          <p:attrName>ppt_y</p:attrName>
+                                        </p:attrNameLst>
+                                      </p:cBhvr>
+                                      <p:tavLst>
+                                        <p:tav tm="0">
+                                          <p:val>
+                                            <p:strVal val="#ppt_y"/>
+                                          </p:val>
+                                        </p:tav>
+                                        <p:tav tm="100000">
+                                          <p:val>
+                                            <p:strVal val="#ppt_y"/>
+                                          </p:val>
+                                        </p:tav>
+                                      </p:tavLst>
+                                    </p:anim>
+                                  </p:childTnLst>
+                                </p:cTn>
+                              </p:par>
+                            </p:childTnLst>
+                          </p:cTn>
+                        </p:par>
+                      </p:childTnLst>
+                    </p:cTn>
+                  </p:par>
+                </p:childTnLst>
+              </p:cTn>
+              <p:prevCondLst>
+                <p:cond evt="onPrev" delay="0">
+                  <p:tgtEl>
+                    <p:sldTgt/>
+                  </p:tgtEl>
+                </p:cond>
+              </p:prevCondLst>
+              <p:nextCondLst>
+                <p:cond evt="onNext" delay="0">
+                  <p:tgtEl>
+                    <p:sldTgt/>
+                  </p:tgtEl>
+                </p:cond>
+              </p:nextCondLst>
+            </p:seq>
+          </p:childTnLst>
+        </p:cTn>
       </p:par>
     </p:tnLst>
   </p:timing>
@@ -4842,16 +6759,41 @@
         </p:nvSpPr>
         <p:spPr/>
         <p:txBody>
-          <a:bodyPr/>
+          <a:bodyPr>
+            <a:normAutofit/>
+          </a:bodyPr>
           <a:lstStyle/>
           <a:p>
-            <a:endParaRPr lang="hu-HU"/>
+            <a:r>
+              <a:rPr lang="hu-HU" sz="6600" dirty="0">
+                <a:solidFill>
+                  <a:schemeClr val="bg2"/>
+                </a:solidFill>
+                <a:latin typeface="Arial Black" panose="020B0A04020102020204" pitchFamily="34" charset="0"/>
+              </a:rPr>
+              <a:t>Példák </a:t>
+            </a:r>
+            <a:r>
+              <a:rPr lang="hu-HU" sz="6600" dirty="0" smtClean="0">
+                <a:solidFill>
+                  <a:schemeClr val="bg2"/>
+                </a:solidFill>
+                <a:latin typeface="Arial Black" panose="020B0A04020102020204" pitchFamily="34" charset="0"/>
+              </a:rPr>
+              <a:t>a játékokhoz</a:t>
+            </a:r>
+            <a:endParaRPr lang="hu-HU" sz="6600" dirty="0">
+              <a:solidFill>
+                <a:schemeClr val="bg2"/>
+              </a:solidFill>
+              <a:latin typeface="Arial Black" panose="020B0A04020102020204" pitchFamily="34" charset="0"/>
+            </a:endParaRPr>
           </a:p>
         </p:txBody>
       </p:sp>
       <p:sp>
         <p:nvSpPr>
-          <p:cNvPr id="3" name="Tartalom helye 2"/>
+          <p:cNvPr id="7" name="Tartalom helye 6"/>
           <p:cNvSpPr>
             <a:spLocks noGrp="1"/>
           </p:cNvSpPr>
@@ -4864,88 +6806,427 @@
           <a:bodyPr/>
           <a:lstStyle/>
           <a:p>
-            <a:endParaRPr lang="hu-HU"/>
+            <a:pPr>
+              <a:lnSpc>
+                <a:spcPct val="100000"/>
+              </a:lnSpc>
+            </a:pPr>
+            <a:r>
+              <a:rPr lang="hu-HU" sz="4800" dirty="0" err="1">
+                <a:solidFill>
+                  <a:schemeClr val="bg1">
+                    <a:lumMod val="95000"/>
+                  </a:schemeClr>
+                </a:solidFill>
+                <a:latin typeface="Bahnschrift SemiBold Condensed" panose="020B0502040204020203" pitchFamily="34" charset="0"/>
+              </a:rPr>
+              <a:t>Unity</a:t>
+            </a:r>
+            <a:r>
+              <a:rPr lang="hu-HU" sz="4800" dirty="0" smtClean="0">
+                <a:solidFill>
+                  <a:schemeClr val="bg1">
+                    <a:lumMod val="95000"/>
+                  </a:schemeClr>
+                </a:solidFill>
+                <a:latin typeface="Bahnschrift SemiBold Condensed" panose="020B0502040204020203" pitchFamily="34" charset="0"/>
+              </a:rPr>
+              <a:t>:</a:t>
+            </a:r>
+            <a:endParaRPr lang="hu-HU" sz="4800" dirty="0">
+              <a:solidFill>
+                <a:schemeClr val="bg1">
+                  <a:lumMod val="95000"/>
+                </a:schemeClr>
+              </a:solidFill>
+              <a:latin typeface="Bahnschrift SemiBold Condensed" panose="020B0502040204020203" pitchFamily="34" charset="0"/>
+            </a:endParaRPr>
+          </a:p>
+          <a:p>
+            <a:pPr marL="0" indent="0">
+              <a:buNone/>
+            </a:pPr>
+            <a:r>
+              <a:rPr lang="hu-HU" dirty="0"/>
+              <a:t> </a:t>
+            </a:r>
+            <a:r>
+              <a:rPr lang="hu-HU" sz="1800" dirty="0">
+                <a:solidFill>
+                  <a:schemeClr val="bg1">
+                    <a:lumMod val="95000"/>
+                  </a:schemeClr>
+                </a:solidFill>
+                <a:latin typeface="Bahnschrift SemiBold Condensed" panose="020B0502040204020203" pitchFamily="34" charset="0"/>
+              </a:rPr>
+              <a:t>2005, </a:t>
+            </a:r>
+            <a:r>
+              <a:rPr lang="hu-HU" sz="1800" dirty="0" smtClean="0">
+                <a:solidFill>
+                  <a:schemeClr val="bg1">
+                    <a:lumMod val="95000"/>
+                  </a:schemeClr>
+                </a:solidFill>
+                <a:latin typeface="Bahnschrift SemiBold Condensed" panose="020B0502040204020203" pitchFamily="34" charset="0"/>
+              </a:rPr>
+              <a:t>elérhetőség, C#</a:t>
+            </a:r>
+          </a:p>
+          <a:p>
+            <a:pPr marL="0" indent="0">
+              <a:buNone/>
+            </a:pPr>
+            <a:r>
+              <a:rPr lang="hu-HU" sz="1800" dirty="0" smtClean="0">
+                <a:solidFill>
+                  <a:schemeClr val="bg1">
+                    <a:lumMod val="95000"/>
+                  </a:schemeClr>
+                </a:solidFill>
+                <a:latin typeface="Bahnschrift SemiBold Condensed" panose="020B0502040204020203" pitchFamily="34" charset="0"/>
+              </a:rPr>
+              <a:t>pl.: </a:t>
+            </a:r>
+            <a:r>
+              <a:rPr lang="hu-HU" sz="1800" dirty="0" err="1" smtClean="0">
+                <a:solidFill>
+                  <a:schemeClr val="bg1">
+                    <a:lumMod val="95000"/>
+                  </a:schemeClr>
+                </a:solidFill>
+                <a:latin typeface="Bahnschrift SemiBold Condensed" panose="020B0502040204020203" pitchFamily="34" charset="0"/>
+              </a:rPr>
+              <a:t>Fall</a:t>
+            </a:r>
+            <a:r>
+              <a:rPr lang="hu-HU" sz="1800" dirty="0" smtClean="0">
+                <a:solidFill>
+                  <a:schemeClr val="bg1">
+                    <a:lumMod val="95000"/>
+                  </a:schemeClr>
+                </a:solidFill>
+                <a:latin typeface="Bahnschrift SemiBold Condensed" panose="020B0502040204020203" pitchFamily="34" charset="0"/>
+              </a:rPr>
+              <a:t> </a:t>
+            </a:r>
+            <a:r>
+              <a:rPr lang="hu-HU" sz="1800" dirty="0" err="1" smtClean="0">
+                <a:solidFill>
+                  <a:schemeClr val="bg1">
+                    <a:lumMod val="95000"/>
+                  </a:schemeClr>
+                </a:solidFill>
+                <a:latin typeface="Bahnschrift SemiBold Condensed" panose="020B0502040204020203" pitchFamily="34" charset="0"/>
+              </a:rPr>
+              <a:t>Guys</a:t>
+            </a:r>
+            <a:r>
+              <a:rPr lang="hu-HU" sz="1800" dirty="0" smtClean="0">
+                <a:solidFill>
+                  <a:schemeClr val="bg1">
+                    <a:lumMod val="95000"/>
+                  </a:schemeClr>
+                </a:solidFill>
+                <a:latin typeface="Bahnschrift SemiBold Condensed" panose="020B0502040204020203" pitchFamily="34" charset="0"/>
+              </a:rPr>
+              <a:t>, </a:t>
+            </a:r>
+            <a:r>
+              <a:rPr lang="hu-HU" sz="1800" dirty="0" err="1" smtClean="0">
+                <a:solidFill>
+                  <a:schemeClr val="bg1">
+                    <a:lumMod val="95000"/>
+                  </a:schemeClr>
+                </a:solidFill>
+                <a:latin typeface="Bahnschrift SemiBold Condensed" panose="020B0502040204020203" pitchFamily="34" charset="0"/>
+              </a:rPr>
+              <a:t>Subnautica</a:t>
+            </a:r>
+            <a:r>
+              <a:rPr lang="hu-HU" sz="1800" dirty="0" smtClean="0">
+                <a:solidFill>
+                  <a:schemeClr val="bg1">
+                    <a:lumMod val="95000"/>
+                  </a:schemeClr>
+                </a:solidFill>
+                <a:latin typeface="Bahnschrift SemiBold Condensed" panose="020B0502040204020203" pitchFamily="34" charset="0"/>
+              </a:rPr>
+              <a:t>, </a:t>
+            </a:r>
+            <a:r>
+              <a:rPr lang="hu-HU" sz="1800" dirty="0" err="1" smtClean="0">
+                <a:solidFill>
+                  <a:schemeClr val="bg1">
+                    <a:lumMod val="95000"/>
+                  </a:schemeClr>
+                </a:solidFill>
+                <a:latin typeface="Bahnschrift SemiBold Condensed" panose="020B0502040204020203" pitchFamily="34" charset="0"/>
+              </a:rPr>
+              <a:t>Among</a:t>
+            </a:r>
+            <a:r>
+              <a:rPr lang="hu-HU" sz="1800" dirty="0" smtClean="0">
+                <a:solidFill>
+                  <a:schemeClr val="bg1">
+                    <a:lumMod val="95000"/>
+                  </a:schemeClr>
+                </a:solidFill>
+                <a:latin typeface="Bahnschrift SemiBold Condensed" panose="020B0502040204020203" pitchFamily="34" charset="0"/>
+              </a:rPr>
+              <a:t> </a:t>
+            </a:r>
+            <a:r>
+              <a:rPr lang="hu-HU" sz="1800" dirty="0" err="1" smtClean="0">
+                <a:solidFill>
+                  <a:schemeClr val="bg1">
+                    <a:lumMod val="95000"/>
+                  </a:schemeClr>
+                </a:solidFill>
+                <a:latin typeface="Bahnschrift SemiBold Condensed" panose="020B0502040204020203" pitchFamily="34" charset="0"/>
+              </a:rPr>
+              <a:t>us</a:t>
+            </a:r>
+            <a:endParaRPr lang="hu-HU" sz="1800" dirty="0" smtClean="0">
+              <a:solidFill>
+                <a:schemeClr val="bg1">
+                  <a:lumMod val="95000"/>
+                </a:schemeClr>
+              </a:solidFill>
+              <a:latin typeface="Bahnschrift SemiBold Condensed" panose="020B0502040204020203" pitchFamily="34" charset="0"/>
+            </a:endParaRPr>
+          </a:p>
+          <a:p>
+            <a:pPr>
+              <a:lnSpc>
+                <a:spcPct val="100000"/>
+              </a:lnSpc>
+            </a:pPr>
+            <a:r>
+              <a:rPr lang="hu-HU" sz="4800" dirty="0" err="1" smtClean="0">
+                <a:solidFill>
+                  <a:schemeClr val="bg1">
+                    <a:lumMod val="95000"/>
+                  </a:schemeClr>
+                </a:solidFill>
+                <a:latin typeface="Bahnschrift SemiBold Condensed" panose="020B0502040204020203" pitchFamily="34" charset="0"/>
+              </a:rPr>
+              <a:t>CryEngine</a:t>
+            </a:r>
+            <a:endParaRPr lang="hu-HU" sz="4800" dirty="0" smtClean="0">
+              <a:solidFill>
+                <a:schemeClr val="bg1">
+                  <a:lumMod val="95000"/>
+                </a:schemeClr>
+              </a:solidFill>
+              <a:latin typeface="Bahnschrift SemiBold Condensed" panose="020B0502040204020203" pitchFamily="34" charset="0"/>
+            </a:endParaRPr>
+          </a:p>
+          <a:p>
+            <a:pPr marL="0" indent="0">
+              <a:buNone/>
+            </a:pPr>
+            <a:r>
+              <a:rPr lang="hu-HU" sz="1800" dirty="0" smtClean="0">
+                <a:solidFill>
+                  <a:schemeClr val="bg1">
+                    <a:lumMod val="95000"/>
+                  </a:schemeClr>
+                </a:solidFill>
+                <a:latin typeface="Bahnschrift SemiBold Condensed" panose="020B0502040204020203" pitchFamily="34" charset="0"/>
+              </a:rPr>
+              <a:t>  2013</a:t>
+            </a:r>
+            <a:r>
+              <a:rPr lang="hu-HU" sz="1800" dirty="0">
+                <a:solidFill>
+                  <a:schemeClr val="bg1">
+                    <a:lumMod val="95000"/>
+                  </a:schemeClr>
+                </a:solidFill>
+                <a:latin typeface="Bahnschrift SemiBold Condensed" panose="020B0502040204020203" pitchFamily="34" charset="0"/>
+              </a:rPr>
+              <a:t>, </a:t>
+            </a:r>
+            <a:r>
+              <a:rPr lang="hu-HU" sz="1800" dirty="0" err="1">
+                <a:solidFill>
+                  <a:schemeClr val="bg1">
+                    <a:lumMod val="95000"/>
+                  </a:schemeClr>
+                </a:solidFill>
+                <a:latin typeface="Bahnschrift SemiBold Condensed" panose="020B0502040204020203" pitchFamily="34" charset="0"/>
+              </a:rPr>
+              <a:t>Crytek</a:t>
+            </a:r>
+            <a:r>
+              <a:rPr lang="hu-HU" sz="1800" dirty="0">
+                <a:solidFill>
+                  <a:schemeClr val="bg1">
+                    <a:lumMod val="95000"/>
+                  </a:schemeClr>
+                </a:solidFill>
+                <a:latin typeface="Bahnschrift SemiBold Condensed" panose="020B0502040204020203" pitchFamily="34" charset="0"/>
+              </a:rPr>
+              <a:t>, </a:t>
+            </a:r>
+            <a:r>
+              <a:rPr lang="hu-HU" sz="1800" dirty="0" smtClean="0">
+                <a:solidFill>
+                  <a:schemeClr val="bg1">
+                    <a:lumMod val="95000"/>
+                  </a:schemeClr>
+                </a:solidFill>
+                <a:latin typeface="Bahnschrift SemiBold Condensed" panose="020B0502040204020203" pitchFamily="34" charset="0"/>
+              </a:rPr>
+              <a:t>C#</a:t>
+            </a:r>
+          </a:p>
+          <a:p>
+            <a:pPr marL="0" indent="0">
+              <a:buNone/>
+            </a:pPr>
+            <a:r>
+              <a:rPr lang="hu-HU" sz="1800" dirty="0" smtClean="0">
+                <a:solidFill>
+                  <a:schemeClr val="bg1">
+                    <a:lumMod val="95000"/>
+                  </a:schemeClr>
+                </a:solidFill>
+                <a:latin typeface="Bahnschrift SemiBold Condensed" panose="020B0502040204020203" pitchFamily="34" charset="0"/>
+              </a:rPr>
+              <a:t>Pl.: Far </a:t>
+            </a:r>
+            <a:r>
+              <a:rPr lang="hu-HU" sz="1800" dirty="0" err="1" smtClean="0">
+                <a:solidFill>
+                  <a:schemeClr val="bg1">
+                    <a:lumMod val="95000"/>
+                  </a:schemeClr>
+                </a:solidFill>
+                <a:latin typeface="Bahnschrift SemiBold Condensed" panose="020B0502040204020203" pitchFamily="34" charset="0"/>
+              </a:rPr>
+              <a:t>Cry</a:t>
+            </a:r>
+            <a:r>
+              <a:rPr lang="hu-HU" sz="1800" dirty="0" smtClean="0">
+                <a:solidFill>
+                  <a:schemeClr val="bg1">
+                    <a:lumMod val="95000"/>
+                  </a:schemeClr>
+                </a:solidFill>
+                <a:latin typeface="Bahnschrift SemiBold Condensed" panose="020B0502040204020203" pitchFamily="34" charset="0"/>
+              </a:rPr>
+              <a:t>, </a:t>
+            </a:r>
+            <a:r>
+              <a:rPr lang="hu-HU" sz="1800" dirty="0" err="1" smtClean="0">
+                <a:solidFill>
+                  <a:schemeClr val="bg1">
+                    <a:lumMod val="95000"/>
+                  </a:schemeClr>
+                </a:solidFill>
+                <a:latin typeface="Bahnschrift SemiBold Condensed" panose="020B0502040204020203" pitchFamily="34" charset="0"/>
+              </a:rPr>
+              <a:t>Crysis</a:t>
+            </a:r>
+            <a:endParaRPr lang="hu-HU" sz="1800" dirty="0">
+              <a:solidFill>
+                <a:schemeClr val="bg1">
+                  <a:lumMod val="95000"/>
+                </a:schemeClr>
+              </a:solidFill>
+              <a:latin typeface="Bahnschrift SemiBold Condensed" panose="020B0502040204020203" pitchFamily="34" charset="0"/>
+            </a:endParaRPr>
+          </a:p>
+          <a:p>
+            <a:pPr marL="0" indent="0">
+              <a:buNone/>
+            </a:pPr>
+            <a:endParaRPr lang="hu-HU" sz="1800" dirty="0" smtClean="0">
+              <a:solidFill>
+                <a:schemeClr val="bg1">
+                  <a:lumMod val="95000"/>
+                </a:schemeClr>
+              </a:solidFill>
+              <a:latin typeface="Bahnschrift SemiBold Condensed" panose="020B0502040204020203" pitchFamily="34" charset="0"/>
+            </a:endParaRPr>
+          </a:p>
+          <a:p>
+            <a:pPr marL="0" indent="0">
+              <a:buNone/>
+            </a:pPr>
+            <a:endParaRPr lang="hu-HU" sz="1800" dirty="0">
+              <a:solidFill>
+                <a:schemeClr val="bg1">
+                  <a:lumMod val="95000"/>
+                </a:schemeClr>
+              </a:solidFill>
+              <a:latin typeface="Bahnschrift SemiBold Condensed" panose="020B0502040204020203" pitchFamily="34" charset="0"/>
+            </a:endParaRPr>
           </a:p>
         </p:txBody>
       </p:sp>
-    </p:spTree>
-    <p:extLst>
-      <p:ext uri="{BB962C8B-B14F-4D97-AF65-F5344CB8AC3E}">
-        <p14:creationId xmlns:p14="http://schemas.microsoft.com/office/powerpoint/2010/main" val="3524092244"/>
-      </p:ext>
-    </p:extLst>
-  </p:cSld>
-  <p:clrMapOvr>
-    <a:masterClrMapping/>
-  </p:clrMapOvr>
-  <p:transition spd="slow">
-    <p:push dir="u"/>
-  </p:transition>
-  <p:timing>
-    <p:tnLst>
-      <p:par>
-        <p:cTn id="1" dur="indefinite" restart="never" nodeType="tmRoot"/>
-      </p:par>
-    </p:tnLst>
-  </p:timing>
-</p:sld>
-</file>
-
-<file path=ppt/slides/slide7.xml><?xml version="1.0" encoding="utf-8"?>
-<p:sld xmlns:a="http://schemas.openxmlformats.org/drawingml/2006/main" xmlns:r="http://schemas.openxmlformats.org/officeDocument/2006/relationships" xmlns:p="http://schemas.openxmlformats.org/presentationml/2006/main">
-  <p:cSld>
-    <p:spTree>
-      <p:nvGrpSpPr>
-        <p:cNvPr id="1" name=""/>
-        <p:cNvGrpSpPr/>
-        <p:nvPr/>
-      </p:nvGrpSpPr>
-      <p:grpSpPr>
-        <a:xfrm>
-          <a:off x="0" y="0"/>
-          <a:ext cx="0" cy="0"/>
-          <a:chOff x="0" y="0"/>
-          <a:chExt cx="0" cy="0"/>
-        </a:xfrm>
-      </p:grpSpPr>
-      <p:sp>
-        <p:nvSpPr>
-          <p:cNvPr id="2" name="Cím 1"/>
-          <p:cNvSpPr>
-            <a:spLocks noGrp="1"/>
-          </p:cNvSpPr>
-          <p:nvPr>
-            <p:ph type="title"/>
-          </p:nvPr>
-        </p:nvSpPr>
-        <p:spPr/>
-        <p:txBody>
-          <a:bodyPr/>
-          <a:lstStyle/>
-          <a:p>
-            <a:endParaRPr lang="hu-HU"/>
-          </a:p>
-        </p:txBody>
-      </p:sp>
-      <p:sp>
-        <p:nvSpPr>
-          <p:cNvPr id="3" name="Tartalom helye 2"/>
-          <p:cNvSpPr>
-            <a:spLocks noGrp="1"/>
-          </p:cNvSpPr>
-          <p:nvPr>
-            <p:ph idx="1"/>
-          </p:nvPr>
-        </p:nvSpPr>
-        <p:spPr/>
-        <p:txBody>
-          <a:bodyPr/>
-          <a:lstStyle/>
-          <a:p>
-            <a:endParaRPr lang="hu-HU"/>
-          </a:p>
-        </p:txBody>
-      </p:sp>
+      <p:pic>
+        <p:nvPicPr>
+          <p:cNvPr id="10" name="Kép 9"/>
+          <p:cNvPicPr>
+            <a:picLocks noChangeAspect="1"/>
+          </p:cNvPicPr>
+          <p:nvPr/>
+        </p:nvPicPr>
+        <p:blipFill>
+          <a:blip r:embed="rId2" cstate="print">
+            <a:extLst>
+              <a:ext uri="{28A0092B-C50C-407E-A947-70E740481C1C}">
+                <a14:useLocalDpi xmlns:a14="http://schemas.microsoft.com/office/drawing/2010/main" val="0"/>
+              </a:ext>
+            </a:extLst>
+          </a:blip>
+          <a:stretch>
+            <a:fillRect/>
+          </a:stretch>
+        </p:blipFill>
+        <p:spPr>
+          <a:xfrm>
+            <a:off x="6508433" y="1825625"/>
+            <a:ext cx="3612314" cy="3612314"/>
+          </a:xfrm>
+          <a:prstGeom prst="rect">
+            <a:avLst/>
+          </a:prstGeom>
+        </p:spPr>
+      </p:pic>
+      <p:pic>
+        <p:nvPicPr>
+          <p:cNvPr id="12" name="Kép 11"/>
+          <p:cNvPicPr>
+            <a:picLocks noChangeAspect="1"/>
+          </p:cNvPicPr>
+          <p:nvPr/>
+        </p:nvPicPr>
+        <p:blipFill>
+          <a:blip r:embed="rId3">
+            <a:extLst>
+              <a:ext uri="{28A0092B-C50C-407E-A947-70E740481C1C}">
+                <a14:useLocalDpi xmlns:a14="http://schemas.microsoft.com/office/drawing/2010/main" val="0"/>
+              </a:ext>
+            </a:extLst>
+          </a:blip>
+          <a:stretch>
+            <a:fillRect/>
+          </a:stretch>
+        </p:blipFill>
+        <p:spPr>
+          <a:xfrm>
+            <a:off x="6096000" y="2576764"/>
+            <a:ext cx="4437181" cy="2110036"/>
+          </a:xfrm>
+          <a:prstGeom prst="rect">
+            <a:avLst/>
+          </a:prstGeom>
+        </p:spPr>
+      </p:pic>
     </p:spTree>
     <p:extLst>
       <p:ext uri="{BB962C8B-B14F-4D97-AF65-F5344CB8AC3E}">
@@ -4962,92 +7243,820 @@
   <p:timing>
     <p:tnLst>
       <p:par>
-        <p:cTn id="1" dur="indefinite" restart="never" nodeType="tmRoot"/>
+        <p:cTn id="1" dur="indefinite" restart="never" nodeType="tmRoot">
+          <p:childTnLst>
+            <p:seq concurrent="1" nextAc="seek">
+              <p:cTn id="2" dur="indefinite" nodeType="mainSeq">
+                <p:childTnLst>
+                  <p:par>
+                    <p:cTn id="3" fill="hold">
+                      <p:stCondLst>
+                        <p:cond delay="indefinite"/>
+                      </p:stCondLst>
+                      <p:childTnLst>
+                        <p:par>
+                          <p:cTn id="4" fill="hold">
+                            <p:stCondLst>
+                              <p:cond delay="0"/>
+                            </p:stCondLst>
+                            <p:childTnLst>
+                              <p:par>
+                                <p:cTn id="5" presetID="2" presetClass="entr" presetSubtype="8" fill="hold" nodeType="clickEffect">
+                                  <p:stCondLst>
+                                    <p:cond delay="0"/>
+                                  </p:stCondLst>
+                                  <p:childTnLst>
+                                    <p:set>
+                                      <p:cBhvr>
+                                        <p:cTn id="6" dur="1" fill="hold">
+                                          <p:stCondLst>
+                                            <p:cond delay="0"/>
+                                          </p:stCondLst>
+                                        </p:cTn>
+                                        <p:tgtEl>
+                                          <p:spTgt spid="7">
+                                            <p:txEl>
+                                              <p:pRg st="0" end="0"/>
+                                            </p:txEl>
+                                          </p:spTgt>
+                                        </p:tgtEl>
+                                        <p:attrNameLst>
+                                          <p:attrName>style.visibility</p:attrName>
+                                        </p:attrNameLst>
+                                      </p:cBhvr>
+                                      <p:to>
+                                        <p:strVal val="visible"/>
+                                      </p:to>
+                                    </p:set>
+                                    <p:anim calcmode="lin" valueType="num">
+                                      <p:cBhvr additive="base">
+                                        <p:cTn id="7" dur="500" fill="hold"/>
+                                        <p:tgtEl>
+                                          <p:spTgt spid="7">
+                                            <p:txEl>
+                                              <p:pRg st="0" end="0"/>
+                                            </p:txEl>
+                                          </p:spTgt>
+                                        </p:tgtEl>
+                                        <p:attrNameLst>
+                                          <p:attrName>ppt_x</p:attrName>
+                                        </p:attrNameLst>
+                                      </p:cBhvr>
+                                      <p:tavLst>
+                                        <p:tav tm="0">
+                                          <p:val>
+                                            <p:strVal val="0-#ppt_w/2"/>
+                                          </p:val>
+                                        </p:tav>
+                                        <p:tav tm="100000">
+                                          <p:val>
+                                            <p:strVal val="#ppt_x"/>
+                                          </p:val>
+                                        </p:tav>
+                                      </p:tavLst>
+                                    </p:anim>
+                                    <p:anim calcmode="lin" valueType="num">
+                                      <p:cBhvr additive="base">
+                                        <p:cTn id="8" dur="500" fill="hold"/>
+                                        <p:tgtEl>
+                                          <p:spTgt spid="7">
+                                            <p:txEl>
+                                              <p:pRg st="0" end="0"/>
+                                            </p:txEl>
+                                          </p:spTgt>
+                                        </p:tgtEl>
+                                        <p:attrNameLst>
+                                          <p:attrName>ppt_y</p:attrName>
+                                        </p:attrNameLst>
+                                      </p:cBhvr>
+                                      <p:tavLst>
+                                        <p:tav tm="0">
+                                          <p:val>
+                                            <p:strVal val="#ppt_y"/>
+                                          </p:val>
+                                        </p:tav>
+                                        <p:tav tm="100000">
+                                          <p:val>
+                                            <p:strVal val="#ppt_y"/>
+                                          </p:val>
+                                        </p:tav>
+                                      </p:tavLst>
+                                    </p:anim>
+                                  </p:childTnLst>
+                                </p:cTn>
+                              </p:par>
+                              <p:par>
+                                <p:cTn id="9" presetID="2" presetClass="entr" presetSubtype="8" fill="hold" nodeType="withEffect">
+                                  <p:stCondLst>
+                                    <p:cond delay="0"/>
+                                  </p:stCondLst>
+                                  <p:childTnLst>
+                                    <p:set>
+                                      <p:cBhvr>
+                                        <p:cTn id="10" dur="1" fill="hold">
+                                          <p:stCondLst>
+                                            <p:cond delay="0"/>
+                                          </p:stCondLst>
+                                        </p:cTn>
+                                        <p:tgtEl>
+                                          <p:spTgt spid="7">
+                                            <p:txEl>
+                                              <p:pRg st="1" end="1"/>
+                                            </p:txEl>
+                                          </p:spTgt>
+                                        </p:tgtEl>
+                                        <p:attrNameLst>
+                                          <p:attrName>style.visibility</p:attrName>
+                                        </p:attrNameLst>
+                                      </p:cBhvr>
+                                      <p:to>
+                                        <p:strVal val="visible"/>
+                                      </p:to>
+                                    </p:set>
+                                    <p:anim calcmode="lin" valueType="num">
+                                      <p:cBhvr additive="base">
+                                        <p:cTn id="11" dur="500" fill="hold"/>
+                                        <p:tgtEl>
+                                          <p:spTgt spid="7">
+                                            <p:txEl>
+                                              <p:pRg st="1" end="1"/>
+                                            </p:txEl>
+                                          </p:spTgt>
+                                        </p:tgtEl>
+                                        <p:attrNameLst>
+                                          <p:attrName>ppt_x</p:attrName>
+                                        </p:attrNameLst>
+                                      </p:cBhvr>
+                                      <p:tavLst>
+                                        <p:tav tm="0">
+                                          <p:val>
+                                            <p:strVal val="0-#ppt_w/2"/>
+                                          </p:val>
+                                        </p:tav>
+                                        <p:tav tm="100000">
+                                          <p:val>
+                                            <p:strVal val="#ppt_x"/>
+                                          </p:val>
+                                        </p:tav>
+                                      </p:tavLst>
+                                    </p:anim>
+                                    <p:anim calcmode="lin" valueType="num">
+                                      <p:cBhvr additive="base">
+                                        <p:cTn id="12" dur="500" fill="hold"/>
+                                        <p:tgtEl>
+                                          <p:spTgt spid="7">
+                                            <p:txEl>
+                                              <p:pRg st="1" end="1"/>
+                                            </p:txEl>
+                                          </p:spTgt>
+                                        </p:tgtEl>
+                                        <p:attrNameLst>
+                                          <p:attrName>ppt_y</p:attrName>
+                                        </p:attrNameLst>
+                                      </p:cBhvr>
+                                      <p:tavLst>
+                                        <p:tav tm="0">
+                                          <p:val>
+                                            <p:strVal val="#ppt_y"/>
+                                          </p:val>
+                                        </p:tav>
+                                        <p:tav tm="100000">
+                                          <p:val>
+                                            <p:strVal val="#ppt_y"/>
+                                          </p:val>
+                                        </p:tav>
+                                      </p:tavLst>
+                                    </p:anim>
+                                  </p:childTnLst>
+                                </p:cTn>
+                              </p:par>
+                              <p:par>
+                                <p:cTn id="13" presetID="2" presetClass="entr" presetSubtype="8" fill="hold" nodeType="withEffect">
+                                  <p:stCondLst>
+                                    <p:cond delay="0"/>
+                                  </p:stCondLst>
+                                  <p:childTnLst>
+                                    <p:set>
+                                      <p:cBhvr>
+                                        <p:cTn id="14" dur="1" fill="hold">
+                                          <p:stCondLst>
+                                            <p:cond delay="0"/>
+                                          </p:stCondLst>
+                                        </p:cTn>
+                                        <p:tgtEl>
+                                          <p:spTgt spid="7">
+                                            <p:txEl>
+                                              <p:pRg st="2" end="2"/>
+                                            </p:txEl>
+                                          </p:spTgt>
+                                        </p:tgtEl>
+                                        <p:attrNameLst>
+                                          <p:attrName>style.visibility</p:attrName>
+                                        </p:attrNameLst>
+                                      </p:cBhvr>
+                                      <p:to>
+                                        <p:strVal val="visible"/>
+                                      </p:to>
+                                    </p:set>
+                                    <p:anim calcmode="lin" valueType="num">
+                                      <p:cBhvr additive="base">
+                                        <p:cTn id="15" dur="500" fill="hold"/>
+                                        <p:tgtEl>
+                                          <p:spTgt spid="7">
+                                            <p:txEl>
+                                              <p:pRg st="2" end="2"/>
+                                            </p:txEl>
+                                          </p:spTgt>
+                                        </p:tgtEl>
+                                        <p:attrNameLst>
+                                          <p:attrName>ppt_x</p:attrName>
+                                        </p:attrNameLst>
+                                      </p:cBhvr>
+                                      <p:tavLst>
+                                        <p:tav tm="0">
+                                          <p:val>
+                                            <p:strVal val="0-#ppt_w/2"/>
+                                          </p:val>
+                                        </p:tav>
+                                        <p:tav tm="100000">
+                                          <p:val>
+                                            <p:strVal val="#ppt_x"/>
+                                          </p:val>
+                                        </p:tav>
+                                      </p:tavLst>
+                                    </p:anim>
+                                    <p:anim calcmode="lin" valueType="num">
+                                      <p:cBhvr additive="base">
+                                        <p:cTn id="16" dur="500" fill="hold"/>
+                                        <p:tgtEl>
+                                          <p:spTgt spid="7">
+                                            <p:txEl>
+                                              <p:pRg st="2" end="2"/>
+                                            </p:txEl>
+                                          </p:spTgt>
+                                        </p:tgtEl>
+                                        <p:attrNameLst>
+                                          <p:attrName>ppt_y</p:attrName>
+                                        </p:attrNameLst>
+                                      </p:cBhvr>
+                                      <p:tavLst>
+                                        <p:tav tm="0">
+                                          <p:val>
+                                            <p:strVal val="#ppt_y"/>
+                                          </p:val>
+                                        </p:tav>
+                                        <p:tav tm="100000">
+                                          <p:val>
+                                            <p:strVal val="#ppt_y"/>
+                                          </p:val>
+                                        </p:tav>
+                                      </p:tavLst>
+                                    </p:anim>
+                                  </p:childTnLst>
+                                </p:cTn>
+                              </p:par>
+                              <p:par>
+                                <p:cTn id="17" presetID="2" presetClass="entr" presetSubtype="2" fill="hold" nodeType="withEffect">
+                                  <p:stCondLst>
+                                    <p:cond delay="0"/>
+                                  </p:stCondLst>
+                                  <p:childTnLst>
+                                    <p:set>
+                                      <p:cBhvr>
+                                        <p:cTn id="18" dur="1" fill="hold">
+                                          <p:stCondLst>
+                                            <p:cond delay="0"/>
+                                          </p:stCondLst>
+                                        </p:cTn>
+                                        <p:tgtEl>
+                                          <p:spTgt spid="10"/>
+                                        </p:tgtEl>
+                                        <p:attrNameLst>
+                                          <p:attrName>style.visibility</p:attrName>
+                                        </p:attrNameLst>
+                                      </p:cBhvr>
+                                      <p:to>
+                                        <p:strVal val="visible"/>
+                                      </p:to>
+                                    </p:set>
+                                    <p:anim calcmode="lin" valueType="num">
+                                      <p:cBhvr additive="base">
+                                        <p:cTn id="19" dur="500" fill="hold"/>
+                                        <p:tgtEl>
+                                          <p:spTgt spid="10"/>
+                                        </p:tgtEl>
+                                        <p:attrNameLst>
+                                          <p:attrName>ppt_x</p:attrName>
+                                        </p:attrNameLst>
+                                      </p:cBhvr>
+                                      <p:tavLst>
+                                        <p:tav tm="0">
+                                          <p:val>
+                                            <p:strVal val="1+#ppt_w/2"/>
+                                          </p:val>
+                                        </p:tav>
+                                        <p:tav tm="100000">
+                                          <p:val>
+                                            <p:strVal val="#ppt_x"/>
+                                          </p:val>
+                                        </p:tav>
+                                      </p:tavLst>
+                                    </p:anim>
+                                    <p:anim calcmode="lin" valueType="num">
+                                      <p:cBhvr additive="base">
+                                        <p:cTn id="20" dur="500" fill="hold"/>
+                                        <p:tgtEl>
+                                          <p:spTgt spid="10"/>
+                                        </p:tgtEl>
+                                        <p:attrNameLst>
+                                          <p:attrName>ppt_y</p:attrName>
+                                        </p:attrNameLst>
+                                      </p:cBhvr>
+                                      <p:tavLst>
+                                        <p:tav tm="0">
+                                          <p:val>
+                                            <p:strVal val="#ppt_y"/>
+                                          </p:val>
+                                        </p:tav>
+                                        <p:tav tm="100000">
+                                          <p:val>
+                                            <p:strVal val="#ppt_y"/>
+                                          </p:val>
+                                        </p:tav>
+                                      </p:tavLst>
+                                    </p:anim>
+                                  </p:childTnLst>
+                                </p:cTn>
+                              </p:par>
+                            </p:childTnLst>
+                          </p:cTn>
+                        </p:par>
+                      </p:childTnLst>
+                    </p:cTn>
+                  </p:par>
+                  <p:par>
+                    <p:cTn id="21" fill="hold">
+                      <p:stCondLst>
+                        <p:cond delay="indefinite"/>
+                      </p:stCondLst>
+                      <p:childTnLst>
+                        <p:par>
+                          <p:cTn id="22" fill="hold">
+                            <p:stCondLst>
+                              <p:cond delay="0"/>
+                            </p:stCondLst>
+                            <p:childTnLst>
+                              <p:par>
+                                <p:cTn id="23" presetID="2" presetClass="exit" presetSubtype="2" fill="hold" nodeType="clickEffect">
+                                  <p:stCondLst>
+                                    <p:cond delay="0"/>
+                                  </p:stCondLst>
+                                  <p:childTnLst>
+                                    <p:anim calcmode="lin" valueType="num">
+                                      <p:cBhvr additive="base">
+                                        <p:cTn id="24" dur="500"/>
+                                        <p:tgtEl>
+                                          <p:spTgt spid="10"/>
+                                        </p:tgtEl>
+                                        <p:attrNameLst>
+                                          <p:attrName>ppt_x</p:attrName>
+                                        </p:attrNameLst>
+                                      </p:cBhvr>
+                                      <p:tavLst>
+                                        <p:tav tm="0">
+                                          <p:val>
+                                            <p:strVal val="ppt_x"/>
+                                          </p:val>
+                                        </p:tav>
+                                        <p:tav tm="100000">
+                                          <p:val>
+                                            <p:strVal val="1+ppt_w/2"/>
+                                          </p:val>
+                                        </p:tav>
+                                      </p:tavLst>
+                                    </p:anim>
+                                    <p:anim calcmode="lin" valueType="num">
+                                      <p:cBhvr additive="base">
+                                        <p:cTn id="25" dur="500"/>
+                                        <p:tgtEl>
+                                          <p:spTgt spid="10"/>
+                                        </p:tgtEl>
+                                        <p:attrNameLst>
+                                          <p:attrName>ppt_y</p:attrName>
+                                        </p:attrNameLst>
+                                      </p:cBhvr>
+                                      <p:tavLst>
+                                        <p:tav tm="0">
+                                          <p:val>
+                                            <p:strVal val="ppt_y"/>
+                                          </p:val>
+                                        </p:tav>
+                                        <p:tav tm="100000">
+                                          <p:val>
+                                            <p:strVal val="ppt_y"/>
+                                          </p:val>
+                                        </p:tav>
+                                      </p:tavLst>
+                                    </p:anim>
+                                    <p:set>
+                                      <p:cBhvr>
+                                        <p:cTn id="26" dur="1" fill="hold">
+                                          <p:stCondLst>
+                                            <p:cond delay="499"/>
+                                          </p:stCondLst>
+                                        </p:cTn>
+                                        <p:tgtEl>
+                                          <p:spTgt spid="10"/>
+                                        </p:tgtEl>
+                                        <p:attrNameLst>
+                                          <p:attrName>style.visibility</p:attrName>
+                                        </p:attrNameLst>
+                                      </p:cBhvr>
+                                      <p:to>
+                                        <p:strVal val="hidden"/>
+                                      </p:to>
+                                    </p:set>
+                                  </p:childTnLst>
+                                </p:cTn>
+                              </p:par>
+                            </p:childTnLst>
+                          </p:cTn>
+                        </p:par>
+                      </p:childTnLst>
+                    </p:cTn>
+                  </p:par>
+                  <p:par>
+                    <p:cTn id="27" fill="hold">
+                      <p:stCondLst>
+                        <p:cond delay="indefinite"/>
+                      </p:stCondLst>
+                      <p:childTnLst>
+                        <p:par>
+                          <p:cTn id="28" fill="hold">
+                            <p:stCondLst>
+                              <p:cond delay="0"/>
+                            </p:stCondLst>
+                            <p:childTnLst>
+                              <p:par>
+                                <p:cTn id="29" presetID="2" presetClass="entr" presetSubtype="8" fill="hold" nodeType="clickEffect">
+                                  <p:stCondLst>
+                                    <p:cond delay="0"/>
+                                  </p:stCondLst>
+                                  <p:childTnLst>
+                                    <p:set>
+                                      <p:cBhvr>
+                                        <p:cTn id="30" dur="1" fill="hold">
+                                          <p:stCondLst>
+                                            <p:cond delay="0"/>
+                                          </p:stCondLst>
+                                        </p:cTn>
+                                        <p:tgtEl>
+                                          <p:spTgt spid="7">
+                                            <p:txEl>
+                                              <p:pRg st="3" end="3"/>
+                                            </p:txEl>
+                                          </p:spTgt>
+                                        </p:tgtEl>
+                                        <p:attrNameLst>
+                                          <p:attrName>style.visibility</p:attrName>
+                                        </p:attrNameLst>
+                                      </p:cBhvr>
+                                      <p:to>
+                                        <p:strVal val="visible"/>
+                                      </p:to>
+                                    </p:set>
+                                    <p:anim calcmode="lin" valueType="num">
+                                      <p:cBhvr additive="base">
+                                        <p:cTn id="31" dur="500" fill="hold"/>
+                                        <p:tgtEl>
+                                          <p:spTgt spid="7">
+                                            <p:txEl>
+                                              <p:pRg st="3" end="3"/>
+                                            </p:txEl>
+                                          </p:spTgt>
+                                        </p:tgtEl>
+                                        <p:attrNameLst>
+                                          <p:attrName>ppt_x</p:attrName>
+                                        </p:attrNameLst>
+                                      </p:cBhvr>
+                                      <p:tavLst>
+                                        <p:tav tm="0">
+                                          <p:val>
+                                            <p:strVal val="0-#ppt_w/2"/>
+                                          </p:val>
+                                        </p:tav>
+                                        <p:tav tm="100000">
+                                          <p:val>
+                                            <p:strVal val="#ppt_x"/>
+                                          </p:val>
+                                        </p:tav>
+                                      </p:tavLst>
+                                    </p:anim>
+                                    <p:anim calcmode="lin" valueType="num">
+                                      <p:cBhvr additive="base">
+                                        <p:cTn id="32" dur="500" fill="hold"/>
+                                        <p:tgtEl>
+                                          <p:spTgt spid="7">
+                                            <p:txEl>
+                                              <p:pRg st="3" end="3"/>
+                                            </p:txEl>
+                                          </p:spTgt>
+                                        </p:tgtEl>
+                                        <p:attrNameLst>
+                                          <p:attrName>ppt_y</p:attrName>
+                                        </p:attrNameLst>
+                                      </p:cBhvr>
+                                      <p:tavLst>
+                                        <p:tav tm="0">
+                                          <p:val>
+                                            <p:strVal val="#ppt_y"/>
+                                          </p:val>
+                                        </p:tav>
+                                        <p:tav tm="100000">
+                                          <p:val>
+                                            <p:strVal val="#ppt_y"/>
+                                          </p:val>
+                                        </p:tav>
+                                      </p:tavLst>
+                                    </p:anim>
+                                  </p:childTnLst>
+                                </p:cTn>
+                              </p:par>
+                              <p:par>
+                                <p:cTn id="33" presetID="2" presetClass="entr" presetSubtype="8" fill="hold" nodeType="withEffect">
+                                  <p:stCondLst>
+                                    <p:cond delay="0"/>
+                                  </p:stCondLst>
+                                  <p:childTnLst>
+                                    <p:set>
+                                      <p:cBhvr>
+                                        <p:cTn id="34" dur="1" fill="hold">
+                                          <p:stCondLst>
+                                            <p:cond delay="0"/>
+                                          </p:stCondLst>
+                                        </p:cTn>
+                                        <p:tgtEl>
+                                          <p:spTgt spid="7">
+                                            <p:txEl>
+                                              <p:pRg st="4" end="4"/>
+                                            </p:txEl>
+                                          </p:spTgt>
+                                        </p:tgtEl>
+                                        <p:attrNameLst>
+                                          <p:attrName>style.visibility</p:attrName>
+                                        </p:attrNameLst>
+                                      </p:cBhvr>
+                                      <p:to>
+                                        <p:strVal val="visible"/>
+                                      </p:to>
+                                    </p:set>
+                                    <p:anim calcmode="lin" valueType="num">
+                                      <p:cBhvr additive="base">
+                                        <p:cTn id="35" dur="500" fill="hold"/>
+                                        <p:tgtEl>
+                                          <p:spTgt spid="7">
+                                            <p:txEl>
+                                              <p:pRg st="4" end="4"/>
+                                            </p:txEl>
+                                          </p:spTgt>
+                                        </p:tgtEl>
+                                        <p:attrNameLst>
+                                          <p:attrName>ppt_x</p:attrName>
+                                        </p:attrNameLst>
+                                      </p:cBhvr>
+                                      <p:tavLst>
+                                        <p:tav tm="0">
+                                          <p:val>
+                                            <p:strVal val="0-#ppt_w/2"/>
+                                          </p:val>
+                                        </p:tav>
+                                        <p:tav tm="100000">
+                                          <p:val>
+                                            <p:strVal val="#ppt_x"/>
+                                          </p:val>
+                                        </p:tav>
+                                      </p:tavLst>
+                                    </p:anim>
+                                    <p:anim calcmode="lin" valueType="num">
+                                      <p:cBhvr additive="base">
+                                        <p:cTn id="36" dur="500" fill="hold"/>
+                                        <p:tgtEl>
+                                          <p:spTgt spid="7">
+                                            <p:txEl>
+                                              <p:pRg st="4" end="4"/>
+                                            </p:txEl>
+                                          </p:spTgt>
+                                        </p:tgtEl>
+                                        <p:attrNameLst>
+                                          <p:attrName>ppt_y</p:attrName>
+                                        </p:attrNameLst>
+                                      </p:cBhvr>
+                                      <p:tavLst>
+                                        <p:tav tm="0">
+                                          <p:val>
+                                            <p:strVal val="#ppt_y"/>
+                                          </p:val>
+                                        </p:tav>
+                                        <p:tav tm="100000">
+                                          <p:val>
+                                            <p:strVal val="#ppt_y"/>
+                                          </p:val>
+                                        </p:tav>
+                                      </p:tavLst>
+                                    </p:anim>
+                                  </p:childTnLst>
+                                </p:cTn>
+                              </p:par>
+                              <p:par>
+                                <p:cTn id="37" presetID="2" presetClass="entr" presetSubtype="8" fill="hold" nodeType="withEffect">
+                                  <p:stCondLst>
+                                    <p:cond delay="0"/>
+                                  </p:stCondLst>
+                                  <p:childTnLst>
+                                    <p:set>
+                                      <p:cBhvr>
+                                        <p:cTn id="38" dur="1" fill="hold">
+                                          <p:stCondLst>
+                                            <p:cond delay="0"/>
+                                          </p:stCondLst>
+                                        </p:cTn>
+                                        <p:tgtEl>
+                                          <p:spTgt spid="7">
+                                            <p:txEl>
+                                              <p:pRg st="5" end="5"/>
+                                            </p:txEl>
+                                          </p:spTgt>
+                                        </p:tgtEl>
+                                        <p:attrNameLst>
+                                          <p:attrName>style.visibility</p:attrName>
+                                        </p:attrNameLst>
+                                      </p:cBhvr>
+                                      <p:to>
+                                        <p:strVal val="visible"/>
+                                      </p:to>
+                                    </p:set>
+                                    <p:anim calcmode="lin" valueType="num">
+                                      <p:cBhvr additive="base">
+                                        <p:cTn id="39" dur="500" fill="hold"/>
+                                        <p:tgtEl>
+                                          <p:spTgt spid="7">
+                                            <p:txEl>
+                                              <p:pRg st="5" end="5"/>
+                                            </p:txEl>
+                                          </p:spTgt>
+                                        </p:tgtEl>
+                                        <p:attrNameLst>
+                                          <p:attrName>ppt_x</p:attrName>
+                                        </p:attrNameLst>
+                                      </p:cBhvr>
+                                      <p:tavLst>
+                                        <p:tav tm="0">
+                                          <p:val>
+                                            <p:strVal val="0-#ppt_w/2"/>
+                                          </p:val>
+                                        </p:tav>
+                                        <p:tav tm="100000">
+                                          <p:val>
+                                            <p:strVal val="#ppt_x"/>
+                                          </p:val>
+                                        </p:tav>
+                                      </p:tavLst>
+                                    </p:anim>
+                                    <p:anim calcmode="lin" valueType="num">
+                                      <p:cBhvr additive="base">
+                                        <p:cTn id="40" dur="500" fill="hold"/>
+                                        <p:tgtEl>
+                                          <p:spTgt spid="7">
+                                            <p:txEl>
+                                              <p:pRg st="5" end="5"/>
+                                            </p:txEl>
+                                          </p:spTgt>
+                                        </p:tgtEl>
+                                        <p:attrNameLst>
+                                          <p:attrName>ppt_y</p:attrName>
+                                        </p:attrNameLst>
+                                      </p:cBhvr>
+                                      <p:tavLst>
+                                        <p:tav tm="0">
+                                          <p:val>
+                                            <p:strVal val="#ppt_y"/>
+                                          </p:val>
+                                        </p:tav>
+                                        <p:tav tm="100000">
+                                          <p:val>
+                                            <p:strVal val="#ppt_y"/>
+                                          </p:val>
+                                        </p:tav>
+                                      </p:tavLst>
+                                    </p:anim>
+                                  </p:childTnLst>
+                                </p:cTn>
+                              </p:par>
+                              <p:par>
+                                <p:cTn id="41" presetID="2" presetClass="entr" presetSubtype="2" fill="hold" nodeType="withEffect">
+                                  <p:stCondLst>
+                                    <p:cond delay="0"/>
+                                  </p:stCondLst>
+                                  <p:childTnLst>
+                                    <p:set>
+                                      <p:cBhvr>
+                                        <p:cTn id="42" dur="1" fill="hold">
+                                          <p:stCondLst>
+                                            <p:cond delay="0"/>
+                                          </p:stCondLst>
+                                        </p:cTn>
+                                        <p:tgtEl>
+                                          <p:spTgt spid="12"/>
+                                        </p:tgtEl>
+                                        <p:attrNameLst>
+                                          <p:attrName>style.visibility</p:attrName>
+                                        </p:attrNameLst>
+                                      </p:cBhvr>
+                                      <p:to>
+                                        <p:strVal val="visible"/>
+                                      </p:to>
+                                    </p:set>
+                                    <p:anim calcmode="lin" valueType="num">
+                                      <p:cBhvr additive="base">
+                                        <p:cTn id="43" dur="500" fill="hold"/>
+                                        <p:tgtEl>
+                                          <p:spTgt spid="12"/>
+                                        </p:tgtEl>
+                                        <p:attrNameLst>
+                                          <p:attrName>ppt_x</p:attrName>
+                                        </p:attrNameLst>
+                                      </p:cBhvr>
+                                      <p:tavLst>
+                                        <p:tav tm="0">
+                                          <p:val>
+                                            <p:strVal val="1+#ppt_w/2"/>
+                                          </p:val>
+                                        </p:tav>
+                                        <p:tav tm="100000">
+                                          <p:val>
+                                            <p:strVal val="#ppt_x"/>
+                                          </p:val>
+                                        </p:tav>
+                                      </p:tavLst>
+                                    </p:anim>
+                                    <p:anim calcmode="lin" valueType="num">
+                                      <p:cBhvr additive="base">
+                                        <p:cTn id="44" dur="500" fill="hold"/>
+                                        <p:tgtEl>
+                                          <p:spTgt spid="12"/>
+                                        </p:tgtEl>
+                                        <p:attrNameLst>
+                                          <p:attrName>ppt_y</p:attrName>
+                                        </p:attrNameLst>
+                                      </p:cBhvr>
+                                      <p:tavLst>
+                                        <p:tav tm="0">
+                                          <p:val>
+                                            <p:strVal val="#ppt_y"/>
+                                          </p:val>
+                                        </p:tav>
+                                        <p:tav tm="100000">
+                                          <p:val>
+                                            <p:strVal val="#ppt_y"/>
+                                          </p:val>
+                                        </p:tav>
+                                      </p:tavLst>
+                                    </p:anim>
+                                  </p:childTnLst>
+                                </p:cTn>
+                              </p:par>
+                            </p:childTnLst>
+                          </p:cTn>
+                        </p:par>
+                      </p:childTnLst>
+                    </p:cTn>
+                  </p:par>
+                </p:childTnLst>
+              </p:cTn>
+              <p:prevCondLst>
+                <p:cond evt="onPrev" delay="0">
+                  <p:tgtEl>
+                    <p:sldTgt/>
+                  </p:tgtEl>
+                </p:cond>
+              </p:prevCondLst>
+              <p:nextCondLst>
+                <p:cond evt="onNext" delay="0">
+                  <p:tgtEl>
+                    <p:sldTgt/>
+                  </p:tgtEl>
+                </p:cond>
+              </p:nextCondLst>
+            </p:seq>
+          </p:childTnLst>
+        </p:cTn>
       </p:par>
     </p:tnLst>
   </p:timing>
 </p:sld>
 </file>
 
-<file path=ppt/slides/slide8.xml><?xml version="1.0" encoding="utf-8"?>
-<p:sld xmlns:a="http://schemas.openxmlformats.org/drawingml/2006/main" xmlns:r="http://schemas.openxmlformats.org/officeDocument/2006/relationships" xmlns:p="http://schemas.openxmlformats.org/presentationml/2006/main">
-  <p:cSld>
-    <p:spTree>
-      <p:nvGrpSpPr>
-        <p:cNvPr id="1" name=""/>
-        <p:cNvGrpSpPr/>
-        <p:nvPr/>
-      </p:nvGrpSpPr>
-      <p:grpSpPr>
-        <a:xfrm>
-          <a:off x="0" y="0"/>
-          <a:ext cx="0" cy="0"/>
-          <a:chOff x="0" y="0"/>
-          <a:chExt cx="0" cy="0"/>
-        </a:xfrm>
-      </p:grpSpPr>
-      <p:sp>
-        <p:nvSpPr>
-          <p:cNvPr id="2" name="Cím 1"/>
-          <p:cNvSpPr>
-            <a:spLocks noGrp="1"/>
-          </p:cNvSpPr>
-          <p:nvPr>
-            <p:ph type="title"/>
-          </p:nvPr>
-        </p:nvSpPr>
-        <p:spPr/>
-        <p:txBody>
-          <a:bodyPr/>
-          <a:lstStyle/>
-          <a:p>
-            <a:endParaRPr lang="hu-HU"/>
-          </a:p>
-        </p:txBody>
-      </p:sp>
-      <p:sp>
-        <p:nvSpPr>
-          <p:cNvPr id="3" name="Tartalom helye 2"/>
-          <p:cNvSpPr>
-            <a:spLocks noGrp="1"/>
-          </p:cNvSpPr>
-          <p:nvPr>
-            <p:ph idx="1"/>
-          </p:nvPr>
-        </p:nvSpPr>
-        <p:spPr/>
-        <p:txBody>
-          <a:bodyPr/>
-          <a:lstStyle/>
-          <a:p>
-            <a:endParaRPr lang="hu-HU"/>
-          </a:p>
-        </p:txBody>
-      </p:sp>
-    </p:spTree>
-    <p:extLst>
-      <p:ext uri="{BB962C8B-B14F-4D97-AF65-F5344CB8AC3E}">
-        <p14:creationId xmlns:p14="http://schemas.microsoft.com/office/powerpoint/2010/main" val="1892741395"/>
-      </p:ext>
-    </p:extLst>
-  </p:cSld>
-  <p:clrMapOvr>
-    <a:masterClrMapping/>
-  </p:clrMapOvr>
-  <p:transition spd="slow">
-    <p:push dir="u"/>
-  </p:transition>
-  <p:timing>
-    <p:tnLst>
-      <p:par>
-        <p:cTn id="1" dur="indefinite" restart="never" nodeType="tmRoot"/>
-      </p:par>
-    </p:tnLst>
-  </p:timing>
-</p:sld>
-</file>
-
-<file path=ppt/slides/slide9.xml><?xml version="1.0" encoding="utf-8"?>
+<file path=ppt/slides/slide7.xml><?xml version="1.0" encoding="utf-8"?>
 <p:sld xmlns:a="http://schemas.openxmlformats.org/drawingml/2006/main" xmlns:r="http://schemas.openxmlformats.org/officeDocument/2006/relationships" xmlns:p="http://schemas.openxmlformats.org/presentationml/2006/main">
   <p:cSld>
     <p:spTree>
@@ -5096,11 +8105,1253 @@
               </a:rPr>
               <a:t>Köszönöm a figyelmet!</a:t>
             </a:r>
-            <a:endParaRPr lang="hu-HU" sz="6600" dirty="0">
+          </a:p>
+        </p:txBody>
+      </p:sp>
+      <p:pic>
+        <p:nvPicPr>
+          <p:cNvPr id="3" name="Kép 2"/>
+          <p:cNvPicPr>
+            <a:picLocks noChangeAspect="1"/>
+          </p:cNvPicPr>
+          <p:nvPr/>
+        </p:nvPicPr>
+        <p:blipFill>
+          <a:blip r:embed="rId2" cstate="print">
+            <a:extLst>
+              <a:ext uri="{28A0092B-C50C-407E-A947-70E740481C1C}">
+                <a14:useLocalDpi xmlns:a14="http://schemas.microsoft.com/office/drawing/2010/main" val="0"/>
+              </a:ext>
+            </a:extLst>
+          </a:blip>
+          <a:stretch>
+            <a:fillRect/>
+          </a:stretch>
+        </p:blipFill>
+        <p:spPr>
+          <a:xfrm rot="20949034">
+            <a:off x="971747" y="1602556"/>
+            <a:ext cx="2076307" cy="2172879"/>
+          </a:xfrm>
+          <a:prstGeom prst="rect">
+            <a:avLst/>
+          </a:prstGeom>
+        </p:spPr>
+      </p:pic>
+      <p:pic>
+        <p:nvPicPr>
+          <p:cNvPr id="5" name="Kép 4"/>
+          <p:cNvPicPr>
+            <a:picLocks noChangeAspect="1"/>
+          </p:cNvPicPr>
+          <p:nvPr/>
+        </p:nvPicPr>
+        <p:blipFill>
+          <a:blip r:embed="rId2" cstate="print">
+            <a:extLst>
+              <a:ext uri="{28A0092B-C50C-407E-A947-70E740481C1C}">
+                <a14:useLocalDpi xmlns:a14="http://schemas.microsoft.com/office/drawing/2010/main" val="0"/>
+              </a:ext>
+            </a:extLst>
+          </a:blip>
+          <a:stretch>
+            <a:fillRect/>
+          </a:stretch>
+        </p:blipFill>
+        <p:spPr>
+          <a:xfrm rot="1891454">
+            <a:off x="8724963" y="3437266"/>
+            <a:ext cx="2576237" cy="2696061"/>
+          </a:xfrm>
+          <a:prstGeom prst="rect">
+            <a:avLst/>
+          </a:prstGeom>
+        </p:spPr>
+      </p:pic>
+      <p:pic>
+        <p:nvPicPr>
+          <p:cNvPr id="6" name="Kép 5"/>
+          <p:cNvPicPr>
+            <a:picLocks noChangeAspect="1"/>
+          </p:cNvPicPr>
+          <p:nvPr/>
+        </p:nvPicPr>
+        <p:blipFill>
+          <a:blip r:embed="rId3" cstate="print">
+            <a:extLst>
+              <a:ext uri="{28A0092B-C50C-407E-A947-70E740481C1C}">
+                <a14:useLocalDpi xmlns:a14="http://schemas.microsoft.com/office/drawing/2010/main" val="0"/>
+              </a:ext>
+            </a:extLst>
+          </a:blip>
+          <a:stretch>
+            <a:fillRect/>
+          </a:stretch>
+        </p:blipFill>
+        <p:spPr>
+          <a:xfrm rot="17786652" flipH="1">
+            <a:off x="3616302" y="5071646"/>
+            <a:ext cx="759152" cy="794461"/>
+          </a:xfrm>
+          <a:prstGeom prst="rect">
+            <a:avLst/>
+          </a:prstGeom>
+        </p:spPr>
+      </p:pic>
+      <p:pic>
+        <p:nvPicPr>
+          <p:cNvPr id="7" name="Kép 6"/>
+          <p:cNvPicPr>
+            <a:picLocks noChangeAspect="1"/>
+          </p:cNvPicPr>
+          <p:nvPr/>
+        </p:nvPicPr>
+        <p:blipFill>
+          <a:blip r:embed="rId4" cstate="print">
+            <a:extLst>
+              <a:ext uri="{28A0092B-C50C-407E-A947-70E740481C1C}">
+                <a14:useLocalDpi xmlns:a14="http://schemas.microsoft.com/office/drawing/2010/main" val="0"/>
+              </a:ext>
+            </a:extLst>
+          </a:blip>
+          <a:stretch>
+            <a:fillRect/>
+          </a:stretch>
+        </p:blipFill>
+        <p:spPr>
+          <a:xfrm>
+            <a:off x="-3541336" y="2962705"/>
+            <a:ext cx="18077468" cy="4027972"/>
+          </a:xfrm>
+          <a:prstGeom prst="rect">
+            <a:avLst/>
+          </a:prstGeom>
+        </p:spPr>
+      </p:pic>
+    </p:spTree>
+    <p:extLst>
+      <p:ext uri="{BB962C8B-B14F-4D97-AF65-F5344CB8AC3E}">
+        <p14:creationId xmlns:p14="http://schemas.microsoft.com/office/powerpoint/2010/main" val="3119622658"/>
+      </p:ext>
+    </p:extLst>
+  </p:cSld>
+  <p:clrMapOvr>
+    <a:masterClrMapping/>
+  </p:clrMapOvr>
+  <p:transition spd="slow">
+    <p:push dir="u"/>
+  </p:transition>
+  <p:timing>
+    <p:tnLst>
+      <p:par>
+        <p:cTn id="1" dur="indefinite" restart="never" nodeType="tmRoot">
+          <p:childTnLst>
+            <p:seq concurrent="1" nextAc="seek">
+              <p:cTn id="2" dur="indefinite" nodeType="mainSeq">
+                <p:childTnLst>
+                  <p:par>
+                    <p:cTn id="3" fill="hold">
+                      <p:stCondLst>
+                        <p:cond delay="indefinite"/>
+                      </p:stCondLst>
+                      <p:childTnLst>
+                        <p:par>
+                          <p:cTn id="4" fill="hold">
+                            <p:stCondLst>
+                              <p:cond delay="0"/>
+                            </p:stCondLst>
+                            <p:childTnLst>
+                              <p:par>
+                                <p:cTn id="5" presetID="45" presetClass="entr" presetSubtype="0" fill="hold" nodeType="clickEffect">
+                                  <p:stCondLst>
+                                    <p:cond delay="0"/>
+                                  </p:stCondLst>
+                                  <p:childTnLst>
+                                    <p:set>
+                                      <p:cBhvr>
+                                        <p:cTn id="6" dur="1" fill="hold">
+                                          <p:stCondLst>
+                                            <p:cond delay="0"/>
+                                          </p:stCondLst>
+                                        </p:cTn>
+                                        <p:tgtEl>
+                                          <p:spTgt spid="3"/>
+                                        </p:tgtEl>
+                                        <p:attrNameLst>
+                                          <p:attrName>style.visibility</p:attrName>
+                                        </p:attrNameLst>
+                                      </p:cBhvr>
+                                      <p:to>
+                                        <p:strVal val="visible"/>
+                                      </p:to>
+                                    </p:set>
+                                    <p:animEffect transition="in" filter="fade">
+                                      <p:cBhvr>
+                                        <p:cTn id="7" dur="2000"/>
+                                        <p:tgtEl>
+                                          <p:spTgt spid="3"/>
+                                        </p:tgtEl>
+                                      </p:cBhvr>
+                                    </p:animEffect>
+                                    <p:anim calcmode="lin" valueType="num">
+                                      <p:cBhvr>
+                                        <p:cTn id="8" dur="2000" fill="hold"/>
+                                        <p:tgtEl>
+                                          <p:spTgt spid="3"/>
+                                        </p:tgtEl>
+                                        <p:attrNameLst>
+                                          <p:attrName>ppt_w</p:attrName>
+                                        </p:attrNameLst>
+                                      </p:cBhvr>
+                                      <p:tavLst>
+                                        <p:tav tm="0" fmla="#ppt_w*sin(2.5*pi*$)">
+                                          <p:val>
+                                            <p:fltVal val="0"/>
+                                          </p:val>
+                                        </p:tav>
+                                        <p:tav tm="100000">
+                                          <p:val>
+                                            <p:fltVal val="1"/>
+                                          </p:val>
+                                        </p:tav>
+                                      </p:tavLst>
+                                    </p:anim>
+                                    <p:anim calcmode="lin" valueType="num">
+                                      <p:cBhvr>
+                                        <p:cTn id="9" dur="2000" fill="hold"/>
+                                        <p:tgtEl>
+                                          <p:spTgt spid="3"/>
+                                        </p:tgtEl>
+                                        <p:attrNameLst>
+                                          <p:attrName>ppt_h</p:attrName>
+                                        </p:attrNameLst>
+                                      </p:cBhvr>
+                                      <p:tavLst>
+                                        <p:tav tm="0">
+                                          <p:val>
+                                            <p:strVal val="#ppt_h"/>
+                                          </p:val>
+                                        </p:tav>
+                                        <p:tav tm="100000">
+                                          <p:val>
+                                            <p:strVal val="#ppt_h"/>
+                                          </p:val>
+                                        </p:tav>
+                                      </p:tavLst>
+                                    </p:anim>
+                                  </p:childTnLst>
+                                </p:cTn>
+                              </p:par>
+                              <p:par>
+                                <p:cTn id="10" presetID="45" presetClass="entr" presetSubtype="0" fill="hold" nodeType="withEffect">
+                                  <p:stCondLst>
+                                    <p:cond delay="0"/>
+                                  </p:stCondLst>
+                                  <p:childTnLst>
+                                    <p:set>
+                                      <p:cBhvr>
+                                        <p:cTn id="11" dur="1" fill="hold">
+                                          <p:stCondLst>
+                                            <p:cond delay="0"/>
+                                          </p:stCondLst>
+                                        </p:cTn>
+                                        <p:tgtEl>
+                                          <p:spTgt spid="5"/>
+                                        </p:tgtEl>
+                                        <p:attrNameLst>
+                                          <p:attrName>style.visibility</p:attrName>
+                                        </p:attrNameLst>
+                                      </p:cBhvr>
+                                      <p:to>
+                                        <p:strVal val="visible"/>
+                                      </p:to>
+                                    </p:set>
+                                    <p:animEffect transition="in" filter="fade">
+                                      <p:cBhvr>
+                                        <p:cTn id="12" dur="2000"/>
+                                        <p:tgtEl>
+                                          <p:spTgt spid="5"/>
+                                        </p:tgtEl>
+                                      </p:cBhvr>
+                                    </p:animEffect>
+                                    <p:anim calcmode="lin" valueType="num">
+                                      <p:cBhvr>
+                                        <p:cTn id="13" dur="2000" fill="hold"/>
+                                        <p:tgtEl>
+                                          <p:spTgt spid="5"/>
+                                        </p:tgtEl>
+                                        <p:attrNameLst>
+                                          <p:attrName>ppt_w</p:attrName>
+                                        </p:attrNameLst>
+                                      </p:cBhvr>
+                                      <p:tavLst>
+                                        <p:tav tm="0" fmla="#ppt_w*sin(2.5*pi*$)">
+                                          <p:val>
+                                            <p:fltVal val="0"/>
+                                          </p:val>
+                                        </p:tav>
+                                        <p:tav tm="100000">
+                                          <p:val>
+                                            <p:fltVal val="1"/>
+                                          </p:val>
+                                        </p:tav>
+                                      </p:tavLst>
+                                    </p:anim>
+                                    <p:anim calcmode="lin" valueType="num">
+                                      <p:cBhvr>
+                                        <p:cTn id="14" dur="2000" fill="hold"/>
+                                        <p:tgtEl>
+                                          <p:spTgt spid="5"/>
+                                        </p:tgtEl>
+                                        <p:attrNameLst>
+                                          <p:attrName>ppt_h</p:attrName>
+                                        </p:attrNameLst>
+                                      </p:cBhvr>
+                                      <p:tavLst>
+                                        <p:tav tm="0">
+                                          <p:val>
+                                            <p:strVal val="#ppt_h"/>
+                                          </p:val>
+                                        </p:tav>
+                                        <p:tav tm="100000">
+                                          <p:val>
+                                            <p:strVal val="#ppt_h"/>
+                                          </p:val>
+                                        </p:tav>
+                                      </p:tavLst>
+                                    </p:anim>
+                                  </p:childTnLst>
+                                </p:cTn>
+                              </p:par>
+                              <p:par>
+                                <p:cTn id="15" presetID="45" presetClass="entr" presetSubtype="0" fill="hold" nodeType="withEffect">
+                                  <p:stCondLst>
+                                    <p:cond delay="0"/>
+                                  </p:stCondLst>
+                                  <p:childTnLst>
+                                    <p:set>
+                                      <p:cBhvr>
+                                        <p:cTn id="16" dur="1" fill="hold">
+                                          <p:stCondLst>
+                                            <p:cond delay="0"/>
+                                          </p:stCondLst>
+                                        </p:cTn>
+                                        <p:tgtEl>
+                                          <p:spTgt spid="6"/>
+                                        </p:tgtEl>
+                                        <p:attrNameLst>
+                                          <p:attrName>style.visibility</p:attrName>
+                                        </p:attrNameLst>
+                                      </p:cBhvr>
+                                      <p:to>
+                                        <p:strVal val="visible"/>
+                                      </p:to>
+                                    </p:set>
+                                    <p:animEffect transition="in" filter="fade">
+                                      <p:cBhvr>
+                                        <p:cTn id="17" dur="2000"/>
+                                        <p:tgtEl>
+                                          <p:spTgt spid="6"/>
+                                        </p:tgtEl>
+                                      </p:cBhvr>
+                                    </p:animEffect>
+                                    <p:anim calcmode="lin" valueType="num">
+                                      <p:cBhvr>
+                                        <p:cTn id="18" dur="2000" fill="hold"/>
+                                        <p:tgtEl>
+                                          <p:spTgt spid="6"/>
+                                        </p:tgtEl>
+                                        <p:attrNameLst>
+                                          <p:attrName>ppt_w</p:attrName>
+                                        </p:attrNameLst>
+                                      </p:cBhvr>
+                                      <p:tavLst>
+                                        <p:tav tm="0" fmla="#ppt_w*sin(2.5*pi*$)">
+                                          <p:val>
+                                            <p:fltVal val="0"/>
+                                          </p:val>
+                                        </p:tav>
+                                        <p:tav tm="100000">
+                                          <p:val>
+                                            <p:fltVal val="1"/>
+                                          </p:val>
+                                        </p:tav>
+                                      </p:tavLst>
+                                    </p:anim>
+                                    <p:anim calcmode="lin" valueType="num">
+                                      <p:cBhvr>
+                                        <p:cTn id="19" dur="2000" fill="hold"/>
+                                        <p:tgtEl>
+                                          <p:spTgt spid="6"/>
+                                        </p:tgtEl>
+                                        <p:attrNameLst>
+                                          <p:attrName>ppt_h</p:attrName>
+                                        </p:attrNameLst>
+                                      </p:cBhvr>
+                                      <p:tavLst>
+                                        <p:tav tm="0">
+                                          <p:val>
+                                            <p:strVal val="#ppt_h"/>
+                                          </p:val>
+                                        </p:tav>
+                                        <p:tav tm="100000">
+                                          <p:val>
+                                            <p:strVal val="#ppt_h"/>
+                                          </p:val>
+                                        </p:tav>
+                                      </p:tavLst>
+                                    </p:anim>
+                                  </p:childTnLst>
+                                </p:cTn>
+                              </p:par>
+                            </p:childTnLst>
+                          </p:cTn>
+                        </p:par>
+                      </p:childTnLst>
+                    </p:cTn>
+                  </p:par>
+                  <p:par>
+                    <p:cTn id="20" fill="hold">
+                      <p:stCondLst>
+                        <p:cond delay="indefinite"/>
+                      </p:stCondLst>
+                      <p:childTnLst>
+                        <p:par>
+                          <p:cTn id="21" fill="hold">
+                            <p:stCondLst>
+                              <p:cond delay="0"/>
+                            </p:stCondLst>
+                            <p:childTnLst>
+                              <p:par>
+                                <p:cTn id="22" presetID="45" presetClass="exit" presetSubtype="0" fill="hold" nodeType="clickEffect">
+                                  <p:stCondLst>
+                                    <p:cond delay="0"/>
+                                  </p:stCondLst>
+                                  <p:childTnLst>
+                                    <p:animEffect transition="out" filter="fade">
+                                      <p:cBhvr>
+                                        <p:cTn id="23" dur="2000"/>
+                                        <p:tgtEl>
+                                          <p:spTgt spid="3"/>
+                                        </p:tgtEl>
+                                      </p:cBhvr>
+                                    </p:animEffect>
+                                    <p:anim calcmode="lin" valueType="num">
+                                      <p:cBhvr>
+                                        <p:cTn id="24" dur="2000"/>
+                                        <p:tgtEl>
+                                          <p:spTgt spid="3"/>
+                                        </p:tgtEl>
+                                        <p:attrNameLst>
+                                          <p:attrName>ppt_w</p:attrName>
+                                        </p:attrNameLst>
+                                      </p:cBhvr>
+                                      <p:tavLst>
+                                        <p:tav tm="0">
+                                          <p:val>
+                                            <p:strVal val="ppt_w"/>
+                                          </p:val>
+                                        </p:tav>
+                                        <p:tav tm="5000">
+                                          <p:val>
+                                            <p:strVal val="0.92*ppt_w"/>
+                                          </p:val>
+                                        </p:tav>
+                                        <p:tav tm="10000">
+                                          <p:val>
+                                            <p:strVal val="0.71*ppt_w"/>
+                                          </p:val>
+                                        </p:tav>
+                                        <p:tav tm="15000">
+                                          <p:val>
+                                            <p:strVal val="0.38*ppt_w"/>
+                                          </p:val>
+                                        </p:tav>
+                                        <p:tav tm="20000">
+                                          <p:val>
+                                            <p:fltVal val="0"/>
+                                          </p:val>
+                                        </p:tav>
+                                        <p:tav tm="25000">
+                                          <p:val>
+                                            <p:strVal val="-0.38*ppt_w"/>
+                                          </p:val>
+                                        </p:tav>
+                                        <p:tav tm="30000">
+                                          <p:val>
+                                            <p:strVal val="-0.71*ppt_w"/>
+                                          </p:val>
+                                        </p:tav>
+                                        <p:tav tm="35000">
+                                          <p:val>
+                                            <p:strVal val="-0.92*ppt_w"/>
+                                          </p:val>
+                                        </p:tav>
+                                        <p:tav tm="40000">
+                                          <p:val>
+                                            <p:strVal val="-ppt_w"/>
+                                          </p:val>
+                                        </p:tav>
+                                        <p:tav tm="45000">
+                                          <p:val>
+                                            <p:strVal val="-0.92*ppt_w"/>
+                                          </p:val>
+                                        </p:tav>
+                                        <p:tav tm="50000">
+                                          <p:val>
+                                            <p:strVal val="-0.71*ppt_w"/>
+                                          </p:val>
+                                        </p:tav>
+                                        <p:tav tm="55000">
+                                          <p:val>
+                                            <p:strVal val="-0.38*ppt_w"/>
+                                          </p:val>
+                                        </p:tav>
+                                        <p:tav tm="60000">
+                                          <p:val>
+                                            <p:fltVal val="0"/>
+                                          </p:val>
+                                        </p:tav>
+                                        <p:tav tm="65000">
+                                          <p:val>
+                                            <p:strVal val="0.38*ppt_w"/>
+                                          </p:val>
+                                        </p:tav>
+                                        <p:tav tm="70000">
+                                          <p:val>
+                                            <p:strVal val="0.71*ppt_w"/>
+                                          </p:val>
+                                        </p:tav>
+                                        <p:tav tm="75000">
+                                          <p:val>
+                                            <p:strVal val="0.92*ppt_w"/>
+                                          </p:val>
+                                        </p:tav>
+                                        <p:tav tm="80000">
+                                          <p:val>
+                                            <p:strVal val="ppt_w"/>
+                                          </p:val>
+                                        </p:tav>
+                                        <p:tav tm="85000">
+                                          <p:val>
+                                            <p:strVal val="0.92*ppt_w"/>
+                                          </p:val>
+                                        </p:tav>
+                                        <p:tav tm="90000">
+                                          <p:val>
+                                            <p:strVal val="0.71*ppt_w"/>
+                                          </p:val>
+                                        </p:tav>
+                                        <p:tav tm="95000">
+                                          <p:val>
+                                            <p:strVal val="0.38*ppt_w"/>
+                                          </p:val>
+                                        </p:tav>
+                                        <p:tav tm="100000">
+                                          <p:val>
+                                            <p:fltVal val="0"/>
+                                          </p:val>
+                                        </p:tav>
+                                      </p:tavLst>
+                                    </p:anim>
+                                    <p:anim calcmode="lin" valueType="num">
+                                      <p:cBhvr>
+                                        <p:cTn id="25" dur="2000"/>
+                                        <p:tgtEl>
+                                          <p:spTgt spid="3"/>
+                                        </p:tgtEl>
+                                        <p:attrNameLst>
+                                          <p:attrName>ppt_h</p:attrName>
+                                        </p:attrNameLst>
+                                      </p:cBhvr>
+                                      <p:tavLst>
+                                        <p:tav tm="0">
+                                          <p:val>
+                                            <p:strVal val="ppt_h"/>
+                                          </p:val>
+                                        </p:tav>
+                                        <p:tav tm="100000">
+                                          <p:val>
+                                            <p:strVal val="ppt_h"/>
+                                          </p:val>
+                                        </p:tav>
+                                      </p:tavLst>
+                                    </p:anim>
+                                    <p:set>
+                                      <p:cBhvr>
+                                        <p:cTn id="26" dur="1" fill="hold">
+                                          <p:stCondLst>
+                                            <p:cond delay="1999"/>
+                                          </p:stCondLst>
+                                        </p:cTn>
+                                        <p:tgtEl>
+                                          <p:spTgt spid="3"/>
+                                        </p:tgtEl>
+                                        <p:attrNameLst>
+                                          <p:attrName>style.visibility</p:attrName>
+                                        </p:attrNameLst>
+                                      </p:cBhvr>
+                                      <p:to>
+                                        <p:strVal val="hidden"/>
+                                      </p:to>
+                                    </p:set>
+                                  </p:childTnLst>
+                                </p:cTn>
+                              </p:par>
+                              <p:par>
+                                <p:cTn id="27" presetID="45" presetClass="exit" presetSubtype="0" fill="hold" nodeType="withEffect">
+                                  <p:stCondLst>
+                                    <p:cond delay="0"/>
+                                  </p:stCondLst>
+                                  <p:childTnLst>
+                                    <p:animEffect transition="out" filter="fade">
+                                      <p:cBhvr>
+                                        <p:cTn id="28" dur="2000"/>
+                                        <p:tgtEl>
+                                          <p:spTgt spid="5"/>
+                                        </p:tgtEl>
+                                      </p:cBhvr>
+                                    </p:animEffect>
+                                    <p:anim calcmode="lin" valueType="num">
+                                      <p:cBhvr>
+                                        <p:cTn id="29" dur="2000"/>
+                                        <p:tgtEl>
+                                          <p:spTgt spid="5"/>
+                                        </p:tgtEl>
+                                        <p:attrNameLst>
+                                          <p:attrName>ppt_w</p:attrName>
+                                        </p:attrNameLst>
+                                      </p:cBhvr>
+                                      <p:tavLst>
+                                        <p:tav tm="0">
+                                          <p:val>
+                                            <p:strVal val="ppt_w"/>
+                                          </p:val>
+                                        </p:tav>
+                                        <p:tav tm="5000">
+                                          <p:val>
+                                            <p:strVal val="0.92*ppt_w"/>
+                                          </p:val>
+                                        </p:tav>
+                                        <p:tav tm="10000">
+                                          <p:val>
+                                            <p:strVal val="0.71*ppt_w"/>
+                                          </p:val>
+                                        </p:tav>
+                                        <p:tav tm="15000">
+                                          <p:val>
+                                            <p:strVal val="0.38*ppt_w"/>
+                                          </p:val>
+                                        </p:tav>
+                                        <p:tav tm="20000">
+                                          <p:val>
+                                            <p:fltVal val="0"/>
+                                          </p:val>
+                                        </p:tav>
+                                        <p:tav tm="25000">
+                                          <p:val>
+                                            <p:strVal val="-0.38*ppt_w"/>
+                                          </p:val>
+                                        </p:tav>
+                                        <p:tav tm="30000">
+                                          <p:val>
+                                            <p:strVal val="-0.71*ppt_w"/>
+                                          </p:val>
+                                        </p:tav>
+                                        <p:tav tm="35000">
+                                          <p:val>
+                                            <p:strVal val="-0.92*ppt_w"/>
+                                          </p:val>
+                                        </p:tav>
+                                        <p:tav tm="40000">
+                                          <p:val>
+                                            <p:strVal val="-ppt_w"/>
+                                          </p:val>
+                                        </p:tav>
+                                        <p:tav tm="45000">
+                                          <p:val>
+                                            <p:strVal val="-0.92*ppt_w"/>
+                                          </p:val>
+                                        </p:tav>
+                                        <p:tav tm="50000">
+                                          <p:val>
+                                            <p:strVal val="-0.71*ppt_w"/>
+                                          </p:val>
+                                        </p:tav>
+                                        <p:tav tm="55000">
+                                          <p:val>
+                                            <p:strVal val="-0.38*ppt_w"/>
+                                          </p:val>
+                                        </p:tav>
+                                        <p:tav tm="60000">
+                                          <p:val>
+                                            <p:fltVal val="0"/>
+                                          </p:val>
+                                        </p:tav>
+                                        <p:tav tm="65000">
+                                          <p:val>
+                                            <p:strVal val="0.38*ppt_w"/>
+                                          </p:val>
+                                        </p:tav>
+                                        <p:tav tm="70000">
+                                          <p:val>
+                                            <p:strVal val="0.71*ppt_w"/>
+                                          </p:val>
+                                        </p:tav>
+                                        <p:tav tm="75000">
+                                          <p:val>
+                                            <p:strVal val="0.92*ppt_w"/>
+                                          </p:val>
+                                        </p:tav>
+                                        <p:tav tm="80000">
+                                          <p:val>
+                                            <p:strVal val="ppt_w"/>
+                                          </p:val>
+                                        </p:tav>
+                                        <p:tav tm="85000">
+                                          <p:val>
+                                            <p:strVal val="0.92*ppt_w"/>
+                                          </p:val>
+                                        </p:tav>
+                                        <p:tav tm="90000">
+                                          <p:val>
+                                            <p:strVal val="0.71*ppt_w"/>
+                                          </p:val>
+                                        </p:tav>
+                                        <p:tav tm="95000">
+                                          <p:val>
+                                            <p:strVal val="0.38*ppt_w"/>
+                                          </p:val>
+                                        </p:tav>
+                                        <p:tav tm="100000">
+                                          <p:val>
+                                            <p:fltVal val="0"/>
+                                          </p:val>
+                                        </p:tav>
+                                      </p:tavLst>
+                                    </p:anim>
+                                    <p:anim calcmode="lin" valueType="num">
+                                      <p:cBhvr>
+                                        <p:cTn id="30" dur="2000"/>
+                                        <p:tgtEl>
+                                          <p:spTgt spid="5"/>
+                                        </p:tgtEl>
+                                        <p:attrNameLst>
+                                          <p:attrName>ppt_h</p:attrName>
+                                        </p:attrNameLst>
+                                      </p:cBhvr>
+                                      <p:tavLst>
+                                        <p:tav tm="0">
+                                          <p:val>
+                                            <p:strVal val="ppt_h"/>
+                                          </p:val>
+                                        </p:tav>
+                                        <p:tav tm="100000">
+                                          <p:val>
+                                            <p:strVal val="ppt_h"/>
+                                          </p:val>
+                                        </p:tav>
+                                      </p:tavLst>
+                                    </p:anim>
+                                    <p:set>
+                                      <p:cBhvr>
+                                        <p:cTn id="31" dur="1" fill="hold">
+                                          <p:stCondLst>
+                                            <p:cond delay="1999"/>
+                                          </p:stCondLst>
+                                        </p:cTn>
+                                        <p:tgtEl>
+                                          <p:spTgt spid="5"/>
+                                        </p:tgtEl>
+                                        <p:attrNameLst>
+                                          <p:attrName>style.visibility</p:attrName>
+                                        </p:attrNameLst>
+                                      </p:cBhvr>
+                                      <p:to>
+                                        <p:strVal val="hidden"/>
+                                      </p:to>
+                                    </p:set>
+                                  </p:childTnLst>
+                                </p:cTn>
+                              </p:par>
+                              <p:par>
+                                <p:cTn id="32" presetID="45" presetClass="exit" presetSubtype="0" fill="hold" nodeType="withEffect">
+                                  <p:stCondLst>
+                                    <p:cond delay="0"/>
+                                  </p:stCondLst>
+                                  <p:childTnLst>
+                                    <p:animEffect transition="out" filter="fade">
+                                      <p:cBhvr>
+                                        <p:cTn id="33" dur="2000"/>
+                                        <p:tgtEl>
+                                          <p:spTgt spid="6"/>
+                                        </p:tgtEl>
+                                      </p:cBhvr>
+                                    </p:animEffect>
+                                    <p:anim calcmode="lin" valueType="num">
+                                      <p:cBhvr>
+                                        <p:cTn id="34" dur="2000"/>
+                                        <p:tgtEl>
+                                          <p:spTgt spid="6"/>
+                                        </p:tgtEl>
+                                        <p:attrNameLst>
+                                          <p:attrName>ppt_w</p:attrName>
+                                        </p:attrNameLst>
+                                      </p:cBhvr>
+                                      <p:tavLst>
+                                        <p:tav tm="0">
+                                          <p:val>
+                                            <p:strVal val="ppt_w"/>
+                                          </p:val>
+                                        </p:tav>
+                                        <p:tav tm="5000">
+                                          <p:val>
+                                            <p:strVal val="0.92*ppt_w"/>
+                                          </p:val>
+                                        </p:tav>
+                                        <p:tav tm="10000">
+                                          <p:val>
+                                            <p:strVal val="0.71*ppt_w"/>
+                                          </p:val>
+                                        </p:tav>
+                                        <p:tav tm="15000">
+                                          <p:val>
+                                            <p:strVal val="0.38*ppt_w"/>
+                                          </p:val>
+                                        </p:tav>
+                                        <p:tav tm="20000">
+                                          <p:val>
+                                            <p:fltVal val="0"/>
+                                          </p:val>
+                                        </p:tav>
+                                        <p:tav tm="25000">
+                                          <p:val>
+                                            <p:strVal val="-0.38*ppt_w"/>
+                                          </p:val>
+                                        </p:tav>
+                                        <p:tav tm="30000">
+                                          <p:val>
+                                            <p:strVal val="-0.71*ppt_w"/>
+                                          </p:val>
+                                        </p:tav>
+                                        <p:tav tm="35000">
+                                          <p:val>
+                                            <p:strVal val="-0.92*ppt_w"/>
+                                          </p:val>
+                                        </p:tav>
+                                        <p:tav tm="40000">
+                                          <p:val>
+                                            <p:strVal val="-ppt_w"/>
+                                          </p:val>
+                                        </p:tav>
+                                        <p:tav tm="45000">
+                                          <p:val>
+                                            <p:strVal val="-0.92*ppt_w"/>
+                                          </p:val>
+                                        </p:tav>
+                                        <p:tav tm="50000">
+                                          <p:val>
+                                            <p:strVal val="-0.71*ppt_w"/>
+                                          </p:val>
+                                        </p:tav>
+                                        <p:tav tm="55000">
+                                          <p:val>
+                                            <p:strVal val="-0.38*ppt_w"/>
+                                          </p:val>
+                                        </p:tav>
+                                        <p:tav tm="60000">
+                                          <p:val>
+                                            <p:fltVal val="0"/>
+                                          </p:val>
+                                        </p:tav>
+                                        <p:tav tm="65000">
+                                          <p:val>
+                                            <p:strVal val="0.38*ppt_w"/>
+                                          </p:val>
+                                        </p:tav>
+                                        <p:tav tm="70000">
+                                          <p:val>
+                                            <p:strVal val="0.71*ppt_w"/>
+                                          </p:val>
+                                        </p:tav>
+                                        <p:tav tm="75000">
+                                          <p:val>
+                                            <p:strVal val="0.92*ppt_w"/>
+                                          </p:val>
+                                        </p:tav>
+                                        <p:tav tm="80000">
+                                          <p:val>
+                                            <p:strVal val="ppt_w"/>
+                                          </p:val>
+                                        </p:tav>
+                                        <p:tav tm="85000">
+                                          <p:val>
+                                            <p:strVal val="0.92*ppt_w"/>
+                                          </p:val>
+                                        </p:tav>
+                                        <p:tav tm="90000">
+                                          <p:val>
+                                            <p:strVal val="0.71*ppt_w"/>
+                                          </p:val>
+                                        </p:tav>
+                                        <p:tav tm="95000">
+                                          <p:val>
+                                            <p:strVal val="0.38*ppt_w"/>
+                                          </p:val>
+                                        </p:tav>
+                                        <p:tav tm="100000">
+                                          <p:val>
+                                            <p:fltVal val="0"/>
+                                          </p:val>
+                                        </p:tav>
+                                      </p:tavLst>
+                                    </p:anim>
+                                    <p:anim calcmode="lin" valueType="num">
+                                      <p:cBhvr>
+                                        <p:cTn id="35" dur="2000"/>
+                                        <p:tgtEl>
+                                          <p:spTgt spid="6"/>
+                                        </p:tgtEl>
+                                        <p:attrNameLst>
+                                          <p:attrName>ppt_h</p:attrName>
+                                        </p:attrNameLst>
+                                      </p:cBhvr>
+                                      <p:tavLst>
+                                        <p:tav tm="0">
+                                          <p:val>
+                                            <p:strVal val="ppt_h"/>
+                                          </p:val>
+                                        </p:tav>
+                                        <p:tav tm="100000">
+                                          <p:val>
+                                            <p:strVal val="ppt_h"/>
+                                          </p:val>
+                                        </p:tav>
+                                      </p:tavLst>
+                                    </p:anim>
+                                    <p:set>
+                                      <p:cBhvr>
+                                        <p:cTn id="36" dur="1" fill="hold">
+                                          <p:stCondLst>
+                                            <p:cond delay="1999"/>
+                                          </p:stCondLst>
+                                        </p:cTn>
+                                        <p:tgtEl>
+                                          <p:spTgt spid="6"/>
+                                        </p:tgtEl>
+                                        <p:attrNameLst>
+                                          <p:attrName>style.visibility</p:attrName>
+                                        </p:attrNameLst>
+                                      </p:cBhvr>
+                                      <p:to>
+                                        <p:strVal val="hidden"/>
+                                      </p:to>
+                                    </p:set>
+                                  </p:childTnLst>
+                                </p:cTn>
+                              </p:par>
+                            </p:childTnLst>
+                          </p:cTn>
+                        </p:par>
+                      </p:childTnLst>
+                    </p:cTn>
+                  </p:par>
+                  <p:par>
+                    <p:cTn id="37" fill="hold">
+                      <p:stCondLst>
+                        <p:cond delay="indefinite"/>
+                      </p:stCondLst>
+                      <p:childTnLst>
+                        <p:par>
+                          <p:cTn id="38" fill="hold">
+                            <p:stCondLst>
+                              <p:cond delay="0"/>
+                            </p:stCondLst>
+                            <p:childTnLst>
+                              <p:par>
+                                <p:cTn id="39" presetID="2" presetClass="entr" presetSubtype="4" fill="hold" nodeType="clickEffect">
+                                  <p:stCondLst>
+                                    <p:cond delay="0"/>
+                                  </p:stCondLst>
+                                  <p:childTnLst>
+                                    <p:set>
+                                      <p:cBhvr>
+                                        <p:cTn id="40" dur="1" fill="hold">
+                                          <p:stCondLst>
+                                            <p:cond delay="0"/>
+                                          </p:stCondLst>
+                                        </p:cTn>
+                                        <p:tgtEl>
+                                          <p:spTgt spid="7"/>
+                                        </p:tgtEl>
+                                        <p:attrNameLst>
+                                          <p:attrName>style.visibility</p:attrName>
+                                        </p:attrNameLst>
+                                      </p:cBhvr>
+                                      <p:to>
+                                        <p:strVal val="visible"/>
+                                      </p:to>
+                                    </p:set>
+                                    <p:anim calcmode="lin" valueType="num">
+                                      <p:cBhvr additive="base">
+                                        <p:cTn id="41" dur="500" fill="hold"/>
+                                        <p:tgtEl>
+                                          <p:spTgt spid="7"/>
+                                        </p:tgtEl>
+                                        <p:attrNameLst>
+                                          <p:attrName>ppt_x</p:attrName>
+                                        </p:attrNameLst>
+                                      </p:cBhvr>
+                                      <p:tavLst>
+                                        <p:tav tm="0">
+                                          <p:val>
+                                            <p:strVal val="#ppt_x"/>
+                                          </p:val>
+                                        </p:tav>
+                                        <p:tav tm="100000">
+                                          <p:val>
+                                            <p:strVal val="#ppt_x"/>
+                                          </p:val>
+                                        </p:tav>
+                                      </p:tavLst>
+                                    </p:anim>
+                                    <p:anim calcmode="lin" valueType="num">
+                                      <p:cBhvr additive="base">
+                                        <p:cTn id="42" dur="500" fill="hold"/>
+                                        <p:tgtEl>
+                                          <p:spTgt spid="7"/>
+                                        </p:tgtEl>
+                                        <p:attrNameLst>
+                                          <p:attrName>ppt_y</p:attrName>
+                                        </p:attrNameLst>
+                                      </p:cBhvr>
+                                      <p:tavLst>
+                                        <p:tav tm="0">
+                                          <p:val>
+                                            <p:strVal val="1+#ppt_h/2"/>
+                                          </p:val>
+                                        </p:tav>
+                                        <p:tav tm="100000">
+                                          <p:val>
+                                            <p:strVal val="#ppt_y"/>
+                                          </p:val>
+                                        </p:tav>
+                                      </p:tavLst>
+                                    </p:anim>
+                                  </p:childTnLst>
+                                </p:cTn>
+                              </p:par>
+                            </p:childTnLst>
+                          </p:cTn>
+                        </p:par>
+                      </p:childTnLst>
+                    </p:cTn>
+                  </p:par>
+                </p:childTnLst>
+              </p:cTn>
+              <p:prevCondLst>
+                <p:cond evt="onPrev" delay="0">
+                  <p:tgtEl>
+                    <p:sldTgt/>
+                  </p:tgtEl>
+                </p:cond>
+              </p:prevCondLst>
+              <p:nextCondLst>
+                <p:cond evt="onNext" delay="0">
+                  <p:tgtEl>
+                    <p:sldTgt/>
+                  </p:tgtEl>
+                </p:cond>
+              </p:nextCondLst>
+            </p:seq>
+          </p:childTnLst>
+        </p:cTn>
+      </p:par>
+    </p:tnLst>
+  </p:timing>
+</p:sld>
+</file>
+
+<file path=ppt/slides/slide8.xml><?xml version="1.0" encoding="utf-8"?>
+<p:sld xmlns:a="http://schemas.openxmlformats.org/drawingml/2006/main" xmlns:r="http://schemas.openxmlformats.org/officeDocument/2006/relationships" xmlns:p="http://schemas.openxmlformats.org/presentationml/2006/main">
+  <p:cSld>
+    <p:spTree>
+      <p:nvGrpSpPr>
+        <p:cNvPr id="1" name=""/>
+        <p:cNvGrpSpPr/>
+        <p:nvPr/>
+      </p:nvGrpSpPr>
+      <p:grpSpPr>
+        <a:xfrm>
+          <a:off x="0" y="0"/>
+          <a:ext cx="0" cy="0"/>
+          <a:chOff x="0" y="0"/>
+          <a:chExt cx="0" cy="0"/>
+        </a:xfrm>
+      </p:grpSpPr>
+      <p:sp>
+        <p:nvSpPr>
+          <p:cNvPr id="2" name="Cím 1"/>
+          <p:cNvSpPr>
+            <a:spLocks noGrp="1"/>
+          </p:cNvSpPr>
+          <p:nvPr>
+            <p:ph type="title"/>
+          </p:nvPr>
+        </p:nvSpPr>
+        <p:spPr/>
+        <p:txBody>
+          <a:bodyPr>
+            <a:normAutofit/>
+          </a:bodyPr>
+          <a:lstStyle/>
+          <a:p>
+            <a:r>
+              <a:rPr lang="hu-HU" sz="6600" dirty="0">
+                <a:solidFill>
+                  <a:schemeClr val="bg2"/>
+                </a:solidFill>
+                <a:latin typeface="Arial Black" panose="020B0A04020102020204" pitchFamily="34" charset="0"/>
+              </a:rPr>
+              <a:t>Források:</a:t>
+            </a:r>
+          </a:p>
+        </p:txBody>
+      </p:sp>
+      <p:sp>
+        <p:nvSpPr>
+          <p:cNvPr id="3" name="Tartalom helye 2"/>
+          <p:cNvSpPr>
+            <a:spLocks noGrp="1"/>
+          </p:cNvSpPr>
+          <p:nvPr>
+            <p:ph idx="1"/>
+          </p:nvPr>
+        </p:nvSpPr>
+        <p:spPr/>
+        <p:txBody>
+          <a:bodyPr/>
+          <a:lstStyle/>
+          <a:p>
+            <a:r>
+              <a:rPr lang="hu-HU" dirty="0" smtClean="0">
+                <a:solidFill>
+                  <a:schemeClr val="bg1">
+                    <a:lumMod val="95000"/>
+                  </a:schemeClr>
+                </a:solidFill>
+                <a:hlinkClick r:id="rId2"/>
+              </a:rPr>
+              <a:t>https://www.hp.com/us-en/shop/tech-takes/computer-history-programming-languages</a:t>
+            </a:r>
+            <a:endParaRPr lang="hu-HU" dirty="0">
               <a:solidFill>
-                <a:schemeClr val="bg2"/>
+                <a:schemeClr val="bg1">
+                  <a:lumMod val="95000"/>
+                </a:schemeClr>
               </a:solidFill>
-              <a:latin typeface="Arial Black" panose="020B0A04020102020204" pitchFamily="34" charset="0"/>
+            </a:endParaRPr>
+          </a:p>
+          <a:p>
+            <a:r>
+              <a:rPr lang="hu-HU" dirty="0">
+                <a:solidFill>
+                  <a:schemeClr val="bg1">
+                    <a:lumMod val="95000"/>
+                  </a:schemeClr>
+                </a:solidFill>
+                <a:hlinkClick r:id="rId3"/>
+              </a:rPr>
+              <a:t>https://quotepark.com/authors/john-backus</a:t>
+            </a:r>
+            <a:r>
+              <a:rPr lang="hu-HU" dirty="0" smtClean="0">
+                <a:solidFill>
+                  <a:schemeClr val="bg1">
+                    <a:lumMod val="95000"/>
+                  </a:schemeClr>
+                </a:solidFill>
+                <a:hlinkClick r:id="rId3"/>
+              </a:rPr>
+              <a:t>/</a:t>
+            </a:r>
+            <a:endParaRPr lang="hu-HU" dirty="0" smtClean="0">
+              <a:solidFill>
+                <a:schemeClr val="bg1">
+                  <a:lumMod val="95000"/>
+                </a:schemeClr>
+              </a:solidFill>
+            </a:endParaRPr>
+          </a:p>
+          <a:p>
+            <a:r>
+              <a:rPr lang="hu-HU" dirty="0">
+                <a:solidFill>
+                  <a:schemeClr val="bg1">
+                    <a:lumMod val="95000"/>
+                  </a:schemeClr>
+                </a:solidFill>
+                <a:hlinkClick r:id="rId4"/>
+              </a:rPr>
+              <a:t>https://bootcamp.berkeley.edu/blog/most-in-demand-programming-languages</a:t>
+            </a:r>
+            <a:r>
+              <a:rPr lang="hu-HU" dirty="0" smtClean="0">
+                <a:solidFill>
+                  <a:schemeClr val="bg1">
+                    <a:lumMod val="95000"/>
+                  </a:schemeClr>
+                </a:solidFill>
+                <a:hlinkClick r:id="rId4"/>
+              </a:rPr>
+              <a:t>/</a:t>
+            </a:r>
+            <a:endParaRPr lang="hu-HU" dirty="0" smtClean="0">
+              <a:solidFill>
+                <a:schemeClr val="bg1">
+                  <a:lumMod val="95000"/>
+                </a:schemeClr>
+              </a:solidFill>
+            </a:endParaRPr>
+          </a:p>
+          <a:p>
+            <a:r>
+              <a:rPr lang="hu-HU" dirty="0">
+                <a:solidFill>
+                  <a:schemeClr val="bg1">
+                    <a:lumMod val="95000"/>
+                  </a:schemeClr>
+                </a:solidFill>
+                <a:hlinkClick r:id="rId5"/>
+              </a:rPr>
+              <a:t>https://</a:t>
+            </a:r>
+            <a:r>
+              <a:rPr lang="hu-HU" dirty="0" smtClean="0">
+                <a:solidFill>
+                  <a:schemeClr val="bg1">
+                    <a:lumMod val="95000"/>
+                  </a:schemeClr>
+                </a:solidFill>
+                <a:hlinkClick r:id="rId5"/>
+              </a:rPr>
+              <a:t>narrasoft.com/the-top-4-c-sharp-game-engines-of-2020-you-should-check-out/</a:t>
+            </a:r>
+            <a:endParaRPr lang="hu-HU" dirty="0" smtClean="0">
+              <a:solidFill>
+                <a:schemeClr val="bg1">
+                  <a:lumMod val="95000"/>
+                </a:schemeClr>
+              </a:solidFill>
+            </a:endParaRPr>
+          </a:p>
+          <a:p>
+            <a:endParaRPr lang="hu-HU" dirty="0">
+              <a:solidFill>
+                <a:schemeClr val="bg1">
+                  <a:lumMod val="95000"/>
+                </a:schemeClr>
+              </a:solidFill>
             </a:endParaRPr>
           </a:p>
         </p:txBody>
@@ -5108,7 +9359,7 @@
     </p:spTree>
     <p:extLst>
       <p:ext uri="{BB962C8B-B14F-4D97-AF65-F5344CB8AC3E}">
-        <p14:creationId xmlns:p14="http://schemas.microsoft.com/office/powerpoint/2010/main" val="3119622658"/>
+        <p14:creationId xmlns:p14="http://schemas.microsoft.com/office/powerpoint/2010/main" val="456807822"/>
       </p:ext>
     </p:extLst>
   </p:cSld>

--- a/szakmaivalamiigen.pptx
+++ b/szakmaivalamiigen.pptx
@@ -250,7 +250,7 @@
           <a:p>
             <a:fld id="{B556A831-036A-4D84-A9CC-31420D3BD400}" type="datetimeFigureOut">
               <a:rPr lang="hu-HU" smtClean="0"/>
-              <a:t>2022.09.15.</a:t>
+              <a:t>2022.09.19.</a:t>
             </a:fld>
             <a:endParaRPr lang="hu-HU"/>
           </a:p>
@@ -423,7 +423,7 @@
           <a:p>
             <a:fld id="{B556A831-036A-4D84-A9CC-31420D3BD400}" type="datetimeFigureOut">
               <a:rPr lang="hu-HU" smtClean="0"/>
-              <a:t>2022.09.15.</a:t>
+              <a:t>2022.09.19.</a:t>
             </a:fld>
             <a:endParaRPr lang="hu-HU"/>
           </a:p>
@@ -606,7 +606,7 @@
           <a:p>
             <a:fld id="{B556A831-036A-4D84-A9CC-31420D3BD400}" type="datetimeFigureOut">
               <a:rPr lang="hu-HU" smtClean="0"/>
-              <a:t>2022.09.15.</a:t>
+              <a:t>2022.09.19.</a:t>
             </a:fld>
             <a:endParaRPr lang="hu-HU"/>
           </a:p>
@@ -779,7 +779,7 @@
           <a:p>
             <a:fld id="{B556A831-036A-4D84-A9CC-31420D3BD400}" type="datetimeFigureOut">
               <a:rPr lang="hu-HU" smtClean="0"/>
-              <a:t>2022.09.15.</a:t>
+              <a:t>2022.09.19.</a:t>
             </a:fld>
             <a:endParaRPr lang="hu-HU"/>
           </a:p>
@@ -1028,7 +1028,7 @@
           <a:p>
             <a:fld id="{B556A831-036A-4D84-A9CC-31420D3BD400}" type="datetimeFigureOut">
               <a:rPr lang="hu-HU" smtClean="0"/>
-              <a:t>2022.09.15.</a:t>
+              <a:t>2022.09.19.</a:t>
             </a:fld>
             <a:endParaRPr lang="hu-HU"/>
           </a:p>
@@ -1263,7 +1263,7 @@
           <a:p>
             <a:fld id="{B556A831-036A-4D84-A9CC-31420D3BD400}" type="datetimeFigureOut">
               <a:rPr lang="hu-HU" smtClean="0"/>
-              <a:t>2022.09.15.</a:t>
+              <a:t>2022.09.19.</a:t>
             </a:fld>
             <a:endParaRPr lang="hu-HU"/>
           </a:p>
@@ -1633,7 +1633,7 @@
           <a:p>
             <a:fld id="{B556A831-036A-4D84-A9CC-31420D3BD400}" type="datetimeFigureOut">
               <a:rPr lang="hu-HU" smtClean="0"/>
-              <a:t>2022.09.15.</a:t>
+              <a:t>2022.09.19.</a:t>
             </a:fld>
             <a:endParaRPr lang="hu-HU"/>
           </a:p>
@@ -1754,7 +1754,7 @@
           <a:p>
             <a:fld id="{B556A831-036A-4D84-A9CC-31420D3BD400}" type="datetimeFigureOut">
               <a:rPr lang="hu-HU" smtClean="0"/>
-              <a:t>2022.09.15.</a:t>
+              <a:t>2022.09.19.</a:t>
             </a:fld>
             <a:endParaRPr lang="hu-HU"/>
           </a:p>
@@ -1852,7 +1852,7 @@
           <a:p>
             <a:fld id="{B556A831-036A-4D84-A9CC-31420D3BD400}" type="datetimeFigureOut">
               <a:rPr lang="hu-HU" smtClean="0"/>
-              <a:t>2022.09.15.</a:t>
+              <a:t>2022.09.19.</a:t>
             </a:fld>
             <a:endParaRPr lang="hu-HU"/>
           </a:p>
@@ -2132,7 +2132,7 @@
           <a:p>
             <a:fld id="{B556A831-036A-4D84-A9CC-31420D3BD400}" type="datetimeFigureOut">
               <a:rPr lang="hu-HU" smtClean="0"/>
-              <a:t>2022.09.15.</a:t>
+              <a:t>2022.09.19.</a:t>
             </a:fld>
             <a:endParaRPr lang="hu-HU"/>
           </a:p>
@@ -2388,7 +2388,7 @@
           <a:p>
             <a:fld id="{B556A831-036A-4D84-A9CC-31420D3BD400}" type="datetimeFigureOut">
               <a:rPr lang="hu-HU" smtClean="0"/>
-              <a:t>2022.09.15.</a:t>
+              <a:t>2022.09.19.</a:t>
             </a:fld>
             <a:endParaRPr lang="hu-HU"/>
           </a:p>
@@ -2609,7 +2609,7 @@
           <a:p>
             <a:fld id="{B556A831-036A-4D84-A9CC-31420D3BD400}" type="datetimeFigureOut">
               <a:rPr lang="hu-HU" smtClean="0"/>
-              <a:t>2022.09.15.</a:t>
+              <a:t>2022.09.19.</a:t>
             </a:fld>
             <a:endParaRPr lang="hu-HU"/>
           </a:p>
@@ -4781,7 +4781,7 @@
               </a:lnSpc>
             </a:pPr>
             <a:r>
-              <a:rPr lang="hu-HU" sz="3200" dirty="0">
+              <a:rPr lang="hu-HU" sz="3200" dirty="0" smtClean="0">
                 <a:solidFill>
                   <a:schemeClr val="bg1">
                     <a:lumMod val="95000"/>
@@ -4789,41 +4789,9 @@
                 </a:solidFill>
                 <a:latin typeface="Bahnschrift SemiBold Condensed" panose="020B0502040204020203" pitchFamily="34" charset="0"/>
               </a:rPr>
-              <a:t>JavaScript</a:t>
-            </a:r>
-            <a:r>
-              <a:rPr lang="hu-HU" sz="2400" dirty="0">
-                <a:solidFill>
-                  <a:schemeClr val="bg1">
-                    <a:lumMod val="95000"/>
-                  </a:schemeClr>
-                </a:solidFill>
-                <a:latin typeface="Bahnschrift SemiBold Condensed" panose="020B0502040204020203" pitchFamily="34" charset="0"/>
-              </a:rPr>
-              <a:t> </a:t>
-            </a:r>
-            <a:br>
-              <a:rPr lang="hu-HU" sz="2400" dirty="0">
-                <a:solidFill>
-                  <a:schemeClr val="bg1">
-                    <a:lumMod val="95000"/>
-                  </a:schemeClr>
-                </a:solidFill>
-                <a:latin typeface="Bahnschrift SemiBold Condensed" panose="020B0502040204020203" pitchFamily="34" charset="0"/>
-              </a:rPr>
-            </a:br>
-            <a:r>
-              <a:rPr lang="hu-HU" sz="1800" dirty="0">
-                <a:solidFill>
-                  <a:schemeClr val="bg1">
-                    <a:lumMod val="95000"/>
-                  </a:schemeClr>
-                </a:solidFill>
-                <a:latin typeface="Bahnschrift SemiBold Condensed" panose="020B0502040204020203" pitchFamily="34" charset="0"/>
-              </a:rPr>
-              <a:t> oldal, játék, telefon,</a:t>
-            </a:r>
-            <a:endParaRPr lang="hu-HU" sz="2400" dirty="0">
+              <a:t>Python</a:t>
+            </a:r>
+            <a:endParaRPr lang="hu-HU" sz="3200" dirty="0">
               <a:solidFill>
                 <a:schemeClr val="bg1">
                   <a:lumMod val="95000"/>
@@ -4831,24 +4799,6 @@
               </a:solidFill>
               <a:latin typeface="Bahnschrift SemiBold Condensed" panose="020B0502040204020203" pitchFamily="34" charset="0"/>
             </a:endParaRPr>
-          </a:p>
-          <a:p>
-            <a:pPr>
-              <a:lnSpc>
-                <a:spcPct val="100000"/>
-              </a:lnSpc>
-            </a:pPr>
-            <a:r>
-              <a:rPr lang="hu-HU" sz="3200" dirty="0">
-                <a:solidFill>
-                  <a:schemeClr val="bg1">
-                    <a:lumMod val="95000"/>
-                  </a:schemeClr>
-                </a:solidFill>
-                <a:latin typeface="Bahnschrift SemiBold Condensed" panose="020B0502040204020203" pitchFamily="34" charset="0"/>
-              </a:rPr>
-              <a:t>Python</a:t>
-            </a:r>
           </a:p>
           <a:p>
             <a:pPr marL="0" indent="0">
@@ -4907,7 +4857,7 @@
         <p:spPr>
           <a:xfrm>
             <a:off x="3652839" y="1690688"/>
-            <a:ext cx="4171950" cy="2492990"/>
+            <a:ext cx="4171950" cy="2000548"/>
           </a:xfrm>
           <a:prstGeom prst="rect">
             <a:avLst/>
@@ -4928,27 +4878,7 @@
               <a:buChar char="•"/>
             </a:pPr>
             <a:r>
-              <a:rPr lang="hu-HU" sz="3200" dirty="0">
-                <a:solidFill>
-                  <a:schemeClr val="bg1">
-                    <a:lumMod val="95000"/>
-                  </a:schemeClr>
-                </a:solidFill>
-                <a:latin typeface="Bahnschrift SemiBold Condensed" panose="020B0502040204020203" pitchFamily="34" charset="0"/>
-              </a:rPr>
-              <a:t>CSS</a:t>
-            </a:r>
-          </a:p>
-          <a:p>
-            <a:pPr marL="457200" indent="-457200">
-              <a:lnSpc>
-                <a:spcPct val="100000"/>
-              </a:lnSpc>
-              <a:buFont typeface="Arial" panose="020B0604020202020204" pitchFamily="34" charset="0"/>
-              <a:buChar char="•"/>
-            </a:pPr>
-            <a:r>
-              <a:rPr lang="hu-HU" sz="3200" dirty="0" err="1">
+              <a:rPr lang="hu-HU" sz="3200" dirty="0" err="1" smtClean="0">
                 <a:solidFill>
                   <a:schemeClr val="bg1">
                     <a:lumMod val="95000"/>
@@ -5045,6 +4975,30 @@
           </a:p>
         </p:txBody>
       </p:sp>
+      <p:pic>
+        <p:nvPicPr>
+          <p:cNvPr id="7" name="Kép 6"/>
+          <p:cNvPicPr>
+            <a:picLocks noChangeAspect="1"/>
+          </p:cNvPicPr>
+          <p:nvPr/>
+        </p:nvPicPr>
+        <p:blipFill>
+          <a:blip r:embed="rId2"/>
+          <a:stretch>
+            <a:fillRect/>
+          </a:stretch>
+        </p:blipFill>
+        <p:spPr>
+          <a:xfrm>
+            <a:off x="6258877" y="2692357"/>
+            <a:ext cx="4835843" cy="1997758"/>
+          </a:xfrm>
+          <a:prstGeom prst="rect">
+            <a:avLst/>
+          </a:prstGeom>
+        </p:spPr>
+      </p:pic>
     </p:spTree>
     <p:extLst>
       <p:ext uri="{BB962C8B-B14F-4D97-AF65-F5344CB8AC3E}">
@@ -5163,6 +5117,91 @@
                                   </p:childTnLst>
                                 </p:cTn>
                               </p:par>
+                              <p:par>
+                                <p:cTn id="9" presetID="2" presetClass="entr" presetSubtype="8" fill="hold" nodeType="withEffect">
+                                  <p:stCondLst>
+                                    <p:cond delay="0"/>
+                                  </p:stCondLst>
+                                  <p:childTnLst>
+                                    <p:set>
+                                      <p:cBhvr>
+                                        <p:cTn id="10" dur="1" fill="hold">
+                                          <p:stCondLst>
+                                            <p:cond delay="0"/>
+                                          </p:stCondLst>
+                                        </p:cTn>
+                                        <p:tgtEl>
+                                          <p:spTgt spid="3">
+                                            <p:txEl>
+                                              <p:pRg st="1" end="1"/>
+                                            </p:txEl>
+                                          </p:spTgt>
+                                        </p:tgtEl>
+                                        <p:attrNameLst>
+                                          <p:attrName>style.visibility</p:attrName>
+                                        </p:attrNameLst>
+                                      </p:cBhvr>
+                                      <p:to>
+                                        <p:strVal val="visible"/>
+                                      </p:to>
+                                    </p:set>
+                                    <p:anim calcmode="lin" valueType="num">
+                                      <p:cBhvr additive="base">
+                                        <p:cTn id="11" dur="500" fill="hold"/>
+                                        <p:tgtEl>
+                                          <p:spTgt spid="3">
+                                            <p:txEl>
+                                              <p:pRg st="1" end="1"/>
+                                            </p:txEl>
+                                          </p:spTgt>
+                                        </p:tgtEl>
+                                        <p:attrNameLst>
+                                          <p:attrName>ppt_x</p:attrName>
+                                        </p:attrNameLst>
+                                      </p:cBhvr>
+                                      <p:tavLst>
+                                        <p:tav tm="0">
+                                          <p:val>
+                                            <p:strVal val="0-#ppt_w/2"/>
+                                          </p:val>
+                                        </p:tav>
+                                        <p:tav tm="100000">
+                                          <p:val>
+                                            <p:strVal val="#ppt_x"/>
+                                          </p:val>
+                                        </p:tav>
+                                      </p:tavLst>
+                                    </p:anim>
+                                    <p:anim calcmode="lin" valueType="num">
+                                      <p:cBhvr additive="base">
+                                        <p:cTn id="12" dur="500" fill="hold"/>
+                                        <p:tgtEl>
+                                          <p:spTgt spid="3">
+                                            <p:txEl>
+                                              <p:pRg st="1" end="1"/>
+                                            </p:txEl>
+                                          </p:spTgt>
+                                        </p:tgtEl>
+                                        <p:attrNameLst>
+                                          <p:attrName>ppt_y</p:attrName>
+                                        </p:attrNameLst>
+                                      </p:cBhvr>
+                                      <p:tavLst>
+                                        <p:tav tm="0">
+                                          <p:val>
+                                            <p:strVal val="#ppt_y"/>
+                                          </p:val>
+                                        </p:tav>
+                                        <p:tav tm="100000">
+                                          <p:val>
+                                            <p:strVal val="#ppt_y"/>
+                                          </p:val>
+                                        </p:tav>
+                                      </p:tavLst>
+                                    </p:anim>
+                                  </p:childTnLst>
+                                </p:cTn>
+                              </p:par>
                             </p:childTnLst>
                           </p:cTn>
                         </p:par>
@@ -5170,104 +5209,19 @@
                     </p:cTn>
                   </p:par>
                   <p:par>
-                    <p:cTn id="9" fill="hold">
+                    <p:cTn id="13" fill="hold">
                       <p:stCondLst>
                         <p:cond delay="indefinite"/>
                       </p:stCondLst>
                       <p:childTnLst>
                         <p:par>
-                          <p:cTn id="10" fill="hold">
+                          <p:cTn id="14" fill="hold">
                             <p:stCondLst>
                               <p:cond delay="0"/>
                             </p:stCondLst>
                             <p:childTnLst>
                               <p:par>
-                                <p:cTn id="11" presetID="2" presetClass="entr" presetSubtype="8" fill="hold" nodeType="clickEffect">
-                                  <p:stCondLst>
-                                    <p:cond delay="0"/>
-                                  </p:stCondLst>
-                                  <p:childTnLst>
-                                    <p:set>
-                                      <p:cBhvr>
-                                        <p:cTn id="12" dur="1" fill="hold">
-                                          <p:stCondLst>
-                                            <p:cond delay="0"/>
-                                          </p:stCondLst>
-                                        </p:cTn>
-                                        <p:tgtEl>
-                                          <p:spTgt spid="3">
-                                            <p:txEl>
-                                              <p:pRg st="1" end="1"/>
-                                            </p:txEl>
-                                          </p:spTgt>
-                                        </p:tgtEl>
-                                        <p:attrNameLst>
-                                          <p:attrName>style.visibility</p:attrName>
-                                        </p:attrNameLst>
-                                      </p:cBhvr>
-                                      <p:to>
-                                        <p:strVal val="visible"/>
-                                      </p:to>
-                                    </p:set>
-                                    <p:anim calcmode="lin" valueType="num">
-                                      <p:cBhvr additive="base">
-                                        <p:cTn id="13" dur="500" fill="hold"/>
-                                        <p:tgtEl>
-                                          <p:spTgt spid="3">
-                                            <p:txEl>
-                                              <p:pRg st="1" end="1"/>
-                                            </p:txEl>
-                                          </p:spTgt>
-                                        </p:tgtEl>
-                                        <p:attrNameLst>
-                                          <p:attrName>ppt_x</p:attrName>
-                                        </p:attrNameLst>
-                                      </p:cBhvr>
-                                      <p:tavLst>
-                                        <p:tav tm="0">
-                                          <p:val>
-                                            <p:strVal val="0-#ppt_w/2"/>
-                                          </p:val>
-                                        </p:tav>
-                                        <p:tav tm="100000">
-                                          <p:val>
-                                            <p:strVal val="#ppt_x"/>
-                                          </p:val>
-                                        </p:tav>
-                                      </p:tavLst>
-                                    </p:anim>
-                                    <p:anim calcmode="lin" valueType="num">
-                                      <p:cBhvr additive="base">
-                                        <p:cTn id="14" dur="500" fill="hold"/>
-                                        <p:tgtEl>
-                                          <p:spTgt spid="3">
-                                            <p:txEl>
-                                              <p:pRg st="1" end="1"/>
-                                            </p:txEl>
-                                          </p:spTgt>
-                                        </p:tgtEl>
-                                        <p:attrNameLst>
-                                          <p:attrName>ppt_y</p:attrName>
-                                        </p:attrNameLst>
-                                      </p:cBhvr>
-                                      <p:tavLst>
-                                        <p:tav tm="0">
-                                          <p:val>
-                                            <p:strVal val="#ppt_y"/>
-                                          </p:val>
-                                        </p:tav>
-                                        <p:tav tm="100000">
-                                          <p:val>
-                                            <p:strVal val="#ppt_y"/>
-                                          </p:val>
-                                        </p:tav>
-                                      </p:tavLst>
-                                    </p:anim>
-                                  </p:childTnLst>
-                                </p:cTn>
-                              </p:par>
-                              <p:par>
-                                <p:cTn id="15" presetID="2" presetClass="entr" presetSubtype="8" fill="hold" nodeType="withEffect">
+                                <p:cTn id="15" presetID="2" presetClass="entr" presetSubtype="8" fill="hold" nodeType="clickEffect">
                                   <p:stCondLst>
                                     <p:cond delay="0"/>
                                   </p:stCondLst>
@@ -5383,9 +5337,9 @@
                                           </p:stCondLst>
                                         </p:cTn>
                                         <p:tgtEl>
-                                          <p:spTgt spid="3">
+                                          <p:spTgt spid="4">
                                             <p:txEl>
-                                              <p:pRg st="3" end="3"/>
+                                              <p:pRg st="0" end="0"/>
                                             </p:txEl>
                                           </p:spTgt>
                                         </p:tgtEl>
@@ -5401,9 +5355,9 @@
                                       <p:cBhvr additive="base">
                                         <p:cTn id="23" dur="500" fill="hold"/>
                                         <p:tgtEl>
-                                          <p:spTgt spid="3">
+                                          <p:spTgt spid="4">
                                             <p:txEl>
-                                              <p:pRg st="3" end="3"/>
+                                              <p:pRg st="0" end="0"/>
                                             </p:txEl>
                                           </p:spTgt>
                                         </p:tgtEl>
@@ -5428,9 +5382,94 @@
                                       <p:cBhvr additive="base">
                                         <p:cTn id="24" dur="500" fill="hold"/>
                                         <p:tgtEl>
-                                          <p:spTgt spid="3">
+                                          <p:spTgt spid="4">
                                             <p:txEl>
-                                              <p:pRg st="3" end="3"/>
+                                              <p:pRg st="0" end="0"/>
+                                            </p:txEl>
+                                          </p:spTgt>
+                                        </p:tgtEl>
+                                        <p:attrNameLst>
+                                          <p:attrName>ppt_y</p:attrName>
+                                        </p:attrNameLst>
+                                      </p:cBhvr>
+                                      <p:tavLst>
+                                        <p:tav tm="0">
+                                          <p:val>
+                                            <p:strVal val="#ppt_y"/>
+                                          </p:val>
+                                        </p:tav>
+                                        <p:tav tm="100000">
+                                          <p:val>
+                                            <p:strVal val="#ppt_y"/>
+                                          </p:val>
+                                        </p:tav>
+                                      </p:tavLst>
+                                    </p:anim>
+                                  </p:childTnLst>
+                                </p:cTn>
+                              </p:par>
+                              <p:par>
+                                <p:cTn id="25" presetID="2" presetClass="entr" presetSubtype="8" fill="hold" nodeType="withEffect">
+                                  <p:stCondLst>
+                                    <p:cond delay="0"/>
+                                  </p:stCondLst>
+                                  <p:childTnLst>
+                                    <p:set>
+                                      <p:cBhvr>
+                                        <p:cTn id="26" dur="1" fill="hold">
+                                          <p:stCondLst>
+                                            <p:cond delay="0"/>
+                                          </p:stCondLst>
+                                        </p:cTn>
+                                        <p:tgtEl>
+                                          <p:spTgt spid="4">
+                                            <p:txEl>
+                                              <p:pRg st="1" end="1"/>
+                                            </p:txEl>
+                                          </p:spTgt>
+                                        </p:tgtEl>
+                                        <p:attrNameLst>
+                                          <p:attrName>style.visibility</p:attrName>
+                                        </p:attrNameLst>
+                                      </p:cBhvr>
+                                      <p:to>
+                                        <p:strVal val="visible"/>
+                                      </p:to>
+                                    </p:set>
+                                    <p:anim calcmode="lin" valueType="num">
+                                      <p:cBhvr additive="base">
+                                        <p:cTn id="27" dur="500" fill="hold"/>
+                                        <p:tgtEl>
+                                          <p:spTgt spid="4">
+                                            <p:txEl>
+                                              <p:pRg st="1" end="1"/>
+                                            </p:txEl>
+                                          </p:spTgt>
+                                        </p:tgtEl>
+                                        <p:attrNameLst>
+                                          <p:attrName>ppt_x</p:attrName>
+                                        </p:attrNameLst>
+                                      </p:cBhvr>
+                                      <p:tavLst>
+                                        <p:tav tm="0">
+                                          <p:val>
+                                            <p:strVal val="0-#ppt_w/2"/>
+                                          </p:val>
+                                        </p:tav>
+                                        <p:tav tm="100000">
+                                          <p:val>
+                                            <p:strVal val="#ppt_x"/>
+                                          </p:val>
+                                        </p:tav>
+                                      </p:tavLst>
+                                    </p:anim>
+                                    <p:anim calcmode="lin" valueType="num">
+                                      <p:cBhvr additive="base">
+                                        <p:cTn id="28" dur="500" fill="hold"/>
+                                        <p:tgtEl>
+                                          <p:spTgt spid="4">
+                                            <p:txEl>
+                                              <p:pRg st="1" end="1"/>
                                             </p:txEl>
                                           </p:spTgt>
                                         </p:tgtEl>
@@ -5461,36 +5500,32 @@
                     </p:cTn>
                   </p:par>
                   <p:par>
-                    <p:cTn id="25" fill="hold">
+                    <p:cTn id="29" fill="hold">
                       <p:stCondLst>
                         <p:cond delay="indefinite"/>
                       </p:stCondLst>
                       <p:childTnLst>
                         <p:par>
-                          <p:cTn id="26" fill="hold">
+                          <p:cTn id="30" fill="hold">
                             <p:stCondLst>
                               <p:cond delay="0"/>
                             </p:stCondLst>
                             <p:childTnLst>
                               <p:par>
-                                <p:cTn id="27" presetID="2" presetClass="entr" presetSubtype="8" fill="hold" nodeType="clickEffect">
+                                <p:cTn id="31" presetID="2" presetClass="entr" presetSubtype="4" fill="hold" nodeType="clickEffect">
                                   <p:stCondLst>
                                     <p:cond delay="0"/>
                                   </p:stCondLst>
                                   <p:childTnLst>
                                     <p:set>
                                       <p:cBhvr>
-                                        <p:cTn id="28" dur="1" fill="hold">
+                                        <p:cTn id="32" dur="1" fill="hold">
                                           <p:stCondLst>
                                             <p:cond delay="0"/>
                                           </p:stCondLst>
                                         </p:cTn>
                                         <p:tgtEl>
-                                          <p:spTgt spid="4">
-                                            <p:txEl>
-                                              <p:pRg st="0" end="0"/>
-                                            </p:txEl>
-                                          </p:spTgt>
+                                          <p:spTgt spid="7"/>
                                         </p:tgtEl>
                                         <p:attrNameLst>
                                           <p:attrName>style.visibility</p:attrName>
@@ -5502,13 +5537,9 @@
                                     </p:set>
                                     <p:anim calcmode="lin" valueType="num">
                                       <p:cBhvr additive="base">
-                                        <p:cTn id="29" dur="500" fill="hold"/>
-                                        <p:tgtEl>
-                                          <p:spTgt spid="4">
-                                            <p:txEl>
-                                              <p:pRg st="0" end="0"/>
-                                            </p:txEl>
-                                          </p:spTgt>
+                                        <p:cTn id="33" dur="500" fill="hold"/>
+                                        <p:tgtEl>
+                                          <p:spTgt spid="7"/>
                                         </p:tgtEl>
                                         <p:attrNameLst>
                                           <p:attrName>ppt_x</p:attrName>
@@ -5517,7 +5548,7 @@
                                       <p:tavLst>
                                         <p:tav tm="0">
                                           <p:val>
-                                            <p:strVal val="0-#ppt_w/2"/>
+                                            <p:strVal val="#ppt_x"/>
                                           </p:val>
                                         </p:tav>
                                         <p:tav tm="100000">
@@ -5529,13 +5560,9 @@
                                     </p:anim>
                                     <p:anim calcmode="lin" valueType="num">
                                       <p:cBhvr additive="base">
-                                        <p:cTn id="30" dur="500" fill="hold"/>
-                                        <p:tgtEl>
-                                          <p:spTgt spid="4">
-                                            <p:txEl>
-                                              <p:pRg st="0" end="0"/>
-                                            </p:txEl>
-                                          </p:spTgt>
+                                        <p:cTn id="34" dur="500" fill="hold"/>
+                                        <p:tgtEl>
+                                          <p:spTgt spid="7"/>
                                         </p:tgtEl>
                                         <p:attrNameLst>
                                           <p:attrName>ppt_y</p:attrName>
@@ -5544,7 +5571,7 @@
                                       <p:tavLst>
                                         <p:tav tm="0">
                                           <p:val>
-                                            <p:strVal val="#ppt_y"/>
+                                            <p:strVal val="1+#ppt_h/2"/>
                                           </p:val>
                                         </p:tav>
                                         <p:tav tm="100000">
@@ -5564,54 +5591,28 @@
                     </p:cTn>
                   </p:par>
                   <p:par>
-                    <p:cTn id="31" fill="hold">
+                    <p:cTn id="35" fill="hold">
                       <p:stCondLst>
                         <p:cond delay="indefinite"/>
                       </p:stCondLst>
                       <p:childTnLst>
                         <p:par>
-                          <p:cTn id="32" fill="hold">
+                          <p:cTn id="36" fill="hold">
                             <p:stCondLst>
                               <p:cond delay="0"/>
                             </p:stCondLst>
                             <p:childTnLst>
                               <p:par>
-                                <p:cTn id="33" presetID="2" presetClass="entr" presetSubtype="8" fill="hold" nodeType="clickEffect">
+                                <p:cTn id="37" presetID="2" presetClass="exit" presetSubtype="4" fill="hold" nodeType="clickEffect">
                                   <p:stCondLst>
                                     <p:cond delay="0"/>
                                   </p:stCondLst>
                                   <p:childTnLst>
-                                    <p:set>
-                                      <p:cBhvr>
-                                        <p:cTn id="34" dur="1" fill="hold">
-                                          <p:stCondLst>
-                                            <p:cond delay="0"/>
-                                          </p:stCondLst>
-                                        </p:cTn>
-                                        <p:tgtEl>
-                                          <p:spTgt spid="4">
-                                            <p:txEl>
-                                              <p:pRg st="1" end="1"/>
-                                            </p:txEl>
-                                          </p:spTgt>
-                                        </p:tgtEl>
-                                        <p:attrNameLst>
-                                          <p:attrName>style.visibility</p:attrName>
-                                        </p:attrNameLst>
-                                      </p:cBhvr>
-                                      <p:to>
-                                        <p:strVal val="visible"/>
-                                      </p:to>
-                                    </p:set>
                                     <p:anim calcmode="lin" valueType="num">
                                       <p:cBhvr additive="base">
-                                        <p:cTn id="35" dur="500" fill="hold"/>
-                                        <p:tgtEl>
-                                          <p:spTgt spid="4">
-                                            <p:txEl>
-                                              <p:pRg st="1" end="1"/>
-                                            </p:txEl>
-                                          </p:spTgt>
+                                        <p:cTn id="38" dur="500"/>
+                                        <p:tgtEl>
+                                          <p:spTgt spid="7"/>
                                         </p:tgtEl>
                                         <p:attrNameLst>
                                           <p:attrName>ppt_x</p:attrName>
@@ -5620,25 +5621,21 @@
                                       <p:tavLst>
                                         <p:tav tm="0">
                                           <p:val>
-                                            <p:strVal val="0-#ppt_w/2"/>
+                                            <p:strVal val="ppt_x"/>
                                           </p:val>
                                         </p:tav>
                                         <p:tav tm="100000">
                                           <p:val>
-                                            <p:strVal val="#ppt_x"/>
+                                            <p:strVal val="ppt_x"/>
                                           </p:val>
                                         </p:tav>
                                       </p:tavLst>
                                     </p:anim>
                                     <p:anim calcmode="lin" valueType="num">
                                       <p:cBhvr additive="base">
-                                        <p:cTn id="36" dur="500" fill="hold"/>
-                                        <p:tgtEl>
-                                          <p:spTgt spid="4">
-                                            <p:txEl>
-                                              <p:pRg st="1" end="1"/>
-                                            </p:txEl>
-                                          </p:spTgt>
+                                        <p:cTn id="39" dur="500"/>
+                                        <p:tgtEl>
+                                          <p:spTgt spid="7"/>
                                         </p:tgtEl>
                                         <p:attrNameLst>
                                           <p:attrName>ppt_y</p:attrName>
@@ -5647,101 +5644,34 @@
                                       <p:tavLst>
                                         <p:tav tm="0">
                                           <p:val>
-                                            <p:strVal val="#ppt_y"/>
+                                            <p:strVal val="ppt_y"/>
                                           </p:val>
                                         </p:tav>
                                         <p:tav tm="100000">
                                           <p:val>
-                                            <p:strVal val="#ppt_y"/>
+                                            <p:strVal val="1+ppt_h/2"/>
                                           </p:val>
                                         </p:tav>
                                       </p:tavLst>
                                     </p:anim>
-                                  </p:childTnLst>
-                                </p:cTn>
-                              </p:par>
-                              <p:par>
-                                <p:cTn id="37" presetID="2" presetClass="entr" presetSubtype="8" fill="hold" nodeType="withEffect">
-                                  <p:stCondLst>
-                                    <p:cond delay="0"/>
-                                  </p:stCondLst>
-                                  <p:childTnLst>
                                     <p:set>
                                       <p:cBhvr>
-                                        <p:cTn id="38" dur="1" fill="hold">
+                                        <p:cTn id="40" dur="1" fill="hold">
                                           <p:stCondLst>
-                                            <p:cond delay="0"/>
+                                            <p:cond delay="499"/>
                                           </p:stCondLst>
                                         </p:cTn>
                                         <p:tgtEl>
-                                          <p:spTgt spid="4">
-                                            <p:txEl>
-                                              <p:pRg st="2" end="2"/>
-                                            </p:txEl>
-                                          </p:spTgt>
+                                          <p:spTgt spid="7"/>
                                         </p:tgtEl>
                                         <p:attrNameLst>
                                           <p:attrName>style.visibility</p:attrName>
                                         </p:attrNameLst>
                                       </p:cBhvr>
                                       <p:to>
-                                        <p:strVal val="visible"/>
+                                        <p:strVal val="hidden"/>
                                       </p:to>
                                     </p:set>
-                                    <p:anim calcmode="lin" valueType="num">
-                                      <p:cBhvr additive="base">
-                                        <p:cTn id="39" dur="500" fill="hold"/>
-                                        <p:tgtEl>
-                                          <p:spTgt spid="4">
-                                            <p:txEl>
-                                              <p:pRg st="2" end="2"/>
-                                            </p:txEl>
-                                          </p:spTgt>
-                                        </p:tgtEl>
-                                        <p:attrNameLst>
-                                          <p:attrName>ppt_x</p:attrName>
-                                        </p:attrNameLst>
-                                      </p:cBhvr>
-                                      <p:tavLst>
-                                        <p:tav tm="0">
-                                          <p:val>
-                                            <p:strVal val="0-#ppt_w/2"/>
-                                          </p:val>
-                                        </p:tav>
-                                        <p:tav tm="100000">
-                                          <p:val>
-                                            <p:strVal val="#ppt_x"/>
-                                          </p:val>
-                                        </p:tav>
-                                      </p:tavLst>
-                                    </p:anim>
-                                    <p:anim calcmode="lin" valueType="num">
-                                      <p:cBhvr additive="base">
-                                        <p:cTn id="40" dur="500" fill="hold"/>
-                                        <p:tgtEl>
-                                          <p:spTgt spid="4">
-                                            <p:txEl>
-                                              <p:pRg st="2" end="2"/>
-                                            </p:txEl>
-                                          </p:spTgt>
-                                        </p:tgtEl>
-                                        <p:attrNameLst>
-                                          <p:attrName>ppt_y</p:attrName>
-                                        </p:attrNameLst>
-                                      </p:cBhvr>
-                                      <p:tavLst>
-                                        <p:tav tm="0">
-                                          <p:val>
-                                            <p:strVal val="#ppt_y"/>
-                                          </p:val>
-                                        </p:tav>
-                                        <p:tav tm="100000">
-                                          <p:val>
-                                            <p:strVal val="#ppt_y"/>
-                                          </p:val>
-                                        </p:tav>
-                                      </p:tavLst>
-                                    </p:anim>
                                   </p:childTnLst>
                                 </p:cTn>
                               </p:par>
@@ -5779,7 +5709,7 @@
                                         <p:tgtEl>
                                           <p:spTgt spid="4">
                                             <p:txEl>
-                                              <p:pRg st="3" end="3"/>
+                                              <p:pRg st="2" end="2"/>
                                             </p:txEl>
                                           </p:spTgt>
                                         </p:tgtEl>
@@ -5797,7 +5727,7 @@
                                         <p:tgtEl>
                                           <p:spTgt spid="4">
                                             <p:txEl>
-                                              <p:pRg st="3" end="3"/>
+                                              <p:pRg st="2" end="2"/>
                                             </p:txEl>
                                           </p:spTgt>
                                         </p:tgtEl>
@@ -5824,7 +5754,7 @@
                                         <p:tgtEl>
                                           <p:spTgt spid="4">
                                             <p:txEl>
-                                              <p:pRg st="3" end="3"/>
+                                              <p:pRg st="2" end="2"/>
                                             </p:txEl>
                                           </p:spTgt>
                                         </p:tgtEl>
@@ -5864,7 +5794,7 @@
                                         <p:tgtEl>
                                           <p:spTgt spid="4">
                                             <p:txEl>
-                                              <p:pRg st="4" end="4"/>
+                                              <p:pRg st="3" end="3"/>
                                             </p:txEl>
                                           </p:spTgt>
                                         </p:tgtEl>
@@ -5882,7 +5812,7 @@
                                         <p:tgtEl>
                                           <p:spTgt spid="4">
                                             <p:txEl>
-                                              <p:pRg st="4" end="4"/>
+                                              <p:pRg st="3" end="3"/>
                                             </p:txEl>
                                           </p:spTgt>
                                         </p:tgtEl>
@@ -5909,7 +5839,7 @@
                                         <p:tgtEl>
                                           <p:spTgt spid="4">
                                             <p:txEl>
-                                              <p:pRg st="4" end="4"/>
+                                              <p:pRg st="3" end="3"/>
                                             </p:txEl>
                                           </p:spTgt>
                                         </p:tgtEl>
@@ -6205,6 +6135,90 @@
           </a:p>
         </p:txBody>
       </p:sp>
+      <p:pic>
+        <p:nvPicPr>
+          <p:cNvPr id="6" name="Kép 5"/>
+          <p:cNvPicPr>
+            <a:picLocks noChangeAspect="1"/>
+          </p:cNvPicPr>
+          <p:nvPr/>
+        </p:nvPicPr>
+        <p:blipFill>
+          <a:blip r:embed="rId2"/>
+          <a:stretch>
+            <a:fillRect/>
+          </a:stretch>
+        </p:blipFill>
+        <p:spPr>
+          <a:xfrm>
+            <a:off x="6192837" y="2022475"/>
+            <a:ext cx="2905125" cy="3067050"/>
+          </a:xfrm>
+          <a:prstGeom prst="rect">
+            <a:avLst/>
+          </a:prstGeom>
+        </p:spPr>
+      </p:pic>
+      <p:pic>
+        <p:nvPicPr>
+          <p:cNvPr id="7" name="Kép 6"/>
+          <p:cNvPicPr>
+            <a:picLocks noChangeAspect="1"/>
+          </p:cNvPicPr>
+          <p:nvPr/>
+        </p:nvPicPr>
+        <p:blipFill>
+          <a:blip r:embed="rId3" cstate="print">
+            <a:extLst>
+              <a:ext uri="{28A0092B-C50C-407E-A947-70E740481C1C}">
+                <a14:useLocalDpi xmlns:a14="http://schemas.microsoft.com/office/drawing/2010/main" val="0"/>
+              </a:ext>
+            </a:extLst>
+          </a:blip>
+          <a:stretch>
+            <a:fillRect/>
+          </a:stretch>
+        </p:blipFill>
+        <p:spPr>
+          <a:xfrm>
+            <a:off x="6192837" y="2030889"/>
+            <a:ext cx="3058636" cy="3058636"/>
+          </a:xfrm>
+          <a:prstGeom prst="rect">
+            <a:avLst/>
+          </a:prstGeom>
+        </p:spPr>
+      </p:pic>
+      <p:pic>
+        <p:nvPicPr>
+          <p:cNvPr id="9" name="Kép 8"/>
+          <p:cNvPicPr>
+            <a:picLocks noChangeAspect="1"/>
+          </p:cNvPicPr>
+          <p:nvPr/>
+        </p:nvPicPr>
+        <p:blipFill>
+          <a:blip r:embed="rId4">
+            <a:extLst>
+              <a:ext uri="{28A0092B-C50C-407E-A947-70E740481C1C}">
+                <a14:useLocalDpi xmlns:a14="http://schemas.microsoft.com/office/drawing/2010/main" val="0"/>
+              </a:ext>
+            </a:extLst>
+          </a:blip>
+          <a:stretch>
+            <a:fillRect/>
+          </a:stretch>
+        </p:blipFill>
+        <p:spPr>
+          <a:xfrm>
+            <a:off x="6192837" y="2030889"/>
+            <a:ext cx="3058636" cy="3058636"/>
+          </a:xfrm>
+          <a:prstGeom prst="rect">
+            <a:avLst/>
+          </a:prstGeom>
+        </p:spPr>
+      </p:pic>
     </p:spTree>
     <p:extLst>
       <p:ext uri="{BB962C8B-B14F-4D97-AF65-F5344CB8AC3E}">
@@ -6324,7 +6338,7 @@
                                 </p:cTn>
                               </p:par>
                               <p:par>
-                                <p:cTn id="9" presetID="2" presetClass="entr" presetSubtype="8" fill="hold" nodeType="withEffect">
+                                <p:cTn id="9" presetID="2" presetClass="entr" presetSubtype="4" fill="hold" nodeType="withEffect">
                                   <p:stCondLst>
                                     <p:cond delay="0"/>
                                   </p:stCondLst>
@@ -6337,11 +6351,7 @@
                                           </p:stCondLst>
                                         </p:cTn>
                                         <p:tgtEl>
-                                          <p:spTgt spid="3">
-                                            <p:txEl>
-                                              <p:pRg st="1" end="1"/>
-                                            </p:txEl>
-                                          </p:spTgt>
+                                          <p:spTgt spid="6"/>
                                         </p:tgtEl>
                                         <p:attrNameLst>
                                           <p:attrName>style.visibility</p:attrName>
@@ -6355,6 +6365,65 @@
                                       <p:cBhvr additive="base">
                                         <p:cTn id="11" dur="500" fill="hold"/>
                                         <p:tgtEl>
+                                          <p:spTgt spid="6"/>
+                                        </p:tgtEl>
+                                        <p:attrNameLst>
+                                          <p:attrName>ppt_x</p:attrName>
+                                        </p:attrNameLst>
+                                      </p:cBhvr>
+                                      <p:tavLst>
+                                        <p:tav tm="0">
+                                          <p:val>
+                                            <p:strVal val="#ppt_x"/>
+                                          </p:val>
+                                        </p:tav>
+                                        <p:tav tm="100000">
+                                          <p:val>
+                                            <p:strVal val="#ppt_x"/>
+                                          </p:val>
+                                        </p:tav>
+                                      </p:tavLst>
+                                    </p:anim>
+                                    <p:anim calcmode="lin" valueType="num">
+                                      <p:cBhvr additive="base">
+                                        <p:cTn id="12" dur="500" fill="hold"/>
+                                        <p:tgtEl>
+                                          <p:spTgt spid="6"/>
+                                        </p:tgtEl>
+                                        <p:attrNameLst>
+                                          <p:attrName>ppt_y</p:attrName>
+                                        </p:attrNameLst>
+                                      </p:cBhvr>
+                                      <p:tavLst>
+                                        <p:tav tm="0">
+                                          <p:val>
+                                            <p:strVal val="1+#ppt_h/2"/>
+                                          </p:val>
+                                        </p:tav>
+                                        <p:tav tm="100000">
+                                          <p:val>
+                                            <p:strVal val="#ppt_y"/>
+                                          </p:val>
+                                        </p:tav>
+                                      </p:tavLst>
+                                    </p:anim>
+                                  </p:childTnLst>
+                                </p:cTn>
+                              </p:par>
+                              <p:par>
+                                <p:cTn id="13" presetID="2" presetClass="entr" presetSubtype="8" fill="hold" nodeType="withEffect">
+                                  <p:stCondLst>
+                                    <p:cond delay="0"/>
+                                  </p:stCondLst>
+                                  <p:childTnLst>
+                                    <p:set>
+                                      <p:cBhvr>
+                                        <p:cTn id="14" dur="1" fill="hold">
+                                          <p:stCondLst>
+                                            <p:cond delay="0"/>
+                                          </p:stCondLst>
+                                        </p:cTn>
+                                        <p:tgtEl>
                                           <p:spTgt spid="3">
                                             <p:txEl>
                                               <p:pRg st="1" end="1"/>
@@ -6362,6 +6431,24 @@
                                           </p:spTgt>
                                         </p:tgtEl>
                                         <p:attrNameLst>
+                                          <p:attrName>style.visibility</p:attrName>
+                                        </p:attrNameLst>
+                                      </p:cBhvr>
+                                      <p:to>
+                                        <p:strVal val="visible"/>
+                                      </p:to>
+                                    </p:set>
+                                    <p:anim calcmode="lin" valueType="num">
+                                      <p:cBhvr additive="base">
+                                        <p:cTn id="15" dur="500" fill="hold"/>
+                                        <p:tgtEl>
+                                          <p:spTgt spid="3">
+                                            <p:txEl>
+                                              <p:pRg st="1" end="1"/>
+                                            </p:txEl>
+                                          </p:spTgt>
+                                        </p:tgtEl>
+                                        <p:attrNameLst>
                                           <p:attrName>ppt_x</p:attrName>
                                         </p:attrNameLst>
                                       </p:cBhvr>
@@ -6380,7 +6467,7 @@
                                     </p:anim>
                                     <p:anim calcmode="lin" valueType="num">
                                       <p:cBhvr additive="base">
-                                        <p:cTn id="12" dur="500" fill="hold"/>
+                                        <p:cTn id="16" dur="500" fill="hold"/>
                                         <p:tgtEl>
                                           <p:spTgt spid="3">
                                             <p:txEl>
@@ -6415,26 +6502,117 @@
                     </p:cTn>
                   </p:par>
                   <p:par>
-                    <p:cTn id="13" fill="hold">
+                    <p:cTn id="17" fill="hold">
                       <p:stCondLst>
                         <p:cond delay="indefinite"/>
                       </p:stCondLst>
                       <p:childTnLst>
                         <p:par>
-                          <p:cTn id="14" fill="hold">
+                          <p:cTn id="18" fill="hold">
                             <p:stCondLst>
                               <p:cond delay="0"/>
                             </p:stCondLst>
                             <p:childTnLst>
                               <p:par>
-                                <p:cTn id="15" presetID="2" presetClass="entr" presetSubtype="8" fill="hold" nodeType="clickEffect">
+                                <p:cTn id="19" presetID="2" presetClass="exit" presetSubtype="4" fill="hold" nodeType="clickEffect">
+                                  <p:stCondLst>
+                                    <p:cond delay="0"/>
+                                  </p:stCondLst>
+                                  <p:childTnLst>
+                                    <p:anim calcmode="lin" valueType="num">
+                                      <p:cBhvr additive="base">
+                                        <p:cTn id="20" dur="500"/>
+                                        <p:tgtEl>
+                                          <p:spTgt spid="6"/>
+                                        </p:tgtEl>
+                                        <p:attrNameLst>
+                                          <p:attrName>ppt_x</p:attrName>
+                                        </p:attrNameLst>
+                                      </p:cBhvr>
+                                      <p:tavLst>
+                                        <p:tav tm="0">
+                                          <p:val>
+                                            <p:strVal val="ppt_x"/>
+                                          </p:val>
+                                        </p:tav>
+                                        <p:tav tm="100000">
+                                          <p:val>
+                                            <p:strVal val="ppt_x"/>
+                                          </p:val>
+                                        </p:tav>
+                                      </p:tavLst>
+                                    </p:anim>
+                                    <p:anim calcmode="lin" valueType="num">
+                                      <p:cBhvr additive="base">
+                                        <p:cTn id="21" dur="500"/>
+                                        <p:tgtEl>
+                                          <p:spTgt spid="6"/>
+                                        </p:tgtEl>
+                                        <p:attrNameLst>
+                                          <p:attrName>ppt_y</p:attrName>
+                                        </p:attrNameLst>
+                                      </p:cBhvr>
+                                      <p:tavLst>
+                                        <p:tav tm="0">
+                                          <p:val>
+                                            <p:strVal val="ppt_y"/>
+                                          </p:val>
+                                        </p:tav>
+                                        <p:tav tm="100000">
+                                          <p:val>
+                                            <p:strVal val="1+ppt_h/2"/>
+                                          </p:val>
+                                        </p:tav>
+                                      </p:tavLst>
+                                    </p:anim>
+                                    <p:set>
+                                      <p:cBhvr>
+                                        <p:cTn id="22" dur="1" fill="hold">
+                                          <p:stCondLst>
+                                            <p:cond delay="499"/>
+                                          </p:stCondLst>
+                                        </p:cTn>
+                                        <p:tgtEl>
+                                          <p:spTgt spid="6"/>
+                                        </p:tgtEl>
+                                        <p:attrNameLst>
+                                          <p:attrName>style.visibility</p:attrName>
+                                        </p:attrNameLst>
+                                      </p:cBhvr>
+                                      <p:to>
+                                        <p:strVal val="hidden"/>
+                                      </p:to>
+                                    </p:set>
+                                  </p:childTnLst>
+                                </p:cTn>
+                              </p:par>
+                            </p:childTnLst>
+                          </p:cTn>
+                        </p:par>
+                      </p:childTnLst>
+                    </p:cTn>
+                  </p:par>
+                  <p:par>
+                    <p:cTn id="23" fill="hold">
+                      <p:stCondLst>
+                        <p:cond delay="indefinite"/>
+                      </p:stCondLst>
+                      <p:childTnLst>
+                        <p:par>
+                          <p:cTn id="24" fill="hold">
+                            <p:stCondLst>
+                              <p:cond delay="0"/>
+                            </p:stCondLst>
+                            <p:childTnLst>
+                              <p:par>
+                                <p:cTn id="25" presetID="2" presetClass="entr" presetSubtype="8" fill="hold" nodeType="clickEffect">
                                   <p:stCondLst>
                                     <p:cond delay="0"/>
                                   </p:stCondLst>
                                   <p:childTnLst>
                                     <p:set>
                                       <p:cBhvr>
-                                        <p:cTn id="16" dur="1" fill="hold">
+                                        <p:cTn id="26" dur="1" fill="hold">
                                           <p:stCondLst>
                                             <p:cond delay="0"/>
                                           </p:stCondLst>
@@ -6456,7 +6634,7 @@
                                     </p:set>
                                     <p:anim calcmode="lin" valueType="num">
                                       <p:cBhvr additive="base">
-                                        <p:cTn id="17" dur="500" fill="hold"/>
+                                        <p:cTn id="27" dur="500" fill="hold"/>
                                         <p:tgtEl>
                                           <p:spTgt spid="3">
                                             <p:txEl>
@@ -6483,7 +6661,7 @@
                                     </p:anim>
                                     <p:anim calcmode="lin" valueType="num">
                                       <p:cBhvr additive="base">
-                                        <p:cTn id="18" dur="500" fill="hold"/>
+                                        <p:cTn id="28" dur="500" fill="hold"/>
                                         <p:tgtEl>
                                           <p:spTgt spid="3">
                                             <p:txEl>
@@ -6499,6 +6677,79 @@
                                         <p:tav tm="0">
                                           <p:val>
                                             <p:strVal val="#ppt_y"/>
+                                          </p:val>
+                                        </p:tav>
+                                        <p:tav tm="100000">
+                                          <p:val>
+                                            <p:strVal val="#ppt_y"/>
+                                          </p:val>
+                                        </p:tav>
+                                      </p:tavLst>
+                                    </p:anim>
+                                  </p:childTnLst>
+                                </p:cTn>
+                              </p:par>
+                              <p:par>
+                                <p:cTn id="29" presetID="2" presetClass="entr" presetSubtype="4" fill="hold" nodeType="withEffect">
+                                  <p:stCondLst>
+                                    <p:cond delay="0"/>
+                                  </p:stCondLst>
+                                  <p:childTnLst>
+                                    <p:set>
+                                      <p:cBhvr>
+                                        <p:cTn id="30" dur="1" fill="hold">
+                                          <p:stCondLst>
+                                            <p:cond delay="0"/>
+                                          </p:stCondLst>
+                                        </p:cTn>
+                                        <p:tgtEl>
+                                          <p:spTgt spid="7"/>
+                                        </p:tgtEl>
+                                        <p:attrNameLst>
+                                          <p:attrName>style.visibility</p:attrName>
+                                        </p:attrNameLst>
+                                      </p:cBhvr>
+                                      <p:to>
+                                        <p:strVal val="visible"/>
+                                      </p:to>
+                                    </p:set>
+                                    <p:anim calcmode="lin" valueType="num">
+                                      <p:cBhvr additive="base">
+                                        <p:cTn id="31" dur="500" fill="hold"/>
+                                        <p:tgtEl>
+                                          <p:spTgt spid="7"/>
+                                        </p:tgtEl>
+                                        <p:attrNameLst>
+                                          <p:attrName>ppt_x</p:attrName>
+                                        </p:attrNameLst>
+                                      </p:cBhvr>
+                                      <p:tavLst>
+                                        <p:tav tm="0">
+                                          <p:val>
+                                            <p:strVal val="#ppt_x"/>
+                                          </p:val>
+                                        </p:tav>
+                                        <p:tav tm="100000">
+                                          <p:val>
+                                            <p:strVal val="#ppt_x"/>
+                                          </p:val>
+                                        </p:tav>
+                                      </p:tavLst>
+                                    </p:anim>
+                                    <p:anim calcmode="lin" valueType="num">
+                                      <p:cBhvr additive="base">
+                                        <p:cTn id="32" dur="500" fill="hold"/>
+                                        <p:tgtEl>
+                                          <p:spTgt spid="7"/>
+                                        </p:tgtEl>
+                                        <p:attrNameLst>
+                                          <p:attrName>ppt_y</p:attrName>
+                                        </p:attrNameLst>
+                                      </p:cBhvr>
+                                      <p:tavLst>
+                                        <p:tav tm="0">
+                                          <p:val>
+                                            <p:strVal val="1+#ppt_h/2"/>
                                           </p:val>
                                         </p:tav>
                                         <p:tav tm="100000">
@@ -6518,26 +6769,117 @@
                     </p:cTn>
                   </p:par>
                   <p:par>
-                    <p:cTn id="19" fill="hold">
+                    <p:cTn id="33" fill="hold">
                       <p:stCondLst>
                         <p:cond delay="indefinite"/>
                       </p:stCondLst>
                       <p:childTnLst>
                         <p:par>
-                          <p:cTn id="20" fill="hold">
+                          <p:cTn id="34" fill="hold">
                             <p:stCondLst>
                               <p:cond delay="0"/>
                             </p:stCondLst>
                             <p:childTnLst>
                               <p:par>
-                                <p:cTn id="21" presetID="2" presetClass="entr" presetSubtype="8" fill="hold" nodeType="clickEffect">
+                                <p:cTn id="35" presetID="2" presetClass="exit" presetSubtype="4" fill="hold" nodeType="clickEffect">
+                                  <p:stCondLst>
+                                    <p:cond delay="0"/>
+                                  </p:stCondLst>
+                                  <p:childTnLst>
+                                    <p:anim calcmode="lin" valueType="num">
+                                      <p:cBhvr additive="base">
+                                        <p:cTn id="36" dur="500"/>
+                                        <p:tgtEl>
+                                          <p:spTgt spid="7"/>
+                                        </p:tgtEl>
+                                        <p:attrNameLst>
+                                          <p:attrName>ppt_x</p:attrName>
+                                        </p:attrNameLst>
+                                      </p:cBhvr>
+                                      <p:tavLst>
+                                        <p:tav tm="0">
+                                          <p:val>
+                                            <p:strVal val="ppt_x"/>
+                                          </p:val>
+                                        </p:tav>
+                                        <p:tav tm="100000">
+                                          <p:val>
+                                            <p:strVal val="ppt_x"/>
+                                          </p:val>
+                                        </p:tav>
+                                      </p:tavLst>
+                                    </p:anim>
+                                    <p:anim calcmode="lin" valueType="num">
+                                      <p:cBhvr additive="base">
+                                        <p:cTn id="37" dur="500"/>
+                                        <p:tgtEl>
+                                          <p:spTgt spid="7"/>
+                                        </p:tgtEl>
+                                        <p:attrNameLst>
+                                          <p:attrName>ppt_y</p:attrName>
+                                        </p:attrNameLst>
+                                      </p:cBhvr>
+                                      <p:tavLst>
+                                        <p:tav tm="0">
+                                          <p:val>
+                                            <p:strVal val="ppt_y"/>
+                                          </p:val>
+                                        </p:tav>
+                                        <p:tav tm="100000">
+                                          <p:val>
+                                            <p:strVal val="1+ppt_h/2"/>
+                                          </p:val>
+                                        </p:tav>
+                                      </p:tavLst>
+                                    </p:anim>
+                                    <p:set>
+                                      <p:cBhvr>
+                                        <p:cTn id="38" dur="1" fill="hold">
+                                          <p:stCondLst>
+                                            <p:cond delay="499"/>
+                                          </p:stCondLst>
+                                        </p:cTn>
+                                        <p:tgtEl>
+                                          <p:spTgt spid="7"/>
+                                        </p:tgtEl>
+                                        <p:attrNameLst>
+                                          <p:attrName>style.visibility</p:attrName>
+                                        </p:attrNameLst>
+                                      </p:cBhvr>
+                                      <p:to>
+                                        <p:strVal val="hidden"/>
+                                      </p:to>
+                                    </p:set>
+                                  </p:childTnLst>
+                                </p:cTn>
+                              </p:par>
+                            </p:childTnLst>
+                          </p:cTn>
+                        </p:par>
+                      </p:childTnLst>
+                    </p:cTn>
+                  </p:par>
+                  <p:par>
+                    <p:cTn id="39" fill="hold">
+                      <p:stCondLst>
+                        <p:cond delay="indefinite"/>
+                      </p:stCondLst>
+                      <p:childTnLst>
+                        <p:par>
+                          <p:cTn id="40" fill="hold">
+                            <p:stCondLst>
+                              <p:cond delay="0"/>
+                            </p:stCondLst>
+                            <p:childTnLst>
+                              <p:par>
+                                <p:cTn id="41" presetID="2" presetClass="entr" presetSubtype="8" fill="hold" nodeType="clickEffect">
                                   <p:stCondLst>
                                     <p:cond delay="0"/>
                                   </p:stCondLst>
                                   <p:childTnLst>
                                     <p:set>
                                       <p:cBhvr>
-                                        <p:cTn id="22" dur="1" fill="hold">
+                                        <p:cTn id="42" dur="1" fill="hold">
                                           <p:stCondLst>
                                             <p:cond delay="0"/>
                                           </p:stCondLst>
@@ -6559,7 +6901,7 @@
                                     </p:set>
                                     <p:anim calcmode="lin" valueType="num">
                                       <p:cBhvr additive="base">
-                                        <p:cTn id="23" dur="500" fill="hold"/>
+                                        <p:cTn id="43" dur="500" fill="hold"/>
                                         <p:tgtEl>
                                           <p:spTgt spid="3">
                                             <p:txEl>
@@ -6586,7 +6928,7 @@
                                     </p:anim>
                                     <p:anim calcmode="lin" valueType="num">
                                       <p:cBhvr additive="base">
-                                        <p:cTn id="24" dur="500" fill="hold"/>
+                                        <p:cTn id="44" dur="500" fill="hold"/>
                                         <p:tgtEl>
                                           <p:spTgt spid="3">
                                             <p:txEl>
@@ -6615,24 +6957,20 @@
                                 </p:cTn>
                               </p:par>
                               <p:par>
-                                <p:cTn id="25" presetID="2" presetClass="entr" presetSubtype="8" fill="hold" nodeType="withEffect">
+                                <p:cTn id="45" presetID="2" presetClass="entr" presetSubtype="4" fill="hold" nodeType="withEffect">
                                   <p:stCondLst>
                                     <p:cond delay="0"/>
                                   </p:stCondLst>
                                   <p:childTnLst>
                                     <p:set>
                                       <p:cBhvr>
-                                        <p:cTn id="26" dur="1" fill="hold">
+                                        <p:cTn id="46" dur="1" fill="hold">
                                           <p:stCondLst>
                                             <p:cond delay="0"/>
                                           </p:stCondLst>
                                         </p:cTn>
                                         <p:tgtEl>
-                                          <p:spTgt spid="3">
-                                            <p:txEl>
-                                              <p:pRg st="4" end="4"/>
-                                            </p:txEl>
-                                          </p:spTgt>
+                                          <p:spTgt spid="9"/>
                                         </p:tgtEl>
                                         <p:attrNameLst>
                                           <p:attrName>style.visibility</p:attrName>
@@ -6644,7 +6982,66 @@
                                     </p:set>
                                     <p:anim calcmode="lin" valueType="num">
                                       <p:cBhvr additive="base">
-                                        <p:cTn id="27" dur="500" fill="hold"/>
+                                        <p:cTn id="47" dur="500" fill="hold"/>
+                                        <p:tgtEl>
+                                          <p:spTgt spid="9"/>
+                                        </p:tgtEl>
+                                        <p:attrNameLst>
+                                          <p:attrName>ppt_x</p:attrName>
+                                        </p:attrNameLst>
+                                      </p:cBhvr>
+                                      <p:tavLst>
+                                        <p:tav tm="0">
+                                          <p:val>
+                                            <p:strVal val="#ppt_x"/>
+                                          </p:val>
+                                        </p:tav>
+                                        <p:tav tm="100000">
+                                          <p:val>
+                                            <p:strVal val="#ppt_x"/>
+                                          </p:val>
+                                        </p:tav>
+                                      </p:tavLst>
+                                    </p:anim>
+                                    <p:anim calcmode="lin" valueType="num">
+                                      <p:cBhvr additive="base">
+                                        <p:cTn id="48" dur="500" fill="hold"/>
+                                        <p:tgtEl>
+                                          <p:spTgt spid="9"/>
+                                        </p:tgtEl>
+                                        <p:attrNameLst>
+                                          <p:attrName>ppt_y</p:attrName>
+                                        </p:attrNameLst>
+                                      </p:cBhvr>
+                                      <p:tavLst>
+                                        <p:tav tm="0">
+                                          <p:val>
+                                            <p:strVal val="1+#ppt_h/2"/>
+                                          </p:val>
+                                        </p:tav>
+                                        <p:tav tm="100000">
+                                          <p:val>
+                                            <p:strVal val="#ppt_y"/>
+                                          </p:val>
+                                        </p:tav>
+                                      </p:tavLst>
+                                    </p:anim>
+                                  </p:childTnLst>
+                                </p:cTn>
+                              </p:par>
+                              <p:par>
+                                <p:cTn id="49" presetID="2" presetClass="entr" presetSubtype="8" fill="hold" nodeType="withEffect">
+                                  <p:stCondLst>
+                                    <p:cond delay="0"/>
+                                  </p:stCondLst>
+                                  <p:childTnLst>
+                                    <p:set>
+                                      <p:cBhvr>
+                                        <p:cTn id="50" dur="1" fill="hold">
+                                          <p:stCondLst>
+                                            <p:cond delay="0"/>
+                                          </p:stCondLst>
+                                        </p:cTn>
                                         <p:tgtEl>
                                           <p:spTgt spid="3">
                                             <p:txEl>
@@ -6653,6 +7050,24 @@
                                           </p:spTgt>
                                         </p:tgtEl>
                                         <p:attrNameLst>
+                                          <p:attrName>style.visibility</p:attrName>
+                                        </p:attrNameLst>
+                                      </p:cBhvr>
+                                      <p:to>
+                                        <p:strVal val="visible"/>
+                                      </p:to>
+                                    </p:set>
+                                    <p:anim calcmode="lin" valueType="num">
+                                      <p:cBhvr additive="base">
+                                        <p:cTn id="51" dur="500" fill="hold"/>
+                                        <p:tgtEl>
+                                          <p:spTgt spid="3">
+                                            <p:txEl>
+                                              <p:pRg st="4" end="4"/>
+                                            </p:txEl>
+                                          </p:spTgt>
+                                        </p:tgtEl>
+                                        <p:attrNameLst>
                                           <p:attrName>ppt_x</p:attrName>
                                         </p:attrNameLst>
                                       </p:cBhvr>
@@ -6671,7 +7086,7 @@
                                     </p:anim>
                                     <p:anim calcmode="lin" valueType="num">
                                       <p:cBhvr additive="base">
-                                        <p:cTn id="28" dur="500" fill="hold"/>
+                                        <p:cTn id="52" dur="500" fill="hold"/>
                                         <p:tgtEl>
                                           <p:spTgt spid="3">
                                             <p:txEl>
@@ -8110,7 +8525,7 @@
       </p:sp>
       <p:pic>
         <p:nvPicPr>
-          <p:cNvPr id="3" name="Kép 2"/>
+          <p:cNvPr id="7" name="Kép 6"/>
           <p:cNvPicPr>
             <a:picLocks noChangeAspect="1"/>
           </p:cNvPicPr>
@@ -8129,99 +8544,9 @@
           </a:stretch>
         </p:blipFill>
         <p:spPr>
-          <a:xfrm rot="20949034">
-            <a:off x="971747" y="1602556"/>
-            <a:ext cx="2076307" cy="2172879"/>
-          </a:xfrm>
-          <a:prstGeom prst="rect">
-            <a:avLst/>
-          </a:prstGeom>
-        </p:spPr>
-      </p:pic>
-      <p:pic>
-        <p:nvPicPr>
-          <p:cNvPr id="5" name="Kép 4"/>
-          <p:cNvPicPr>
-            <a:picLocks noChangeAspect="1"/>
-          </p:cNvPicPr>
-          <p:nvPr/>
-        </p:nvPicPr>
-        <p:blipFill>
-          <a:blip r:embed="rId2" cstate="print">
-            <a:extLst>
-              <a:ext uri="{28A0092B-C50C-407E-A947-70E740481C1C}">
-                <a14:useLocalDpi xmlns:a14="http://schemas.microsoft.com/office/drawing/2010/main" val="0"/>
-              </a:ext>
-            </a:extLst>
-          </a:blip>
-          <a:stretch>
-            <a:fillRect/>
-          </a:stretch>
-        </p:blipFill>
-        <p:spPr>
-          <a:xfrm rot="1891454">
-            <a:off x="8724963" y="3437266"/>
-            <a:ext cx="2576237" cy="2696061"/>
-          </a:xfrm>
-          <a:prstGeom prst="rect">
-            <a:avLst/>
-          </a:prstGeom>
-        </p:spPr>
-      </p:pic>
-      <p:pic>
-        <p:nvPicPr>
-          <p:cNvPr id="6" name="Kép 5"/>
-          <p:cNvPicPr>
-            <a:picLocks noChangeAspect="1"/>
-          </p:cNvPicPr>
-          <p:nvPr/>
-        </p:nvPicPr>
-        <p:blipFill>
-          <a:blip r:embed="rId3" cstate="print">
-            <a:extLst>
-              <a:ext uri="{28A0092B-C50C-407E-A947-70E740481C1C}">
-                <a14:useLocalDpi xmlns:a14="http://schemas.microsoft.com/office/drawing/2010/main" val="0"/>
-              </a:ext>
-            </a:extLst>
-          </a:blip>
-          <a:stretch>
-            <a:fillRect/>
-          </a:stretch>
-        </p:blipFill>
-        <p:spPr>
-          <a:xfrm rot="17786652" flipH="1">
-            <a:off x="3616302" y="5071646"/>
-            <a:ext cx="759152" cy="794461"/>
-          </a:xfrm>
-          <a:prstGeom prst="rect">
-            <a:avLst/>
-          </a:prstGeom>
-        </p:spPr>
-      </p:pic>
-      <p:pic>
-        <p:nvPicPr>
-          <p:cNvPr id="7" name="Kép 6"/>
-          <p:cNvPicPr>
-            <a:picLocks noChangeAspect="1"/>
-          </p:cNvPicPr>
-          <p:nvPr/>
-        </p:nvPicPr>
-        <p:blipFill>
-          <a:blip r:embed="rId4" cstate="print">
-            <a:extLst>
-              <a:ext uri="{28A0092B-C50C-407E-A947-70E740481C1C}">
-                <a14:useLocalDpi xmlns:a14="http://schemas.microsoft.com/office/drawing/2010/main" val="0"/>
-              </a:ext>
-            </a:extLst>
-          </a:blip>
-          <a:stretch>
-            <a:fillRect/>
-          </a:stretch>
-        </p:blipFill>
-        <p:spPr>
           <a:xfrm>
-            <a:off x="-3541336" y="2962705"/>
-            <a:ext cx="18077468" cy="4027972"/>
+            <a:off x="-2786617" y="-292430"/>
+            <a:ext cx="18077468" cy="7480300"/>
           </a:xfrm>
           <a:prstGeom prst="rect">
             <a:avLst/>
@@ -8262,7 +8587,7 @@
                             </p:stCondLst>
                             <p:childTnLst>
                               <p:par>
-                                <p:cTn id="5" presetID="45" presetClass="entr" presetSubtype="0" fill="hold" nodeType="clickEffect">
+                                <p:cTn id="5" presetID="2" presetClass="entr" presetSubtype="4" fill="hold" nodeType="clickEffect">
                                   <p:stCondLst>
                                     <p:cond delay="0"/>
                                   </p:stCondLst>
@@ -8275,813 +8600,6 @@
                                           </p:stCondLst>
                                         </p:cTn>
                                         <p:tgtEl>
-                                          <p:spTgt spid="3"/>
-                                        </p:tgtEl>
-                                        <p:attrNameLst>
-                                          <p:attrName>style.visibility</p:attrName>
-                                        </p:attrNameLst>
-                                      </p:cBhvr>
-                                      <p:to>
-                                        <p:strVal val="visible"/>
-                                      </p:to>
-                                    </p:set>
-                                    <p:animEffect transition="in" filter="fade">
-                                      <p:cBhvr>
-                                        <p:cTn id="7" dur="2000"/>
-                                        <p:tgtEl>
-                                          <p:spTgt spid="3"/>
-                                        </p:tgtEl>
-                                      </p:cBhvr>
-                                    </p:animEffect>
-                                    <p:anim calcmode="lin" valueType="num">
-                                      <p:cBhvr>
-                                        <p:cTn id="8" dur="2000" fill="hold"/>
-                                        <p:tgtEl>
-                                          <p:spTgt spid="3"/>
-                                        </p:tgtEl>
-                                        <p:attrNameLst>
-                                          <p:attrName>ppt_w</p:attrName>
-                                        </p:attrNameLst>
-                                      </p:cBhvr>
-                                      <p:tavLst>
-                                        <p:tav tm="0" fmla="#ppt_w*sin(2.5*pi*$)">
-                                          <p:val>
-                                            <p:fltVal val="0"/>
-                                          </p:val>
-                                        </p:tav>
-                                        <p:tav tm="100000">
-                                          <p:val>
-                                            <p:fltVal val="1"/>
-                                          </p:val>
-                                        </p:tav>
-                                      </p:tavLst>
-                                    </p:anim>
-                                    <p:anim calcmode="lin" valueType="num">
-                                      <p:cBhvr>
-                                        <p:cTn id="9" dur="2000" fill="hold"/>
-                                        <p:tgtEl>
-                                          <p:spTgt spid="3"/>
-                                        </p:tgtEl>
-                                        <p:attrNameLst>
-                                          <p:attrName>ppt_h</p:attrName>
-                                        </p:attrNameLst>
-                                      </p:cBhvr>
-                                      <p:tavLst>
-                                        <p:tav tm="0">
-                                          <p:val>
-                                            <p:strVal val="#ppt_h"/>
-                                          </p:val>
-                                        </p:tav>
-                                        <p:tav tm="100000">
-                                          <p:val>
-                                            <p:strVal val="#ppt_h"/>
-                                          </p:val>
-                                        </p:tav>
-                                      </p:tavLst>
-                                    </p:anim>
-                                  </p:childTnLst>
-                                </p:cTn>
-                              </p:par>
-                              <p:par>
-                                <p:cTn id="10" presetID="45" presetClass="entr" presetSubtype="0" fill="hold" nodeType="withEffect">
-                                  <p:stCondLst>
-                                    <p:cond delay="0"/>
-                                  </p:stCondLst>
-                                  <p:childTnLst>
-                                    <p:set>
-                                      <p:cBhvr>
-                                        <p:cTn id="11" dur="1" fill="hold">
-                                          <p:stCondLst>
-                                            <p:cond delay="0"/>
-                                          </p:stCondLst>
-                                        </p:cTn>
-                                        <p:tgtEl>
-                                          <p:spTgt spid="5"/>
-                                        </p:tgtEl>
-                                        <p:attrNameLst>
-                                          <p:attrName>style.visibility</p:attrName>
-                                        </p:attrNameLst>
-                                      </p:cBhvr>
-                                      <p:to>
-                                        <p:strVal val="visible"/>
-                                      </p:to>
-                                    </p:set>
-                                    <p:animEffect transition="in" filter="fade">
-                                      <p:cBhvr>
-                                        <p:cTn id="12" dur="2000"/>
-                                        <p:tgtEl>
-                                          <p:spTgt spid="5"/>
-                                        </p:tgtEl>
-                                      </p:cBhvr>
-                                    </p:animEffect>
-                                    <p:anim calcmode="lin" valueType="num">
-                                      <p:cBhvr>
-                                        <p:cTn id="13" dur="2000" fill="hold"/>
-                                        <p:tgtEl>
-                                          <p:spTgt spid="5"/>
-                                        </p:tgtEl>
-                                        <p:attrNameLst>
-                                          <p:attrName>ppt_w</p:attrName>
-                                        </p:attrNameLst>
-                                      </p:cBhvr>
-                                      <p:tavLst>
-                                        <p:tav tm="0" fmla="#ppt_w*sin(2.5*pi*$)">
-                                          <p:val>
-                                            <p:fltVal val="0"/>
-                                          </p:val>
-                                        </p:tav>
-                                        <p:tav tm="100000">
-                                          <p:val>
-                                            <p:fltVal val="1"/>
-                                          </p:val>
-                                        </p:tav>
-                                      </p:tavLst>
-                                    </p:anim>
-                                    <p:anim calcmode="lin" valueType="num">
-                                      <p:cBhvr>
-                                        <p:cTn id="14" dur="2000" fill="hold"/>
-                                        <p:tgtEl>
-                                          <p:spTgt spid="5"/>
-                                        </p:tgtEl>
-                                        <p:attrNameLst>
-                                          <p:attrName>ppt_h</p:attrName>
-                                        </p:attrNameLst>
-                                      </p:cBhvr>
-                                      <p:tavLst>
-                                        <p:tav tm="0">
-                                          <p:val>
-                                            <p:strVal val="#ppt_h"/>
-                                          </p:val>
-                                        </p:tav>
-                                        <p:tav tm="100000">
-                                          <p:val>
-                                            <p:strVal val="#ppt_h"/>
-                                          </p:val>
-                                        </p:tav>
-                                      </p:tavLst>
-                                    </p:anim>
-                                  </p:childTnLst>
-                                </p:cTn>
-                              </p:par>
-                              <p:par>
-                                <p:cTn id="15" presetID="45" presetClass="entr" presetSubtype="0" fill="hold" nodeType="withEffect">
-                                  <p:stCondLst>
-                                    <p:cond delay="0"/>
-                                  </p:stCondLst>
-                                  <p:childTnLst>
-                                    <p:set>
-                                      <p:cBhvr>
-                                        <p:cTn id="16" dur="1" fill="hold">
-                                          <p:stCondLst>
-                                            <p:cond delay="0"/>
-                                          </p:stCondLst>
-                                        </p:cTn>
-                                        <p:tgtEl>
-                                          <p:spTgt spid="6"/>
-                                        </p:tgtEl>
-                                        <p:attrNameLst>
-                                          <p:attrName>style.visibility</p:attrName>
-                                        </p:attrNameLst>
-                                      </p:cBhvr>
-                                      <p:to>
-                                        <p:strVal val="visible"/>
-                                      </p:to>
-                                    </p:set>
-                                    <p:animEffect transition="in" filter="fade">
-                                      <p:cBhvr>
-                                        <p:cTn id="17" dur="2000"/>
-                                        <p:tgtEl>
-                                          <p:spTgt spid="6"/>
-                                        </p:tgtEl>
-                                      </p:cBhvr>
-                                    </p:animEffect>
-                                    <p:anim calcmode="lin" valueType="num">
-                                      <p:cBhvr>
-                                        <p:cTn id="18" dur="2000" fill="hold"/>
-                                        <p:tgtEl>
-                                          <p:spTgt spid="6"/>
-                                        </p:tgtEl>
-                                        <p:attrNameLst>
-                                          <p:attrName>ppt_w</p:attrName>
-                                        </p:attrNameLst>
-                                      </p:cBhvr>
-                                      <p:tavLst>
-                                        <p:tav tm="0" fmla="#ppt_w*sin(2.5*pi*$)">
-                                          <p:val>
-                                            <p:fltVal val="0"/>
-                                          </p:val>
-                                        </p:tav>
-                                        <p:tav tm="100000">
-                                          <p:val>
-                                            <p:fltVal val="1"/>
-                                          </p:val>
-                                        </p:tav>
-                                      </p:tavLst>
-                                    </p:anim>
-                                    <p:anim calcmode="lin" valueType="num">
-                                      <p:cBhvr>
-                                        <p:cTn id="19" dur="2000" fill="hold"/>
-                                        <p:tgtEl>
-                                          <p:spTgt spid="6"/>
-                                        </p:tgtEl>
-                                        <p:attrNameLst>
-                                          <p:attrName>ppt_h</p:attrName>
-                                        </p:attrNameLst>
-                                      </p:cBhvr>
-                                      <p:tavLst>
-                                        <p:tav tm="0">
-                                          <p:val>
-                                            <p:strVal val="#ppt_h"/>
-                                          </p:val>
-                                        </p:tav>
-                                        <p:tav tm="100000">
-                                          <p:val>
-                                            <p:strVal val="#ppt_h"/>
-                                          </p:val>
-                                        </p:tav>
-                                      </p:tavLst>
-                                    </p:anim>
-                                  </p:childTnLst>
-                                </p:cTn>
-                              </p:par>
-                            </p:childTnLst>
-                          </p:cTn>
-                        </p:par>
-                      </p:childTnLst>
-                    </p:cTn>
-                  </p:par>
-                  <p:par>
-                    <p:cTn id="20" fill="hold">
-                      <p:stCondLst>
-                        <p:cond delay="indefinite"/>
-                      </p:stCondLst>
-                      <p:childTnLst>
-                        <p:par>
-                          <p:cTn id="21" fill="hold">
-                            <p:stCondLst>
-                              <p:cond delay="0"/>
-                            </p:stCondLst>
-                            <p:childTnLst>
-                              <p:par>
-                                <p:cTn id="22" presetID="45" presetClass="exit" presetSubtype="0" fill="hold" nodeType="clickEffect">
-                                  <p:stCondLst>
-                                    <p:cond delay="0"/>
-                                  </p:stCondLst>
-                                  <p:childTnLst>
-                                    <p:animEffect transition="out" filter="fade">
-                                      <p:cBhvr>
-                                        <p:cTn id="23" dur="2000"/>
-                                        <p:tgtEl>
-                                          <p:spTgt spid="3"/>
-                                        </p:tgtEl>
-                                      </p:cBhvr>
-                                    </p:animEffect>
-                                    <p:anim calcmode="lin" valueType="num">
-                                      <p:cBhvr>
-                                        <p:cTn id="24" dur="2000"/>
-                                        <p:tgtEl>
-                                          <p:spTgt spid="3"/>
-                                        </p:tgtEl>
-                                        <p:attrNameLst>
-                                          <p:attrName>ppt_w</p:attrName>
-                                        </p:attrNameLst>
-                                      </p:cBhvr>
-                                      <p:tavLst>
-                                        <p:tav tm="0">
-                                          <p:val>
-                                            <p:strVal val="ppt_w"/>
-                                          </p:val>
-                                        </p:tav>
-                                        <p:tav tm="5000">
-                                          <p:val>
-                                            <p:strVal val="0.92*ppt_w"/>
-                                          </p:val>
-                                        </p:tav>
-                                        <p:tav tm="10000">
-                                          <p:val>
-                                            <p:strVal val="0.71*ppt_w"/>
-                                          </p:val>
-                                        </p:tav>
-                                        <p:tav tm="15000">
-                                          <p:val>
-                                            <p:strVal val="0.38*ppt_w"/>
-                                          </p:val>
-                                        </p:tav>
-                                        <p:tav tm="20000">
-                                          <p:val>
-                                            <p:fltVal val="0"/>
-                                          </p:val>
-                                        </p:tav>
-                                        <p:tav tm="25000">
-                                          <p:val>
-                                            <p:strVal val="-0.38*ppt_w"/>
-                                          </p:val>
-                                        </p:tav>
-                                        <p:tav tm="30000">
-                                          <p:val>
-                                            <p:strVal val="-0.71*ppt_w"/>
-                                          </p:val>
-                                        </p:tav>
-                                        <p:tav tm="35000">
-                                          <p:val>
-                                            <p:strVal val="-0.92*ppt_w"/>
-                                          </p:val>
-                                        </p:tav>
-                                        <p:tav tm="40000">
-                                          <p:val>
-                                            <p:strVal val="-ppt_w"/>
-                                          </p:val>
-                                        </p:tav>
-                                        <p:tav tm="45000">
-                                          <p:val>
-                                            <p:strVal val="-0.92*ppt_w"/>
-                                          </p:val>
-                                        </p:tav>
-                                        <p:tav tm="50000">
-                                          <p:val>
-                                            <p:strVal val="-0.71*ppt_w"/>
-                                          </p:val>
-                                        </p:tav>
-                                        <p:tav tm="55000">
-                                          <p:val>
-                                            <p:strVal val="-0.38*ppt_w"/>
-                                          </p:val>
-                                        </p:tav>
-                                        <p:tav tm="60000">
-                                          <p:val>
-                                            <p:fltVal val="0"/>
-                                          </p:val>
-                                        </p:tav>
-                                        <p:tav tm="65000">
-                                          <p:val>
-                                            <p:strVal val="0.38*ppt_w"/>
-                                          </p:val>
-                                        </p:tav>
-                                        <p:tav tm="70000">
-                                          <p:val>
-                                            <p:strVal val="0.71*ppt_w"/>
-                                          </p:val>
-                                        </p:tav>
-                                        <p:tav tm="75000">
-                                          <p:val>
-                                            <p:strVal val="0.92*ppt_w"/>
-                                          </p:val>
-                                        </p:tav>
-                                        <p:tav tm="80000">
-                                          <p:val>
-                                            <p:strVal val="ppt_w"/>
-                                          </p:val>
-                                        </p:tav>
-                                        <p:tav tm="85000">
-                                          <p:val>
-                                            <p:strVal val="0.92*ppt_w"/>
-                                          </p:val>
-                                        </p:tav>
-                                        <p:tav tm="90000">
-                                          <p:val>
-                                            <p:strVal val="0.71*ppt_w"/>
-                                          </p:val>
-                                        </p:tav>
-                                        <p:tav tm="95000">
-                                          <p:val>
-                                            <p:strVal val="0.38*ppt_w"/>
-                                          </p:val>
-                                        </p:tav>
-                                        <p:tav tm="100000">
-                                          <p:val>
-                                            <p:fltVal val="0"/>
-                                          </p:val>
-                                        </p:tav>
-                                      </p:tavLst>
-                                    </p:anim>
-                                    <p:anim calcmode="lin" valueType="num">
-                                      <p:cBhvr>
-                                        <p:cTn id="25" dur="2000"/>
-                                        <p:tgtEl>
-                                          <p:spTgt spid="3"/>
-                                        </p:tgtEl>
-                                        <p:attrNameLst>
-                                          <p:attrName>ppt_h</p:attrName>
-                                        </p:attrNameLst>
-                                      </p:cBhvr>
-                                      <p:tavLst>
-                                        <p:tav tm="0">
-                                          <p:val>
-                                            <p:strVal val="ppt_h"/>
-                                          </p:val>
-                                        </p:tav>
-                                        <p:tav tm="100000">
-                                          <p:val>
-                                            <p:strVal val="ppt_h"/>
-                                          </p:val>
-                                        </p:tav>
-                                      </p:tavLst>
-                                    </p:anim>
-                                    <p:set>
-                                      <p:cBhvr>
-                                        <p:cTn id="26" dur="1" fill="hold">
-                                          <p:stCondLst>
-                                            <p:cond delay="1999"/>
-                                          </p:stCondLst>
-                                        </p:cTn>
-                                        <p:tgtEl>
-                                          <p:spTgt spid="3"/>
-                                        </p:tgtEl>
-                                        <p:attrNameLst>
-                                          <p:attrName>style.visibility</p:attrName>
-                                        </p:attrNameLst>
-                                      </p:cBhvr>
-                                      <p:to>
-                                        <p:strVal val="hidden"/>
-                                      </p:to>
-                                    </p:set>
-                                  </p:childTnLst>
-                                </p:cTn>
-                              </p:par>
-                              <p:par>
-                                <p:cTn id="27" presetID="45" presetClass="exit" presetSubtype="0" fill="hold" nodeType="withEffect">
-                                  <p:stCondLst>
-                                    <p:cond delay="0"/>
-                                  </p:stCondLst>
-                                  <p:childTnLst>
-                                    <p:animEffect transition="out" filter="fade">
-                                      <p:cBhvr>
-                                        <p:cTn id="28" dur="2000"/>
-                                        <p:tgtEl>
-                                          <p:spTgt spid="5"/>
-                                        </p:tgtEl>
-                                      </p:cBhvr>
-                                    </p:animEffect>
-                                    <p:anim calcmode="lin" valueType="num">
-                                      <p:cBhvr>
-                                        <p:cTn id="29" dur="2000"/>
-                                        <p:tgtEl>
-                                          <p:spTgt spid="5"/>
-                                        </p:tgtEl>
-                                        <p:attrNameLst>
-                                          <p:attrName>ppt_w</p:attrName>
-                                        </p:attrNameLst>
-                                      </p:cBhvr>
-                                      <p:tavLst>
-                                        <p:tav tm="0">
-                                          <p:val>
-                                            <p:strVal val="ppt_w"/>
-                                          </p:val>
-                                        </p:tav>
-                                        <p:tav tm="5000">
-                                          <p:val>
-                                            <p:strVal val="0.92*ppt_w"/>
-                                          </p:val>
-                                        </p:tav>
-                                        <p:tav tm="10000">
-                                          <p:val>
-                                            <p:strVal val="0.71*ppt_w"/>
-                                          </p:val>
-                                        </p:tav>
-                                        <p:tav tm="15000">
-                                          <p:val>
-                                            <p:strVal val="0.38*ppt_w"/>
-                                          </p:val>
-                                        </p:tav>
-                                        <p:tav tm="20000">
-                                          <p:val>
-                                            <p:fltVal val="0"/>
-                                          </p:val>
-                                        </p:tav>
-                                        <p:tav tm="25000">
-                                          <p:val>
-                                            <p:strVal val="-0.38*ppt_w"/>
-                                          </p:val>
-                                        </p:tav>
-                                        <p:tav tm="30000">
-                                          <p:val>
-                                            <p:strVal val="-0.71*ppt_w"/>
-                                          </p:val>
-                                        </p:tav>
-                                        <p:tav tm="35000">
-                                          <p:val>
-                                            <p:strVal val="-0.92*ppt_w"/>
-                                          </p:val>
-                                        </p:tav>
-                                        <p:tav tm="40000">
-                                          <p:val>
-                                            <p:strVal val="-ppt_w"/>
-                                          </p:val>
-                                        </p:tav>
-                                        <p:tav tm="45000">
-                                          <p:val>
-                                            <p:strVal val="-0.92*ppt_w"/>
-                                          </p:val>
-                                        </p:tav>
-                                        <p:tav tm="50000">
-                                          <p:val>
-                                            <p:strVal val="-0.71*ppt_w"/>
-                                          </p:val>
-                                        </p:tav>
-                                        <p:tav tm="55000">
-                                          <p:val>
-                                            <p:strVal val="-0.38*ppt_w"/>
-                                          </p:val>
-                                        </p:tav>
-                                        <p:tav tm="60000">
-                                          <p:val>
-                                            <p:fltVal val="0"/>
-                                          </p:val>
-                                        </p:tav>
-                                        <p:tav tm="65000">
-                                          <p:val>
-                                            <p:strVal val="0.38*ppt_w"/>
-                                          </p:val>
-                                        </p:tav>
-                                        <p:tav tm="70000">
-                                          <p:val>
-                                            <p:strVal val="0.71*ppt_w"/>
-                                          </p:val>
-                                        </p:tav>
-                                        <p:tav tm="75000">
-                                          <p:val>
-                                            <p:strVal val="0.92*ppt_w"/>
-                                          </p:val>
-                                        </p:tav>
-                                        <p:tav tm="80000">
-                                          <p:val>
-                                            <p:strVal val="ppt_w"/>
-                                          </p:val>
-                                        </p:tav>
-                                        <p:tav tm="85000">
-                                          <p:val>
-                                            <p:strVal val="0.92*ppt_w"/>
-                                          </p:val>
-                                        </p:tav>
-                                        <p:tav tm="90000">
-                                          <p:val>
-                                            <p:strVal val="0.71*ppt_w"/>
-                                          </p:val>
-                                        </p:tav>
-                                        <p:tav tm="95000">
-                                          <p:val>
-                                            <p:strVal val="0.38*ppt_w"/>
-                                          </p:val>
-                                        </p:tav>
-                                        <p:tav tm="100000">
-                                          <p:val>
-                                            <p:fltVal val="0"/>
-                                          </p:val>
-                                        </p:tav>
-                                      </p:tavLst>
-                                    </p:anim>
-                                    <p:anim calcmode="lin" valueType="num">
-                                      <p:cBhvr>
-                                        <p:cTn id="30" dur="2000"/>
-                                        <p:tgtEl>
-                                          <p:spTgt spid="5"/>
-                                        </p:tgtEl>
-                                        <p:attrNameLst>
-                                          <p:attrName>ppt_h</p:attrName>
-                                        </p:attrNameLst>
-                                      </p:cBhvr>
-                                      <p:tavLst>
-                                        <p:tav tm="0">
-                                          <p:val>
-                                            <p:strVal val="ppt_h"/>
-                                          </p:val>
-                                        </p:tav>
-                                        <p:tav tm="100000">
-                                          <p:val>
-                                            <p:strVal val="ppt_h"/>
-                                          </p:val>
-                                        </p:tav>
-                                      </p:tavLst>
-                                    </p:anim>
-                                    <p:set>
-                                      <p:cBhvr>
-                                        <p:cTn id="31" dur="1" fill="hold">
-                                          <p:stCondLst>
-                                            <p:cond delay="1999"/>
-                                          </p:stCondLst>
-                                        </p:cTn>
-                                        <p:tgtEl>
-                                          <p:spTgt spid="5"/>
-                                        </p:tgtEl>
-                                        <p:attrNameLst>
-                                          <p:attrName>style.visibility</p:attrName>
-                                        </p:attrNameLst>
-                                      </p:cBhvr>
-                                      <p:to>
-                                        <p:strVal val="hidden"/>
-                                      </p:to>
-                                    </p:set>
-                                  </p:childTnLst>
-                                </p:cTn>
-                              </p:par>
-                              <p:par>
-                                <p:cTn id="32" presetID="45" presetClass="exit" presetSubtype="0" fill="hold" nodeType="withEffect">
-                                  <p:stCondLst>
-                                    <p:cond delay="0"/>
-                                  </p:stCondLst>
-                                  <p:childTnLst>
-                                    <p:animEffect transition="out" filter="fade">
-                                      <p:cBhvr>
-                                        <p:cTn id="33" dur="2000"/>
-                                        <p:tgtEl>
-                                          <p:spTgt spid="6"/>
-                                        </p:tgtEl>
-                                      </p:cBhvr>
-                                    </p:animEffect>
-                                    <p:anim calcmode="lin" valueType="num">
-                                      <p:cBhvr>
-                                        <p:cTn id="34" dur="2000"/>
-                                        <p:tgtEl>
-                                          <p:spTgt spid="6"/>
-                                        </p:tgtEl>
-                                        <p:attrNameLst>
-                                          <p:attrName>ppt_w</p:attrName>
-                                        </p:attrNameLst>
-                                      </p:cBhvr>
-                                      <p:tavLst>
-                                        <p:tav tm="0">
-                                          <p:val>
-                                            <p:strVal val="ppt_w"/>
-                                          </p:val>
-                                        </p:tav>
-                                        <p:tav tm="5000">
-                                          <p:val>
-                                            <p:strVal val="0.92*ppt_w"/>
-                                          </p:val>
-                                        </p:tav>
-                                        <p:tav tm="10000">
-                                          <p:val>
-                                            <p:strVal val="0.71*ppt_w"/>
-                                          </p:val>
-                                        </p:tav>
-                                        <p:tav tm="15000">
-                                          <p:val>
-                                            <p:strVal val="0.38*ppt_w"/>
-                                          </p:val>
-                                        </p:tav>
-                                        <p:tav tm="20000">
-                                          <p:val>
-                                            <p:fltVal val="0"/>
-                                          </p:val>
-                                        </p:tav>
-                                        <p:tav tm="25000">
-                                          <p:val>
-                                            <p:strVal val="-0.38*ppt_w"/>
-                                          </p:val>
-                                        </p:tav>
-                                        <p:tav tm="30000">
-                                          <p:val>
-                                            <p:strVal val="-0.71*ppt_w"/>
-                                          </p:val>
-                                        </p:tav>
-                                        <p:tav tm="35000">
-                                          <p:val>
-                                            <p:strVal val="-0.92*ppt_w"/>
-                                          </p:val>
-                                        </p:tav>
-                                        <p:tav tm="40000">
-                                          <p:val>
-                                            <p:strVal val="-ppt_w"/>
-                                          </p:val>
-                                        </p:tav>
-                                        <p:tav tm="45000">
-                                          <p:val>
-                                            <p:strVal val="-0.92*ppt_w"/>
-                                          </p:val>
-                                        </p:tav>
-                                        <p:tav tm="50000">
-                                          <p:val>
-                                            <p:strVal val="-0.71*ppt_w"/>
-                                          </p:val>
-                                        </p:tav>
-                                        <p:tav tm="55000">
-                                          <p:val>
-                                            <p:strVal val="-0.38*ppt_w"/>
-                                          </p:val>
-                                        </p:tav>
-                                        <p:tav tm="60000">
-                                          <p:val>
-                                            <p:fltVal val="0"/>
-                                          </p:val>
-                                        </p:tav>
-                                        <p:tav tm="65000">
-                                          <p:val>
-                                            <p:strVal val="0.38*ppt_w"/>
-                                          </p:val>
-                                        </p:tav>
-                                        <p:tav tm="70000">
-                                          <p:val>
-                                            <p:strVal val="0.71*ppt_w"/>
-                                          </p:val>
-                                        </p:tav>
-                                        <p:tav tm="75000">
-                                          <p:val>
-                                            <p:strVal val="0.92*ppt_w"/>
-                                          </p:val>
-                                        </p:tav>
-                                        <p:tav tm="80000">
-                                          <p:val>
-                                            <p:strVal val="ppt_w"/>
-                                          </p:val>
-                                        </p:tav>
-                                        <p:tav tm="85000">
-                                          <p:val>
-                                            <p:strVal val="0.92*ppt_w"/>
-                                          </p:val>
-                                        </p:tav>
-                                        <p:tav tm="90000">
-                                          <p:val>
-                                            <p:strVal val="0.71*ppt_w"/>
-                                          </p:val>
-                                        </p:tav>
-                                        <p:tav tm="95000">
-                                          <p:val>
-                                            <p:strVal val="0.38*ppt_w"/>
-                                          </p:val>
-                                        </p:tav>
-                                        <p:tav tm="100000">
-                                          <p:val>
-                                            <p:fltVal val="0"/>
-                                          </p:val>
-                                        </p:tav>
-                                      </p:tavLst>
-                                    </p:anim>
-                                    <p:anim calcmode="lin" valueType="num">
-                                      <p:cBhvr>
-                                        <p:cTn id="35" dur="2000"/>
-                                        <p:tgtEl>
-                                          <p:spTgt spid="6"/>
-                                        </p:tgtEl>
-                                        <p:attrNameLst>
-                                          <p:attrName>ppt_h</p:attrName>
-                                        </p:attrNameLst>
-                                      </p:cBhvr>
-                                      <p:tavLst>
-                                        <p:tav tm="0">
-                                          <p:val>
-                                            <p:strVal val="ppt_h"/>
-                                          </p:val>
-                                        </p:tav>
-                                        <p:tav tm="100000">
-                                          <p:val>
-                                            <p:strVal val="ppt_h"/>
-                                          </p:val>
-                                        </p:tav>
-                                      </p:tavLst>
-                                    </p:anim>
-                                    <p:set>
-                                      <p:cBhvr>
-                                        <p:cTn id="36" dur="1" fill="hold">
-                                          <p:stCondLst>
-                                            <p:cond delay="1999"/>
-                                          </p:stCondLst>
-                                        </p:cTn>
-                                        <p:tgtEl>
-                                          <p:spTgt spid="6"/>
-                                        </p:tgtEl>
-                                        <p:attrNameLst>
-                                          <p:attrName>style.visibility</p:attrName>
-                                        </p:attrNameLst>
-                                      </p:cBhvr>
-                                      <p:to>
-                                        <p:strVal val="hidden"/>
-                                      </p:to>
-                                    </p:set>
-                                  </p:childTnLst>
-                                </p:cTn>
-                              </p:par>
-                            </p:childTnLst>
-                          </p:cTn>
-                        </p:par>
-                      </p:childTnLst>
-                    </p:cTn>
-                  </p:par>
-                  <p:par>
-                    <p:cTn id="37" fill="hold">
-                      <p:stCondLst>
-                        <p:cond delay="indefinite"/>
-                      </p:stCondLst>
-                      <p:childTnLst>
-                        <p:par>
-                          <p:cTn id="38" fill="hold">
-                            <p:stCondLst>
-                              <p:cond delay="0"/>
-                            </p:stCondLst>
-                            <p:childTnLst>
-                              <p:par>
-                                <p:cTn id="39" presetID="2" presetClass="entr" presetSubtype="4" fill="hold" nodeType="clickEffect">
-                                  <p:stCondLst>
-                                    <p:cond delay="0"/>
-                                  </p:stCondLst>
-                                  <p:childTnLst>
-                                    <p:set>
-                                      <p:cBhvr>
-                                        <p:cTn id="40" dur="1" fill="hold">
-                                          <p:stCondLst>
-                                            <p:cond delay="0"/>
-                                          </p:stCondLst>
-                                        </p:cTn>
-                                        <p:tgtEl>
                                           <p:spTgt spid="7"/>
                                         </p:tgtEl>
                                         <p:attrNameLst>
@@ -9094,7 +8612,7 @@
                                     </p:set>
                                     <p:anim calcmode="lin" valueType="num">
                                       <p:cBhvr additive="base">
-                                        <p:cTn id="41" dur="500" fill="hold"/>
+                                        <p:cTn id="7" dur="500" fill="hold"/>
                                         <p:tgtEl>
                                           <p:spTgt spid="7"/>
                                         </p:tgtEl>
@@ -9117,7 +8635,7 @@
                                     </p:anim>
                                     <p:anim calcmode="lin" valueType="num">
                                       <p:cBhvr additive="base">
-                                        <p:cTn id="42" dur="500" fill="hold"/>
+                                        <p:cTn id="8" dur="500" fill="hold"/>
                                         <p:tgtEl>
                                           <p:spTgt spid="7"/>
                                         </p:tgtEl>
@@ -9356,6 +8874,36 @@
           </a:p>
         </p:txBody>
       </p:sp>
+      <p:pic>
+        <p:nvPicPr>
+          <p:cNvPr id="4" name="Kép 3" descr="File:Farkas forrás Mecsek.JPG"/>
+          <p:cNvPicPr>
+            <a:picLocks noChangeAspect="1"/>
+          </p:cNvPicPr>
+          <p:nvPr/>
+        </p:nvPicPr>
+        <p:blipFill>
+          <a:blip r:embed="rId6" cstate="print">
+            <a:extLst>
+              <a:ext uri="{28A0092B-C50C-407E-A947-70E740481C1C}">
+                <a14:useLocalDpi xmlns:a14="http://schemas.microsoft.com/office/drawing/2010/main" val="0"/>
+              </a:ext>
+            </a:extLst>
+          </a:blip>
+          <a:stretch>
+            <a:fillRect/>
+          </a:stretch>
+        </p:blipFill>
+        <p:spPr>
+          <a:xfrm>
+            <a:off x="10843260" y="5794058"/>
+            <a:ext cx="1021080" cy="765810"/>
+          </a:xfrm>
+          <a:prstGeom prst="rect">
+            <a:avLst/>
+          </a:prstGeom>
+        </p:spPr>
+      </p:pic>
     </p:spTree>
     <p:extLst>
       <p:ext uri="{BB962C8B-B14F-4D97-AF65-F5344CB8AC3E}">

--- a/szakmaivalamiigen.pptx
+++ b/szakmaivalamiigen.pptx
@@ -250,7 +250,7 @@
           <a:p>
             <a:fld id="{B556A831-036A-4D84-A9CC-31420D3BD400}" type="datetimeFigureOut">
               <a:rPr lang="hu-HU" smtClean="0"/>
-              <a:t>2022.09.19.</a:t>
+              <a:t>2022.09.21.</a:t>
             </a:fld>
             <a:endParaRPr lang="hu-HU"/>
           </a:p>
@@ -423,7 +423,7 @@
           <a:p>
             <a:fld id="{B556A831-036A-4D84-A9CC-31420D3BD400}" type="datetimeFigureOut">
               <a:rPr lang="hu-HU" smtClean="0"/>
-              <a:t>2022.09.19.</a:t>
+              <a:t>2022.09.21.</a:t>
             </a:fld>
             <a:endParaRPr lang="hu-HU"/>
           </a:p>
@@ -606,7 +606,7 @@
           <a:p>
             <a:fld id="{B556A831-036A-4D84-A9CC-31420D3BD400}" type="datetimeFigureOut">
               <a:rPr lang="hu-HU" smtClean="0"/>
-              <a:t>2022.09.19.</a:t>
+              <a:t>2022.09.21.</a:t>
             </a:fld>
             <a:endParaRPr lang="hu-HU"/>
           </a:p>
@@ -779,7 +779,7 @@
           <a:p>
             <a:fld id="{B556A831-036A-4D84-A9CC-31420D3BD400}" type="datetimeFigureOut">
               <a:rPr lang="hu-HU" smtClean="0"/>
-              <a:t>2022.09.19.</a:t>
+              <a:t>2022.09.21.</a:t>
             </a:fld>
             <a:endParaRPr lang="hu-HU"/>
           </a:p>
@@ -1028,7 +1028,7 @@
           <a:p>
             <a:fld id="{B556A831-036A-4D84-A9CC-31420D3BD400}" type="datetimeFigureOut">
               <a:rPr lang="hu-HU" smtClean="0"/>
-              <a:t>2022.09.19.</a:t>
+              <a:t>2022.09.21.</a:t>
             </a:fld>
             <a:endParaRPr lang="hu-HU"/>
           </a:p>
@@ -1263,7 +1263,7 @@
           <a:p>
             <a:fld id="{B556A831-036A-4D84-A9CC-31420D3BD400}" type="datetimeFigureOut">
               <a:rPr lang="hu-HU" smtClean="0"/>
-              <a:t>2022.09.19.</a:t>
+              <a:t>2022.09.21.</a:t>
             </a:fld>
             <a:endParaRPr lang="hu-HU"/>
           </a:p>
@@ -1633,7 +1633,7 @@
           <a:p>
             <a:fld id="{B556A831-036A-4D84-A9CC-31420D3BD400}" type="datetimeFigureOut">
               <a:rPr lang="hu-HU" smtClean="0"/>
-              <a:t>2022.09.19.</a:t>
+              <a:t>2022.09.21.</a:t>
             </a:fld>
             <a:endParaRPr lang="hu-HU"/>
           </a:p>
@@ -1754,7 +1754,7 @@
           <a:p>
             <a:fld id="{B556A831-036A-4D84-A9CC-31420D3BD400}" type="datetimeFigureOut">
               <a:rPr lang="hu-HU" smtClean="0"/>
-              <a:t>2022.09.19.</a:t>
+              <a:t>2022.09.21.</a:t>
             </a:fld>
             <a:endParaRPr lang="hu-HU"/>
           </a:p>
@@ -1852,7 +1852,7 @@
           <a:p>
             <a:fld id="{B556A831-036A-4D84-A9CC-31420D3BD400}" type="datetimeFigureOut">
               <a:rPr lang="hu-HU" smtClean="0"/>
-              <a:t>2022.09.19.</a:t>
+              <a:t>2022.09.21.</a:t>
             </a:fld>
             <a:endParaRPr lang="hu-HU"/>
           </a:p>
@@ -2132,7 +2132,7 @@
           <a:p>
             <a:fld id="{B556A831-036A-4D84-A9CC-31420D3BD400}" type="datetimeFigureOut">
               <a:rPr lang="hu-HU" smtClean="0"/>
-              <a:t>2022.09.19.</a:t>
+              <a:t>2022.09.21.</a:t>
             </a:fld>
             <a:endParaRPr lang="hu-HU"/>
           </a:p>
@@ -2388,7 +2388,7 @@
           <a:p>
             <a:fld id="{B556A831-036A-4D84-A9CC-31420D3BD400}" type="datetimeFigureOut">
               <a:rPr lang="hu-HU" smtClean="0"/>
-              <a:t>2022.09.19.</a:t>
+              <a:t>2022.09.21.</a:t>
             </a:fld>
             <a:endParaRPr lang="hu-HU"/>
           </a:p>
@@ -2457,11 +2457,35 @@
   <p:cSld>
     <p:bg>
       <p:bgPr>
-        <a:solidFill>
-          <a:schemeClr val="bg2">
-            <a:lumMod val="10000"/>
-          </a:schemeClr>
-        </a:solidFill>
+        <a:gradFill flip="none" rotWithShape="1">
+          <a:gsLst>
+            <a:gs pos="0">
+              <a:schemeClr val="tx1">
+                <a:lumMod val="75000"/>
+                <a:lumOff val="25000"/>
+              </a:schemeClr>
+            </a:gs>
+            <a:gs pos="28000">
+              <a:schemeClr val="tx1">
+                <a:lumMod val="85000"/>
+                <a:lumOff val="15000"/>
+              </a:schemeClr>
+            </a:gs>
+            <a:gs pos="67000">
+              <a:schemeClr val="bg2">
+                <a:lumMod val="10000"/>
+              </a:schemeClr>
+            </a:gs>
+            <a:gs pos="100000">
+              <a:schemeClr val="tx1">
+                <a:lumMod val="95000"/>
+                <a:lumOff val="5000"/>
+              </a:schemeClr>
+            </a:gs>
+          </a:gsLst>
+          <a:lin ang="5400000" scaled="1"/>
+          <a:tileRect/>
+        </a:gradFill>
         <a:effectLst/>
       </p:bgPr>
     </p:bg>
@@ -2609,7 +2633,7 @@
           <a:p>
             <a:fld id="{B556A831-036A-4D84-A9CC-31420D3BD400}" type="datetimeFigureOut">
               <a:rPr lang="hu-HU" smtClean="0"/>
-              <a:t>2022.09.19.</a:t>
+              <a:t>2022.09.21.</a:t>
             </a:fld>
             <a:endParaRPr lang="hu-HU"/>
           </a:p>
@@ -3798,8 +3822,27 @@
                 </a:solidFill>
                 <a:latin typeface="Bahnschrift SemiBold Condensed" panose="020B0502040204020203" pitchFamily="34" charset="0"/>
               </a:rPr>
-              <a:t>  Kis eszközök</a:t>
-            </a:r>
+              <a:t>  </a:t>
+            </a:r>
+            <a:r>
+              <a:rPr lang="hu-HU" sz="1800" dirty="0" smtClean="0">
+                <a:solidFill>
+                  <a:schemeClr val="bg1">
+                    <a:lumMod val="95000"/>
+                  </a:schemeClr>
+                </a:solidFill>
+                <a:latin typeface="Bahnschrift SemiBold Condensed" panose="020B0502040204020203" pitchFamily="34" charset="0"/>
+              </a:rPr>
+              <a:t>Biztonságos, gyors</a:t>
+            </a:r>
+            <a:endParaRPr lang="hu-HU" sz="1800" dirty="0">
+              <a:solidFill>
+                <a:schemeClr val="bg1">
+                  <a:lumMod val="95000"/>
+                </a:schemeClr>
+              </a:solidFill>
+              <a:latin typeface="Bahnschrift SemiBold Condensed" panose="020B0502040204020203" pitchFamily="34" charset="0"/>
+            </a:endParaRPr>
           </a:p>
           <a:p>
             <a:r>
@@ -3894,8 +3937,27 @@
                 </a:solidFill>
                 <a:latin typeface="Bahnschrift SemiBold Condensed" panose="020B0502040204020203" pitchFamily="34" charset="0"/>
               </a:rPr>
-              <a:t>  Ideális mindenre, oldalak</a:t>
-            </a:r>
+              <a:t>  </a:t>
+            </a:r>
+            <a:r>
+              <a:rPr lang="hu-HU" sz="1800" dirty="0" smtClean="0">
+                <a:solidFill>
+                  <a:schemeClr val="bg1">
+                    <a:lumMod val="95000"/>
+                  </a:schemeClr>
+                </a:solidFill>
+                <a:latin typeface="Bahnschrift SemiBold Condensed" panose="020B0502040204020203" pitchFamily="34" charset="0"/>
+              </a:rPr>
+              <a:t>Mindenre</a:t>
+            </a:r>
+            <a:endParaRPr lang="hu-HU" sz="1800" dirty="0">
+              <a:solidFill>
+                <a:schemeClr val="bg1">
+                  <a:lumMod val="95000"/>
+                </a:schemeClr>
+              </a:solidFill>
+              <a:latin typeface="Bahnschrift SemiBold Condensed" panose="020B0502040204020203" pitchFamily="34" charset="0"/>
+            </a:endParaRPr>
           </a:p>
         </p:txBody>
       </p:sp>
@@ -4700,16 +4762,6 @@
 <file path=ppt/slides/slide4.xml><?xml version="1.0" encoding="utf-8"?>
 <p:sld xmlns:a="http://schemas.openxmlformats.org/drawingml/2006/main" xmlns:r="http://schemas.openxmlformats.org/officeDocument/2006/relationships" xmlns:p="http://schemas.openxmlformats.org/presentationml/2006/main">
   <p:cSld>
-    <p:bg>
-      <p:bgPr>
-        <a:solidFill>
-          <a:schemeClr val="bg2">
-            <a:lumMod val="10000"/>
-          </a:schemeClr>
-        </a:solidFill>
-        <a:effectLst/>
-      </p:bgPr>
-    </p:bg>
     <p:spTree>
       <p:nvGrpSpPr>
         <p:cNvPr id="1" name=""/>
@@ -4734,13 +4786,19 @@
             <p:ph type="title"/>
           </p:nvPr>
         </p:nvSpPr>
-        <p:spPr/>
+        <p:spPr>
+          <a:xfrm>
+            <a:off x="838200" y="232755"/>
+            <a:ext cx="10515600" cy="1325563"/>
+          </a:xfrm>
+        </p:spPr>
         <p:txBody>
           <a:bodyPr>
             <a:normAutofit/>
           </a:bodyPr>
           <a:lstStyle/>
           <a:p>
+            <a:pPr algn="ctr"/>
             <a:r>
               <a:rPr lang="hu-HU" sz="6600" dirty="0">
                 <a:solidFill>
@@ -4856,7 +4914,7 @@
         </p:nvSpPr>
         <p:spPr>
           <a:xfrm>
-            <a:off x="3652839" y="1690688"/>
+            <a:off x="6722610" y="1558318"/>
             <a:ext cx="4171950" cy="2000548"/>
           </a:xfrm>
           <a:prstGeom prst="rect">
@@ -4870,7 +4928,7 @@
           </a:bodyPr>
           <a:lstStyle/>
           <a:p>
-            <a:pPr marL="457200" indent="-457200">
+            <a:pPr marL="457200" indent="-457200" algn="r">
               <a:lnSpc>
                 <a:spcPct val="100000"/>
               </a:lnSpc>
@@ -4898,6 +4956,7 @@
             </a:endParaRPr>
           </a:p>
           <a:p>
+            <a:pPr algn="r"/>
             <a:r>
               <a:rPr lang="hu-HU" dirty="0">
                 <a:solidFill>
@@ -4911,7 +4970,7 @@
             </a:r>
           </a:p>
           <a:p>
-            <a:pPr marL="457200" indent="-457200">
+            <a:pPr marL="457200" indent="-457200" algn="r">
               <a:lnSpc>
                 <a:spcPct val="100000"/>
               </a:lnSpc>
@@ -4939,6 +4998,7 @@
             </a:endParaRPr>
           </a:p>
           <a:p>
+            <a:pPr algn="r"/>
             <a:r>
               <a:rPr lang="hu-HU" sz="2400" dirty="0">
                 <a:solidFill>
@@ -4971,6 +5031,7 @@
             </a:endParaRPr>
           </a:p>
           <a:p>
+            <a:pPr algn="r"/>
             <a:endParaRPr lang="hu-HU" dirty="0"/>
           </a:p>
         </p:txBody>
@@ -4991,7 +5052,7 @@
         </p:blipFill>
         <p:spPr>
           <a:xfrm>
-            <a:off x="6258877" y="2692357"/>
+            <a:off x="3545750" y="4086492"/>
             <a:ext cx="4835843" cy="1997758"/>
           </a:xfrm>
           <a:prstGeom prst="rect">
@@ -5603,105 +5664,14 @@
                             </p:stCondLst>
                             <p:childTnLst>
                               <p:par>
-                                <p:cTn id="37" presetID="2" presetClass="exit" presetSubtype="4" fill="hold" nodeType="clickEffect">
-                                  <p:stCondLst>
-                                    <p:cond delay="0"/>
-                                  </p:stCondLst>
-                                  <p:childTnLst>
-                                    <p:anim calcmode="lin" valueType="num">
-                                      <p:cBhvr additive="base">
-                                        <p:cTn id="38" dur="500"/>
-                                        <p:tgtEl>
-                                          <p:spTgt spid="7"/>
-                                        </p:tgtEl>
-                                        <p:attrNameLst>
-                                          <p:attrName>ppt_x</p:attrName>
-                                        </p:attrNameLst>
-                                      </p:cBhvr>
-                                      <p:tavLst>
-                                        <p:tav tm="0">
-                                          <p:val>
-                                            <p:strVal val="ppt_x"/>
-                                          </p:val>
-                                        </p:tav>
-                                        <p:tav tm="100000">
-                                          <p:val>
-                                            <p:strVal val="ppt_x"/>
-                                          </p:val>
-                                        </p:tav>
-                                      </p:tavLst>
-                                    </p:anim>
-                                    <p:anim calcmode="lin" valueType="num">
-                                      <p:cBhvr additive="base">
-                                        <p:cTn id="39" dur="500"/>
-                                        <p:tgtEl>
-                                          <p:spTgt spid="7"/>
-                                        </p:tgtEl>
-                                        <p:attrNameLst>
-                                          <p:attrName>ppt_y</p:attrName>
-                                        </p:attrNameLst>
-                                      </p:cBhvr>
-                                      <p:tavLst>
-                                        <p:tav tm="0">
-                                          <p:val>
-                                            <p:strVal val="ppt_y"/>
-                                          </p:val>
-                                        </p:tav>
-                                        <p:tav tm="100000">
-                                          <p:val>
-                                            <p:strVal val="1+ppt_h/2"/>
-                                          </p:val>
-                                        </p:tav>
-                                      </p:tavLst>
-                                    </p:anim>
-                                    <p:set>
-                                      <p:cBhvr>
-                                        <p:cTn id="40" dur="1" fill="hold">
-                                          <p:stCondLst>
-                                            <p:cond delay="499"/>
-                                          </p:stCondLst>
-                                        </p:cTn>
-                                        <p:tgtEl>
-                                          <p:spTgt spid="7"/>
-                                        </p:tgtEl>
-                                        <p:attrNameLst>
-                                          <p:attrName>style.visibility</p:attrName>
-                                        </p:attrNameLst>
-                                      </p:cBhvr>
-                                      <p:to>
-                                        <p:strVal val="hidden"/>
-                                      </p:to>
-                                    </p:set>
-                                  </p:childTnLst>
-                                </p:cTn>
-                              </p:par>
-                            </p:childTnLst>
-                          </p:cTn>
-                        </p:par>
-                      </p:childTnLst>
-                    </p:cTn>
-                  </p:par>
-                  <p:par>
-                    <p:cTn id="41" fill="hold">
-                      <p:stCondLst>
-                        <p:cond delay="indefinite"/>
-                      </p:stCondLst>
-                      <p:childTnLst>
-                        <p:par>
-                          <p:cTn id="42" fill="hold">
-                            <p:stCondLst>
-                              <p:cond delay="0"/>
-                            </p:stCondLst>
-                            <p:childTnLst>
-                              <p:par>
-                                <p:cTn id="43" presetID="2" presetClass="entr" presetSubtype="8" fill="hold" nodeType="clickEffect">
+                                <p:cTn id="37" presetID="2" presetClass="entr" presetSubtype="8" fill="hold" nodeType="clickEffect">
                                   <p:stCondLst>
                                     <p:cond delay="0"/>
                                   </p:stCondLst>
                                   <p:childTnLst>
                                     <p:set>
                                       <p:cBhvr>
-                                        <p:cTn id="44" dur="1" fill="hold">
+                                        <p:cTn id="38" dur="1" fill="hold">
                                           <p:stCondLst>
                                             <p:cond delay="0"/>
                                           </p:stCondLst>
@@ -5723,7 +5693,7 @@
                                     </p:set>
                                     <p:anim calcmode="lin" valueType="num">
                                       <p:cBhvr additive="base">
-                                        <p:cTn id="45" dur="500" fill="hold"/>
+                                        <p:cTn id="39" dur="500" fill="hold"/>
                                         <p:tgtEl>
                                           <p:spTgt spid="4">
                                             <p:txEl>
@@ -5750,7 +5720,7 @@
                                     </p:anim>
                                     <p:anim calcmode="lin" valueType="num">
                                       <p:cBhvr additive="base">
-                                        <p:cTn id="46" dur="500" fill="hold"/>
+                                        <p:cTn id="40" dur="500" fill="hold"/>
                                         <p:tgtEl>
                                           <p:spTgt spid="4">
                                             <p:txEl>
@@ -5779,14 +5749,14 @@
                                 </p:cTn>
                               </p:par>
                               <p:par>
-                                <p:cTn id="47" presetID="2" presetClass="entr" presetSubtype="8" fill="hold" nodeType="withEffect">
+                                <p:cTn id="41" presetID="2" presetClass="entr" presetSubtype="8" fill="hold" nodeType="withEffect">
                                   <p:stCondLst>
                                     <p:cond delay="0"/>
                                   </p:stCondLst>
                                   <p:childTnLst>
                                     <p:set>
                                       <p:cBhvr>
-                                        <p:cTn id="48" dur="1" fill="hold">
+                                        <p:cTn id="42" dur="1" fill="hold">
                                           <p:stCondLst>
                                             <p:cond delay="0"/>
                                           </p:stCondLst>
@@ -5808,7 +5778,7 @@
                                     </p:set>
                                     <p:anim calcmode="lin" valueType="num">
                                       <p:cBhvr additive="base">
-                                        <p:cTn id="49" dur="500" fill="hold"/>
+                                        <p:cTn id="43" dur="500" fill="hold"/>
                                         <p:tgtEl>
                                           <p:spTgt spid="4">
                                             <p:txEl>
@@ -5835,7 +5805,7 @@
                                     </p:anim>
                                     <p:anim calcmode="lin" valueType="num">
                                       <p:cBhvr additive="base">
-                                        <p:cTn id="50" dur="500" fill="hold"/>
+                                        <p:cTn id="44" dur="500" fill="hold"/>
                                         <p:tgtEl>
                                           <p:spTgt spid="4">
                                             <p:txEl>
@@ -8474,6 +8444,70 @@
 <file path=ppt/slides/slide7.xml><?xml version="1.0" encoding="utf-8"?>
 <p:sld xmlns:a="http://schemas.openxmlformats.org/drawingml/2006/main" xmlns:r="http://schemas.openxmlformats.org/officeDocument/2006/relationships" xmlns:p="http://schemas.openxmlformats.org/presentationml/2006/main">
   <p:cSld>
+    <p:bg>
+      <p:bgPr>
+        <a:gradFill flip="none" rotWithShape="1">
+          <a:gsLst>
+            <a:gs pos="7000">
+              <a:schemeClr val="bg2">
+                <a:lumMod val="54000"/>
+              </a:schemeClr>
+            </a:gs>
+            <a:gs pos="20000">
+              <a:schemeClr val="bg2">
+                <a:lumMod val="49000"/>
+              </a:schemeClr>
+            </a:gs>
+            <a:gs pos="92000">
+              <a:schemeClr val="bg2">
+                <a:lumMod val="50000"/>
+              </a:schemeClr>
+            </a:gs>
+            <a:gs pos="82000">
+              <a:schemeClr val="bg2">
+                <a:lumMod val="50000"/>
+                <a:alpha val="85000"/>
+              </a:schemeClr>
+            </a:gs>
+            <a:gs pos="85000">
+              <a:schemeClr val="bg1">
+                <a:lumMod val="85000"/>
+              </a:schemeClr>
+            </a:gs>
+            <a:gs pos="14000">
+              <a:schemeClr val="bg1">
+                <a:alpha val="90000"/>
+                <a:lumMod val="86000"/>
+              </a:schemeClr>
+            </a:gs>
+            <a:gs pos="64000">
+              <a:schemeClr val="bg2">
+                <a:lumMod val="10000"/>
+              </a:schemeClr>
+            </a:gs>
+            <a:gs pos="44000">
+              <a:schemeClr val="bg2">
+                <a:lumMod val="10000"/>
+              </a:schemeClr>
+            </a:gs>
+            <a:gs pos="72000">
+              <a:schemeClr val="tx1">
+                <a:lumMod val="75000"/>
+                <a:lumOff val="25000"/>
+              </a:schemeClr>
+            </a:gs>
+            <a:gs pos="31000">
+              <a:schemeClr val="bg2">
+                <a:lumMod val="25000"/>
+              </a:schemeClr>
+            </a:gs>
+          </a:gsLst>
+          <a:lin ang="7800000" scaled="0"/>
+          <a:tileRect/>
+        </a:gradFill>
+        <a:effectLst/>
+      </p:bgPr>
+    </p:bg>
     <p:spTree>
       <p:nvGrpSpPr>
         <p:cNvPr id="1" name=""/>
@@ -8500,7 +8534,7 @@
         </p:nvSpPr>
         <p:spPr>
           <a:xfrm>
-            <a:off x="994317" y="2784939"/>
+            <a:off x="756573" y="2894667"/>
             <a:ext cx="10515600" cy="1325563"/>
           </a:xfrm>
         </p:spPr>
@@ -8512,47 +8546,30 @@
           <a:p>
             <a:pPr algn="ctr"/>
             <a:r>
-              <a:rPr lang="hu-HU" sz="6600" dirty="0">
-                <a:solidFill>
-                  <a:schemeClr val="bg2"/>
+              <a:rPr lang="hu-HU" sz="6600" dirty="0" smtClean="0">
+                <a:solidFill>
+                  <a:schemeClr val="bg1">
+                    <a:lumMod val="95000"/>
+                  </a:schemeClr>
                 </a:solidFill>
                 <a:latin typeface="Arial Black" panose="020B0A04020102020204" pitchFamily="34" charset="0"/>
               </a:rPr>
-              <a:t>Köszönöm a figyelmet!</a:t>
+              <a:t>Köszönöm a </a:t>
+            </a:r>
+            <a:r>
+              <a:rPr lang="hu-HU" sz="6600" dirty="0">
+                <a:solidFill>
+                  <a:schemeClr val="bg1">
+                    <a:lumMod val="95000"/>
+                  </a:schemeClr>
+                </a:solidFill>
+                <a:latin typeface="Arial Black" panose="020B0A04020102020204" pitchFamily="34" charset="0"/>
+              </a:rPr>
+              <a:t>figyelmet!</a:t>
             </a:r>
           </a:p>
         </p:txBody>
       </p:sp>
-      <p:pic>
-        <p:nvPicPr>
-          <p:cNvPr id="7" name="Kép 6"/>
-          <p:cNvPicPr>
-            <a:picLocks noChangeAspect="1"/>
-          </p:cNvPicPr>
-          <p:nvPr/>
-        </p:nvPicPr>
-        <p:blipFill>
-          <a:blip r:embed="rId2" cstate="print">
-            <a:extLst>
-              <a:ext uri="{28A0092B-C50C-407E-A947-70E740481C1C}">
-                <a14:useLocalDpi xmlns:a14="http://schemas.microsoft.com/office/drawing/2010/main" val="0"/>
-              </a:ext>
-            </a:extLst>
-          </a:blip>
-          <a:stretch>
-            <a:fillRect/>
-          </a:stretch>
-        </p:blipFill>
-        <p:spPr>
-          <a:xfrm>
-            <a:off x="-2786617" y="-292430"/>
-            <a:ext cx="18077468" cy="7480300"/>
-          </a:xfrm>
-          <a:prstGeom prst="rect">
-            <a:avLst/>
-          </a:prstGeom>
-        </p:spPr>
-      </p:pic>
     </p:spTree>
     <p:extLst>
       <p:ext uri="{BB962C8B-B14F-4D97-AF65-F5344CB8AC3E}">
@@ -8564,126 +8581,12 @@
     <a:masterClrMapping/>
   </p:clrMapOvr>
   <p:transition spd="slow">
-    <p:push dir="u"/>
+    <p:wipe/>
   </p:transition>
   <p:timing>
     <p:tnLst>
       <p:par>
-        <p:cTn id="1" dur="indefinite" restart="never" nodeType="tmRoot">
-          <p:childTnLst>
-            <p:seq concurrent="1" nextAc="seek">
-              <p:cTn id="2" dur="indefinite" nodeType="mainSeq">
-                <p:childTnLst>
-                  <p:par>
-                    <p:cTn id="3" fill="hold">
-                      <p:stCondLst>
-                        <p:cond delay="indefinite"/>
-                      </p:stCondLst>
-                      <p:childTnLst>
-                        <p:par>
-                          <p:cTn id="4" fill="hold">
-                            <p:stCondLst>
-                              <p:cond delay="0"/>
-                            </p:stCondLst>
-                            <p:childTnLst>
-                              <p:par>
-                                <p:cTn id="5" presetID="2" presetClass="entr" presetSubtype="4" fill="hold" nodeType="clickEffect">
-                                  <p:stCondLst>
-                                    <p:cond delay="0"/>
-                                  </p:stCondLst>
-                                  <p:childTnLst>
-                                    <p:set>
-                                      <p:cBhvr>
-                                        <p:cTn id="6" dur="1" fill="hold">
-                                          <p:stCondLst>
-                                            <p:cond delay="0"/>
-                                          </p:stCondLst>
-                                        </p:cTn>
-                                        <p:tgtEl>
-                                          <p:spTgt spid="7"/>
-                                        </p:tgtEl>
-                                        <p:attrNameLst>
-                                          <p:attrName>style.visibility</p:attrName>
-                                        </p:attrNameLst>
-                                      </p:cBhvr>
-                                      <p:to>
-                                        <p:strVal val="visible"/>
-                                      </p:to>
-                                    </p:set>
-                                    <p:anim calcmode="lin" valueType="num">
-                                      <p:cBhvr additive="base">
-                                        <p:cTn id="7" dur="500" fill="hold"/>
-                                        <p:tgtEl>
-                                          <p:spTgt spid="7"/>
-                                        </p:tgtEl>
-                                        <p:attrNameLst>
-                                          <p:attrName>ppt_x</p:attrName>
-                                        </p:attrNameLst>
-                                      </p:cBhvr>
-                                      <p:tavLst>
-                                        <p:tav tm="0">
-                                          <p:val>
-                                            <p:strVal val="#ppt_x"/>
-                                          </p:val>
-                                        </p:tav>
-                                        <p:tav tm="100000">
-                                          <p:val>
-                                            <p:strVal val="#ppt_x"/>
-                                          </p:val>
-                                        </p:tav>
-                                      </p:tavLst>
-                                    </p:anim>
-                                    <p:anim calcmode="lin" valueType="num">
-                                      <p:cBhvr additive="base">
-                                        <p:cTn id="8" dur="500" fill="hold"/>
-                                        <p:tgtEl>
-                                          <p:spTgt spid="7"/>
-                                        </p:tgtEl>
-                                        <p:attrNameLst>
-                                          <p:attrName>ppt_y</p:attrName>
-                                        </p:attrNameLst>
-                                      </p:cBhvr>
-                                      <p:tavLst>
-                                        <p:tav tm="0">
-                                          <p:val>
-                                            <p:strVal val="1+#ppt_h/2"/>
-                                          </p:val>
-                                        </p:tav>
-                                        <p:tav tm="100000">
-                                          <p:val>
-                                            <p:strVal val="#ppt_y"/>
-                                          </p:val>
-                                        </p:tav>
-                                      </p:tavLst>
-                                    </p:anim>
-                                  </p:childTnLst>
-                                </p:cTn>
-                              </p:par>
-                            </p:childTnLst>
-                          </p:cTn>
-                        </p:par>
-                      </p:childTnLst>
-                    </p:cTn>
-                  </p:par>
-                </p:childTnLst>
-              </p:cTn>
-              <p:prevCondLst>
-                <p:cond evt="onPrev" delay="0">
-                  <p:tgtEl>
-                    <p:sldTgt/>
-                  </p:tgtEl>
-                </p:cond>
-              </p:prevCondLst>
-              <p:nextCondLst>
-                <p:cond evt="onNext" delay="0">
-                  <p:tgtEl>
-                    <p:sldTgt/>
-                  </p:tgtEl>
-                </p:cond>
-              </p:nextCondLst>
-            </p:seq>
-          </p:childTnLst>
-        </p:cTn>
+        <p:cTn id="1" dur="indefinite" restart="never" nodeType="tmRoot"/>
       </p:par>
     </p:tnLst>
   </p:timing>
@@ -8904,6 +8807,50 @@
           </a:prstGeom>
         </p:spPr>
       </p:pic>
+      <p:sp>
+        <p:nvSpPr>
+          <p:cNvPr id="5" name="Szövegdoboz 4"/>
+          <p:cNvSpPr txBox="1"/>
+          <p:nvPr/>
+        </p:nvSpPr>
+        <p:spPr>
+          <a:xfrm>
+            <a:off x="10973888" y="5532448"/>
+            <a:ext cx="3277689" cy="261610"/>
+          </a:xfrm>
+          <a:prstGeom prst="rect">
+            <a:avLst/>
+          </a:prstGeom>
+          <a:noFill/>
+        </p:spPr>
+        <p:txBody>
+          <a:bodyPr wrap="square" rtlCol="0">
+            <a:spAutoFit/>
+          </a:bodyPr>
+          <a:lstStyle/>
+          <a:p>
+            <a:r>
+              <a:rPr lang="hu-HU" sz="1100" dirty="0" smtClean="0">
+                <a:solidFill>
+                  <a:schemeClr val="bg1">
+                    <a:lumMod val="95000"/>
+                  </a:schemeClr>
+                </a:solidFill>
+                <a:latin typeface="Arial Black" panose="020B0A04020102020204" pitchFamily="34" charset="0"/>
+              </a:rPr>
+              <a:t>Forrás</a:t>
+            </a:r>
+            <a:endParaRPr lang="hu-HU" sz="1100" dirty="0">
+              <a:solidFill>
+                <a:schemeClr val="bg1">
+                  <a:lumMod val="95000"/>
+                </a:schemeClr>
+              </a:solidFill>
+              <a:latin typeface="Arial Black" panose="020B0A04020102020204" pitchFamily="34" charset="0"/>
+            </a:endParaRPr>
+          </a:p>
+        </p:txBody>
+      </p:sp>
     </p:spTree>
     <p:extLst>
       <p:ext uri="{BB962C8B-B14F-4D97-AF65-F5344CB8AC3E}">
@@ -8920,9 +8867,123 @@
   <p:timing>
     <p:tnLst>
       <p:par>
-        <p:cTn id="1" dur="indefinite" restart="never" nodeType="tmRoot"/>
+        <p:cTn id="1" dur="indefinite" restart="never" nodeType="tmRoot">
+          <p:childTnLst>
+            <p:seq concurrent="1" nextAc="seek">
+              <p:cTn id="2" dur="indefinite" nodeType="mainSeq">
+                <p:childTnLst>
+                  <p:par>
+                    <p:cTn id="3" fill="hold">
+                      <p:stCondLst>
+                        <p:cond delay="indefinite"/>
+                      </p:stCondLst>
+                      <p:childTnLst>
+                        <p:par>
+                          <p:cTn id="4" fill="hold">
+                            <p:stCondLst>
+                              <p:cond delay="0"/>
+                            </p:stCondLst>
+                            <p:childTnLst>
+                              <p:par>
+                                <p:cTn id="5" presetID="10" presetClass="entr" presetSubtype="0" fill="hold" nodeType="clickEffect">
+                                  <p:stCondLst>
+                                    <p:cond delay="0"/>
+                                  </p:stCondLst>
+                                  <p:childTnLst>
+                                    <p:set>
+                                      <p:cBhvr>
+                                        <p:cTn id="6" dur="1" fill="hold">
+                                          <p:stCondLst>
+                                            <p:cond delay="0"/>
+                                          </p:stCondLst>
+                                        </p:cTn>
+                                        <p:tgtEl>
+                                          <p:spTgt spid="4"/>
+                                        </p:tgtEl>
+                                        <p:attrNameLst>
+                                          <p:attrName>style.visibility</p:attrName>
+                                        </p:attrNameLst>
+                                      </p:cBhvr>
+                                      <p:to>
+                                        <p:strVal val="visible"/>
+                                      </p:to>
+                                    </p:set>
+                                    <p:animEffect transition="in" filter="fade">
+                                      <p:cBhvr>
+                                        <p:cTn id="7" dur="500"/>
+                                        <p:tgtEl>
+                                          <p:spTgt spid="4"/>
+                                        </p:tgtEl>
+                                      </p:cBhvr>
+                                    </p:animEffect>
+                                  </p:childTnLst>
+                                </p:cTn>
+                              </p:par>
+                              <p:par>
+                                <p:cTn id="8" presetID="10" presetClass="entr" presetSubtype="0" fill="hold" grpId="0" nodeType="withEffect">
+                                  <p:stCondLst>
+                                    <p:cond delay="0"/>
+                                  </p:stCondLst>
+                                  <p:childTnLst>
+                                    <p:set>
+                                      <p:cBhvr>
+                                        <p:cTn id="9" dur="1" fill="hold">
+                                          <p:stCondLst>
+                                            <p:cond delay="0"/>
+                                          </p:stCondLst>
+                                        </p:cTn>
+                                        <p:tgtEl>
+                                          <p:spTgt spid="5"/>
+                                        </p:tgtEl>
+                                        <p:attrNameLst>
+                                          <p:attrName>style.visibility</p:attrName>
+                                        </p:attrNameLst>
+                                      </p:cBhvr>
+                                      <p:to>
+                                        <p:strVal val="visible"/>
+                                      </p:to>
+                                    </p:set>
+                                    <p:animEffect transition="in" filter="fade">
+                                      <p:cBhvr>
+                                        <p:cTn id="10" dur="500"/>
+                                        <p:tgtEl>
+                                          <p:spTgt spid="5"/>
+                                        </p:tgtEl>
+                                      </p:cBhvr>
+                                    </p:animEffect>
+                                  </p:childTnLst>
+                                </p:cTn>
+                              </p:par>
+                            </p:childTnLst>
+                          </p:cTn>
+                        </p:par>
+                      </p:childTnLst>
+                    </p:cTn>
+                  </p:par>
+                </p:childTnLst>
+              </p:cTn>
+              <p:prevCondLst>
+                <p:cond evt="onPrev" delay="0">
+                  <p:tgtEl>
+                    <p:sldTgt/>
+                  </p:tgtEl>
+                </p:cond>
+              </p:prevCondLst>
+              <p:nextCondLst>
+                <p:cond evt="onNext" delay="0">
+                  <p:tgtEl>
+                    <p:sldTgt/>
+                  </p:tgtEl>
+                </p:cond>
+              </p:nextCondLst>
+            </p:seq>
+          </p:childTnLst>
+        </p:cTn>
       </p:par>
     </p:tnLst>
+    <p:bldLst>
+      <p:bldP spid="5" grpId="0"/>
+    </p:bldLst>
   </p:timing>
 </p:sld>
 </file>
